--- a/Documentação/PPT/Apresentação - LOL.pptx
+++ b/Documentação/PPT/Apresentação - LOL.pptx
@@ -6,17 +6,19 @@
   </p:sldMasterIdLst>
   <p:sldIdLst>
     <p:sldId id="256" r:id="rId2"/>
-    <p:sldId id="267" r:id="rId3"/>
+    <p:sldId id="271" r:id="rId3"/>
     <p:sldId id="260" r:id="rId4"/>
     <p:sldId id="261" r:id="rId5"/>
-    <p:sldId id="262" r:id="rId6"/>
-    <p:sldId id="263" r:id="rId7"/>
-    <p:sldId id="264" r:id="rId8"/>
-    <p:sldId id="265" r:id="rId9"/>
-    <p:sldId id="258" r:id="rId10"/>
-    <p:sldId id="259" r:id="rId11"/>
-    <p:sldId id="266" r:id="rId12"/>
-    <p:sldId id="269" r:id="rId13"/>
+    <p:sldId id="272" r:id="rId6"/>
+    <p:sldId id="262" r:id="rId7"/>
+    <p:sldId id="263" r:id="rId8"/>
+    <p:sldId id="264" r:id="rId9"/>
+    <p:sldId id="265" r:id="rId10"/>
+    <p:sldId id="258" r:id="rId11"/>
+    <p:sldId id="259" r:id="rId12"/>
+    <p:sldId id="273" r:id="rId13"/>
+    <p:sldId id="274" r:id="rId14"/>
+    <p:sldId id="269" r:id="rId15"/>
   </p:sldIdLst>
   <p:sldSz cx="12192000" cy="6858000"/>
   <p:notesSz cx="6858000" cy="9144000"/>
@@ -254,7 +256,7 @@
           <a:p>
             <a:fld id="{BA38CAE6-00E2-47BE-AE59-ACD9E0805BDA}" type="datetimeFigureOut">
               <a:rPr lang="pt-BR" smtClean="0"/>
-              <a:t>04/06/2021</a:t>
+              <a:t>05/06/2021</a:t>
             </a:fld>
             <a:endParaRPr lang="pt-BR"/>
           </a:p>
@@ -424,7 +426,7 @@
           <a:p>
             <a:fld id="{BA38CAE6-00E2-47BE-AE59-ACD9E0805BDA}" type="datetimeFigureOut">
               <a:rPr lang="pt-BR" smtClean="0"/>
-              <a:t>04/06/2021</a:t>
+              <a:t>05/06/2021</a:t>
             </a:fld>
             <a:endParaRPr lang="pt-BR"/>
           </a:p>
@@ -604,7 +606,7 @@
           <a:p>
             <a:fld id="{BA38CAE6-00E2-47BE-AE59-ACD9E0805BDA}" type="datetimeFigureOut">
               <a:rPr lang="pt-BR" smtClean="0"/>
-              <a:t>04/06/2021</a:t>
+              <a:t>05/06/2021</a:t>
             </a:fld>
             <a:endParaRPr lang="pt-BR"/>
           </a:p>
@@ -774,7 +776,7 @@
           <a:p>
             <a:fld id="{BA38CAE6-00E2-47BE-AE59-ACD9E0805BDA}" type="datetimeFigureOut">
               <a:rPr lang="pt-BR" smtClean="0"/>
-              <a:t>04/06/2021</a:t>
+              <a:t>05/06/2021</a:t>
             </a:fld>
             <a:endParaRPr lang="pt-BR"/>
           </a:p>
@@ -1020,7 +1022,7 @@
           <a:p>
             <a:fld id="{BA38CAE6-00E2-47BE-AE59-ACD9E0805BDA}" type="datetimeFigureOut">
               <a:rPr lang="pt-BR" smtClean="0"/>
-              <a:t>04/06/2021</a:t>
+              <a:t>05/06/2021</a:t>
             </a:fld>
             <a:endParaRPr lang="pt-BR"/>
           </a:p>
@@ -1252,7 +1254,7 @@
           <a:p>
             <a:fld id="{BA38CAE6-00E2-47BE-AE59-ACD9E0805BDA}" type="datetimeFigureOut">
               <a:rPr lang="pt-BR" smtClean="0"/>
-              <a:t>04/06/2021</a:t>
+              <a:t>05/06/2021</a:t>
             </a:fld>
             <a:endParaRPr lang="pt-BR"/>
           </a:p>
@@ -1619,7 +1621,7 @@
           <a:p>
             <a:fld id="{BA38CAE6-00E2-47BE-AE59-ACD9E0805BDA}" type="datetimeFigureOut">
               <a:rPr lang="pt-BR" smtClean="0"/>
-              <a:t>04/06/2021</a:t>
+              <a:t>05/06/2021</a:t>
             </a:fld>
             <a:endParaRPr lang="pt-BR"/>
           </a:p>
@@ -1737,7 +1739,7 @@
           <a:p>
             <a:fld id="{BA38CAE6-00E2-47BE-AE59-ACD9E0805BDA}" type="datetimeFigureOut">
               <a:rPr lang="pt-BR" smtClean="0"/>
-              <a:t>04/06/2021</a:t>
+              <a:t>05/06/2021</a:t>
             </a:fld>
             <a:endParaRPr lang="pt-BR"/>
           </a:p>
@@ -1832,7 +1834,7 @@
           <a:p>
             <a:fld id="{BA38CAE6-00E2-47BE-AE59-ACD9E0805BDA}" type="datetimeFigureOut">
               <a:rPr lang="pt-BR" smtClean="0"/>
-              <a:t>04/06/2021</a:t>
+              <a:t>05/06/2021</a:t>
             </a:fld>
             <a:endParaRPr lang="pt-BR"/>
           </a:p>
@@ -2109,7 +2111,7 @@
           <a:p>
             <a:fld id="{BA38CAE6-00E2-47BE-AE59-ACD9E0805BDA}" type="datetimeFigureOut">
               <a:rPr lang="pt-BR" smtClean="0"/>
-              <a:t>04/06/2021</a:t>
+              <a:t>05/06/2021</a:t>
             </a:fld>
             <a:endParaRPr lang="pt-BR"/>
           </a:p>
@@ -2362,7 +2364,7 @@
           <a:p>
             <a:fld id="{BA38CAE6-00E2-47BE-AE59-ACD9E0805BDA}" type="datetimeFigureOut">
               <a:rPr lang="pt-BR" smtClean="0"/>
-              <a:t>04/06/2021</a:t>
+              <a:t>05/06/2021</a:t>
             </a:fld>
             <a:endParaRPr lang="pt-BR"/>
           </a:p>
@@ -2575,7 +2577,7 @@
           <a:p>
             <a:fld id="{BA38CAE6-00E2-47BE-AE59-ACD9E0805BDA}" type="datetimeFigureOut">
               <a:rPr lang="pt-BR" smtClean="0"/>
-              <a:t>04/06/2021</a:t>
+              <a:t>05/06/2021</a:t>
             </a:fld>
             <a:endParaRPr lang="pt-BR"/>
           </a:p>
@@ -3696,7 +3698,16 @@
                   </a:solidFill>
                   <a:latin typeface="Century Gothic" panose="020B0502020202020204" pitchFamily="34" charset="0"/>
                 </a:rPr>
-                <a:t>+ 200</a:t>
+                <a:t>+ </a:t>
+              </a:r>
+              <a:r>
+                <a:rPr lang="pt-BR" sz="4800" dirty="0" smtClean="0">
+                  <a:solidFill>
+                    <a:schemeClr val="bg1"/>
+                  </a:solidFill>
+                  <a:latin typeface="Century Gothic" panose="020B0502020202020204" pitchFamily="34" charset="0"/>
+                </a:rPr>
+                <a:t>300</a:t>
               </a:r>
               <a:endParaRPr lang="pt-BR" sz="4800" dirty="0">
                 <a:solidFill>
@@ -3899,7 +3910,30 @@
                   </a:gradFill>
                   <a:latin typeface="Century Gothic" panose="020B0502020202020204" pitchFamily="34" charset="0"/>
                 </a:rPr>
-                <a:t>25%</a:t>
+                <a:t>25</a:t>
+              </a:r>
+              <a:r>
+                <a:rPr lang="pt-BR" sz="4800" dirty="0" smtClean="0">
+                  <a:gradFill>
+                    <a:gsLst>
+                      <a:gs pos="0">
+                        <a:schemeClr val="accent1">
+                          <a:shade val="30000"/>
+                          <a:satMod val="115000"/>
+                        </a:schemeClr>
+                      </a:gs>
+                      <a:gs pos="100000">
+                        <a:schemeClr val="accent1">
+                          <a:shade val="100000"/>
+                          <a:satMod val="115000"/>
+                        </a:schemeClr>
+                      </a:gs>
+                    </a:gsLst>
+                    <a:lin ang="0" scaled="0"/>
+                  </a:gradFill>
+                  <a:latin typeface="Century Gothic" panose="020B0502020202020204" pitchFamily="34" charset="0"/>
+                </a:rPr>
+                <a:t>%</a:t>
               </a:r>
               <a:endParaRPr lang="pt-BR" sz="4800" dirty="0">
                 <a:gradFill>
@@ -5675,6 +5709,72 @@
         </p:blipFill>
         <p:spPr>
           <a:xfrm>
+            <a:off x="0" y="-1"/>
+            <a:ext cx="12192000" cy="6858001"/>
+          </a:xfrm>
+        </p:spPr>
+      </p:pic>
+    </p:spTree>
+    <p:extLst>
+      <p:ext uri="{BB962C8B-B14F-4D97-AF65-F5344CB8AC3E}">
+        <p14:creationId xmlns:p14="http://schemas.microsoft.com/office/powerpoint/2010/main" val="2516383217"/>
+      </p:ext>
+    </p:extLst>
+  </p:cSld>
+  <p:clrMapOvr>
+    <a:masterClrMapping/>
+  </p:clrMapOvr>
+  <p:timing>
+    <p:tnLst>
+      <p:par>
+        <p:cTn id="1" dur="indefinite" restart="never" nodeType="tmRoot"/>
+      </p:par>
+    </p:tnLst>
+  </p:timing>
+</p:sld>
+</file>
+
+<file path=ppt/slides/slide11.xml><?xml version="1.0" encoding="utf-8"?>
+<p:sld xmlns:a="http://schemas.openxmlformats.org/drawingml/2006/main" xmlns:r="http://schemas.openxmlformats.org/officeDocument/2006/relationships" xmlns:p="http://schemas.openxmlformats.org/presentationml/2006/main">
+  <p:cSld>
+    <p:spTree>
+      <p:nvGrpSpPr>
+        <p:cNvPr id="1" name=""/>
+        <p:cNvGrpSpPr/>
+        <p:nvPr/>
+      </p:nvGrpSpPr>
+      <p:grpSpPr>
+        <a:xfrm>
+          <a:off x="0" y="0"/>
+          <a:ext cx="0" cy="0"/>
+          <a:chOff x="0" y="0"/>
+          <a:chExt cx="0" cy="0"/>
+        </a:xfrm>
+      </p:grpSpPr>
+      <p:pic>
+        <p:nvPicPr>
+          <p:cNvPr id="4" name="Espaço Reservado para Conteúdo 3"/>
+          <p:cNvPicPr>
+            <a:picLocks noGrp="1" noChangeAspect="1"/>
+          </p:cNvPicPr>
+          <p:nvPr>
+            <p:ph idx="1"/>
+          </p:nvPr>
+        </p:nvPicPr>
+        <p:blipFill>
+          <a:blip r:embed="rId2">
+            <a:extLst>
+              <a:ext uri="{28A0092B-C50C-407E-A947-70E740481C1C}">
+                <a14:useLocalDpi xmlns:a14="http://schemas.microsoft.com/office/drawing/2010/main" val="0"/>
+              </a:ext>
+            </a:extLst>
+          </a:blip>
+          <a:stretch>
+            <a:fillRect/>
+          </a:stretch>
+        </p:blipFill>
+        <p:spPr>
+          <a:xfrm>
             <a:off x="0" y="0"/>
             <a:ext cx="12192000" cy="6858000"/>
           </a:xfrm>
@@ -5700,7 +5800,7 @@
 </p:sld>
 </file>
 
-<file path=ppt/slides/slide11.xml><?xml version="1.0" encoding="utf-8"?>
+<file path=ppt/slides/slide12.xml><?xml version="1.0" encoding="utf-8"?>
 <p:sld xmlns:a="http://schemas.openxmlformats.org/drawingml/2006/main" xmlns:r="http://schemas.openxmlformats.org/officeDocument/2006/relationships" xmlns:p="http://schemas.openxmlformats.org/presentationml/2006/main">
   <p:cSld>
     <p:bg>
@@ -5731,6 +5831,102 @@
           <a:chExt cx="0" cy="0"/>
         </a:xfrm>
       </p:grpSpPr>
+      <p:sp>
+        <p:nvSpPr>
+          <p:cNvPr id="8" name="Retângulo"/>
+          <p:cNvSpPr/>
+          <p:nvPr/>
+        </p:nvSpPr>
+        <p:spPr>
+          <a:xfrm>
+            <a:off x="2294708" y="210313"/>
+            <a:ext cx="10624458" cy="1781270"/>
+          </a:xfrm>
+          <a:prstGeom prst="rect">
+            <a:avLst/>
+          </a:prstGeom>
+          <a:noFill/>
+          <a:ln w="76200">
+            <a:gradFill flip="none" rotWithShape="1">
+              <a:gsLst>
+                <a:gs pos="0">
+                  <a:srgbClr val="4BCBB9"/>
+                </a:gs>
+                <a:gs pos="100000">
+                  <a:schemeClr val="accent1">
+                    <a:lumMod val="30000"/>
+                    <a:lumOff val="70000"/>
+                  </a:schemeClr>
+                </a:gs>
+              </a:gsLst>
+              <a:lin ang="0" scaled="1"/>
+              <a:tileRect/>
+            </a:gradFill>
+          </a:ln>
+        </p:spPr>
+        <p:style>
+          <a:lnRef idx="2">
+            <a:schemeClr val="accent1">
+              <a:shade val="50000"/>
+            </a:schemeClr>
+          </a:lnRef>
+          <a:fillRef idx="1">
+            <a:schemeClr val="accent1"/>
+          </a:fillRef>
+          <a:effectRef idx="0">
+            <a:schemeClr val="accent1"/>
+          </a:effectRef>
+          <a:fontRef idx="minor">
+            <a:schemeClr val="lt1"/>
+          </a:fontRef>
+        </p:style>
+        <p:txBody>
+          <a:bodyPr rtlCol="0" anchor="ctr"/>
+          <a:lstStyle/>
+          <a:p>
+            <a:pPr algn="ctr"/>
+            <a:endParaRPr lang="pt-BR"/>
+          </a:p>
+        </p:txBody>
+      </p:sp>
+      <p:sp>
+        <p:nvSpPr>
+          <p:cNvPr id="9" name="LEAGUE OF LEGENDS"/>
+          <p:cNvSpPr txBox="1"/>
+          <p:nvPr/>
+        </p:nvSpPr>
+        <p:spPr>
+          <a:xfrm>
+            <a:off x="3156319" y="685449"/>
+            <a:ext cx="4851211" cy="830997"/>
+          </a:xfrm>
+          <a:prstGeom prst="rect">
+            <a:avLst/>
+          </a:prstGeom>
+          <a:noFill/>
+        </p:spPr>
+        <p:txBody>
+          <a:bodyPr wrap="square" rtlCol="0">
+            <a:spAutoFit/>
+          </a:bodyPr>
+          <a:lstStyle/>
+          <a:p>
+            <a:r>
+              <a:rPr lang="pt-BR" sz="4800" dirty="0" smtClean="0">
+                <a:solidFill>
+                  <a:schemeClr val="bg1"/>
+                </a:solidFill>
+              </a:rPr>
+              <a:t>BANCO DE DADOS</a:t>
+            </a:r>
+            <a:endParaRPr lang="pt-BR" sz="4800" dirty="0">
+              <a:solidFill>
+                <a:schemeClr val="bg1"/>
+              </a:solidFill>
+            </a:endParaRPr>
+          </a:p>
+        </p:txBody>
+      </p:sp>
       <p:pic>
         <p:nvPicPr>
           <p:cNvPr id="5" name="Imagem 4"/>
@@ -5747,17 +5943,489 @@
         </p:blipFill>
         <p:spPr>
           <a:xfrm>
-            <a:off x="6177841" y="1726810"/>
-            <a:ext cx="5566263" cy="4892040"/>
+            <a:off x="499457" y="2296749"/>
+            <a:ext cx="5182886" cy="4065250"/>
           </a:xfrm>
           <a:prstGeom prst="rect">
             <a:avLst/>
           </a:prstGeom>
         </p:spPr>
       </p:pic>
+    </p:spTree>
+    <p:extLst>
+      <p:ext uri="{BB962C8B-B14F-4D97-AF65-F5344CB8AC3E}">
+        <p14:creationId xmlns:p14="http://schemas.microsoft.com/office/powerpoint/2010/main" val="1700458219"/>
+      </p:ext>
+    </p:extLst>
+  </p:cSld>
+  <p:clrMapOvr>
+    <a:masterClrMapping/>
+  </p:clrMapOvr>
+  <mc:AlternateContent xmlns:mc="http://schemas.openxmlformats.org/markup-compatibility/2006">
+    <mc:Choice xmlns:p14="http://schemas.microsoft.com/office/powerpoint/2010/main" Requires="p14">
+      <p:timing>
+        <p:tnLst>
+          <p:par>
+            <p:cTn id="1" dur="indefinite" restart="never" nodeType="tmRoot">
+              <p:childTnLst>
+                <p:seq concurrent="1" nextAc="seek">
+                  <p:cTn id="2" dur="indefinite" nodeType="mainSeq">
+                    <p:childTnLst>
+                      <p:par>
+                        <p:cTn id="3" fill="hold">
+                          <p:stCondLst>
+                            <p:cond delay="indefinite"/>
+                            <p:cond evt="onBegin" delay="0">
+                              <p:tn val="2"/>
+                            </p:cond>
+                          </p:stCondLst>
+                          <p:childTnLst>
+                            <p:par>
+                              <p:cTn id="4" fill="hold">
+                                <p:stCondLst>
+                                  <p:cond delay="0"/>
+                                </p:stCondLst>
+                                <p:childTnLst>
+                                  <p:par>
+                                    <p:cTn id="5" presetID="2" presetClass="entr" presetSubtype="2" fill="hold" grpId="0" nodeType="withEffect" p14:presetBounceEnd="30000">
+                                      <p:stCondLst>
+                                        <p:cond delay="300"/>
+                                      </p:stCondLst>
+                                      <p:childTnLst>
+                                        <p:set>
+                                          <p:cBhvr>
+                                            <p:cTn id="6" dur="1" fill="hold">
+                                              <p:stCondLst>
+                                                <p:cond delay="0"/>
+                                              </p:stCondLst>
+                                            </p:cTn>
+                                            <p:tgtEl>
+                                              <p:spTgt spid="8"/>
+                                            </p:tgtEl>
+                                            <p:attrNameLst>
+                                              <p:attrName>style.visibility</p:attrName>
+                                            </p:attrNameLst>
+                                          </p:cBhvr>
+                                          <p:to>
+                                            <p:strVal val="visible"/>
+                                          </p:to>
+                                        </p:set>
+                                        <p:anim calcmode="lin" valueType="num" p14:bounceEnd="30000">
+                                          <p:cBhvr additive="base">
+                                            <p:cTn id="7" dur="500" fill="hold"/>
+                                            <p:tgtEl>
+                                              <p:spTgt spid="8"/>
+                                            </p:tgtEl>
+                                            <p:attrNameLst>
+                                              <p:attrName>ppt_x</p:attrName>
+                                            </p:attrNameLst>
+                                          </p:cBhvr>
+                                          <p:tavLst>
+                                            <p:tav tm="0">
+                                              <p:val>
+                                                <p:strVal val="1+#ppt_w/2"/>
+                                              </p:val>
+                                            </p:tav>
+                                            <p:tav tm="100000">
+                                              <p:val>
+                                                <p:strVal val="#ppt_x"/>
+                                              </p:val>
+                                            </p:tav>
+                                          </p:tavLst>
+                                        </p:anim>
+                                        <p:anim calcmode="lin" valueType="num" p14:bounceEnd="30000">
+                                          <p:cBhvr additive="base">
+                                            <p:cTn id="8" dur="500" fill="hold"/>
+                                            <p:tgtEl>
+                                              <p:spTgt spid="8"/>
+                                            </p:tgtEl>
+                                            <p:attrNameLst>
+                                              <p:attrName>ppt_y</p:attrName>
+                                            </p:attrNameLst>
+                                          </p:cBhvr>
+                                          <p:tavLst>
+                                            <p:tav tm="0">
+                                              <p:val>
+                                                <p:strVal val="#ppt_y"/>
+                                              </p:val>
+                                            </p:tav>
+                                            <p:tav tm="100000">
+                                              <p:val>
+                                                <p:strVal val="#ppt_y"/>
+                                              </p:val>
+                                            </p:tav>
+                                          </p:tavLst>
+                                        </p:anim>
+                                      </p:childTnLst>
+                                    </p:cTn>
+                                  </p:par>
+                                  <p:par>
+                                    <p:cTn id="9" presetID="22" presetClass="entr" presetSubtype="8" fill="hold" grpId="0" nodeType="withEffect">
+                                      <p:stCondLst>
+                                        <p:cond delay="700"/>
+                                      </p:stCondLst>
+                                      <p:childTnLst>
+                                        <p:set>
+                                          <p:cBhvr>
+                                            <p:cTn id="10" dur="1" fill="hold">
+                                              <p:stCondLst>
+                                                <p:cond delay="0"/>
+                                              </p:stCondLst>
+                                            </p:cTn>
+                                            <p:tgtEl>
+                                              <p:spTgt spid="9"/>
+                                            </p:tgtEl>
+                                            <p:attrNameLst>
+                                              <p:attrName>style.visibility</p:attrName>
+                                            </p:attrNameLst>
+                                          </p:cBhvr>
+                                          <p:to>
+                                            <p:strVal val="visible"/>
+                                          </p:to>
+                                        </p:set>
+                                        <p:animEffect transition="in" filter="wipe(left)">
+                                          <p:cBhvr>
+                                            <p:cTn id="11" dur="500"/>
+                                            <p:tgtEl>
+                                              <p:spTgt spid="9"/>
+                                            </p:tgtEl>
+                                          </p:cBhvr>
+                                        </p:animEffect>
+                                      </p:childTnLst>
+                                    </p:cTn>
+                                  </p:par>
+                                </p:childTnLst>
+                              </p:cTn>
+                            </p:par>
+                          </p:childTnLst>
+                        </p:cTn>
+                      </p:par>
+                    </p:childTnLst>
+                  </p:cTn>
+                  <p:prevCondLst>
+                    <p:cond evt="onPrev" delay="0">
+                      <p:tgtEl>
+                        <p:sldTgt/>
+                      </p:tgtEl>
+                    </p:cond>
+                  </p:prevCondLst>
+                  <p:nextCondLst>
+                    <p:cond evt="onNext" delay="0">
+                      <p:tgtEl>
+                        <p:sldTgt/>
+                      </p:tgtEl>
+                    </p:cond>
+                  </p:nextCondLst>
+                </p:seq>
+              </p:childTnLst>
+            </p:cTn>
+          </p:par>
+        </p:tnLst>
+        <p:bldLst>
+          <p:bldP spid="8" grpId="0" animBg="1"/>
+          <p:bldP spid="9" grpId="0"/>
+        </p:bldLst>
+      </p:timing>
+    </mc:Choice>
+    <mc:Fallback>
+      <p:timing>
+        <p:tnLst>
+          <p:par>
+            <p:cTn id="1" dur="indefinite" restart="never" nodeType="tmRoot">
+              <p:childTnLst>
+                <p:seq concurrent="1" nextAc="seek">
+                  <p:cTn id="2" dur="indefinite" nodeType="mainSeq">
+                    <p:childTnLst>
+                      <p:par>
+                        <p:cTn id="3" fill="hold">
+                          <p:stCondLst>
+                            <p:cond delay="indefinite"/>
+                            <p:cond evt="onBegin" delay="0">
+                              <p:tn val="2"/>
+                            </p:cond>
+                          </p:stCondLst>
+                          <p:childTnLst>
+                            <p:par>
+                              <p:cTn id="4" fill="hold">
+                                <p:stCondLst>
+                                  <p:cond delay="0"/>
+                                </p:stCondLst>
+                                <p:childTnLst>
+                                  <p:par>
+                                    <p:cTn id="5" presetID="2" presetClass="entr" presetSubtype="2" fill="hold" grpId="0" nodeType="withEffect">
+                                      <p:stCondLst>
+                                        <p:cond delay="300"/>
+                                      </p:stCondLst>
+                                      <p:childTnLst>
+                                        <p:set>
+                                          <p:cBhvr>
+                                            <p:cTn id="6" dur="1" fill="hold">
+                                              <p:stCondLst>
+                                                <p:cond delay="0"/>
+                                              </p:stCondLst>
+                                            </p:cTn>
+                                            <p:tgtEl>
+                                              <p:spTgt spid="8"/>
+                                            </p:tgtEl>
+                                            <p:attrNameLst>
+                                              <p:attrName>style.visibility</p:attrName>
+                                            </p:attrNameLst>
+                                          </p:cBhvr>
+                                          <p:to>
+                                            <p:strVal val="visible"/>
+                                          </p:to>
+                                        </p:set>
+                                        <p:anim calcmode="lin" valueType="num">
+                                          <p:cBhvr additive="base">
+                                            <p:cTn id="7" dur="500" fill="hold"/>
+                                            <p:tgtEl>
+                                              <p:spTgt spid="8"/>
+                                            </p:tgtEl>
+                                            <p:attrNameLst>
+                                              <p:attrName>ppt_x</p:attrName>
+                                            </p:attrNameLst>
+                                          </p:cBhvr>
+                                          <p:tavLst>
+                                            <p:tav tm="0">
+                                              <p:val>
+                                                <p:strVal val="1+#ppt_w/2"/>
+                                              </p:val>
+                                            </p:tav>
+                                            <p:tav tm="100000">
+                                              <p:val>
+                                                <p:strVal val="#ppt_x"/>
+                                              </p:val>
+                                            </p:tav>
+                                          </p:tavLst>
+                                        </p:anim>
+                                        <p:anim calcmode="lin" valueType="num">
+                                          <p:cBhvr additive="base">
+                                            <p:cTn id="8" dur="500" fill="hold"/>
+                                            <p:tgtEl>
+                                              <p:spTgt spid="8"/>
+                                            </p:tgtEl>
+                                            <p:attrNameLst>
+                                              <p:attrName>ppt_y</p:attrName>
+                                            </p:attrNameLst>
+                                          </p:cBhvr>
+                                          <p:tavLst>
+                                            <p:tav tm="0">
+                                              <p:val>
+                                                <p:strVal val="#ppt_y"/>
+                                              </p:val>
+                                            </p:tav>
+                                            <p:tav tm="100000">
+                                              <p:val>
+                                                <p:strVal val="#ppt_y"/>
+                                              </p:val>
+                                            </p:tav>
+                                          </p:tavLst>
+                                        </p:anim>
+                                      </p:childTnLst>
+                                    </p:cTn>
+                                  </p:par>
+                                  <p:par>
+                                    <p:cTn id="9" presetID="22" presetClass="entr" presetSubtype="8" fill="hold" grpId="0" nodeType="withEffect">
+                                      <p:stCondLst>
+                                        <p:cond delay="700"/>
+                                      </p:stCondLst>
+                                      <p:childTnLst>
+                                        <p:set>
+                                          <p:cBhvr>
+                                            <p:cTn id="10" dur="1" fill="hold">
+                                              <p:stCondLst>
+                                                <p:cond delay="0"/>
+                                              </p:stCondLst>
+                                            </p:cTn>
+                                            <p:tgtEl>
+                                              <p:spTgt spid="9"/>
+                                            </p:tgtEl>
+                                            <p:attrNameLst>
+                                              <p:attrName>style.visibility</p:attrName>
+                                            </p:attrNameLst>
+                                          </p:cBhvr>
+                                          <p:to>
+                                            <p:strVal val="visible"/>
+                                          </p:to>
+                                        </p:set>
+                                        <p:animEffect transition="in" filter="wipe(left)">
+                                          <p:cBhvr>
+                                            <p:cTn id="11" dur="500"/>
+                                            <p:tgtEl>
+                                              <p:spTgt spid="9"/>
+                                            </p:tgtEl>
+                                          </p:cBhvr>
+                                        </p:animEffect>
+                                      </p:childTnLst>
+                                    </p:cTn>
+                                  </p:par>
+                                </p:childTnLst>
+                              </p:cTn>
+                            </p:par>
+                          </p:childTnLst>
+                        </p:cTn>
+                      </p:par>
+                    </p:childTnLst>
+                  </p:cTn>
+                  <p:prevCondLst>
+                    <p:cond evt="onPrev" delay="0">
+                      <p:tgtEl>
+                        <p:sldTgt/>
+                      </p:tgtEl>
+                    </p:cond>
+                  </p:prevCondLst>
+                  <p:nextCondLst>
+                    <p:cond evt="onNext" delay="0">
+                      <p:tgtEl>
+                        <p:sldTgt/>
+                      </p:tgtEl>
+                    </p:cond>
+                  </p:nextCondLst>
+                </p:seq>
+              </p:childTnLst>
+            </p:cTn>
+          </p:par>
+        </p:tnLst>
+        <p:bldLst>
+          <p:bldP spid="8" grpId="0" animBg="1"/>
+          <p:bldP spid="9" grpId="0"/>
+        </p:bldLst>
+      </p:timing>
+    </mc:Fallback>
+  </mc:AlternateContent>
+</p:sld>
+</file>
+
+<file path=ppt/slides/slide13.xml><?xml version="1.0" encoding="utf-8"?>
+<p:sld xmlns:a="http://schemas.openxmlformats.org/drawingml/2006/main" xmlns:r="http://schemas.openxmlformats.org/officeDocument/2006/relationships" xmlns:p="http://schemas.openxmlformats.org/presentationml/2006/main">
+  <p:cSld>
+    <p:bg>
+      <p:bgPr>
+        <a:blipFill dpi="0" rotWithShape="1">
+          <a:blip r:embed="rId2">
+            <a:lum/>
+          </a:blip>
+          <a:srcRect/>
+          <a:stretch>
+            <a:fillRect/>
+          </a:stretch>
+        </a:blipFill>
+        <a:effectLst/>
+      </p:bgPr>
+    </p:bg>
+    <p:spTree>
+      <p:nvGrpSpPr>
+        <p:cNvPr id="1" name=""/>
+        <p:cNvGrpSpPr/>
+        <p:nvPr/>
+      </p:nvGrpSpPr>
+      <p:grpSpPr>
+        <a:xfrm>
+          <a:off x="0" y="0"/>
+          <a:ext cx="0" cy="0"/>
+          <a:chOff x="0" y="0"/>
+          <a:chExt cx="0" cy="0"/>
+        </a:xfrm>
+      </p:grpSpPr>
+      <p:sp>
+        <p:nvSpPr>
+          <p:cNvPr id="8" name="Retângulo"/>
+          <p:cNvSpPr/>
+          <p:nvPr/>
+        </p:nvSpPr>
+        <p:spPr>
+          <a:xfrm>
+            <a:off x="2294708" y="210313"/>
+            <a:ext cx="10624458" cy="1781270"/>
+          </a:xfrm>
+          <a:prstGeom prst="rect">
+            <a:avLst/>
+          </a:prstGeom>
+          <a:noFill/>
+          <a:ln w="76200">
+            <a:gradFill flip="none" rotWithShape="1">
+              <a:gsLst>
+                <a:gs pos="0">
+                  <a:srgbClr val="4BCBB9"/>
+                </a:gs>
+                <a:gs pos="100000">
+                  <a:schemeClr val="accent1">
+                    <a:lumMod val="30000"/>
+                    <a:lumOff val="70000"/>
+                  </a:schemeClr>
+                </a:gs>
+              </a:gsLst>
+              <a:lin ang="0" scaled="1"/>
+              <a:tileRect/>
+            </a:gradFill>
+          </a:ln>
+        </p:spPr>
+        <p:style>
+          <a:lnRef idx="2">
+            <a:schemeClr val="accent1">
+              <a:shade val="50000"/>
+            </a:schemeClr>
+          </a:lnRef>
+          <a:fillRef idx="1">
+            <a:schemeClr val="accent1"/>
+          </a:fillRef>
+          <a:effectRef idx="0">
+            <a:schemeClr val="accent1"/>
+          </a:effectRef>
+          <a:fontRef idx="minor">
+            <a:schemeClr val="lt1"/>
+          </a:fontRef>
+        </p:style>
+        <p:txBody>
+          <a:bodyPr rtlCol="0" anchor="ctr"/>
+          <a:lstStyle/>
+          <a:p>
+            <a:pPr algn="ctr"/>
+            <a:endParaRPr lang="pt-BR"/>
+          </a:p>
+        </p:txBody>
+      </p:sp>
+      <p:sp>
+        <p:nvSpPr>
+          <p:cNvPr id="9" name="LEAGUE OF LEGENDS"/>
+          <p:cNvSpPr txBox="1"/>
+          <p:nvPr/>
+        </p:nvSpPr>
+        <p:spPr>
+          <a:xfrm>
+            <a:off x="3090900" y="685449"/>
+            <a:ext cx="7502972" cy="830997"/>
+          </a:xfrm>
+          <a:prstGeom prst="rect">
+            <a:avLst/>
+          </a:prstGeom>
+          <a:noFill/>
+        </p:spPr>
+        <p:txBody>
+          <a:bodyPr wrap="square" rtlCol="0">
+            <a:spAutoFit/>
+          </a:bodyPr>
+          <a:lstStyle/>
+          <a:p>
+            <a:r>
+              <a:rPr lang="pt-BR" sz="4800" dirty="0" smtClean="0">
+                <a:solidFill>
+                  <a:schemeClr val="bg1"/>
+                </a:solidFill>
+              </a:rPr>
+              <a:t>DEMONSTRAÇÃO DO SITE</a:t>
+            </a:r>
+            <a:endParaRPr lang="pt-BR" sz="4800" dirty="0">
+              <a:solidFill>
+                <a:schemeClr val="bg1"/>
+              </a:solidFill>
+            </a:endParaRPr>
+          </a:p>
+        </p:txBody>
+      </p:sp>
       <p:pic>
         <p:nvPicPr>
-          <p:cNvPr id="6" name="Imagem 5"/>
+          <p:cNvPr id="3" name="Imagem 2"/>
           <p:cNvPicPr>
             <a:picLocks noChangeAspect="1"/>
           </p:cNvPicPr>
@@ -5771,40 +6439,360 @@
         </p:blipFill>
         <p:spPr>
           <a:xfrm>
-            <a:off x="886044" y="781929"/>
-            <a:ext cx="5566263" cy="4892040"/>
+            <a:off x="1000261" y="2466719"/>
+            <a:ext cx="10263977" cy="4152834"/>
           </a:xfrm>
           <a:prstGeom prst="rect">
             <a:avLst/>
           </a:prstGeom>
-          <a:effectLst>
-            <a:outerShdw blurRad="114300" dist="50800" dir="5400000" algn="ctr" rotWithShape="0">
-              <a:srgbClr val="000000"/>
-            </a:outerShdw>
-          </a:effectLst>
         </p:spPr>
       </p:pic>
     </p:spTree>
     <p:extLst>
       <p:ext uri="{BB962C8B-B14F-4D97-AF65-F5344CB8AC3E}">
-        <p14:creationId xmlns:p14="http://schemas.microsoft.com/office/powerpoint/2010/main" val="3357578324"/>
+        <p14:creationId xmlns:p14="http://schemas.microsoft.com/office/powerpoint/2010/main" val="198793529"/>
       </p:ext>
     </p:extLst>
   </p:cSld>
   <p:clrMapOvr>
     <a:masterClrMapping/>
   </p:clrMapOvr>
-  <p:timing>
-    <p:tnLst>
-      <p:par>
-        <p:cTn id="1" dur="indefinite" restart="never" nodeType="tmRoot"/>
-      </p:par>
-    </p:tnLst>
-  </p:timing>
+  <mc:AlternateContent xmlns:mc="http://schemas.openxmlformats.org/markup-compatibility/2006">
+    <mc:Choice xmlns:p14="http://schemas.microsoft.com/office/powerpoint/2010/main" Requires="p14">
+      <p:timing>
+        <p:tnLst>
+          <p:par>
+            <p:cTn id="1" dur="indefinite" restart="never" nodeType="tmRoot">
+              <p:childTnLst>
+                <p:seq concurrent="1" nextAc="seek">
+                  <p:cTn id="2" dur="indefinite" nodeType="mainSeq">
+                    <p:childTnLst>
+                      <p:par>
+                        <p:cTn id="3" fill="hold">
+                          <p:stCondLst>
+                            <p:cond delay="indefinite"/>
+                            <p:cond evt="onBegin" delay="0">
+                              <p:tn val="2"/>
+                            </p:cond>
+                          </p:stCondLst>
+                          <p:childTnLst>
+                            <p:par>
+                              <p:cTn id="4" fill="hold">
+                                <p:stCondLst>
+                                  <p:cond delay="0"/>
+                                </p:stCondLst>
+                                <p:childTnLst>
+                                  <p:par>
+                                    <p:cTn id="5" presetID="2" presetClass="entr" presetSubtype="2" fill="hold" grpId="0" nodeType="withEffect" p14:presetBounceEnd="30000">
+                                      <p:stCondLst>
+                                        <p:cond delay="300"/>
+                                      </p:stCondLst>
+                                      <p:childTnLst>
+                                        <p:set>
+                                          <p:cBhvr>
+                                            <p:cTn id="6" dur="1" fill="hold">
+                                              <p:stCondLst>
+                                                <p:cond delay="0"/>
+                                              </p:stCondLst>
+                                            </p:cTn>
+                                            <p:tgtEl>
+                                              <p:spTgt spid="8"/>
+                                            </p:tgtEl>
+                                            <p:attrNameLst>
+                                              <p:attrName>style.visibility</p:attrName>
+                                            </p:attrNameLst>
+                                          </p:cBhvr>
+                                          <p:to>
+                                            <p:strVal val="visible"/>
+                                          </p:to>
+                                        </p:set>
+                                        <p:anim calcmode="lin" valueType="num" p14:bounceEnd="30000">
+                                          <p:cBhvr additive="base">
+                                            <p:cTn id="7" dur="500" fill="hold"/>
+                                            <p:tgtEl>
+                                              <p:spTgt spid="8"/>
+                                            </p:tgtEl>
+                                            <p:attrNameLst>
+                                              <p:attrName>ppt_x</p:attrName>
+                                            </p:attrNameLst>
+                                          </p:cBhvr>
+                                          <p:tavLst>
+                                            <p:tav tm="0">
+                                              <p:val>
+                                                <p:strVal val="1+#ppt_w/2"/>
+                                              </p:val>
+                                            </p:tav>
+                                            <p:tav tm="100000">
+                                              <p:val>
+                                                <p:strVal val="#ppt_x"/>
+                                              </p:val>
+                                            </p:tav>
+                                          </p:tavLst>
+                                        </p:anim>
+                                        <p:anim calcmode="lin" valueType="num" p14:bounceEnd="30000">
+                                          <p:cBhvr additive="base">
+                                            <p:cTn id="8" dur="500" fill="hold"/>
+                                            <p:tgtEl>
+                                              <p:spTgt spid="8"/>
+                                            </p:tgtEl>
+                                            <p:attrNameLst>
+                                              <p:attrName>ppt_y</p:attrName>
+                                            </p:attrNameLst>
+                                          </p:cBhvr>
+                                          <p:tavLst>
+                                            <p:tav tm="0">
+                                              <p:val>
+                                                <p:strVal val="#ppt_y"/>
+                                              </p:val>
+                                            </p:tav>
+                                            <p:tav tm="100000">
+                                              <p:val>
+                                                <p:strVal val="#ppt_y"/>
+                                              </p:val>
+                                            </p:tav>
+                                          </p:tavLst>
+                                        </p:anim>
+                                      </p:childTnLst>
+                                    </p:cTn>
+                                  </p:par>
+                                  <p:par>
+                                    <p:cTn id="9" presetID="22" presetClass="entr" presetSubtype="8" fill="hold" grpId="0" nodeType="withEffect">
+                                      <p:stCondLst>
+                                        <p:cond delay="700"/>
+                                      </p:stCondLst>
+                                      <p:childTnLst>
+                                        <p:set>
+                                          <p:cBhvr>
+                                            <p:cTn id="10" dur="1" fill="hold">
+                                              <p:stCondLst>
+                                                <p:cond delay="0"/>
+                                              </p:stCondLst>
+                                            </p:cTn>
+                                            <p:tgtEl>
+                                              <p:spTgt spid="9"/>
+                                            </p:tgtEl>
+                                            <p:attrNameLst>
+                                              <p:attrName>style.visibility</p:attrName>
+                                            </p:attrNameLst>
+                                          </p:cBhvr>
+                                          <p:to>
+                                            <p:strVal val="visible"/>
+                                          </p:to>
+                                        </p:set>
+                                        <p:animEffect transition="in" filter="wipe(left)">
+                                          <p:cBhvr>
+                                            <p:cTn id="11" dur="500"/>
+                                            <p:tgtEl>
+                                              <p:spTgt spid="9"/>
+                                            </p:tgtEl>
+                                          </p:cBhvr>
+                                        </p:animEffect>
+                                      </p:childTnLst>
+                                    </p:cTn>
+                                  </p:par>
+                                </p:childTnLst>
+                              </p:cTn>
+                            </p:par>
+                          </p:childTnLst>
+                        </p:cTn>
+                      </p:par>
+                    </p:childTnLst>
+                  </p:cTn>
+                  <p:prevCondLst>
+                    <p:cond evt="onPrev" delay="0">
+                      <p:tgtEl>
+                        <p:sldTgt/>
+                      </p:tgtEl>
+                    </p:cond>
+                  </p:prevCondLst>
+                  <p:nextCondLst>
+                    <p:cond evt="onNext" delay="0">
+                      <p:tgtEl>
+                        <p:sldTgt/>
+                      </p:tgtEl>
+                    </p:cond>
+                  </p:nextCondLst>
+                </p:seq>
+              </p:childTnLst>
+            </p:cTn>
+          </p:par>
+        </p:tnLst>
+        <p:bldLst>
+          <p:bldP spid="8" grpId="0" animBg="1"/>
+          <p:bldP spid="9" grpId="0"/>
+        </p:bldLst>
+      </p:timing>
+    </mc:Choice>
+    <mc:Fallback>
+      <p:timing>
+        <p:tnLst>
+          <p:par>
+            <p:cTn id="1" dur="indefinite" restart="never" nodeType="tmRoot">
+              <p:childTnLst>
+                <p:seq concurrent="1" nextAc="seek">
+                  <p:cTn id="2" dur="indefinite" nodeType="mainSeq">
+                    <p:childTnLst>
+                      <p:par>
+                        <p:cTn id="3" fill="hold">
+                          <p:stCondLst>
+                            <p:cond delay="indefinite"/>
+                            <p:cond evt="onBegin" delay="0">
+                              <p:tn val="2"/>
+                            </p:cond>
+                          </p:stCondLst>
+                          <p:childTnLst>
+                            <p:par>
+                              <p:cTn id="4" fill="hold">
+                                <p:stCondLst>
+                                  <p:cond delay="0"/>
+                                </p:stCondLst>
+                                <p:childTnLst>
+                                  <p:par>
+                                    <p:cTn id="5" presetID="2" presetClass="entr" presetSubtype="2" fill="hold" grpId="0" nodeType="withEffect">
+                                      <p:stCondLst>
+                                        <p:cond delay="300"/>
+                                      </p:stCondLst>
+                                      <p:childTnLst>
+                                        <p:set>
+                                          <p:cBhvr>
+                                            <p:cTn id="6" dur="1" fill="hold">
+                                              <p:stCondLst>
+                                                <p:cond delay="0"/>
+                                              </p:stCondLst>
+                                            </p:cTn>
+                                            <p:tgtEl>
+                                              <p:spTgt spid="8"/>
+                                            </p:tgtEl>
+                                            <p:attrNameLst>
+                                              <p:attrName>style.visibility</p:attrName>
+                                            </p:attrNameLst>
+                                          </p:cBhvr>
+                                          <p:to>
+                                            <p:strVal val="visible"/>
+                                          </p:to>
+                                        </p:set>
+                                        <p:anim calcmode="lin" valueType="num">
+                                          <p:cBhvr additive="base">
+                                            <p:cTn id="7" dur="500" fill="hold"/>
+                                            <p:tgtEl>
+                                              <p:spTgt spid="8"/>
+                                            </p:tgtEl>
+                                            <p:attrNameLst>
+                                              <p:attrName>ppt_x</p:attrName>
+                                            </p:attrNameLst>
+                                          </p:cBhvr>
+                                          <p:tavLst>
+                                            <p:tav tm="0">
+                                              <p:val>
+                                                <p:strVal val="1+#ppt_w/2"/>
+                                              </p:val>
+                                            </p:tav>
+                                            <p:tav tm="100000">
+                                              <p:val>
+                                                <p:strVal val="#ppt_x"/>
+                                              </p:val>
+                                            </p:tav>
+                                          </p:tavLst>
+                                        </p:anim>
+                                        <p:anim calcmode="lin" valueType="num">
+                                          <p:cBhvr additive="base">
+                                            <p:cTn id="8" dur="500" fill="hold"/>
+                                            <p:tgtEl>
+                                              <p:spTgt spid="8"/>
+                                            </p:tgtEl>
+                                            <p:attrNameLst>
+                                              <p:attrName>ppt_y</p:attrName>
+                                            </p:attrNameLst>
+                                          </p:cBhvr>
+                                          <p:tavLst>
+                                            <p:tav tm="0">
+                                              <p:val>
+                                                <p:strVal val="#ppt_y"/>
+                                              </p:val>
+                                            </p:tav>
+                                            <p:tav tm="100000">
+                                              <p:val>
+                                                <p:strVal val="#ppt_y"/>
+                                              </p:val>
+                                            </p:tav>
+                                          </p:tavLst>
+                                        </p:anim>
+                                      </p:childTnLst>
+                                    </p:cTn>
+                                  </p:par>
+                                  <p:par>
+                                    <p:cTn id="9" presetID="22" presetClass="entr" presetSubtype="8" fill="hold" grpId="0" nodeType="withEffect">
+                                      <p:stCondLst>
+                                        <p:cond delay="700"/>
+                                      </p:stCondLst>
+                                      <p:childTnLst>
+                                        <p:set>
+                                          <p:cBhvr>
+                                            <p:cTn id="10" dur="1" fill="hold">
+                                              <p:stCondLst>
+                                                <p:cond delay="0"/>
+                                              </p:stCondLst>
+                                            </p:cTn>
+                                            <p:tgtEl>
+                                              <p:spTgt spid="9"/>
+                                            </p:tgtEl>
+                                            <p:attrNameLst>
+                                              <p:attrName>style.visibility</p:attrName>
+                                            </p:attrNameLst>
+                                          </p:cBhvr>
+                                          <p:to>
+                                            <p:strVal val="visible"/>
+                                          </p:to>
+                                        </p:set>
+                                        <p:animEffect transition="in" filter="wipe(left)">
+                                          <p:cBhvr>
+                                            <p:cTn id="11" dur="500"/>
+                                            <p:tgtEl>
+                                              <p:spTgt spid="9"/>
+                                            </p:tgtEl>
+                                          </p:cBhvr>
+                                        </p:animEffect>
+                                      </p:childTnLst>
+                                    </p:cTn>
+                                  </p:par>
+                                </p:childTnLst>
+                              </p:cTn>
+                            </p:par>
+                          </p:childTnLst>
+                        </p:cTn>
+                      </p:par>
+                    </p:childTnLst>
+                  </p:cTn>
+                  <p:prevCondLst>
+                    <p:cond evt="onPrev" delay="0">
+                      <p:tgtEl>
+                        <p:sldTgt/>
+                      </p:tgtEl>
+                    </p:cond>
+                  </p:prevCondLst>
+                  <p:nextCondLst>
+                    <p:cond evt="onNext" delay="0">
+                      <p:tgtEl>
+                        <p:sldTgt/>
+                      </p:tgtEl>
+                    </p:cond>
+                  </p:nextCondLst>
+                </p:seq>
+              </p:childTnLst>
+            </p:cTn>
+          </p:par>
+        </p:tnLst>
+        <p:bldLst>
+          <p:bldP spid="8" grpId="0" animBg="1"/>
+          <p:bldP spid="9" grpId="0"/>
+        </p:bldLst>
+      </p:timing>
+    </mc:Fallback>
+  </mc:AlternateContent>
 </p:sld>
 </file>
 
-<file path=ppt/slides/slide12.xml><?xml version="1.0" encoding="utf-8"?>
+<file path=ppt/slides/slide14.xml><?xml version="1.0" encoding="utf-8"?>
 <p:sld xmlns:a="http://schemas.openxmlformats.org/drawingml/2006/main" xmlns:r="http://schemas.openxmlformats.org/officeDocument/2006/relationships" xmlns:p="http://schemas.openxmlformats.org/presentationml/2006/main">
   <p:cSld>
     <p:bg>
@@ -5901,8 +6889,8 @@
         </p:nvSpPr>
         <p:spPr>
           <a:xfrm>
-            <a:off x="3052689" y="603501"/>
-            <a:ext cx="8689078" cy="830997"/>
+            <a:off x="3078815" y="972832"/>
+            <a:ext cx="3230545" cy="830997"/>
           </a:xfrm>
           <a:prstGeom prst="rect">
             <a:avLst/>
@@ -5953,7 +6941,7 @@
         </p:blipFill>
         <p:spPr>
           <a:xfrm>
-            <a:off x="5361468" y="1083213"/>
+            <a:off x="5923171" y="1109340"/>
             <a:ext cx="6380299" cy="6116432"/>
           </a:xfrm>
           <a:prstGeom prst="rect">
@@ -5961,6 +6949,120 @@
           </a:prstGeom>
         </p:spPr>
       </p:pic>
+      <p:sp>
+        <p:nvSpPr>
+          <p:cNvPr id="6" name="LEAGUE OF LEGENDS"/>
+          <p:cNvSpPr txBox="1"/>
+          <p:nvPr/>
+        </p:nvSpPr>
+        <p:spPr>
+          <a:xfrm>
+            <a:off x="541877" y="3459670"/>
+            <a:ext cx="5511923" cy="707886"/>
+          </a:xfrm>
+          <a:prstGeom prst="rect">
+            <a:avLst/>
+          </a:prstGeom>
+          <a:noFill/>
+        </p:spPr>
+        <p:txBody>
+          <a:bodyPr wrap="square" rtlCol="0">
+            <a:spAutoFit/>
+          </a:bodyPr>
+          <a:lstStyle/>
+          <a:p>
+            <a:r>
+              <a:rPr lang="pt-BR" sz="4000" dirty="0" smtClean="0">
+                <a:solidFill>
+                  <a:schemeClr val="bg1"/>
+                </a:solidFill>
+              </a:rPr>
+              <a:t>LUIZ FELIPE DIAS EKSTEIN</a:t>
+            </a:r>
+            <a:endParaRPr lang="pt-BR" sz="4000" dirty="0">
+              <a:solidFill>
+                <a:schemeClr val="bg1"/>
+              </a:solidFill>
+            </a:endParaRPr>
+          </a:p>
+        </p:txBody>
+      </p:sp>
+      <p:sp>
+        <p:nvSpPr>
+          <p:cNvPr id="10" name="LEAGUE OF LEGENDS"/>
+          <p:cNvSpPr txBox="1"/>
+          <p:nvPr/>
+        </p:nvSpPr>
+        <p:spPr>
+          <a:xfrm>
+            <a:off x="541876" y="4167556"/>
+            <a:ext cx="1896523" cy="707886"/>
+          </a:xfrm>
+          <a:prstGeom prst="rect">
+            <a:avLst/>
+          </a:prstGeom>
+          <a:noFill/>
+        </p:spPr>
+        <p:txBody>
+          <a:bodyPr wrap="square" rtlCol="0">
+            <a:spAutoFit/>
+          </a:bodyPr>
+          <a:lstStyle/>
+          <a:p>
+            <a:r>
+              <a:rPr lang="pt-BR" sz="4000" dirty="0" smtClean="0">
+                <a:solidFill>
+                  <a:schemeClr val="bg1"/>
+                </a:solidFill>
+              </a:rPr>
+              <a:t>1 ADS-B</a:t>
+            </a:r>
+            <a:endParaRPr lang="pt-BR" sz="4000" dirty="0">
+              <a:solidFill>
+                <a:schemeClr val="bg1"/>
+              </a:solidFill>
+            </a:endParaRPr>
+          </a:p>
+        </p:txBody>
+      </p:sp>
+      <p:sp>
+        <p:nvSpPr>
+          <p:cNvPr id="11" name="LEAGUE OF LEGENDS"/>
+          <p:cNvSpPr txBox="1"/>
+          <p:nvPr/>
+        </p:nvSpPr>
+        <p:spPr>
+          <a:xfrm>
+            <a:off x="3297838" y="4167556"/>
+            <a:ext cx="2721523" cy="707886"/>
+          </a:xfrm>
+          <a:prstGeom prst="rect">
+            <a:avLst/>
+          </a:prstGeom>
+          <a:noFill/>
+        </p:spPr>
+        <p:txBody>
+          <a:bodyPr wrap="square" rtlCol="0">
+            <a:spAutoFit/>
+          </a:bodyPr>
+          <a:lstStyle/>
+          <a:p>
+            <a:r>
+              <a:rPr lang="pt-BR" sz="4000" dirty="0" smtClean="0">
+                <a:solidFill>
+                  <a:schemeClr val="bg1"/>
+                </a:solidFill>
+              </a:rPr>
+              <a:t>09/06/2021</a:t>
+            </a:r>
+            <a:endParaRPr lang="pt-BR" sz="4000" dirty="0">
+              <a:solidFill>
+                <a:schemeClr val="bg1"/>
+              </a:solidFill>
+            </a:endParaRPr>
+          </a:p>
+        </p:txBody>
+      </p:sp>
     </p:spTree>
     <p:extLst>
       <p:ext uri="{BB962C8B-B14F-4D97-AF65-F5344CB8AC3E}">
@@ -6177,6 +7279,111 @@
                                       </p:childTnLst>
                                     </p:cTn>
                                   </p:par>
+                                  <p:par>
+                                    <p:cTn id="16" presetID="22" presetClass="entr" presetSubtype="8" fill="hold" grpId="0" nodeType="withEffect">
+                                      <p:stCondLst>
+                                        <p:cond delay="700"/>
+                                      </p:stCondLst>
+                                      <p:childTnLst>
+                                        <p:set>
+                                          <p:cBhvr>
+                                            <p:cTn id="17" dur="1" fill="hold">
+                                              <p:stCondLst>
+                                                <p:cond delay="0"/>
+                                              </p:stCondLst>
+                                            </p:cTn>
+                                            <p:tgtEl>
+                                              <p:spTgt spid="6"/>
+                                            </p:tgtEl>
+                                            <p:attrNameLst>
+                                              <p:attrName>style.visibility</p:attrName>
+                                            </p:attrNameLst>
+                                          </p:cBhvr>
+                                          <p:to>
+                                            <p:strVal val="visible"/>
+                                          </p:to>
+                                        </p:set>
+                                        <p:animEffect transition="in" filter="wipe(left)">
+                                          <p:cBhvr>
+                                            <p:cTn id="18" dur="500"/>
+                                            <p:tgtEl>
+                                              <p:spTgt spid="6"/>
+                                            </p:tgtEl>
+                                          </p:cBhvr>
+                                        </p:animEffect>
+                                      </p:childTnLst>
+                                    </p:cTn>
+                                  </p:par>
+                                  <p:par>
+                                    <p:cTn id="19" presetID="22" presetClass="entr" presetSubtype="8" fill="hold" grpId="0" nodeType="withEffect">
+                                      <p:stCondLst>
+                                        <p:cond delay="700"/>
+                                      </p:stCondLst>
+                                      <p:childTnLst>
+                                        <p:set>
+                                          <p:cBhvr>
+                                            <p:cTn id="20" dur="1" fill="hold">
+                                              <p:stCondLst>
+                                                <p:cond delay="0"/>
+                                              </p:stCondLst>
+                                            </p:cTn>
+                                            <p:tgtEl>
+                                              <p:spTgt spid="10"/>
+                                            </p:tgtEl>
+                                            <p:attrNameLst>
+                                              <p:attrName>style.visibility</p:attrName>
+                                            </p:attrNameLst>
+                                          </p:cBhvr>
+                                          <p:to>
+                                            <p:strVal val="visible"/>
+                                          </p:to>
+                                        </p:set>
+                                        <p:animEffect transition="in" filter="wipe(left)">
+                                          <p:cBhvr>
+                                            <p:cTn id="21" dur="500"/>
+                                            <p:tgtEl>
+                                              <p:spTgt spid="10"/>
+                                            </p:tgtEl>
+                                          </p:cBhvr>
+                                        </p:animEffect>
+                                      </p:childTnLst>
+                                    </p:cTn>
+                                  </p:par>
+                                  <p:par>
+                                    <p:cTn id="22" presetID="22" presetClass="entr" presetSubtype="8" fill="hold" grpId="0" nodeType="withEffect">
+                                      <p:stCondLst>
+                                        <p:cond delay="700"/>
+                                      </p:stCondLst>
+                                      <p:childTnLst>
+                                        <p:set>
+                                          <p:cBhvr>
+                                            <p:cTn id="23" dur="1" fill="hold">
+                                              <p:stCondLst>
+                                                <p:cond delay="0"/>
+                                              </p:stCondLst>
+                                            </p:cTn>
+                                            <p:tgtEl>
+                                              <p:spTgt spid="11"/>
+                                            </p:tgtEl>
+                                            <p:attrNameLst>
+                                              <p:attrName>style.visibility</p:attrName>
+                                            </p:attrNameLst>
+                                          </p:cBhvr>
+                                          <p:to>
+                                            <p:strVal val="visible"/>
+                                          </p:to>
+                                        </p:set>
+                                        <p:animEffect transition="in" filter="wipe(left)">
+                                          <p:cBhvr>
+                                            <p:cTn id="24" dur="500"/>
+                                            <p:tgtEl>
+                                              <p:spTgt spid="11"/>
+                                            </p:tgtEl>
+                                          </p:cBhvr>
+                                        </p:animEffect>
+                                      </p:childTnLst>
+                                    </p:cTn>
+                                  </p:par>
                                 </p:childTnLst>
                               </p:cTn>
                             </p:par>
@@ -6207,6 +7414,9 @@
         <p:bldLst>
           <p:bldP spid="8" grpId="0" animBg="1"/>
           <p:bldP spid="9" grpId="0"/>
+          <p:bldP spid="6" grpId="0"/>
+          <p:bldP spid="10" grpId="0"/>
+          <p:bldP spid="11" grpId="0"/>
         </p:bldLst>
       </p:timing>
     </mc:Choice>
@@ -6415,6 +7625,111 @@
                                       </p:childTnLst>
                                     </p:cTn>
                                   </p:par>
+                                  <p:par>
+                                    <p:cTn id="16" presetID="22" presetClass="entr" presetSubtype="8" fill="hold" grpId="0" nodeType="withEffect">
+                                      <p:stCondLst>
+                                        <p:cond delay="700"/>
+                                      </p:stCondLst>
+                                      <p:childTnLst>
+                                        <p:set>
+                                          <p:cBhvr>
+                                            <p:cTn id="17" dur="1" fill="hold">
+                                              <p:stCondLst>
+                                                <p:cond delay="0"/>
+                                              </p:stCondLst>
+                                            </p:cTn>
+                                            <p:tgtEl>
+                                              <p:spTgt spid="6"/>
+                                            </p:tgtEl>
+                                            <p:attrNameLst>
+                                              <p:attrName>style.visibility</p:attrName>
+                                            </p:attrNameLst>
+                                          </p:cBhvr>
+                                          <p:to>
+                                            <p:strVal val="visible"/>
+                                          </p:to>
+                                        </p:set>
+                                        <p:animEffect transition="in" filter="wipe(left)">
+                                          <p:cBhvr>
+                                            <p:cTn id="18" dur="500"/>
+                                            <p:tgtEl>
+                                              <p:spTgt spid="6"/>
+                                            </p:tgtEl>
+                                          </p:cBhvr>
+                                        </p:animEffect>
+                                      </p:childTnLst>
+                                    </p:cTn>
+                                  </p:par>
+                                  <p:par>
+                                    <p:cTn id="19" presetID="22" presetClass="entr" presetSubtype="8" fill="hold" grpId="0" nodeType="withEffect">
+                                      <p:stCondLst>
+                                        <p:cond delay="700"/>
+                                      </p:stCondLst>
+                                      <p:childTnLst>
+                                        <p:set>
+                                          <p:cBhvr>
+                                            <p:cTn id="20" dur="1" fill="hold">
+                                              <p:stCondLst>
+                                                <p:cond delay="0"/>
+                                              </p:stCondLst>
+                                            </p:cTn>
+                                            <p:tgtEl>
+                                              <p:spTgt spid="10"/>
+                                            </p:tgtEl>
+                                            <p:attrNameLst>
+                                              <p:attrName>style.visibility</p:attrName>
+                                            </p:attrNameLst>
+                                          </p:cBhvr>
+                                          <p:to>
+                                            <p:strVal val="visible"/>
+                                          </p:to>
+                                        </p:set>
+                                        <p:animEffect transition="in" filter="wipe(left)">
+                                          <p:cBhvr>
+                                            <p:cTn id="21" dur="500"/>
+                                            <p:tgtEl>
+                                              <p:spTgt spid="10"/>
+                                            </p:tgtEl>
+                                          </p:cBhvr>
+                                        </p:animEffect>
+                                      </p:childTnLst>
+                                    </p:cTn>
+                                  </p:par>
+                                  <p:par>
+                                    <p:cTn id="22" presetID="22" presetClass="entr" presetSubtype="8" fill="hold" grpId="0" nodeType="withEffect">
+                                      <p:stCondLst>
+                                        <p:cond delay="700"/>
+                                      </p:stCondLst>
+                                      <p:childTnLst>
+                                        <p:set>
+                                          <p:cBhvr>
+                                            <p:cTn id="23" dur="1" fill="hold">
+                                              <p:stCondLst>
+                                                <p:cond delay="0"/>
+                                              </p:stCondLst>
+                                            </p:cTn>
+                                            <p:tgtEl>
+                                              <p:spTgt spid="11"/>
+                                            </p:tgtEl>
+                                            <p:attrNameLst>
+                                              <p:attrName>style.visibility</p:attrName>
+                                            </p:attrNameLst>
+                                          </p:cBhvr>
+                                          <p:to>
+                                            <p:strVal val="visible"/>
+                                          </p:to>
+                                        </p:set>
+                                        <p:animEffect transition="in" filter="wipe(left)">
+                                          <p:cBhvr>
+                                            <p:cTn id="24" dur="500"/>
+                                            <p:tgtEl>
+                                              <p:spTgt spid="11"/>
+                                            </p:tgtEl>
+                                          </p:cBhvr>
+                                        </p:animEffect>
+                                      </p:childTnLst>
+                                    </p:cTn>
+                                  </p:par>
                                 </p:childTnLst>
                               </p:cTn>
                             </p:par>
@@ -6445,6 +7760,9 @@
         <p:bldLst>
           <p:bldP spid="8" grpId="0" animBg="1"/>
           <p:bldP spid="9" grpId="0"/>
+          <p:bldP spid="6" grpId="0"/>
+          <p:bldP spid="10" grpId="0"/>
+          <p:bldP spid="11" grpId="0"/>
         </p:bldLst>
       </p:timing>
     </mc:Fallback>
@@ -6483,23 +7801,798 @@
           <a:chExt cx="0" cy="0"/>
         </a:xfrm>
       </p:grpSpPr>
+      <p:sp>
+        <p:nvSpPr>
+          <p:cNvPr id="8" name="Retângulo"/>
+          <p:cNvSpPr/>
+          <p:nvPr/>
+        </p:nvSpPr>
+        <p:spPr>
+          <a:xfrm>
+            <a:off x="2438399" y="497696"/>
+            <a:ext cx="10624458" cy="1781270"/>
+          </a:xfrm>
+          <a:prstGeom prst="rect">
+            <a:avLst/>
+          </a:prstGeom>
+          <a:noFill/>
+          <a:ln w="76200">
+            <a:gradFill flip="none" rotWithShape="1">
+              <a:gsLst>
+                <a:gs pos="0">
+                  <a:srgbClr val="4BCBB9"/>
+                </a:gs>
+                <a:gs pos="100000">
+                  <a:schemeClr val="accent1">
+                    <a:lumMod val="30000"/>
+                    <a:lumOff val="70000"/>
+                  </a:schemeClr>
+                </a:gs>
+              </a:gsLst>
+              <a:lin ang="0" scaled="1"/>
+              <a:tileRect/>
+            </a:gradFill>
+          </a:ln>
+        </p:spPr>
+        <p:style>
+          <a:lnRef idx="2">
+            <a:schemeClr val="accent1">
+              <a:shade val="50000"/>
+            </a:schemeClr>
+          </a:lnRef>
+          <a:fillRef idx="1">
+            <a:schemeClr val="accent1"/>
+          </a:fillRef>
+          <a:effectRef idx="0">
+            <a:schemeClr val="accent1"/>
+          </a:effectRef>
+          <a:fontRef idx="minor">
+            <a:schemeClr val="lt1"/>
+          </a:fontRef>
+        </p:style>
+        <p:txBody>
+          <a:bodyPr rtlCol="0" anchor="ctr"/>
+          <a:lstStyle/>
+          <a:p>
+            <a:pPr algn="ctr"/>
+            <a:endParaRPr lang="pt-BR"/>
+          </a:p>
+        </p:txBody>
+      </p:sp>
+      <p:sp>
+        <p:nvSpPr>
+          <p:cNvPr id="9" name="LEAGUE OF LEGENDS"/>
+          <p:cNvSpPr txBox="1"/>
+          <p:nvPr/>
+        </p:nvSpPr>
+        <p:spPr>
+          <a:xfrm>
+            <a:off x="2833054" y="972832"/>
+            <a:ext cx="9358946" cy="830997"/>
+          </a:xfrm>
+          <a:prstGeom prst="rect">
+            <a:avLst/>
+          </a:prstGeom>
+          <a:noFill/>
+        </p:spPr>
+        <p:txBody>
+          <a:bodyPr wrap="square" rtlCol="0">
+            <a:spAutoFit/>
+          </a:bodyPr>
+          <a:lstStyle/>
+          <a:p>
+            <a:r>
+              <a:rPr lang="pt-BR" sz="4800" dirty="0" smtClean="0">
+                <a:solidFill>
+                  <a:schemeClr val="bg1"/>
+                </a:solidFill>
+                <a:latin typeface="Bodoni MT" panose="02070603080606020203" pitchFamily="18" charset="0"/>
+              </a:rPr>
+              <a:t>O JOGO  ENTENDA MELHOR!</a:t>
+            </a:r>
+            <a:endParaRPr lang="pt-BR" sz="4800" dirty="0">
+              <a:solidFill>
+                <a:schemeClr val="bg1"/>
+              </a:solidFill>
+              <a:latin typeface="Bodoni MT" panose="02070603080606020203" pitchFamily="18" charset="0"/>
+            </a:endParaRPr>
+          </a:p>
+        </p:txBody>
+      </p:sp>
+      <p:pic>
+        <p:nvPicPr>
+          <p:cNvPr id="6" name="Imagem 5"/>
+          <p:cNvPicPr>
+            <a:picLocks noChangeAspect="1"/>
+          </p:cNvPicPr>
+          <p:nvPr/>
+        </p:nvPicPr>
+        <p:blipFill>
+          <a:blip r:embed="rId3">
+            <a:extLst>
+              <a:ext uri="{28A0092B-C50C-407E-A947-70E740481C1C}">
+                <a14:useLocalDpi xmlns:a14="http://schemas.microsoft.com/office/drawing/2010/main" val="0"/>
+              </a:ext>
+            </a:extLst>
+          </a:blip>
+          <a:stretch>
+            <a:fillRect/>
+          </a:stretch>
+        </p:blipFill>
+        <p:spPr>
+          <a:xfrm>
+            <a:off x="5327196" y="2488208"/>
+            <a:ext cx="6714750" cy="4246179"/>
+          </a:xfrm>
+          <a:prstGeom prst="rect">
+            <a:avLst/>
+          </a:prstGeom>
+        </p:spPr>
+      </p:pic>
+      <p:pic>
+        <p:nvPicPr>
+          <p:cNvPr id="16" name="Imagem 15"/>
+          <p:cNvPicPr>
+            <a:picLocks noChangeAspect="1"/>
+          </p:cNvPicPr>
+          <p:nvPr/>
+        </p:nvPicPr>
+        <p:blipFill>
+          <a:blip r:embed="rId4">
+            <a:extLst>
+              <a:ext uri="{28A0092B-C50C-407E-A947-70E740481C1C}">
+                <a14:useLocalDpi xmlns:a14="http://schemas.microsoft.com/office/drawing/2010/main" val="0"/>
+              </a:ext>
+            </a:extLst>
+          </a:blip>
+          <a:stretch>
+            <a:fillRect/>
+          </a:stretch>
+        </p:blipFill>
+        <p:spPr>
+          <a:xfrm>
+            <a:off x="616619" y="2660219"/>
+            <a:ext cx="1142560" cy="1142560"/>
+          </a:xfrm>
+          <a:prstGeom prst="rect">
+            <a:avLst/>
+          </a:prstGeom>
+        </p:spPr>
+      </p:pic>
+      <p:pic>
+        <p:nvPicPr>
+          <p:cNvPr id="20" name="Imagem 19"/>
+          <p:cNvPicPr>
+            <a:picLocks noChangeAspect="1"/>
+          </p:cNvPicPr>
+          <p:nvPr/>
+        </p:nvPicPr>
+        <p:blipFill>
+          <a:blip r:embed="rId5">
+            <a:extLst>
+              <a:ext uri="{28A0092B-C50C-407E-A947-70E740481C1C}">
+                <a14:useLocalDpi xmlns:a14="http://schemas.microsoft.com/office/drawing/2010/main" val="0"/>
+              </a:ext>
+            </a:extLst>
+          </a:blip>
+          <a:stretch>
+            <a:fillRect/>
+          </a:stretch>
+        </p:blipFill>
+        <p:spPr>
+          <a:xfrm>
+            <a:off x="617979" y="5593187"/>
+            <a:ext cx="1141200" cy="1141200"/>
+          </a:xfrm>
+          <a:prstGeom prst="rect">
+            <a:avLst/>
+          </a:prstGeom>
+        </p:spPr>
+      </p:pic>
+      <p:pic>
+        <p:nvPicPr>
+          <p:cNvPr id="22" name="Imagem 21"/>
+          <p:cNvPicPr>
+            <a:picLocks noChangeAspect="1"/>
+          </p:cNvPicPr>
+          <p:nvPr/>
+        </p:nvPicPr>
+        <p:blipFill>
+          <a:blip r:embed="rId6">
+            <a:extLst>
+              <a:ext uri="{28A0092B-C50C-407E-A947-70E740481C1C}">
+                <a14:useLocalDpi xmlns:a14="http://schemas.microsoft.com/office/drawing/2010/main" val="0"/>
+              </a:ext>
+            </a:extLst>
+          </a:blip>
+          <a:stretch>
+            <a:fillRect/>
+          </a:stretch>
+        </p:blipFill>
+        <p:spPr>
+          <a:xfrm>
+            <a:off x="2262454" y="5022587"/>
+            <a:ext cx="1141200" cy="1141200"/>
+          </a:xfrm>
+          <a:prstGeom prst="rect">
+            <a:avLst/>
+          </a:prstGeom>
+        </p:spPr>
+      </p:pic>
+      <p:pic>
+        <p:nvPicPr>
+          <p:cNvPr id="23" name="Imagem 22"/>
+          <p:cNvPicPr>
+            <a:picLocks noChangeAspect="1"/>
+          </p:cNvPicPr>
+          <p:nvPr/>
+        </p:nvPicPr>
+        <p:blipFill>
+          <a:blip r:embed="rId7">
+            <a:extLst>
+              <a:ext uri="{28A0092B-C50C-407E-A947-70E740481C1C}">
+                <a14:useLocalDpi xmlns:a14="http://schemas.microsoft.com/office/drawing/2010/main" val="0"/>
+              </a:ext>
+            </a:extLst>
+          </a:blip>
+          <a:stretch>
+            <a:fillRect/>
+          </a:stretch>
+        </p:blipFill>
+        <p:spPr>
+          <a:xfrm>
+            <a:off x="2262454" y="3406250"/>
+            <a:ext cx="1141200" cy="1141200"/>
+          </a:xfrm>
+          <a:prstGeom prst="rect">
+            <a:avLst/>
+          </a:prstGeom>
+        </p:spPr>
+      </p:pic>
+      <p:pic>
+        <p:nvPicPr>
+          <p:cNvPr id="24" name="Imagem 23"/>
+          <p:cNvPicPr>
+            <a:picLocks noChangeAspect="1"/>
+          </p:cNvPicPr>
+          <p:nvPr/>
+        </p:nvPicPr>
+        <p:blipFill>
+          <a:blip r:embed="rId8">
+            <a:extLst>
+              <a:ext uri="{28A0092B-C50C-407E-A947-70E740481C1C}">
+                <a14:useLocalDpi xmlns:a14="http://schemas.microsoft.com/office/drawing/2010/main" val="0"/>
+              </a:ext>
+            </a:extLst>
+          </a:blip>
+          <a:stretch>
+            <a:fillRect/>
+          </a:stretch>
+        </p:blipFill>
+        <p:spPr>
+          <a:xfrm>
+            <a:off x="617979" y="4127383"/>
+            <a:ext cx="1141200" cy="1141200"/>
+          </a:xfrm>
+          <a:prstGeom prst="rect">
+            <a:avLst/>
+          </a:prstGeom>
+        </p:spPr>
+      </p:pic>
+      <p:pic>
+        <p:nvPicPr>
+          <p:cNvPr id="25" name="Imagem 24"/>
+          <p:cNvPicPr>
+            <a:picLocks noChangeAspect="1"/>
+          </p:cNvPicPr>
+          <p:nvPr/>
+        </p:nvPicPr>
+        <p:blipFill>
+          <a:blip r:embed="rId9" cstate="print">
+            <a:extLst>
+              <a:ext uri="{28A0092B-C50C-407E-A947-70E740481C1C}">
+                <a14:useLocalDpi xmlns:a14="http://schemas.microsoft.com/office/drawing/2010/main" val="0"/>
+              </a:ext>
+            </a:extLst>
+          </a:blip>
+          <a:stretch>
+            <a:fillRect/>
+          </a:stretch>
+        </p:blipFill>
+        <p:spPr>
+          <a:xfrm>
+            <a:off x="3917815" y="4061034"/>
+            <a:ext cx="896400" cy="807451"/>
+          </a:xfrm>
+          <a:prstGeom prst="rect">
+            <a:avLst/>
+          </a:prstGeom>
+        </p:spPr>
+      </p:pic>
+      <p:pic>
+        <p:nvPicPr>
+          <p:cNvPr id="26" name="Imagem 25"/>
+          <p:cNvPicPr>
+            <a:picLocks noChangeAspect="1"/>
+          </p:cNvPicPr>
+          <p:nvPr/>
+        </p:nvPicPr>
+        <p:blipFill>
+          <a:blip r:embed="rId10" cstate="print">
+            <a:extLst>
+              <a:ext uri="{28A0092B-C50C-407E-A947-70E740481C1C}">
+                <a14:useLocalDpi xmlns:a14="http://schemas.microsoft.com/office/drawing/2010/main" val="0"/>
+              </a:ext>
+            </a:extLst>
+          </a:blip>
+          <a:stretch>
+            <a:fillRect/>
+          </a:stretch>
+        </p:blipFill>
+        <p:spPr>
+          <a:xfrm>
+            <a:off x="3917815" y="5211392"/>
+            <a:ext cx="895219" cy="763590"/>
+          </a:xfrm>
+          <a:prstGeom prst="rect">
+            <a:avLst/>
+          </a:prstGeom>
+        </p:spPr>
+      </p:pic>
+      <p:sp>
+        <p:nvSpPr>
+          <p:cNvPr id="29" name="LEAGUE OF LEGENDS"/>
+          <p:cNvSpPr txBox="1"/>
+          <p:nvPr/>
+        </p:nvSpPr>
+        <p:spPr>
+          <a:xfrm>
+            <a:off x="4949991" y="775879"/>
+            <a:ext cx="452212" cy="1015663"/>
+          </a:xfrm>
+          <a:prstGeom prst="rect">
+            <a:avLst/>
+          </a:prstGeom>
+          <a:noFill/>
+        </p:spPr>
+        <p:txBody>
+          <a:bodyPr wrap="square" rtlCol="0">
+            <a:spAutoFit/>
+          </a:bodyPr>
+          <a:lstStyle/>
+          <a:p>
+            <a:r>
+              <a:rPr lang="pt-BR" sz="6000" dirty="0" smtClean="0">
+                <a:solidFill>
+                  <a:schemeClr val="bg1"/>
+                </a:solidFill>
+                <a:latin typeface="Bodoni MT" panose="02070603080606020203" pitchFamily="18" charset="0"/>
+              </a:rPr>
+              <a:t>|</a:t>
+            </a:r>
+            <a:endParaRPr lang="pt-BR" sz="6000" dirty="0">
+              <a:solidFill>
+                <a:schemeClr val="bg1"/>
+              </a:solidFill>
+              <a:latin typeface="Bodoni MT" panose="02070603080606020203" pitchFamily="18" charset="0"/>
+            </a:endParaRPr>
+          </a:p>
+        </p:txBody>
+      </p:sp>
     </p:spTree>
     <p:extLst>
       <p:ext uri="{BB962C8B-B14F-4D97-AF65-F5344CB8AC3E}">
-        <p14:creationId xmlns:p14="http://schemas.microsoft.com/office/powerpoint/2010/main" val="2900000470"/>
+        <p14:creationId xmlns:p14="http://schemas.microsoft.com/office/powerpoint/2010/main" val="930724958"/>
       </p:ext>
     </p:extLst>
   </p:cSld>
   <p:clrMapOvr>
     <a:masterClrMapping/>
   </p:clrMapOvr>
-  <p:timing>
-    <p:tnLst>
-      <p:par>
-        <p:cTn id="1" dur="indefinite" restart="never" nodeType="tmRoot"/>
-      </p:par>
-    </p:tnLst>
-  </p:timing>
+  <mc:AlternateContent xmlns:mc="http://schemas.openxmlformats.org/markup-compatibility/2006">
+    <mc:Choice xmlns:p14="http://schemas.microsoft.com/office/powerpoint/2010/main" Requires="p14">
+      <p:timing>
+        <p:tnLst>
+          <p:par>
+            <p:cTn id="1" dur="indefinite" restart="never" nodeType="tmRoot">
+              <p:childTnLst>
+                <p:seq concurrent="1" nextAc="seek">
+                  <p:cTn id="2" dur="indefinite" nodeType="mainSeq">
+                    <p:childTnLst>
+                      <p:par>
+                        <p:cTn id="3" fill="hold">
+                          <p:stCondLst>
+                            <p:cond delay="indefinite"/>
+                            <p:cond evt="onBegin" delay="0">
+                              <p:tn val="2"/>
+                            </p:cond>
+                          </p:stCondLst>
+                          <p:childTnLst>
+                            <p:par>
+                              <p:cTn id="4" fill="hold">
+                                <p:stCondLst>
+                                  <p:cond delay="0"/>
+                                </p:stCondLst>
+                                <p:childTnLst>
+                                  <p:par>
+                                    <p:cTn id="5" presetID="2" presetClass="entr" presetSubtype="2" fill="hold" grpId="0" nodeType="withEffect" p14:presetBounceEnd="30000">
+                                      <p:stCondLst>
+                                        <p:cond delay="300"/>
+                                      </p:stCondLst>
+                                      <p:childTnLst>
+                                        <p:set>
+                                          <p:cBhvr>
+                                            <p:cTn id="6" dur="1" fill="hold">
+                                              <p:stCondLst>
+                                                <p:cond delay="0"/>
+                                              </p:stCondLst>
+                                            </p:cTn>
+                                            <p:tgtEl>
+                                              <p:spTgt spid="8"/>
+                                            </p:tgtEl>
+                                            <p:attrNameLst>
+                                              <p:attrName>style.visibility</p:attrName>
+                                            </p:attrNameLst>
+                                          </p:cBhvr>
+                                          <p:to>
+                                            <p:strVal val="visible"/>
+                                          </p:to>
+                                        </p:set>
+                                        <p:anim calcmode="lin" valueType="num" p14:bounceEnd="30000">
+                                          <p:cBhvr additive="base">
+                                            <p:cTn id="7" dur="500" fill="hold"/>
+                                            <p:tgtEl>
+                                              <p:spTgt spid="8"/>
+                                            </p:tgtEl>
+                                            <p:attrNameLst>
+                                              <p:attrName>ppt_x</p:attrName>
+                                            </p:attrNameLst>
+                                          </p:cBhvr>
+                                          <p:tavLst>
+                                            <p:tav tm="0">
+                                              <p:val>
+                                                <p:strVal val="1+#ppt_w/2"/>
+                                              </p:val>
+                                            </p:tav>
+                                            <p:tav tm="100000">
+                                              <p:val>
+                                                <p:strVal val="#ppt_x"/>
+                                              </p:val>
+                                            </p:tav>
+                                          </p:tavLst>
+                                        </p:anim>
+                                        <p:anim calcmode="lin" valueType="num" p14:bounceEnd="30000">
+                                          <p:cBhvr additive="base">
+                                            <p:cTn id="8" dur="500" fill="hold"/>
+                                            <p:tgtEl>
+                                              <p:spTgt spid="8"/>
+                                            </p:tgtEl>
+                                            <p:attrNameLst>
+                                              <p:attrName>ppt_y</p:attrName>
+                                            </p:attrNameLst>
+                                          </p:cBhvr>
+                                          <p:tavLst>
+                                            <p:tav tm="0">
+                                              <p:val>
+                                                <p:strVal val="#ppt_y"/>
+                                              </p:val>
+                                            </p:tav>
+                                            <p:tav tm="100000">
+                                              <p:val>
+                                                <p:strVal val="#ppt_y"/>
+                                              </p:val>
+                                            </p:tav>
+                                          </p:tavLst>
+                                        </p:anim>
+                                      </p:childTnLst>
+                                    </p:cTn>
+                                  </p:par>
+                                  <p:par>
+                                    <p:cTn id="9" presetID="22" presetClass="entr" presetSubtype="8" fill="hold" grpId="0" nodeType="withEffect">
+                                      <p:stCondLst>
+                                        <p:cond delay="700"/>
+                                      </p:stCondLst>
+                                      <p:childTnLst>
+                                        <p:set>
+                                          <p:cBhvr>
+                                            <p:cTn id="10" dur="1" fill="hold">
+                                              <p:stCondLst>
+                                                <p:cond delay="0"/>
+                                              </p:stCondLst>
+                                            </p:cTn>
+                                            <p:tgtEl>
+                                              <p:spTgt spid="9"/>
+                                            </p:tgtEl>
+                                            <p:attrNameLst>
+                                              <p:attrName>style.visibility</p:attrName>
+                                            </p:attrNameLst>
+                                          </p:cBhvr>
+                                          <p:to>
+                                            <p:strVal val="visible"/>
+                                          </p:to>
+                                        </p:set>
+                                        <p:animEffect transition="in" filter="wipe(left)">
+                                          <p:cBhvr>
+                                            <p:cTn id="11" dur="500"/>
+                                            <p:tgtEl>
+                                              <p:spTgt spid="9"/>
+                                            </p:tgtEl>
+                                          </p:cBhvr>
+                                        </p:animEffect>
+                                      </p:childTnLst>
+                                    </p:cTn>
+                                  </p:par>
+                                  <p:par>
+                                    <p:cTn id="12" presetID="22" presetClass="entr" presetSubtype="8" fill="hold" grpId="0" nodeType="withEffect">
+                                      <p:stCondLst>
+                                        <p:cond delay="700"/>
+                                      </p:stCondLst>
+                                      <p:childTnLst>
+                                        <p:set>
+                                          <p:cBhvr>
+                                            <p:cTn id="13" dur="1" fill="hold">
+                                              <p:stCondLst>
+                                                <p:cond delay="0"/>
+                                              </p:stCondLst>
+                                            </p:cTn>
+                                            <p:tgtEl>
+                                              <p:spTgt spid="29"/>
+                                            </p:tgtEl>
+                                            <p:attrNameLst>
+                                              <p:attrName>style.visibility</p:attrName>
+                                            </p:attrNameLst>
+                                          </p:cBhvr>
+                                          <p:to>
+                                            <p:strVal val="visible"/>
+                                          </p:to>
+                                        </p:set>
+                                        <p:animEffect transition="in" filter="wipe(left)">
+                                          <p:cBhvr>
+                                            <p:cTn id="14" dur="500"/>
+                                            <p:tgtEl>
+                                              <p:spTgt spid="29"/>
+                                            </p:tgtEl>
+                                          </p:cBhvr>
+                                        </p:animEffect>
+                                      </p:childTnLst>
+                                    </p:cTn>
+                                  </p:par>
+                                </p:childTnLst>
+                              </p:cTn>
+                            </p:par>
+                          </p:childTnLst>
+                        </p:cTn>
+                      </p:par>
+                    </p:childTnLst>
+                  </p:cTn>
+                  <p:prevCondLst>
+                    <p:cond evt="onPrev" delay="0">
+                      <p:tgtEl>
+                        <p:sldTgt/>
+                      </p:tgtEl>
+                    </p:cond>
+                  </p:prevCondLst>
+                  <p:nextCondLst>
+                    <p:cond evt="onNext" delay="0">
+                      <p:tgtEl>
+                        <p:sldTgt/>
+                      </p:tgtEl>
+                    </p:cond>
+                  </p:nextCondLst>
+                </p:seq>
+              </p:childTnLst>
+            </p:cTn>
+          </p:par>
+        </p:tnLst>
+        <p:bldLst>
+          <p:bldP spid="8" grpId="0" animBg="1"/>
+          <p:bldP spid="9" grpId="0"/>
+          <p:bldP spid="29" grpId="0"/>
+        </p:bldLst>
+      </p:timing>
+    </mc:Choice>
+    <mc:Fallback>
+      <p:timing>
+        <p:tnLst>
+          <p:par>
+            <p:cTn id="1" dur="indefinite" restart="never" nodeType="tmRoot">
+              <p:childTnLst>
+                <p:seq concurrent="1" nextAc="seek">
+                  <p:cTn id="2" dur="indefinite" nodeType="mainSeq">
+                    <p:childTnLst>
+                      <p:par>
+                        <p:cTn id="3" fill="hold">
+                          <p:stCondLst>
+                            <p:cond delay="indefinite"/>
+                            <p:cond evt="onBegin" delay="0">
+                              <p:tn val="2"/>
+                            </p:cond>
+                          </p:stCondLst>
+                          <p:childTnLst>
+                            <p:par>
+                              <p:cTn id="4" fill="hold">
+                                <p:stCondLst>
+                                  <p:cond delay="0"/>
+                                </p:stCondLst>
+                                <p:childTnLst>
+                                  <p:par>
+                                    <p:cTn id="5" presetID="2" presetClass="entr" presetSubtype="2" fill="hold" grpId="0" nodeType="withEffect">
+                                      <p:stCondLst>
+                                        <p:cond delay="300"/>
+                                      </p:stCondLst>
+                                      <p:childTnLst>
+                                        <p:set>
+                                          <p:cBhvr>
+                                            <p:cTn id="6" dur="1" fill="hold">
+                                              <p:stCondLst>
+                                                <p:cond delay="0"/>
+                                              </p:stCondLst>
+                                            </p:cTn>
+                                            <p:tgtEl>
+                                              <p:spTgt spid="8"/>
+                                            </p:tgtEl>
+                                            <p:attrNameLst>
+                                              <p:attrName>style.visibility</p:attrName>
+                                            </p:attrNameLst>
+                                          </p:cBhvr>
+                                          <p:to>
+                                            <p:strVal val="visible"/>
+                                          </p:to>
+                                        </p:set>
+                                        <p:anim calcmode="lin" valueType="num">
+                                          <p:cBhvr additive="base">
+                                            <p:cTn id="7" dur="500" fill="hold"/>
+                                            <p:tgtEl>
+                                              <p:spTgt spid="8"/>
+                                            </p:tgtEl>
+                                            <p:attrNameLst>
+                                              <p:attrName>ppt_x</p:attrName>
+                                            </p:attrNameLst>
+                                          </p:cBhvr>
+                                          <p:tavLst>
+                                            <p:tav tm="0">
+                                              <p:val>
+                                                <p:strVal val="1+#ppt_w/2"/>
+                                              </p:val>
+                                            </p:tav>
+                                            <p:tav tm="100000">
+                                              <p:val>
+                                                <p:strVal val="#ppt_x"/>
+                                              </p:val>
+                                            </p:tav>
+                                          </p:tavLst>
+                                        </p:anim>
+                                        <p:anim calcmode="lin" valueType="num">
+                                          <p:cBhvr additive="base">
+                                            <p:cTn id="8" dur="500" fill="hold"/>
+                                            <p:tgtEl>
+                                              <p:spTgt spid="8"/>
+                                            </p:tgtEl>
+                                            <p:attrNameLst>
+                                              <p:attrName>ppt_y</p:attrName>
+                                            </p:attrNameLst>
+                                          </p:cBhvr>
+                                          <p:tavLst>
+                                            <p:tav tm="0">
+                                              <p:val>
+                                                <p:strVal val="#ppt_y"/>
+                                              </p:val>
+                                            </p:tav>
+                                            <p:tav tm="100000">
+                                              <p:val>
+                                                <p:strVal val="#ppt_y"/>
+                                              </p:val>
+                                            </p:tav>
+                                          </p:tavLst>
+                                        </p:anim>
+                                      </p:childTnLst>
+                                    </p:cTn>
+                                  </p:par>
+                                  <p:par>
+                                    <p:cTn id="9" presetID="22" presetClass="entr" presetSubtype="8" fill="hold" grpId="0" nodeType="withEffect">
+                                      <p:stCondLst>
+                                        <p:cond delay="700"/>
+                                      </p:stCondLst>
+                                      <p:childTnLst>
+                                        <p:set>
+                                          <p:cBhvr>
+                                            <p:cTn id="10" dur="1" fill="hold">
+                                              <p:stCondLst>
+                                                <p:cond delay="0"/>
+                                              </p:stCondLst>
+                                            </p:cTn>
+                                            <p:tgtEl>
+                                              <p:spTgt spid="9"/>
+                                            </p:tgtEl>
+                                            <p:attrNameLst>
+                                              <p:attrName>style.visibility</p:attrName>
+                                            </p:attrNameLst>
+                                          </p:cBhvr>
+                                          <p:to>
+                                            <p:strVal val="visible"/>
+                                          </p:to>
+                                        </p:set>
+                                        <p:animEffect transition="in" filter="wipe(left)">
+                                          <p:cBhvr>
+                                            <p:cTn id="11" dur="500"/>
+                                            <p:tgtEl>
+                                              <p:spTgt spid="9"/>
+                                            </p:tgtEl>
+                                          </p:cBhvr>
+                                        </p:animEffect>
+                                      </p:childTnLst>
+                                    </p:cTn>
+                                  </p:par>
+                                  <p:par>
+                                    <p:cTn id="12" presetID="22" presetClass="entr" presetSubtype="8" fill="hold" grpId="0" nodeType="withEffect">
+                                      <p:stCondLst>
+                                        <p:cond delay="700"/>
+                                      </p:stCondLst>
+                                      <p:childTnLst>
+                                        <p:set>
+                                          <p:cBhvr>
+                                            <p:cTn id="13" dur="1" fill="hold">
+                                              <p:stCondLst>
+                                                <p:cond delay="0"/>
+                                              </p:stCondLst>
+                                            </p:cTn>
+                                            <p:tgtEl>
+                                              <p:spTgt spid="29"/>
+                                            </p:tgtEl>
+                                            <p:attrNameLst>
+                                              <p:attrName>style.visibility</p:attrName>
+                                            </p:attrNameLst>
+                                          </p:cBhvr>
+                                          <p:to>
+                                            <p:strVal val="visible"/>
+                                          </p:to>
+                                        </p:set>
+                                        <p:animEffect transition="in" filter="wipe(left)">
+                                          <p:cBhvr>
+                                            <p:cTn id="14" dur="500"/>
+                                            <p:tgtEl>
+                                              <p:spTgt spid="29"/>
+                                            </p:tgtEl>
+                                          </p:cBhvr>
+                                        </p:animEffect>
+                                      </p:childTnLst>
+                                    </p:cTn>
+                                  </p:par>
+                                </p:childTnLst>
+                              </p:cTn>
+                            </p:par>
+                          </p:childTnLst>
+                        </p:cTn>
+                      </p:par>
+                    </p:childTnLst>
+                  </p:cTn>
+                  <p:prevCondLst>
+                    <p:cond evt="onPrev" delay="0">
+                      <p:tgtEl>
+                        <p:sldTgt/>
+                      </p:tgtEl>
+                    </p:cond>
+                  </p:prevCondLst>
+                  <p:nextCondLst>
+                    <p:cond evt="onNext" delay="0">
+                      <p:tgtEl>
+                        <p:sldTgt/>
+                      </p:tgtEl>
+                    </p:cond>
+                  </p:nextCondLst>
+                </p:seq>
+              </p:childTnLst>
+            </p:cTn>
+          </p:par>
+        </p:tnLst>
+        <p:bldLst>
+          <p:bldP spid="8" grpId="0" animBg="1"/>
+          <p:bldP spid="9" grpId="0"/>
+          <p:bldP spid="29" grpId="0"/>
+        </p:bldLst>
+      </p:timing>
+    </mc:Fallback>
+  </mc:AlternateContent>
 </p:sld>
 </file>
 
@@ -6536,50 +8629,25 @@
       </p:grpSpPr>
       <p:sp>
         <p:nvSpPr>
-          <p:cNvPr id="34" name="CaixaDeTexto 33"/>
+          <p:cNvPr id="46" name="Retangulo 1"/>
           <p:cNvSpPr txBox="1"/>
           <p:nvPr/>
         </p:nvSpPr>
         <p:spPr>
-          <a:xfrm>
-            <a:off x="814584" y="5572113"/>
-            <a:ext cx="4123175" cy="549143"/>
+          <a:xfrm rot="18963120">
+            <a:off x="-1628712" y="4104481"/>
+            <a:ext cx="4123176" cy="828000"/>
           </a:xfrm>
           <a:prstGeom prst="rect">
             <a:avLst/>
           </a:prstGeom>
-          <a:gradFill flip="none" rotWithShape="1">
-            <a:gsLst>
-              <a:gs pos="0">
-                <a:srgbClr val="00B0F0">
-                  <a:shade val="30000"/>
-                  <a:satMod val="115000"/>
-                </a:srgbClr>
-              </a:gs>
-              <a:gs pos="50000">
-                <a:srgbClr val="00B0F0">
-                  <a:shade val="67500"/>
-                  <a:satMod val="115000"/>
-                </a:srgbClr>
-              </a:gs>
-              <a:gs pos="100000">
-                <a:srgbClr val="00B0F0">
-                  <a:shade val="100000"/>
-                  <a:satMod val="115000"/>
-                </a:srgbClr>
-              </a:gs>
-            </a:gsLst>
-            <a:lin ang="2700000" scaled="1"/>
-            <a:tileRect/>
-          </a:gradFill>
-          <a:effectLst>
-            <a:glow rad="101600">
-              <a:schemeClr val="accent1">
-                <a:satMod val="175000"/>
-                <a:alpha val="40000"/>
-              </a:schemeClr>
-            </a:glow>
-          </a:effectLst>
+          <a:solidFill>
+            <a:srgbClr val="BDD7EE"/>
+          </a:solidFill>
+          <a:ln>
+            <a:noFill/>
+          </a:ln>
+          <a:effectLst/>
         </p:spPr>
         <p:txBody>
           <a:bodyPr wrap="square" rtlCol="0">
@@ -6588,374 +8656,6 @@
           <a:lstStyle/>
           <a:p>
             <a:endParaRPr lang="pt-BR" dirty="0"/>
-          </a:p>
-        </p:txBody>
-      </p:sp>
-      <p:sp>
-        <p:nvSpPr>
-          <p:cNvPr id="39" name="CaixaDeTexto 38"/>
-          <p:cNvSpPr txBox="1"/>
-          <p:nvPr/>
-        </p:nvSpPr>
-        <p:spPr>
-          <a:xfrm>
-            <a:off x="814585" y="4073849"/>
-            <a:ext cx="4123175" cy="549143"/>
-          </a:xfrm>
-          <a:prstGeom prst="rect">
-            <a:avLst/>
-          </a:prstGeom>
-          <a:gradFill flip="none" rotWithShape="1">
-            <a:gsLst>
-              <a:gs pos="0">
-                <a:srgbClr val="00B0F0">
-                  <a:shade val="30000"/>
-                  <a:satMod val="115000"/>
-                </a:srgbClr>
-              </a:gs>
-              <a:gs pos="50000">
-                <a:srgbClr val="00B0F0">
-                  <a:shade val="67500"/>
-                  <a:satMod val="115000"/>
-                </a:srgbClr>
-              </a:gs>
-              <a:gs pos="100000">
-                <a:srgbClr val="00B0F0">
-                  <a:shade val="100000"/>
-                  <a:satMod val="115000"/>
-                </a:srgbClr>
-              </a:gs>
-            </a:gsLst>
-            <a:lin ang="2700000" scaled="1"/>
-            <a:tileRect/>
-          </a:gradFill>
-          <a:effectLst>
-            <a:glow rad="101600">
-              <a:schemeClr val="accent1">
-                <a:satMod val="175000"/>
-                <a:alpha val="40000"/>
-              </a:schemeClr>
-            </a:glow>
-          </a:effectLst>
-        </p:spPr>
-        <p:txBody>
-          <a:bodyPr wrap="square" rtlCol="0">
-            <a:spAutoFit/>
-          </a:bodyPr>
-          <a:lstStyle/>
-          <a:p>
-            <a:endParaRPr lang="pt-BR" dirty="0"/>
-          </a:p>
-        </p:txBody>
-      </p:sp>
-      <p:sp>
-        <p:nvSpPr>
-          <p:cNvPr id="40" name="CaixaDeTexto 39"/>
-          <p:cNvSpPr txBox="1"/>
-          <p:nvPr/>
-        </p:nvSpPr>
-        <p:spPr>
-          <a:xfrm>
-            <a:off x="814584" y="4822981"/>
-            <a:ext cx="4123175" cy="549143"/>
-          </a:xfrm>
-          <a:prstGeom prst="rect">
-            <a:avLst/>
-          </a:prstGeom>
-          <a:gradFill flip="none" rotWithShape="1">
-            <a:gsLst>
-              <a:gs pos="0">
-                <a:srgbClr val="00B0F0">
-                  <a:shade val="30000"/>
-                  <a:satMod val="115000"/>
-                </a:srgbClr>
-              </a:gs>
-              <a:gs pos="50000">
-                <a:srgbClr val="00B0F0">
-                  <a:shade val="67500"/>
-                  <a:satMod val="115000"/>
-                </a:srgbClr>
-              </a:gs>
-              <a:gs pos="100000">
-                <a:srgbClr val="00B0F0">
-                  <a:shade val="100000"/>
-                  <a:satMod val="115000"/>
-                </a:srgbClr>
-              </a:gs>
-            </a:gsLst>
-            <a:lin ang="2700000" scaled="1"/>
-            <a:tileRect/>
-          </a:gradFill>
-          <a:effectLst>
-            <a:glow rad="101600">
-              <a:schemeClr val="accent1">
-                <a:satMod val="175000"/>
-                <a:alpha val="40000"/>
-              </a:schemeClr>
-            </a:glow>
-          </a:effectLst>
-        </p:spPr>
-        <p:txBody>
-          <a:bodyPr wrap="square" rtlCol="0">
-            <a:spAutoFit/>
-          </a:bodyPr>
-          <a:lstStyle/>
-          <a:p>
-            <a:endParaRPr lang="pt-BR" dirty="0"/>
-          </a:p>
-        </p:txBody>
-      </p:sp>
-      <p:sp>
-        <p:nvSpPr>
-          <p:cNvPr id="46" name="CaixaDeTexto 45"/>
-          <p:cNvSpPr txBox="1"/>
-          <p:nvPr/>
-        </p:nvSpPr>
-        <p:spPr>
-          <a:xfrm>
-            <a:off x="814584" y="3349259"/>
-            <a:ext cx="4123176" cy="549143"/>
-          </a:xfrm>
-          <a:prstGeom prst="rect">
-            <a:avLst/>
-          </a:prstGeom>
-          <a:gradFill flip="none" rotWithShape="1">
-            <a:gsLst>
-              <a:gs pos="0">
-                <a:srgbClr val="00B0F0">
-                  <a:shade val="30000"/>
-                  <a:satMod val="115000"/>
-                </a:srgbClr>
-              </a:gs>
-              <a:gs pos="50000">
-                <a:srgbClr val="00B0F0">
-                  <a:shade val="67500"/>
-                  <a:satMod val="115000"/>
-                </a:srgbClr>
-              </a:gs>
-              <a:gs pos="100000">
-                <a:srgbClr val="00B0F0">
-                  <a:shade val="100000"/>
-                  <a:satMod val="115000"/>
-                </a:srgbClr>
-              </a:gs>
-            </a:gsLst>
-            <a:lin ang="2700000" scaled="1"/>
-            <a:tileRect/>
-          </a:gradFill>
-          <a:effectLst>
-            <a:glow rad="101600">
-              <a:schemeClr val="accent1">
-                <a:satMod val="175000"/>
-                <a:alpha val="40000"/>
-              </a:schemeClr>
-            </a:glow>
-          </a:effectLst>
-        </p:spPr>
-        <p:txBody>
-          <a:bodyPr wrap="square" rtlCol="0">
-            <a:spAutoFit/>
-          </a:bodyPr>
-          <a:lstStyle/>
-          <a:p>
-            <a:endParaRPr lang="pt-BR" dirty="0"/>
-          </a:p>
-        </p:txBody>
-      </p:sp>
-      <p:sp>
-        <p:nvSpPr>
-          <p:cNvPr id="33" name="LEAGUE OF LEGENDS"/>
-          <p:cNvSpPr txBox="1"/>
-          <p:nvPr/>
-        </p:nvSpPr>
-        <p:spPr>
-          <a:xfrm>
-            <a:off x="736206" y="3178869"/>
-            <a:ext cx="4488936" cy="3046988"/>
-          </a:xfrm>
-          <a:prstGeom prst="rect">
-            <a:avLst/>
-          </a:prstGeom>
-          <a:noFill/>
-          <a:effectLst>
-            <a:glow rad="101600">
-              <a:schemeClr val="accent1">
-                <a:satMod val="175000"/>
-                <a:alpha val="40000"/>
-              </a:schemeClr>
-            </a:glow>
-          </a:effectLst>
-        </p:spPr>
-        <p:txBody>
-          <a:bodyPr wrap="square" rtlCol="0">
-            <a:spAutoFit/>
-          </a:bodyPr>
-          <a:lstStyle/>
-          <a:p>
-            <a:pPr marL="685800" indent="-685800">
-              <a:buFont typeface="Arial" panose="020B0604020202020204" pitchFamily="34" charset="0"/>
-              <a:buChar char="•"/>
-            </a:pPr>
-            <a:r>
-              <a:rPr lang="pt-BR" sz="4800" dirty="0" smtClean="0">
-                <a:gradFill flip="none" rotWithShape="1">
-                  <a:gsLst>
-                    <a:gs pos="0">
-                      <a:schemeClr val="bg1">
-                        <a:shade val="30000"/>
-                        <a:satMod val="115000"/>
-                      </a:schemeClr>
-                    </a:gs>
-                    <a:gs pos="50000">
-                      <a:schemeClr val="bg1">
-                        <a:shade val="67500"/>
-                        <a:satMod val="115000"/>
-                      </a:schemeClr>
-                    </a:gs>
-                    <a:gs pos="100000">
-                      <a:schemeClr val="bg1">
-                        <a:shade val="100000"/>
-                        <a:satMod val="115000"/>
-                      </a:schemeClr>
-                    </a:gs>
-                  </a:gsLst>
-                  <a:lin ang="2700000" scaled="1"/>
-                  <a:tileRect/>
-                </a:gradFill>
-              </a:rPr>
-              <a:t>Pessoal</a:t>
-            </a:r>
-          </a:p>
-          <a:p>
-            <a:pPr marL="685800" indent="-685800">
-              <a:buFont typeface="Arial" panose="020B0604020202020204" pitchFamily="34" charset="0"/>
-              <a:buChar char="•"/>
-            </a:pPr>
-            <a:r>
-              <a:rPr lang="pt-BR" sz="4800" dirty="0" smtClean="0">
-                <a:gradFill flip="none" rotWithShape="1">
-                  <a:gsLst>
-                    <a:gs pos="0">
-                      <a:schemeClr val="bg1">
-                        <a:shade val="30000"/>
-                        <a:satMod val="115000"/>
-                      </a:schemeClr>
-                    </a:gs>
-                    <a:gs pos="50000">
-                      <a:schemeClr val="bg1">
-                        <a:shade val="67500"/>
-                        <a:satMod val="115000"/>
-                      </a:schemeClr>
-                    </a:gs>
-                    <a:gs pos="100000">
-                      <a:schemeClr val="bg1">
-                        <a:shade val="100000"/>
-                        <a:satMod val="115000"/>
-                      </a:schemeClr>
-                    </a:gs>
-                  </a:gsLst>
-                  <a:lin ang="2700000" scaled="1"/>
-                  <a:tileRect/>
-                </a:gradFill>
-              </a:rPr>
-              <a:t>Diversão</a:t>
-            </a:r>
-          </a:p>
-          <a:p>
-            <a:pPr marL="685800" indent="-685800">
-              <a:buFont typeface="Arial" panose="020B0604020202020204" pitchFamily="34" charset="0"/>
-              <a:buChar char="•"/>
-            </a:pPr>
-            <a:r>
-              <a:rPr lang="pt-BR" sz="4800" dirty="0" smtClean="0">
-                <a:gradFill flip="none" rotWithShape="1">
-                  <a:gsLst>
-                    <a:gs pos="0">
-                      <a:schemeClr val="bg1">
-                        <a:shade val="30000"/>
-                        <a:satMod val="115000"/>
-                      </a:schemeClr>
-                    </a:gs>
-                    <a:gs pos="50000">
-                      <a:schemeClr val="bg1">
-                        <a:shade val="67500"/>
-                        <a:satMod val="115000"/>
-                      </a:schemeClr>
-                    </a:gs>
-                    <a:gs pos="100000">
-                      <a:schemeClr val="bg1">
-                        <a:shade val="100000"/>
-                        <a:satMod val="115000"/>
-                      </a:schemeClr>
-                    </a:gs>
-                  </a:gsLst>
-                  <a:lin ang="2700000" scaled="1"/>
-                  <a:tileRect/>
-                </a:gradFill>
-              </a:rPr>
-              <a:t>Foco (TDAH)</a:t>
-            </a:r>
-          </a:p>
-          <a:p>
-            <a:pPr marL="685800" indent="-685800">
-              <a:buFont typeface="Arial" panose="020B0604020202020204" pitchFamily="34" charset="0"/>
-              <a:buChar char="•"/>
-            </a:pPr>
-            <a:r>
-              <a:rPr lang="pt-BR" sz="4800" dirty="0" smtClean="0">
-                <a:gradFill flip="none" rotWithShape="1">
-                  <a:gsLst>
-                    <a:gs pos="0">
-                      <a:schemeClr val="bg1">
-                        <a:shade val="30000"/>
-                        <a:satMod val="115000"/>
-                      </a:schemeClr>
-                    </a:gs>
-                    <a:gs pos="50000">
-                      <a:schemeClr val="bg1">
-                        <a:shade val="67500"/>
-                        <a:satMod val="115000"/>
-                      </a:schemeClr>
-                    </a:gs>
-                    <a:gs pos="100000">
-                      <a:schemeClr val="bg1">
-                        <a:shade val="100000"/>
-                        <a:satMod val="115000"/>
-                      </a:schemeClr>
-                    </a:gs>
-                  </a:gsLst>
-                  <a:lin ang="2700000" scaled="1"/>
-                  <a:tileRect/>
-                </a:gradFill>
-              </a:rPr>
-              <a:t>Comunicação</a:t>
-            </a:r>
-            <a:endParaRPr lang="pt-BR" sz="4800" dirty="0">
-              <a:gradFill flip="none" rotWithShape="1">
-                <a:gsLst>
-                  <a:gs pos="0">
-                    <a:schemeClr val="bg1">
-                      <a:shade val="30000"/>
-                      <a:satMod val="115000"/>
-                    </a:schemeClr>
-                  </a:gs>
-                  <a:gs pos="50000">
-                    <a:schemeClr val="bg1">
-                      <a:shade val="67500"/>
-                      <a:satMod val="115000"/>
-                    </a:schemeClr>
-                  </a:gs>
-                  <a:gs pos="100000">
-                    <a:schemeClr val="bg1">
-                      <a:shade val="100000"/>
-                      <a:satMod val="115000"/>
-                    </a:schemeClr>
-                  </a:gs>
-                </a:gsLst>
-                <a:lin ang="2700000" scaled="1"/>
-                <a:tileRect/>
-              </a:gradFill>
-            </a:endParaRPr>
           </a:p>
         </p:txBody>
       </p:sp>
@@ -7025,8 +8725,8 @@
         </p:nvSpPr>
         <p:spPr>
           <a:xfrm>
-            <a:off x="3052689" y="603501"/>
-            <a:ext cx="8689078" cy="1569660"/>
+            <a:off x="2833054" y="603386"/>
+            <a:ext cx="9358946" cy="1569660"/>
           </a:xfrm>
           <a:prstGeom prst="rect">
             <a:avLst/>
@@ -7044,13 +8744,37 @@
                 <a:solidFill>
                   <a:schemeClr val="bg1"/>
                 </a:solidFill>
+                <a:latin typeface="Arial" panose="020B0604020202020204" pitchFamily="34" charset="0"/>
+                <a:cs typeface="Arial" panose="020B0604020202020204" pitchFamily="34" charset="0"/>
               </a:rPr>
-              <a:t>QUAL A IMPORTÂNCIA DESSE TEMA PRA MIM?</a:t>
+              <a:t>A </a:t>
+            </a:r>
+            <a:r>
+              <a:rPr lang="pt-BR" sz="4800" dirty="0" smtClean="0">
+                <a:solidFill>
+                  <a:schemeClr val="bg1"/>
+                </a:solidFill>
+                <a:latin typeface="Arial" panose="020B0604020202020204" pitchFamily="34" charset="0"/>
+                <a:cs typeface="Arial" panose="020B0604020202020204" pitchFamily="34" charset="0"/>
+              </a:rPr>
+              <a:t>IMPORTÂNCIA DESSE TEMA PRA </a:t>
+            </a:r>
+            <a:r>
+              <a:rPr lang="pt-BR" sz="4800" dirty="0" smtClean="0">
+                <a:solidFill>
+                  <a:schemeClr val="bg1"/>
+                </a:solidFill>
+                <a:latin typeface="Arial" panose="020B0604020202020204" pitchFamily="34" charset="0"/>
+                <a:cs typeface="Arial" panose="020B0604020202020204" pitchFamily="34" charset="0"/>
+              </a:rPr>
+              <a:t>MIM!</a:t>
             </a:r>
             <a:endParaRPr lang="pt-BR" sz="4800" dirty="0">
               <a:solidFill>
                 <a:schemeClr val="bg1"/>
               </a:solidFill>
+              <a:latin typeface="Arial" panose="020B0604020202020204" pitchFamily="34" charset="0"/>
+              <a:cs typeface="Arial" panose="020B0604020202020204" pitchFamily="34" charset="0"/>
             </a:endParaRPr>
           </a:p>
         </p:txBody>
@@ -7085,6 +8809,470 @@
           </a:prstGeom>
         </p:spPr>
       </p:pic>
+      <p:sp>
+        <p:nvSpPr>
+          <p:cNvPr id="10" name="Retangulo 2"/>
+          <p:cNvSpPr txBox="1"/>
+          <p:nvPr/>
+        </p:nvSpPr>
+        <p:spPr>
+          <a:xfrm rot="18963120">
+            <a:off x="-1620545" y="5261220"/>
+            <a:ext cx="4123176" cy="828000"/>
+          </a:xfrm>
+          <a:prstGeom prst="rect">
+            <a:avLst/>
+          </a:prstGeom>
+          <a:solidFill>
+            <a:srgbClr val="BDD7EE"/>
+          </a:solidFill>
+          <a:ln>
+            <a:noFill/>
+          </a:ln>
+          <a:effectLst/>
+        </p:spPr>
+        <p:txBody>
+          <a:bodyPr wrap="square" rtlCol="0">
+            <a:spAutoFit/>
+          </a:bodyPr>
+          <a:lstStyle/>
+          <a:p>
+            <a:endParaRPr lang="pt-BR" dirty="0"/>
+          </a:p>
+        </p:txBody>
+      </p:sp>
+      <p:sp>
+        <p:nvSpPr>
+          <p:cNvPr id="11" name="Retangulo 3"/>
+          <p:cNvSpPr txBox="1"/>
+          <p:nvPr/>
+        </p:nvSpPr>
+        <p:spPr>
+          <a:xfrm rot="18963120">
+            <a:off x="-1620669" y="6424313"/>
+            <a:ext cx="4123176" cy="828000"/>
+          </a:xfrm>
+          <a:prstGeom prst="rect">
+            <a:avLst/>
+          </a:prstGeom>
+          <a:solidFill>
+            <a:srgbClr val="BDD7EE"/>
+          </a:solidFill>
+          <a:ln>
+            <a:noFill/>
+          </a:ln>
+          <a:effectLst/>
+        </p:spPr>
+        <p:txBody>
+          <a:bodyPr wrap="square" rtlCol="0">
+            <a:spAutoFit/>
+          </a:bodyPr>
+          <a:lstStyle/>
+          <a:p>
+            <a:endParaRPr lang="pt-BR" dirty="0"/>
+          </a:p>
+        </p:txBody>
+      </p:sp>
+      <p:sp>
+        <p:nvSpPr>
+          <p:cNvPr id="12" name="Retangulo 4"/>
+          <p:cNvSpPr txBox="1"/>
+          <p:nvPr/>
+        </p:nvSpPr>
+        <p:spPr>
+          <a:xfrm rot="18963120">
+            <a:off x="-1550528" y="7518433"/>
+            <a:ext cx="4123176" cy="828000"/>
+          </a:xfrm>
+          <a:prstGeom prst="rect">
+            <a:avLst/>
+          </a:prstGeom>
+          <a:solidFill>
+            <a:srgbClr val="BDD7EE"/>
+          </a:solidFill>
+          <a:ln>
+            <a:noFill/>
+          </a:ln>
+          <a:effectLst/>
+        </p:spPr>
+        <p:txBody>
+          <a:bodyPr wrap="square" rtlCol="0">
+            <a:spAutoFit/>
+          </a:bodyPr>
+          <a:lstStyle/>
+          <a:p>
+            <a:endParaRPr lang="pt-BR" dirty="0"/>
+          </a:p>
+        </p:txBody>
+      </p:sp>
+      <p:sp>
+        <p:nvSpPr>
+          <p:cNvPr id="13" name="Retangulo Vazio"/>
+          <p:cNvSpPr txBox="1"/>
+          <p:nvPr/>
+        </p:nvSpPr>
+        <p:spPr>
+          <a:xfrm rot="18963120">
+            <a:off x="-3257338" y="4514326"/>
+            <a:ext cx="4123176" cy="828000"/>
+          </a:xfrm>
+          <a:prstGeom prst="rect">
+            <a:avLst/>
+          </a:prstGeom>
+          <a:solidFill>
+            <a:srgbClr val="BDD7EE"/>
+          </a:solidFill>
+          <a:ln>
+            <a:noFill/>
+          </a:ln>
+          <a:effectLst/>
+        </p:spPr>
+        <p:txBody>
+          <a:bodyPr wrap="square" rtlCol="0">
+            <a:spAutoFit/>
+          </a:bodyPr>
+          <a:lstStyle/>
+          <a:p>
+            <a:endParaRPr lang="pt-BR" dirty="0"/>
+          </a:p>
+        </p:txBody>
+      </p:sp>
+      <p:sp>
+        <p:nvSpPr>
+          <p:cNvPr id="2" name="Pessoal"/>
+          <p:cNvSpPr txBox="1"/>
+          <p:nvPr/>
+        </p:nvSpPr>
+        <p:spPr>
+          <a:xfrm>
+            <a:off x="2345200" y="2798801"/>
+            <a:ext cx="2309376" cy="646331"/>
+          </a:xfrm>
+          <a:prstGeom prst="rect">
+            <a:avLst/>
+          </a:prstGeom>
+          <a:noFill/>
+        </p:spPr>
+        <p:txBody>
+          <a:bodyPr wrap="square" rtlCol="0">
+            <a:spAutoFit/>
+          </a:bodyPr>
+          <a:lstStyle/>
+          <a:p>
+            <a:r>
+              <a:rPr lang="pt-BR" sz="3600" dirty="0" smtClean="0">
+                <a:solidFill>
+                  <a:schemeClr val="accent1">
+                    <a:lumMod val="50000"/>
+                  </a:schemeClr>
+                </a:solidFill>
+                <a:latin typeface="Century Gothic" panose="020B0502020202020204" pitchFamily="34" charset="0"/>
+              </a:rPr>
+              <a:t>Pessoal</a:t>
+            </a:r>
+            <a:endParaRPr lang="pt-BR" sz="3600" dirty="0">
+              <a:solidFill>
+                <a:schemeClr val="accent1">
+                  <a:lumMod val="50000"/>
+                </a:schemeClr>
+              </a:solidFill>
+              <a:latin typeface="Century Gothic" panose="020B0502020202020204" pitchFamily="34" charset="0"/>
+            </a:endParaRPr>
+          </a:p>
+        </p:txBody>
+      </p:sp>
+      <p:sp>
+        <p:nvSpPr>
+          <p:cNvPr id="3" name="Diversão"/>
+          <p:cNvSpPr txBox="1"/>
+          <p:nvPr/>
+        </p:nvSpPr>
+        <p:spPr>
+          <a:xfrm>
+            <a:off x="2345200" y="3964967"/>
+            <a:ext cx="2116498" cy="646331"/>
+          </a:xfrm>
+          <a:prstGeom prst="rect">
+            <a:avLst/>
+          </a:prstGeom>
+          <a:noFill/>
+        </p:spPr>
+        <p:txBody>
+          <a:bodyPr wrap="square" rtlCol="0">
+            <a:spAutoFit/>
+          </a:bodyPr>
+          <a:lstStyle/>
+          <a:p>
+            <a:r>
+              <a:rPr lang="pt-BR" sz="3600" dirty="0" smtClean="0">
+                <a:solidFill>
+                  <a:schemeClr val="accent1">
+                    <a:lumMod val="50000"/>
+                  </a:schemeClr>
+                </a:solidFill>
+                <a:latin typeface="Century Gothic" panose="020B0502020202020204" pitchFamily="34" charset="0"/>
+              </a:rPr>
+              <a:t>Diversão</a:t>
+            </a:r>
+            <a:endParaRPr lang="pt-BR" sz="2800" dirty="0">
+              <a:solidFill>
+                <a:schemeClr val="accent1">
+                  <a:lumMod val="50000"/>
+                </a:schemeClr>
+              </a:solidFill>
+              <a:latin typeface="Century Gothic" panose="020B0502020202020204" pitchFamily="34" charset="0"/>
+            </a:endParaRPr>
+          </a:p>
+        </p:txBody>
+      </p:sp>
+      <p:sp>
+        <p:nvSpPr>
+          <p:cNvPr id="4" name="1"/>
+          <p:cNvSpPr txBox="1"/>
+          <p:nvPr/>
+        </p:nvSpPr>
+        <p:spPr>
+          <a:xfrm>
+            <a:off x="1429442" y="3068459"/>
+            <a:ext cx="363570" cy="584775"/>
+          </a:xfrm>
+          <a:prstGeom prst="rect">
+            <a:avLst/>
+          </a:prstGeom>
+          <a:noFill/>
+        </p:spPr>
+        <p:txBody>
+          <a:bodyPr wrap="square" rtlCol="0">
+            <a:spAutoFit/>
+          </a:bodyPr>
+          <a:lstStyle/>
+          <a:p>
+            <a:r>
+              <a:rPr lang="pt-BR" sz="3200" dirty="0">
+                <a:solidFill>
+                  <a:schemeClr val="bg1"/>
+                </a:solidFill>
+                <a:latin typeface="Century Gothic" panose="020B0502020202020204" pitchFamily="34" charset="0"/>
+              </a:rPr>
+              <a:t>1</a:t>
+            </a:r>
+            <a:endParaRPr lang="pt-BR" sz="4000" dirty="0">
+              <a:solidFill>
+                <a:schemeClr val="bg1"/>
+              </a:solidFill>
+              <a:latin typeface="Century Gothic" panose="020B0502020202020204" pitchFamily="34" charset="0"/>
+            </a:endParaRPr>
+          </a:p>
+        </p:txBody>
+      </p:sp>
+      <p:sp>
+        <p:nvSpPr>
+          <p:cNvPr id="17" name="4"/>
+          <p:cNvSpPr txBox="1"/>
+          <p:nvPr/>
+        </p:nvSpPr>
+        <p:spPr>
+          <a:xfrm>
+            <a:off x="1429442" y="6297109"/>
+            <a:ext cx="363570" cy="584775"/>
+          </a:xfrm>
+          <a:prstGeom prst="rect">
+            <a:avLst/>
+          </a:prstGeom>
+          <a:noFill/>
+        </p:spPr>
+        <p:txBody>
+          <a:bodyPr wrap="square" rtlCol="0">
+            <a:spAutoFit/>
+          </a:bodyPr>
+          <a:lstStyle/>
+          <a:p>
+            <a:r>
+              <a:rPr lang="pt-BR" sz="3200" dirty="0" smtClean="0">
+                <a:solidFill>
+                  <a:schemeClr val="bg1"/>
+                </a:solidFill>
+                <a:latin typeface="Century Gothic" panose="020B0502020202020204" pitchFamily="34" charset="0"/>
+              </a:rPr>
+              <a:t>4</a:t>
+            </a:r>
+            <a:endParaRPr lang="pt-BR" sz="4000" dirty="0">
+              <a:solidFill>
+                <a:schemeClr val="bg1"/>
+              </a:solidFill>
+              <a:latin typeface="Century Gothic" panose="020B0502020202020204" pitchFamily="34" charset="0"/>
+            </a:endParaRPr>
+          </a:p>
+        </p:txBody>
+      </p:sp>
+      <p:sp>
+        <p:nvSpPr>
+          <p:cNvPr id="18" name="2"/>
+          <p:cNvSpPr txBox="1"/>
+          <p:nvPr/>
+        </p:nvSpPr>
+        <p:spPr>
+          <a:xfrm>
+            <a:off x="1429442" y="4226093"/>
+            <a:ext cx="363570" cy="584775"/>
+          </a:xfrm>
+          <a:prstGeom prst="rect">
+            <a:avLst/>
+          </a:prstGeom>
+          <a:noFill/>
+        </p:spPr>
+        <p:txBody>
+          <a:bodyPr wrap="square" rtlCol="0">
+            <a:spAutoFit/>
+          </a:bodyPr>
+          <a:lstStyle/>
+          <a:p>
+            <a:r>
+              <a:rPr lang="pt-BR" sz="3200" dirty="0" smtClean="0">
+                <a:solidFill>
+                  <a:schemeClr val="bg1"/>
+                </a:solidFill>
+                <a:latin typeface="Century Gothic" panose="020B0502020202020204" pitchFamily="34" charset="0"/>
+              </a:rPr>
+              <a:t>2</a:t>
+            </a:r>
+            <a:endParaRPr lang="pt-BR" sz="3200" dirty="0">
+              <a:solidFill>
+                <a:schemeClr val="bg1"/>
+              </a:solidFill>
+              <a:latin typeface="Century Gothic" panose="020B0502020202020204" pitchFamily="34" charset="0"/>
+            </a:endParaRPr>
+          </a:p>
+        </p:txBody>
+      </p:sp>
+      <p:sp>
+        <p:nvSpPr>
+          <p:cNvPr id="19" name="3"/>
+          <p:cNvSpPr txBox="1"/>
+          <p:nvPr/>
+        </p:nvSpPr>
+        <p:spPr>
+          <a:xfrm>
+            <a:off x="1429442" y="5413710"/>
+            <a:ext cx="363570" cy="584775"/>
+          </a:xfrm>
+          <a:prstGeom prst="rect">
+            <a:avLst/>
+          </a:prstGeom>
+          <a:noFill/>
+        </p:spPr>
+        <p:txBody>
+          <a:bodyPr wrap="square" rtlCol="0">
+            <a:spAutoFit/>
+          </a:bodyPr>
+          <a:lstStyle/>
+          <a:p>
+            <a:r>
+              <a:rPr lang="pt-BR" sz="3200" dirty="0" smtClean="0">
+                <a:solidFill>
+                  <a:schemeClr val="bg1"/>
+                </a:solidFill>
+                <a:latin typeface="Century Gothic" panose="020B0502020202020204" pitchFamily="34" charset="0"/>
+              </a:rPr>
+              <a:t>3</a:t>
+            </a:r>
+            <a:endParaRPr lang="pt-BR" sz="4000" dirty="0">
+              <a:solidFill>
+                <a:schemeClr val="bg1"/>
+              </a:solidFill>
+              <a:latin typeface="Century Gothic" panose="020B0502020202020204" pitchFamily="34" charset="0"/>
+            </a:endParaRPr>
+          </a:p>
+        </p:txBody>
+      </p:sp>
+      <p:sp>
+        <p:nvSpPr>
+          <p:cNvPr id="5" name="Foco"/>
+          <p:cNvSpPr txBox="1"/>
+          <p:nvPr/>
+        </p:nvSpPr>
+        <p:spPr>
+          <a:xfrm>
+            <a:off x="2345198" y="5131133"/>
+            <a:ext cx="3239676" cy="646331"/>
+          </a:xfrm>
+          <a:prstGeom prst="rect">
+            <a:avLst/>
+          </a:prstGeom>
+          <a:noFill/>
+        </p:spPr>
+        <p:txBody>
+          <a:bodyPr wrap="square" rtlCol="0">
+            <a:spAutoFit/>
+          </a:bodyPr>
+          <a:lstStyle/>
+          <a:p>
+            <a:r>
+              <a:rPr lang="pt-BR" sz="3600" dirty="0" smtClean="0">
+                <a:solidFill>
+                  <a:schemeClr val="accent1">
+                    <a:lumMod val="50000"/>
+                  </a:schemeClr>
+                </a:solidFill>
+                <a:latin typeface="Century Gothic" panose="020B0502020202020204" pitchFamily="34" charset="0"/>
+              </a:rPr>
+              <a:t>Foco (TDAH)</a:t>
+            </a:r>
+            <a:endParaRPr lang="pt-BR" sz="3600" dirty="0">
+              <a:solidFill>
+                <a:schemeClr val="accent1">
+                  <a:lumMod val="50000"/>
+                </a:schemeClr>
+              </a:solidFill>
+              <a:latin typeface="Century Gothic" panose="020B0502020202020204" pitchFamily="34" charset="0"/>
+            </a:endParaRPr>
+          </a:p>
+        </p:txBody>
+      </p:sp>
+      <p:sp>
+        <p:nvSpPr>
+          <p:cNvPr id="21" name="Comunicação"/>
+          <p:cNvSpPr txBox="1"/>
+          <p:nvPr/>
+        </p:nvSpPr>
+        <p:spPr>
+          <a:xfrm>
+            <a:off x="2345199" y="6247302"/>
+            <a:ext cx="3563231" cy="646331"/>
+          </a:xfrm>
+          <a:prstGeom prst="rect">
+            <a:avLst/>
+          </a:prstGeom>
+          <a:noFill/>
+        </p:spPr>
+        <p:txBody>
+          <a:bodyPr wrap="square" rtlCol="0">
+            <a:spAutoFit/>
+          </a:bodyPr>
+          <a:lstStyle/>
+          <a:p>
+            <a:r>
+              <a:rPr lang="pt-BR" sz="3600" dirty="0" smtClean="0">
+                <a:solidFill>
+                  <a:schemeClr val="accent1">
+                    <a:lumMod val="50000"/>
+                  </a:schemeClr>
+                </a:solidFill>
+                <a:latin typeface="Century Gothic" panose="020B0502020202020204" pitchFamily="34" charset="0"/>
+              </a:rPr>
+              <a:t>Comunicação</a:t>
+            </a:r>
+            <a:endParaRPr lang="pt-BR" sz="3600" dirty="0">
+              <a:solidFill>
+                <a:schemeClr val="accent1">
+                  <a:lumMod val="50000"/>
+                </a:schemeClr>
+              </a:solidFill>
+              <a:latin typeface="Century Gothic" panose="020B0502020202020204" pitchFamily="34" charset="0"/>
+            </a:endParaRPr>
+          </a:p>
+        </p:txBody>
+      </p:sp>
     </p:spTree>
     <p:extLst>
       <p:ext uri="{BB962C8B-B14F-4D97-AF65-F5344CB8AC3E}">
@@ -7302,9 +9490,9 @@
                                     </p:cTn>
                                   </p:par>
                                   <p:par>
-                                    <p:cTn id="16" presetID="22" presetClass="entr" presetSubtype="8" fill="hold" grpId="0" nodeType="withEffect">
+                                    <p:cTn id="16" presetID="2" presetClass="entr" presetSubtype="8" fill="hold" grpId="0" nodeType="withEffect">
                                       <p:stCondLst>
-                                        <p:cond delay="700"/>
+                                        <p:cond delay="1200"/>
                                       </p:stCondLst>
                                       <p:childTnLst>
                                         <p:set>
@@ -7315,7 +9503,7 @@
                                               </p:stCondLst>
                                             </p:cTn>
                                             <p:tgtEl>
-                                              <p:spTgt spid="33"/>
+                                              <p:spTgt spid="13"/>
                                             </p:tgtEl>
                                             <p:attrNameLst>
                                               <p:attrName>style.visibility</p:attrName>
@@ -7325,11 +9513,765 @@
                                             <p:strVal val="visible"/>
                                           </p:to>
                                         </p:set>
-                                        <p:animEffect transition="in" filter="wipe(left)">
-                                          <p:cBhvr>
-                                            <p:cTn id="18" dur="500"/>
-                                            <p:tgtEl>
-                                              <p:spTgt spid="33"/>
+                                        <p:anim calcmode="lin" valueType="num">
+                                          <p:cBhvr additive="base">
+                                            <p:cTn id="18" dur="500" fill="hold"/>
+                                            <p:tgtEl>
+                                              <p:spTgt spid="13"/>
+                                            </p:tgtEl>
+                                            <p:attrNameLst>
+                                              <p:attrName>ppt_x</p:attrName>
+                                            </p:attrNameLst>
+                                          </p:cBhvr>
+                                          <p:tavLst>
+                                            <p:tav tm="0">
+                                              <p:val>
+                                                <p:strVal val="0-#ppt_w/2"/>
+                                              </p:val>
+                                            </p:tav>
+                                            <p:tav tm="100000">
+                                              <p:val>
+                                                <p:strVal val="#ppt_x"/>
+                                              </p:val>
+                                            </p:tav>
+                                          </p:tavLst>
+                                        </p:anim>
+                                        <p:anim calcmode="lin" valueType="num">
+                                          <p:cBhvr additive="base">
+                                            <p:cTn id="19" dur="500" fill="hold"/>
+                                            <p:tgtEl>
+                                              <p:spTgt spid="13"/>
+                                            </p:tgtEl>
+                                            <p:attrNameLst>
+                                              <p:attrName>ppt_y</p:attrName>
+                                            </p:attrNameLst>
+                                          </p:cBhvr>
+                                          <p:tavLst>
+                                            <p:tav tm="0">
+                                              <p:val>
+                                                <p:strVal val="#ppt_y"/>
+                                              </p:val>
+                                            </p:tav>
+                                            <p:tav tm="100000">
+                                              <p:val>
+                                                <p:strVal val="#ppt_y"/>
+                                              </p:val>
+                                            </p:tav>
+                                          </p:tavLst>
+                                        </p:anim>
+                                      </p:childTnLst>
+                                    </p:cTn>
+                                  </p:par>
+                                  <p:par>
+                                    <p:cTn id="20" presetID="2" presetClass="entr" presetSubtype="8" fill="hold" grpId="0" nodeType="withEffect">
+                                      <p:stCondLst>
+                                        <p:cond delay="1200"/>
+                                      </p:stCondLst>
+                                      <p:childTnLst>
+                                        <p:set>
+                                          <p:cBhvr>
+                                            <p:cTn id="21" dur="1" fill="hold">
+                                              <p:stCondLst>
+                                                <p:cond delay="0"/>
+                                              </p:stCondLst>
+                                            </p:cTn>
+                                            <p:tgtEl>
+                                              <p:spTgt spid="46"/>
+                                            </p:tgtEl>
+                                            <p:attrNameLst>
+                                              <p:attrName>style.visibility</p:attrName>
+                                            </p:attrNameLst>
+                                          </p:cBhvr>
+                                          <p:to>
+                                            <p:strVal val="visible"/>
+                                          </p:to>
+                                        </p:set>
+                                        <p:anim calcmode="lin" valueType="num">
+                                          <p:cBhvr additive="base">
+                                            <p:cTn id="22" dur="500" fill="hold"/>
+                                            <p:tgtEl>
+                                              <p:spTgt spid="46"/>
+                                            </p:tgtEl>
+                                            <p:attrNameLst>
+                                              <p:attrName>ppt_x</p:attrName>
+                                            </p:attrNameLst>
+                                          </p:cBhvr>
+                                          <p:tavLst>
+                                            <p:tav tm="0">
+                                              <p:val>
+                                                <p:strVal val="0-#ppt_w/2"/>
+                                              </p:val>
+                                            </p:tav>
+                                            <p:tav tm="100000">
+                                              <p:val>
+                                                <p:strVal val="#ppt_x"/>
+                                              </p:val>
+                                            </p:tav>
+                                          </p:tavLst>
+                                        </p:anim>
+                                        <p:anim calcmode="lin" valueType="num">
+                                          <p:cBhvr additive="base">
+                                            <p:cTn id="23" dur="500" fill="hold"/>
+                                            <p:tgtEl>
+                                              <p:spTgt spid="46"/>
+                                            </p:tgtEl>
+                                            <p:attrNameLst>
+                                              <p:attrName>ppt_y</p:attrName>
+                                            </p:attrNameLst>
+                                          </p:cBhvr>
+                                          <p:tavLst>
+                                            <p:tav tm="0">
+                                              <p:val>
+                                                <p:strVal val="#ppt_y"/>
+                                              </p:val>
+                                            </p:tav>
+                                            <p:tav tm="100000">
+                                              <p:val>
+                                                <p:strVal val="#ppt_y"/>
+                                              </p:val>
+                                            </p:tav>
+                                          </p:tavLst>
+                                        </p:anim>
+                                      </p:childTnLst>
+                                    </p:cTn>
+                                  </p:par>
+                                  <p:par>
+                                    <p:cTn id="24" presetID="2" presetClass="entr" presetSubtype="8" fill="hold" grpId="0" nodeType="withEffect">
+                                      <p:stCondLst>
+                                        <p:cond delay="1200"/>
+                                      </p:stCondLst>
+                                      <p:childTnLst>
+                                        <p:set>
+                                          <p:cBhvr>
+                                            <p:cTn id="25" dur="1" fill="hold">
+                                              <p:stCondLst>
+                                                <p:cond delay="0"/>
+                                              </p:stCondLst>
+                                            </p:cTn>
+                                            <p:tgtEl>
+                                              <p:spTgt spid="10"/>
+                                            </p:tgtEl>
+                                            <p:attrNameLst>
+                                              <p:attrName>style.visibility</p:attrName>
+                                            </p:attrNameLst>
+                                          </p:cBhvr>
+                                          <p:to>
+                                            <p:strVal val="visible"/>
+                                          </p:to>
+                                        </p:set>
+                                        <p:anim calcmode="lin" valueType="num">
+                                          <p:cBhvr additive="base">
+                                            <p:cTn id="26" dur="500" fill="hold"/>
+                                            <p:tgtEl>
+                                              <p:spTgt spid="10"/>
+                                            </p:tgtEl>
+                                            <p:attrNameLst>
+                                              <p:attrName>ppt_x</p:attrName>
+                                            </p:attrNameLst>
+                                          </p:cBhvr>
+                                          <p:tavLst>
+                                            <p:tav tm="0">
+                                              <p:val>
+                                                <p:strVal val="0-#ppt_w/2"/>
+                                              </p:val>
+                                            </p:tav>
+                                            <p:tav tm="100000">
+                                              <p:val>
+                                                <p:strVal val="#ppt_x"/>
+                                              </p:val>
+                                            </p:tav>
+                                          </p:tavLst>
+                                        </p:anim>
+                                        <p:anim calcmode="lin" valueType="num">
+                                          <p:cBhvr additive="base">
+                                            <p:cTn id="27" dur="500" fill="hold"/>
+                                            <p:tgtEl>
+                                              <p:spTgt spid="10"/>
+                                            </p:tgtEl>
+                                            <p:attrNameLst>
+                                              <p:attrName>ppt_y</p:attrName>
+                                            </p:attrNameLst>
+                                          </p:cBhvr>
+                                          <p:tavLst>
+                                            <p:tav tm="0">
+                                              <p:val>
+                                                <p:strVal val="#ppt_y"/>
+                                              </p:val>
+                                            </p:tav>
+                                            <p:tav tm="100000">
+                                              <p:val>
+                                                <p:strVal val="#ppt_y"/>
+                                              </p:val>
+                                            </p:tav>
+                                          </p:tavLst>
+                                        </p:anim>
+                                      </p:childTnLst>
+                                    </p:cTn>
+                                  </p:par>
+                                  <p:par>
+                                    <p:cTn id="28" presetID="2" presetClass="entr" presetSubtype="8" fill="hold" grpId="0" nodeType="withEffect">
+                                      <p:stCondLst>
+                                        <p:cond delay="1200"/>
+                                      </p:stCondLst>
+                                      <p:childTnLst>
+                                        <p:set>
+                                          <p:cBhvr>
+                                            <p:cTn id="29" dur="1" fill="hold">
+                                              <p:stCondLst>
+                                                <p:cond delay="0"/>
+                                              </p:stCondLst>
+                                            </p:cTn>
+                                            <p:tgtEl>
+                                              <p:spTgt spid="11"/>
+                                            </p:tgtEl>
+                                            <p:attrNameLst>
+                                              <p:attrName>style.visibility</p:attrName>
+                                            </p:attrNameLst>
+                                          </p:cBhvr>
+                                          <p:to>
+                                            <p:strVal val="visible"/>
+                                          </p:to>
+                                        </p:set>
+                                        <p:anim calcmode="lin" valueType="num">
+                                          <p:cBhvr additive="base">
+                                            <p:cTn id="30" dur="500" fill="hold"/>
+                                            <p:tgtEl>
+                                              <p:spTgt spid="11"/>
+                                            </p:tgtEl>
+                                            <p:attrNameLst>
+                                              <p:attrName>ppt_x</p:attrName>
+                                            </p:attrNameLst>
+                                          </p:cBhvr>
+                                          <p:tavLst>
+                                            <p:tav tm="0">
+                                              <p:val>
+                                                <p:strVal val="0-#ppt_w/2"/>
+                                              </p:val>
+                                            </p:tav>
+                                            <p:tav tm="100000">
+                                              <p:val>
+                                                <p:strVal val="#ppt_x"/>
+                                              </p:val>
+                                            </p:tav>
+                                          </p:tavLst>
+                                        </p:anim>
+                                        <p:anim calcmode="lin" valueType="num">
+                                          <p:cBhvr additive="base">
+                                            <p:cTn id="31" dur="500" fill="hold"/>
+                                            <p:tgtEl>
+                                              <p:spTgt spid="11"/>
+                                            </p:tgtEl>
+                                            <p:attrNameLst>
+                                              <p:attrName>ppt_y</p:attrName>
+                                            </p:attrNameLst>
+                                          </p:cBhvr>
+                                          <p:tavLst>
+                                            <p:tav tm="0">
+                                              <p:val>
+                                                <p:strVal val="#ppt_y"/>
+                                              </p:val>
+                                            </p:tav>
+                                            <p:tav tm="100000">
+                                              <p:val>
+                                                <p:strVal val="#ppt_y"/>
+                                              </p:val>
+                                            </p:tav>
+                                          </p:tavLst>
+                                        </p:anim>
+                                      </p:childTnLst>
+                                    </p:cTn>
+                                  </p:par>
+                                  <p:par>
+                                    <p:cTn id="32" presetID="2" presetClass="entr" presetSubtype="8" fill="hold" grpId="0" nodeType="withEffect">
+                                      <p:stCondLst>
+                                        <p:cond delay="1200"/>
+                                      </p:stCondLst>
+                                      <p:childTnLst>
+                                        <p:set>
+                                          <p:cBhvr>
+                                            <p:cTn id="33" dur="1" fill="hold">
+                                              <p:stCondLst>
+                                                <p:cond delay="0"/>
+                                              </p:stCondLst>
+                                            </p:cTn>
+                                            <p:tgtEl>
+                                              <p:spTgt spid="12"/>
+                                            </p:tgtEl>
+                                            <p:attrNameLst>
+                                              <p:attrName>style.visibility</p:attrName>
+                                            </p:attrNameLst>
+                                          </p:cBhvr>
+                                          <p:to>
+                                            <p:strVal val="visible"/>
+                                          </p:to>
+                                        </p:set>
+                                        <p:anim calcmode="lin" valueType="num">
+                                          <p:cBhvr additive="base">
+                                            <p:cTn id="34" dur="500" fill="hold"/>
+                                            <p:tgtEl>
+                                              <p:spTgt spid="12"/>
+                                            </p:tgtEl>
+                                            <p:attrNameLst>
+                                              <p:attrName>ppt_x</p:attrName>
+                                            </p:attrNameLst>
+                                          </p:cBhvr>
+                                          <p:tavLst>
+                                            <p:tav tm="0">
+                                              <p:val>
+                                                <p:strVal val="0-#ppt_w/2"/>
+                                              </p:val>
+                                            </p:tav>
+                                            <p:tav tm="100000">
+                                              <p:val>
+                                                <p:strVal val="#ppt_x"/>
+                                              </p:val>
+                                            </p:tav>
+                                          </p:tavLst>
+                                        </p:anim>
+                                        <p:anim calcmode="lin" valueType="num">
+                                          <p:cBhvr additive="base">
+                                            <p:cTn id="35" dur="500" fill="hold"/>
+                                            <p:tgtEl>
+                                              <p:spTgt spid="12"/>
+                                            </p:tgtEl>
+                                            <p:attrNameLst>
+                                              <p:attrName>ppt_y</p:attrName>
+                                            </p:attrNameLst>
+                                          </p:cBhvr>
+                                          <p:tavLst>
+                                            <p:tav tm="0">
+                                              <p:val>
+                                                <p:strVal val="#ppt_y"/>
+                                              </p:val>
+                                            </p:tav>
+                                            <p:tav tm="100000">
+                                              <p:val>
+                                                <p:strVal val="#ppt_y"/>
+                                              </p:val>
+                                            </p:tav>
+                                          </p:tavLst>
+                                        </p:anim>
+                                      </p:childTnLst>
+                                    </p:cTn>
+                                  </p:par>
+                                </p:childTnLst>
+                              </p:cTn>
+                            </p:par>
+                          </p:childTnLst>
+                        </p:cTn>
+                      </p:par>
+                      <p:par>
+                        <p:cTn id="36" fill="hold">
+                          <p:stCondLst>
+                            <p:cond delay="indefinite"/>
+                          </p:stCondLst>
+                          <p:childTnLst>
+                            <p:par>
+                              <p:cTn id="37" fill="hold">
+                                <p:stCondLst>
+                                  <p:cond delay="0"/>
+                                </p:stCondLst>
+                                <p:childTnLst>
+                                  <p:par>
+                                    <p:cTn id="38" presetID="10" presetClass="entr" presetSubtype="0" fill="hold" grpId="0" nodeType="clickEffect">
+                                      <p:stCondLst>
+                                        <p:cond delay="0"/>
+                                      </p:stCondLst>
+                                      <p:childTnLst>
+                                        <p:set>
+                                          <p:cBhvr>
+                                            <p:cTn id="39" dur="1" fill="hold">
+                                              <p:stCondLst>
+                                                <p:cond delay="0"/>
+                                              </p:stCondLst>
+                                            </p:cTn>
+                                            <p:tgtEl>
+                                              <p:spTgt spid="4"/>
+                                            </p:tgtEl>
+                                            <p:attrNameLst>
+                                              <p:attrName>style.visibility</p:attrName>
+                                            </p:attrNameLst>
+                                          </p:cBhvr>
+                                          <p:to>
+                                            <p:strVal val="visible"/>
+                                          </p:to>
+                                        </p:set>
+                                        <p:animEffect transition="in" filter="fade">
+                                          <p:cBhvr>
+                                            <p:cTn id="40" dur="500"/>
+                                            <p:tgtEl>
+                                              <p:spTgt spid="4"/>
+                                            </p:tgtEl>
+                                          </p:cBhvr>
+                                        </p:animEffect>
+                                      </p:childTnLst>
+                                    </p:cTn>
+                                  </p:par>
+                                </p:childTnLst>
+                              </p:cTn>
+                            </p:par>
+                          </p:childTnLst>
+                        </p:cTn>
+                      </p:par>
+                      <p:par>
+                        <p:cTn id="41" fill="hold">
+                          <p:stCondLst>
+                            <p:cond delay="indefinite"/>
+                          </p:stCondLst>
+                          <p:childTnLst>
+                            <p:par>
+                              <p:cTn id="42" fill="hold">
+                                <p:stCondLst>
+                                  <p:cond delay="0"/>
+                                </p:stCondLst>
+                                <p:childTnLst>
+                                  <p:par>
+                                    <p:cTn id="43" presetID="10" presetClass="entr" presetSubtype="0" fill="hold" grpId="0" nodeType="clickEffect">
+                                      <p:stCondLst>
+                                        <p:cond delay="0"/>
+                                      </p:stCondLst>
+                                      <p:childTnLst>
+                                        <p:set>
+                                          <p:cBhvr>
+                                            <p:cTn id="44" dur="1" fill="hold">
+                                              <p:stCondLst>
+                                                <p:cond delay="0"/>
+                                              </p:stCondLst>
+                                            </p:cTn>
+                                            <p:tgtEl>
+                                              <p:spTgt spid="2"/>
+                                            </p:tgtEl>
+                                            <p:attrNameLst>
+                                              <p:attrName>style.visibility</p:attrName>
+                                            </p:attrNameLst>
+                                          </p:cBhvr>
+                                          <p:to>
+                                            <p:strVal val="visible"/>
+                                          </p:to>
+                                        </p:set>
+                                        <p:animEffect transition="in" filter="fade">
+                                          <p:cBhvr>
+                                            <p:cTn id="45" dur="500"/>
+                                            <p:tgtEl>
+                                              <p:spTgt spid="2"/>
+                                            </p:tgtEl>
+                                          </p:cBhvr>
+                                        </p:animEffect>
+                                      </p:childTnLst>
+                                    </p:cTn>
+                                  </p:par>
+                                </p:childTnLst>
+                              </p:cTn>
+                            </p:par>
+                          </p:childTnLst>
+                        </p:cTn>
+                      </p:par>
+                      <p:par>
+                        <p:cTn id="46" fill="hold">
+                          <p:stCondLst>
+                            <p:cond delay="indefinite"/>
+                          </p:stCondLst>
+                          <p:childTnLst>
+                            <p:par>
+                              <p:cTn id="47" fill="hold">
+                                <p:stCondLst>
+                                  <p:cond delay="0"/>
+                                </p:stCondLst>
+                                <p:childTnLst>
+                                  <p:par>
+                                    <p:cTn id="48" presetID="10" presetClass="entr" presetSubtype="0" fill="hold" grpId="0" nodeType="clickEffect">
+                                      <p:stCondLst>
+                                        <p:cond delay="0"/>
+                                      </p:stCondLst>
+                                      <p:childTnLst>
+                                        <p:set>
+                                          <p:cBhvr>
+                                            <p:cTn id="49" dur="1" fill="hold">
+                                              <p:stCondLst>
+                                                <p:cond delay="0"/>
+                                              </p:stCondLst>
+                                            </p:cTn>
+                                            <p:tgtEl>
+                                              <p:spTgt spid="18"/>
+                                            </p:tgtEl>
+                                            <p:attrNameLst>
+                                              <p:attrName>style.visibility</p:attrName>
+                                            </p:attrNameLst>
+                                          </p:cBhvr>
+                                          <p:to>
+                                            <p:strVal val="visible"/>
+                                          </p:to>
+                                        </p:set>
+                                        <p:animEffect transition="in" filter="fade">
+                                          <p:cBhvr>
+                                            <p:cTn id="50" dur="500"/>
+                                            <p:tgtEl>
+                                              <p:spTgt spid="18"/>
+                                            </p:tgtEl>
+                                          </p:cBhvr>
+                                        </p:animEffect>
+                                      </p:childTnLst>
+                                    </p:cTn>
+                                  </p:par>
+                                </p:childTnLst>
+                              </p:cTn>
+                            </p:par>
+                          </p:childTnLst>
+                        </p:cTn>
+                      </p:par>
+                      <p:par>
+                        <p:cTn id="51" fill="hold">
+                          <p:stCondLst>
+                            <p:cond delay="indefinite"/>
+                          </p:stCondLst>
+                          <p:childTnLst>
+                            <p:par>
+                              <p:cTn id="52" fill="hold">
+                                <p:stCondLst>
+                                  <p:cond delay="0"/>
+                                </p:stCondLst>
+                                <p:childTnLst>
+                                  <p:par>
+                                    <p:cTn id="53" presetID="10" presetClass="entr" presetSubtype="0" fill="hold" grpId="0" nodeType="clickEffect">
+                                      <p:stCondLst>
+                                        <p:cond delay="0"/>
+                                      </p:stCondLst>
+                                      <p:childTnLst>
+                                        <p:set>
+                                          <p:cBhvr>
+                                            <p:cTn id="54" dur="1" fill="hold">
+                                              <p:stCondLst>
+                                                <p:cond delay="0"/>
+                                              </p:stCondLst>
+                                            </p:cTn>
+                                            <p:tgtEl>
+                                              <p:spTgt spid="3"/>
+                                            </p:tgtEl>
+                                            <p:attrNameLst>
+                                              <p:attrName>style.visibility</p:attrName>
+                                            </p:attrNameLst>
+                                          </p:cBhvr>
+                                          <p:to>
+                                            <p:strVal val="visible"/>
+                                          </p:to>
+                                        </p:set>
+                                        <p:animEffect transition="in" filter="fade">
+                                          <p:cBhvr>
+                                            <p:cTn id="55" dur="500"/>
+                                            <p:tgtEl>
+                                              <p:spTgt spid="3"/>
+                                            </p:tgtEl>
+                                          </p:cBhvr>
+                                        </p:animEffect>
+                                      </p:childTnLst>
+                                    </p:cTn>
+                                  </p:par>
+                                </p:childTnLst>
+                              </p:cTn>
+                            </p:par>
+                          </p:childTnLst>
+                        </p:cTn>
+                      </p:par>
+                      <p:par>
+                        <p:cTn id="56" fill="hold">
+                          <p:stCondLst>
+                            <p:cond delay="indefinite"/>
+                          </p:stCondLst>
+                          <p:childTnLst>
+                            <p:par>
+                              <p:cTn id="57" fill="hold">
+                                <p:stCondLst>
+                                  <p:cond delay="0"/>
+                                </p:stCondLst>
+                                <p:childTnLst>
+                                  <p:par>
+                                    <p:cTn id="58" presetID="10" presetClass="entr" presetSubtype="0" fill="hold" grpId="0" nodeType="clickEffect">
+                                      <p:stCondLst>
+                                        <p:cond delay="0"/>
+                                      </p:stCondLst>
+                                      <p:childTnLst>
+                                        <p:set>
+                                          <p:cBhvr>
+                                            <p:cTn id="59" dur="1" fill="hold">
+                                              <p:stCondLst>
+                                                <p:cond delay="0"/>
+                                              </p:stCondLst>
+                                            </p:cTn>
+                                            <p:tgtEl>
+                                              <p:spTgt spid="19"/>
+                                            </p:tgtEl>
+                                            <p:attrNameLst>
+                                              <p:attrName>style.visibility</p:attrName>
+                                            </p:attrNameLst>
+                                          </p:cBhvr>
+                                          <p:to>
+                                            <p:strVal val="visible"/>
+                                          </p:to>
+                                        </p:set>
+                                        <p:animEffect transition="in" filter="fade">
+                                          <p:cBhvr>
+                                            <p:cTn id="60" dur="500"/>
+                                            <p:tgtEl>
+                                              <p:spTgt spid="19"/>
+                                            </p:tgtEl>
+                                          </p:cBhvr>
+                                        </p:animEffect>
+                                      </p:childTnLst>
+                                    </p:cTn>
+                                  </p:par>
+                                </p:childTnLst>
+                              </p:cTn>
+                            </p:par>
+                          </p:childTnLst>
+                        </p:cTn>
+                      </p:par>
+                      <p:par>
+                        <p:cTn id="61" fill="hold">
+                          <p:stCondLst>
+                            <p:cond delay="indefinite"/>
+                          </p:stCondLst>
+                          <p:childTnLst>
+                            <p:par>
+                              <p:cTn id="62" fill="hold">
+                                <p:stCondLst>
+                                  <p:cond delay="0"/>
+                                </p:stCondLst>
+                                <p:childTnLst>
+                                  <p:par>
+                                    <p:cTn id="63" presetID="10" presetClass="entr" presetSubtype="0" fill="hold" grpId="0" nodeType="clickEffect">
+                                      <p:stCondLst>
+                                        <p:cond delay="0"/>
+                                      </p:stCondLst>
+                                      <p:childTnLst>
+                                        <p:set>
+                                          <p:cBhvr>
+                                            <p:cTn id="64" dur="1" fill="hold">
+                                              <p:stCondLst>
+                                                <p:cond delay="0"/>
+                                              </p:stCondLst>
+                                            </p:cTn>
+                                            <p:tgtEl>
+                                              <p:spTgt spid="5"/>
+                                            </p:tgtEl>
+                                            <p:attrNameLst>
+                                              <p:attrName>style.visibility</p:attrName>
+                                            </p:attrNameLst>
+                                          </p:cBhvr>
+                                          <p:to>
+                                            <p:strVal val="visible"/>
+                                          </p:to>
+                                        </p:set>
+                                        <p:animEffect transition="in" filter="fade">
+                                          <p:cBhvr>
+                                            <p:cTn id="65" dur="500"/>
+                                            <p:tgtEl>
+                                              <p:spTgt spid="5"/>
+                                            </p:tgtEl>
+                                          </p:cBhvr>
+                                        </p:animEffect>
+                                      </p:childTnLst>
+                                    </p:cTn>
+                                  </p:par>
+                                </p:childTnLst>
+                              </p:cTn>
+                            </p:par>
+                          </p:childTnLst>
+                        </p:cTn>
+                      </p:par>
+                      <p:par>
+                        <p:cTn id="66" fill="hold">
+                          <p:stCondLst>
+                            <p:cond delay="indefinite"/>
+                          </p:stCondLst>
+                          <p:childTnLst>
+                            <p:par>
+                              <p:cTn id="67" fill="hold">
+                                <p:stCondLst>
+                                  <p:cond delay="0"/>
+                                </p:stCondLst>
+                                <p:childTnLst>
+                                  <p:par>
+                                    <p:cTn id="68" presetID="10" presetClass="entr" presetSubtype="0" fill="hold" grpId="0" nodeType="clickEffect">
+                                      <p:stCondLst>
+                                        <p:cond delay="0"/>
+                                      </p:stCondLst>
+                                      <p:childTnLst>
+                                        <p:set>
+                                          <p:cBhvr>
+                                            <p:cTn id="69" dur="1" fill="hold">
+                                              <p:stCondLst>
+                                                <p:cond delay="0"/>
+                                              </p:stCondLst>
+                                            </p:cTn>
+                                            <p:tgtEl>
+                                              <p:spTgt spid="17"/>
+                                            </p:tgtEl>
+                                            <p:attrNameLst>
+                                              <p:attrName>style.visibility</p:attrName>
+                                            </p:attrNameLst>
+                                          </p:cBhvr>
+                                          <p:to>
+                                            <p:strVal val="visible"/>
+                                          </p:to>
+                                        </p:set>
+                                        <p:animEffect transition="in" filter="fade">
+                                          <p:cBhvr>
+                                            <p:cTn id="70" dur="500"/>
+                                            <p:tgtEl>
+                                              <p:spTgt spid="17"/>
+                                            </p:tgtEl>
+                                          </p:cBhvr>
+                                        </p:animEffect>
+                                      </p:childTnLst>
+                                    </p:cTn>
+                                  </p:par>
+                                </p:childTnLst>
+                              </p:cTn>
+                            </p:par>
+                          </p:childTnLst>
+                        </p:cTn>
+                      </p:par>
+                      <p:par>
+                        <p:cTn id="71" fill="hold">
+                          <p:stCondLst>
+                            <p:cond delay="indefinite"/>
+                          </p:stCondLst>
+                          <p:childTnLst>
+                            <p:par>
+                              <p:cTn id="72" fill="hold">
+                                <p:stCondLst>
+                                  <p:cond delay="0"/>
+                                </p:stCondLst>
+                                <p:childTnLst>
+                                  <p:par>
+                                    <p:cTn id="73" presetID="10" presetClass="entr" presetSubtype="0" fill="hold" grpId="0" nodeType="clickEffect">
+                                      <p:stCondLst>
+                                        <p:cond delay="0"/>
+                                      </p:stCondLst>
+                                      <p:childTnLst>
+                                        <p:set>
+                                          <p:cBhvr>
+                                            <p:cTn id="74" dur="1" fill="hold">
+                                              <p:stCondLst>
+                                                <p:cond delay="0"/>
+                                              </p:stCondLst>
+                                            </p:cTn>
+                                            <p:tgtEl>
+                                              <p:spTgt spid="21"/>
+                                            </p:tgtEl>
+                                            <p:attrNameLst>
+                                              <p:attrName>style.visibility</p:attrName>
+                                            </p:attrNameLst>
+                                          </p:cBhvr>
+                                          <p:to>
+                                            <p:strVal val="visible"/>
+                                          </p:to>
+                                        </p:set>
+                                        <p:animEffect transition="in" filter="fade">
+                                          <p:cBhvr>
+                                            <p:cTn id="75" dur="500"/>
+                                            <p:tgtEl>
+                                              <p:spTgt spid="21"/>
                                             </p:tgtEl>
                                           </p:cBhvr>
                                         </p:animEffect>
@@ -7364,9 +10306,21 @@
           </p:par>
         </p:tnLst>
         <p:bldLst>
-          <p:bldP spid="33" grpId="0"/>
+          <p:bldP spid="46" grpId="0" animBg="1"/>
           <p:bldP spid="8" grpId="0" animBg="1"/>
           <p:bldP spid="9" grpId="0"/>
+          <p:bldP spid="10" grpId="0" animBg="1"/>
+          <p:bldP spid="11" grpId="0" animBg="1"/>
+          <p:bldP spid="12" grpId="0" animBg="1"/>
+          <p:bldP spid="13" grpId="0" animBg="1"/>
+          <p:bldP spid="2" grpId="0"/>
+          <p:bldP spid="3" grpId="0"/>
+          <p:bldP spid="4" grpId="0"/>
+          <p:bldP spid="17" grpId="0"/>
+          <p:bldP spid="18" grpId="0"/>
+          <p:bldP spid="19" grpId="0"/>
+          <p:bldP spid="5" grpId="0"/>
+          <p:bldP spid="21" grpId="0"/>
         </p:bldLst>
       </p:timing>
     </mc:Choice>
@@ -7576,9 +10530,9 @@
                                     </p:cTn>
                                   </p:par>
                                   <p:par>
-                                    <p:cTn id="16" presetID="22" presetClass="entr" presetSubtype="8" fill="hold" grpId="0" nodeType="withEffect">
+                                    <p:cTn id="16" presetID="2" presetClass="entr" presetSubtype="8" fill="hold" grpId="0" nodeType="withEffect">
                                       <p:stCondLst>
-                                        <p:cond delay="700"/>
+                                        <p:cond delay="1200"/>
                                       </p:stCondLst>
                                       <p:childTnLst>
                                         <p:set>
@@ -7589,7 +10543,7 @@
                                               </p:stCondLst>
                                             </p:cTn>
                                             <p:tgtEl>
-                                              <p:spTgt spid="33"/>
+                                              <p:spTgt spid="13"/>
                                             </p:tgtEl>
                                             <p:attrNameLst>
                                               <p:attrName>style.visibility</p:attrName>
@@ -7599,11 +10553,765 @@
                                             <p:strVal val="visible"/>
                                           </p:to>
                                         </p:set>
-                                        <p:animEffect transition="in" filter="wipe(left)">
-                                          <p:cBhvr>
-                                            <p:cTn id="18" dur="500"/>
-                                            <p:tgtEl>
-                                              <p:spTgt spid="33"/>
+                                        <p:anim calcmode="lin" valueType="num">
+                                          <p:cBhvr additive="base">
+                                            <p:cTn id="18" dur="500" fill="hold"/>
+                                            <p:tgtEl>
+                                              <p:spTgt spid="13"/>
+                                            </p:tgtEl>
+                                            <p:attrNameLst>
+                                              <p:attrName>ppt_x</p:attrName>
+                                            </p:attrNameLst>
+                                          </p:cBhvr>
+                                          <p:tavLst>
+                                            <p:tav tm="0">
+                                              <p:val>
+                                                <p:strVal val="0-#ppt_w/2"/>
+                                              </p:val>
+                                            </p:tav>
+                                            <p:tav tm="100000">
+                                              <p:val>
+                                                <p:strVal val="#ppt_x"/>
+                                              </p:val>
+                                            </p:tav>
+                                          </p:tavLst>
+                                        </p:anim>
+                                        <p:anim calcmode="lin" valueType="num">
+                                          <p:cBhvr additive="base">
+                                            <p:cTn id="19" dur="500" fill="hold"/>
+                                            <p:tgtEl>
+                                              <p:spTgt spid="13"/>
+                                            </p:tgtEl>
+                                            <p:attrNameLst>
+                                              <p:attrName>ppt_y</p:attrName>
+                                            </p:attrNameLst>
+                                          </p:cBhvr>
+                                          <p:tavLst>
+                                            <p:tav tm="0">
+                                              <p:val>
+                                                <p:strVal val="#ppt_y"/>
+                                              </p:val>
+                                            </p:tav>
+                                            <p:tav tm="100000">
+                                              <p:val>
+                                                <p:strVal val="#ppt_y"/>
+                                              </p:val>
+                                            </p:tav>
+                                          </p:tavLst>
+                                        </p:anim>
+                                      </p:childTnLst>
+                                    </p:cTn>
+                                  </p:par>
+                                  <p:par>
+                                    <p:cTn id="20" presetID="2" presetClass="entr" presetSubtype="8" fill="hold" grpId="0" nodeType="withEffect">
+                                      <p:stCondLst>
+                                        <p:cond delay="1200"/>
+                                      </p:stCondLst>
+                                      <p:childTnLst>
+                                        <p:set>
+                                          <p:cBhvr>
+                                            <p:cTn id="21" dur="1" fill="hold">
+                                              <p:stCondLst>
+                                                <p:cond delay="0"/>
+                                              </p:stCondLst>
+                                            </p:cTn>
+                                            <p:tgtEl>
+                                              <p:spTgt spid="46"/>
+                                            </p:tgtEl>
+                                            <p:attrNameLst>
+                                              <p:attrName>style.visibility</p:attrName>
+                                            </p:attrNameLst>
+                                          </p:cBhvr>
+                                          <p:to>
+                                            <p:strVal val="visible"/>
+                                          </p:to>
+                                        </p:set>
+                                        <p:anim calcmode="lin" valueType="num">
+                                          <p:cBhvr additive="base">
+                                            <p:cTn id="22" dur="500" fill="hold"/>
+                                            <p:tgtEl>
+                                              <p:spTgt spid="46"/>
+                                            </p:tgtEl>
+                                            <p:attrNameLst>
+                                              <p:attrName>ppt_x</p:attrName>
+                                            </p:attrNameLst>
+                                          </p:cBhvr>
+                                          <p:tavLst>
+                                            <p:tav tm="0">
+                                              <p:val>
+                                                <p:strVal val="0-#ppt_w/2"/>
+                                              </p:val>
+                                            </p:tav>
+                                            <p:tav tm="100000">
+                                              <p:val>
+                                                <p:strVal val="#ppt_x"/>
+                                              </p:val>
+                                            </p:tav>
+                                          </p:tavLst>
+                                        </p:anim>
+                                        <p:anim calcmode="lin" valueType="num">
+                                          <p:cBhvr additive="base">
+                                            <p:cTn id="23" dur="500" fill="hold"/>
+                                            <p:tgtEl>
+                                              <p:spTgt spid="46"/>
+                                            </p:tgtEl>
+                                            <p:attrNameLst>
+                                              <p:attrName>ppt_y</p:attrName>
+                                            </p:attrNameLst>
+                                          </p:cBhvr>
+                                          <p:tavLst>
+                                            <p:tav tm="0">
+                                              <p:val>
+                                                <p:strVal val="#ppt_y"/>
+                                              </p:val>
+                                            </p:tav>
+                                            <p:tav tm="100000">
+                                              <p:val>
+                                                <p:strVal val="#ppt_y"/>
+                                              </p:val>
+                                            </p:tav>
+                                          </p:tavLst>
+                                        </p:anim>
+                                      </p:childTnLst>
+                                    </p:cTn>
+                                  </p:par>
+                                  <p:par>
+                                    <p:cTn id="24" presetID="2" presetClass="entr" presetSubtype="8" fill="hold" grpId="0" nodeType="withEffect">
+                                      <p:stCondLst>
+                                        <p:cond delay="1200"/>
+                                      </p:stCondLst>
+                                      <p:childTnLst>
+                                        <p:set>
+                                          <p:cBhvr>
+                                            <p:cTn id="25" dur="1" fill="hold">
+                                              <p:stCondLst>
+                                                <p:cond delay="0"/>
+                                              </p:stCondLst>
+                                            </p:cTn>
+                                            <p:tgtEl>
+                                              <p:spTgt spid="10"/>
+                                            </p:tgtEl>
+                                            <p:attrNameLst>
+                                              <p:attrName>style.visibility</p:attrName>
+                                            </p:attrNameLst>
+                                          </p:cBhvr>
+                                          <p:to>
+                                            <p:strVal val="visible"/>
+                                          </p:to>
+                                        </p:set>
+                                        <p:anim calcmode="lin" valueType="num">
+                                          <p:cBhvr additive="base">
+                                            <p:cTn id="26" dur="500" fill="hold"/>
+                                            <p:tgtEl>
+                                              <p:spTgt spid="10"/>
+                                            </p:tgtEl>
+                                            <p:attrNameLst>
+                                              <p:attrName>ppt_x</p:attrName>
+                                            </p:attrNameLst>
+                                          </p:cBhvr>
+                                          <p:tavLst>
+                                            <p:tav tm="0">
+                                              <p:val>
+                                                <p:strVal val="0-#ppt_w/2"/>
+                                              </p:val>
+                                            </p:tav>
+                                            <p:tav tm="100000">
+                                              <p:val>
+                                                <p:strVal val="#ppt_x"/>
+                                              </p:val>
+                                            </p:tav>
+                                          </p:tavLst>
+                                        </p:anim>
+                                        <p:anim calcmode="lin" valueType="num">
+                                          <p:cBhvr additive="base">
+                                            <p:cTn id="27" dur="500" fill="hold"/>
+                                            <p:tgtEl>
+                                              <p:spTgt spid="10"/>
+                                            </p:tgtEl>
+                                            <p:attrNameLst>
+                                              <p:attrName>ppt_y</p:attrName>
+                                            </p:attrNameLst>
+                                          </p:cBhvr>
+                                          <p:tavLst>
+                                            <p:tav tm="0">
+                                              <p:val>
+                                                <p:strVal val="#ppt_y"/>
+                                              </p:val>
+                                            </p:tav>
+                                            <p:tav tm="100000">
+                                              <p:val>
+                                                <p:strVal val="#ppt_y"/>
+                                              </p:val>
+                                            </p:tav>
+                                          </p:tavLst>
+                                        </p:anim>
+                                      </p:childTnLst>
+                                    </p:cTn>
+                                  </p:par>
+                                  <p:par>
+                                    <p:cTn id="28" presetID="2" presetClass="entr" presetSubtype="8" fill="hold" grpId="0" nodeType="withEffect">
+                                      <p:stCondLst>
+                                        <p:cond delay="1200"/>
+                                      </p:stCondLst>
+                                      <p:childTnLst>
+                                        <p:set>
+                                          <p:cBhvr>
+                                            <p:cTn id="29" dur="1" fill="hold">
+                                              <p:stCondLst>
+                                                <p:cond delay="0"/>
+                                              </p:stCondLst>
+                                            </p:cTn>
+                                            <p:tgtEl>
+                                              <p:spTgt spid="11"/>
+                                            </p:tgtEl>
+                                            <p:attrNameLst>
+                                              <p:attrName>style.visibility</p:attrName>
+                                            </p:attrNameLst>
+                                          </p:cBhvr>
+                                          <p:to>
+                                            <p:strVal val="visible"/>
+                                          </p:to>
+                                        </p:set>
+                                        <p:anim calcmode="lin" valueType="num">
+                                          <p:cBhvr additive="base">
+                                            <p:cTn id="30" dur="500" fill="hold"/>
+                                            <p:tgtEl>
+                                              <p:spTgt spid="11"/>
+                                            </p:tgtEl>
+                                            <p:attrNameLst>
+                                              <p:attrName>ppt_x</p:attrName>
+                                            </p:attrNameLst>
+                                          </p:cBhvr>
+                                          <p:tavLst>
+                                            <p:tav tm="0">
+                                              <p:val>
+                                                <p:strVal val="0-#ppt_w/2"/>
+                                              </p:val>
+                                            </p:tav>
+                                            <p:tav tm="100000">
+                                              <p:val>
+                                                <p:strVal val="#ppt_x"/>
+                                              </p:val>
+                                            </p:tav>
+                                          </p:tavLst>
+                                        </p:anim>
+                                        <p:anim calcmode="lin" valueType="num">
+                                          <p:cBhvr additive="base">
+                                            <p:cTn id="31" dur="500" fill="hold"/>
+                                            <p:tgtEl>
+                                              <p:spTgt spid="11"/>
+                                            </p:tgtEl>
+                                            <p:attrNameLst>
+                                              <p:attrName>ppt_y</p:attrName>
+                                            </p:attrNameLst>
+                                          </p:cBhvr>
+                                          <p:tavLst>
+                                            <p:tav tm="0">
+                                              <p:val>
+                                                <p:strVal val="#ppt_y"/>
+                                              </p:val>
+                                            </p:tav>
+                                            <p:tav tm="100000">
+                                              <p:val>
+                                                <p:strVal val="#ppt_y"/>
+                                              </p:val>
+                                            </p:tav>
+                                          </p:tavLst>
+                                        </p:anim>
+                                      </p:childTnLst>
+                                    </p:cTn>
+                                  </p:par>
+                                  <p:par>
+                                    <p:cTn id="32" presetID="2" presetClass="entr" presetSubtype="8" fill="hold" grpId="0" nodeType="withEffect">
+                                      <p:stCondLst>
+                                        <p:cond delay="1200"/>
+                                      </p:stCondLst>
+                                      <p:childTnLst>
+                                        <p:set>
+                                          <p:cBhvr>
+                                            <p:cTn id="33" dur="1" fill="hold">
+                                              <p:stCondLst>
+                                                <p:cond delay="0"/>
+                                              </p:stCondLst>
+                                            </p:cTn>
+                                            <p:tgtEl>
+                                              <p:spTgt spid="12"/>
+                                            </p:tgtEl>
+                                            <p:attrNameLst>
+                                              <p:attrName>style.visibility</p:attrName>
+                                            </p:attrNameLst>
+                                          </p:cBhvr>
+                                          <p:to>
+                                            <p:strVal val="visible"/>
+                                          </p:to>
+                                        </p:set>
+                                        <p:anim calcmode="lin" valueType="num">
+                                          <p:cBhvr additive="base">
+                                            <p:cTn id="34" dur="500" fill="hold"/>
+                                            <p:tgtEl>
+                                              <p:spTgt spid="12"/>
+                                            </p:tgtEl>
+                                            <p:attrNameLst>
+                                              <p:attrName>ppt_x</p:attrName>
+                                            </p:attrNameLst>
+                                          </p:cBhvr>
+                                          <p:tavLst>
+                                            <p:tav tm="0">
+                                              <p:val>
+                                                <p:strVal val="0-#ppt_w/2"/>
+                                              </p:val>
+                                            </p:tav>
+                                            <p:tav tm="100000">
+                                              <p:val>
+                                                <p:strVal val="#ppt_x"/>
+                                              </p:val>
+                                            </p:tav>
+                                          </p:tavLst>
+                                        </p:anim>
+                                        <p:anim calcmode="lin" valueType="num">
+                                          <p:cBhvr additive="base">
+                                            <p:cTn id="35" dur="500" fill="hold"/>
+                                            <p:tgtEl>
+                                              <p:spTgt spid="12"/>
+                                            </p:tgtEl>
+                                            <p:attrNameLst>
+                                              <p:attrName>ppt_y</p:attrName>
+                                            </p:attrNameLst>
+                                          </p:cBhvr>
+                                          <p:tavLst>
+                                            <p:tav tm="0">
+                                              <p:val>
+                                                <p:strVal val="#ppt_y"/>
+                                              </p:val>
+                                            </p:tav>
+                                            <p:tav tm="100000">
+                                              <p:val>
+                                                <p:strVal val="#ppt_y"/>
+                                              </p:val>
+                                            </p:tav>
+                                          </p:tavLst>
+                                        </p:anim>
+                                      </p:childTnLst>
+                                    </p:cTn>
+                                  </p:par>
+                                </p:childTnLst>
+                              </p:cTn>
+                            </p:par>
+                          </p:childTnLst>
+                        </p:cTn>
+                      </p:par>
+                      <p:par>
+                        <p:cTn id="36" fill="hold">
+                          <p:stCondLst>
+                            <p:cond delay="indefinite"/>
+                          </p:stCondLst>
+                          <p:childTnLst>
+                            <p:par>
+                              <p:cTn id="37" fill="hold">
+                                <p:stCondLst>
+                                  <p:cond delay="0"/>
+                                </p:stCondLst>
+                                <p:childTnLst>
+                                  <p:par>
+                                    <p:cTn id="38" presetID="10" presetClass="entr" presetSubtype="0" fill="hold" grpId="0" nodeType="clickEffect">
+                                      <p:stCondLst>
+                                        <p:cond delay="0"/>
+                                      </p:stCondLst>
+                                      <p:childTnLst>
+                                        <p:set>
+                                          <p:cBhvr>
+                                            <p:cTn id="39" dur="1" fill="hold">
+                                              <p:stCondLst>
+                                                <p:cond delay="0"/>
+                                              </p:stCondLst>
+                                            </p:cTn>
+                                            <p:tgtEl>
+                                              <p:spTgt spid="4"/>
+                                            </p:tgtEl>
+                                            <p:attrNameLst>
+                                              <p:attrName>style.visibility</p:attrName>
+                                            </p:attrNameLst>
+                                          </p:cBhvr>
+                                          <p:to>
+                                            <p:strVal val="visible"/>
+                                          </p:to>
+                                        </p:set>
+                                        <p:animEffect transition="in" filter="fade">
+                                          <p:cBhvr>
+                                            <p:cTn id="40" dur="500"/>
+                                            <p:tgtEl>
+                                              <p:spTgt spid="4"/>
+                                            </p:tgtEl>
+                                          </p:cBhvr>
+                                        </p:animEffect>
+                                      </p:childTnLst>
+                                    </p:cTn>
+                                  </p:par>
+                                </p:childTnLst>
+                              </p:cTn>
+                            </p:par>
+                          </p:childTnLst>
+                        </p:cTn>
+                      </p:par>
+                      <p:par>
+                        <p:cTn id="41" fill="hold">
+                          <p:stCondLst>
+                            <p:cond delay="indefinite"/>
+                          </p:stCondLst>
+                          <p:childTnLst>
+                            <p:par>
+                              <p:cTn id="42" fill="hold">
+                                <p:stCondLst>
+                                  <p:cond delay="0"/>
+                                </p:stCondLst>
+                                <p:childTnLst>
+                                  <p:par>
+                                    <p:cTn id="43" presetID="10" presetClass="entr" presetSubtype="0" fill="hold" grpId="0" nodeType="clickEffect">
+                                      <p:stCondLst>
+                                        <p:cond delay="0"/>
+                                      </p:stCondLst>
+                                      <p:childTnLst>
+                                        <p:set>
+                                          <p:cBhvr>
+                                            <p:cTn id="44" dur="1" fill="hold">
+                                              <p:stCondLst>
+                                                <p:cond delay="0"/>
+                                              </p:stCondLst>
+                                            </p:cTn>
+                                            <p:tgtEl>
+                                              <p:spTgt spid="2"/>
+                                            </p:tgtEl>
+                                            <p:attrNameLst>
+                                              <p:attrName>style.visibility</p:attrName>
+                                            </p:attrNameLst>
+                                          </p:cBhvr>
+                                          <p:to>
+                                            <p:strVal val="visible"/>
+                                          </p:to>
+                                        </p:set>
+                                        <p:animEffect transition="in" filter="fade">
+                                          <p:cBhvr>
+                                            <p:cTn id="45" dur="500"/>
+                                            <p:tgtEl>
+                                              <p:spTgt spid="2"/>
+                                            </p:tgtEl>
+                                          </p:cBhvr>
+                                        </p:animEffect>
+                                      </p:childTnLst>
+                                    </p:cTn>
+                                  </p:par>
+                                </p:childTnLst>
+                              </p:cTn>
+                            </p:par>
+                          </p:childTnLst>
+                        </p:cTn>
+                      </p:par>
+                      <p:par>
+                        <p:cTn id="46" fill="hold">
+                          <p:stCondLst>
+                            <p:cond delay="indefinite"/>
+                          </p:stCondLst>
+                          <p:childTnLst>
+                            <p:par>
+                              <p:cTn id="47" fill="hold">
+                                <p:stCondLst>
+                                  <p:cond delay="0"/>
+                                </p:stCondLst>
+                                <p:childTnLst>
+                                  <p:par>
+                                    <p:cTn id="48" presetID="10" presetClass="entr" presetSubtype="0" fill="hold" grpId="0" nodeType="clickEffect">
+                                      <p:stCondLst>
+                                        <p:cond delay="0"/>
+                                      </p:stCondLst>
+                                      <p:childTnLst>
+                                        <p:set>
+                                          <p:cBhvr>
+                                            <p:cTn id="49" dur="1" fill="hold">
+                                              <p:stCondLst>
+                                                <p:cond delay="0"/>
+                                              </p:stCondLst>
+                                            </p:cTn>
+                                            <p:tgtEl>
+                                              <p:spTgt spid="18"/>
+                                            </p:tgtEl>
+                                            <p:attrNameLst>
+                                              <p:attrName>style.visibility</p:attrName>
+                                            </p:attrNameLst>
+                                          </p:cBhvr>
+                                          <p:to>
+                                            <p:strVal val="visible"/>
+                                          </p:to>
+                                        </p:set>
+                                        <p:animEffect transition="in" filter="fade">
+                                          <p:cBhvr>
+                                            <p:cTn id="50" dur="500"/>
+                                            <p:tgtEl>
+                                              <p:spTgt spid="18"/>
+                                            </p:tgtEl>
+                                          </p:cBhvr>
+                                        </p:animEffect>
+                                      </p:childTnLst>
+                                    </p:cTn>
+                                  </p:par>
+                                </p:childTnLst>
+                              </p:cTn>
+                            </p:par>
+                          </p:childTnLst>
+                        </p:cTn>
+                      </p:par>
+                      <p:par>
+                        <p:cTn id="51" fill="hold">
+                          <p:stCondLst>
+                            <p:cond delay="indefinite"/>
+                          </p:stCondLst>
+                          <p:childTnLst>
+                            <p:par>
+                              <p:cTn id="52" fill="hold">
+                                <p:stCondLst>
+                                  <p:cond delay="0"/>
+                                </p:stCondLst>
+                                <p:childTnLst>
+                                  <p:par>
+                                    <p:cTn id="53" presetID="10" presetClass="entr" presetSubtype="0" fill="hold" grpId="0" nodeType="clickEffect">
+                                      <p:stCondLst>
+                                        <p:cond delay="0"/>
+                                      </p:stCondLst>
+                                      <p:childTnLst>
+                                        <p:set>
+                                          <p:cBhvr>
+                                            <p:cTn id="54" dur="1" fill="hold">
+                                              <p:stCondLst>
+                                                <p:cond delay="0"/>
+                                              </p:stCondLst>
+                                            </p:cTn>
+                                            <p:tgtEl>
+                                              <p:spTgt spid="3"/>
+                                            </p:tgtEl>
+                                            <p:attrNameLst>
+                                              <p:attrName>style.visibility</p:attrName>
+                                            </p:attrNameLst>
+                                          </p:cBhvr>
+                                          <p:to>
+                                            <p:strVal val="visible"/>
+                                          </p:to>
+                                        </p:set>
+                                        <p:animEffect transition="in" filter="fade">
+                                          <p:cBhvr>
+                                            <p:cTn id="55" dur="500"/>
+                                            <p:tgtEl>
+                                              <p:spTgt spid="3"/>
+                                            </p:tgtEl>
+                                          </p:cBhvr>
+                                        </p:animEffect>
+                                      </p:childTnLst>
+                                    </p:cTn>
+                                  </p:par>
+                                </p:childTnLst>
+                              </p:cTn>
+                            </p:par>
+                          </p:childTnLst>
+                        </p:cTn>
+                      </p:par>
+                      <p:par>
+                        <p:cTn id="56" fill="hold">
+                          <p:stCondLst>
+                            <p:cond delay="indefinite"/>
+                          </p:stCondLst>
+                          <p:childTnLst>
+                            <p:par>
+                              <p:cTn id="57" fill="hold">
+                                <p:stCondLst>
+                                  <p:cond delay="0"/>
+                                </p:stCondLst>
+                                <p:childTnLst>
+                                  <p:par>
+                                    <p:cTn id="58" presetID="10" presetClass="entr" presetSubtype="0" fill="hold" grpId="0" nodeType="clickEffect">
+                                      <p:stCondLst>
+                                        <p:cond delay="0"/>
+                                      </p:stCondLst>
+                                      <p:childTnLst>
+                                        <p:set>
+                                          <p:cBhvr>
+                                            <p:cTn id="59" dur="1" fill="hold">
+                                              <p:stCondLst>
+                                                <p:cond delay="0"/>
+                                              </p:stCondLst>
+                                            </p:cTn>
+                                            <p:tgtEl>
+                                              <p:spTgt spid="19"/>
+                                            </p:tgtEl>
+                                            <p:attrNameLst>
+                                              <p:attrName>style.visibility</p:attrName>
+                                            </p:attrNameLst>
+                                          </p:cBhvr>
+                                          <p:to>
+                                            <p:strVal val="visible"/>
+                                          </p:to>
+                                        </p:set>
+                                        <p:animEffect transition="in" filter="fade">
+                                          <p:cBhvr>
+                                            <p:cTn id="60" dur="500"/>
+                                            <p:tgtEl>
+                                              <p:spTgt spid="19"/>
+                                            </p:tgtEl>
+                                          </p:cBhvr>
+                                        </p:animEffect>
+                                      </p:childTnLst>
+                                    </p:cTn>
+                                  </p:par>
+                                </p:childTnLst>
+                              </p:cTn>
+                            </p:par>
+                          </p:childTnLst>
+                        </p:cTn>
+                      </p:par>
+                      <p:par>
+                        <p:cTn id="61" fill="hold">
+                          <p:stCondLst>
+                            <p:cond delay="indefinite"/>
+                          </p:stCondLst>
+                          <p:childTnLst>
+                            <p:par>
+                              <p:cTn id="62" fill="hold">
+                                <p:stCondLst>
+                                  <p:cond delay="0"/>
+                                </p:stCondLst>
+                                <p:childTnLst>
+                                  <p:par>
+                                    <p:cTn id="63" presetID="10" presetClass="entr" presetSubtype="0" fill="hold" grpId="0" nodeType="clickEffect">
+                                      <p:stCondLst>
+                                        <p:cond delay="0"/>
+                                      </p:stCondLst>
+                                      <p:childTnLst>
+                                        <p:set>
+                                          <p:cBhvr>
+                                            <p:cTn id="64" dur="1" fill="hold">
+                                              <p:stCondLst>
+                                                <p:cond delay="0"/>
+                                              </p:stCondLst>
+                                            </p:cTn>
+                                            <p:tgtEl>
+                                              <p:spTgt spid="5"/>
+                                            </p:tgtEl>
+                                            <p:attrNameLst>
+                                              <p:attrName>style.visibility</p:attrName>
+                                            </p:attrNameLst>
+                                          </p:cBhvr>
+                                          <p:to>
+                                            <p:strVal val="visible"/>
+                                          </p:to>
+                                        </p:set>
+                                        <p:animEffect transition="in" filter="fade">
+                                          <p:cBhvr>
+                                            <p:cTn id="65" dur="500"/>
+                                            <p:tgtEl>
+                                              <p:spTgt spid="5"/>
+                                            </p:tgtEl>
+                                          </p:cBhvr>
+                                        </p:animEffect>
+                                      </p:childTnLst>
+                                    </p:cTn>
+                                  </p:par>
+                                </p:childTnLst>
+                              </p:cTn>
+                            </p:par>
+                          </p:childTnLst>
+                        </p:cTn>
+                      </p:par>
+                      <p:par>
+                        <p:cTn id="66" fill="hold">
+                          <p:stCondLst>
+                            <p:cond delay="indefinite"/>
+                          </p:stCondLst>
+                          <p:childTnLst>
+                            <p:par>
+                              <p:cTn id="67" fill="hold">
+                                <p:stCondLst>
+                                  <p:cond delay="0"/>
+                                </p:stCondLst>
+                                <p:childTnLst>
+                                  <p:par>
+                                    <p:cTn id="68" presetID="10" presetClass="entr" presetSubtype="0" fill="hold" grpId="0" nodeType="clickEffect">
+                                      <p:stCondLst>
+                                        <p:cond delay="0"/>
+                                      </p:stCondLst>
+                                      <p:childTnLst>
+                                        <p:set>
+                                          <p:cBhvr>
+                                            <p:cTn id="69" dur="1" fill="hold">
+                                              <p:stCondLst>
+                                                <p:cond delay="0"/>
+                                              </p:stCondLst>
+                                            </p:cTn>
+                                            <p:tgtEl>
+                                              <p:spTgt spid="17"/>
+                                            </p:tgtEl>
+                                            <p:attrNameLst>
+                                              <p:attrName>style.visibility</p:attrName>
+                                            </p:attrNameLst>
+                                          </p:cBhvr>
+                                          <p:to>
+                                            <p:strVal val="visible"/>
+                                          </p:to>
+                                        </p:set>
+                                        <p:animEffect transition="in" filter="fade">
+                                          <p:cBhvr>
+                                            <p:cTn id="70" dur="500"/>
+                                            <p:tgtEl>
+                                              <p:spTgt spid="17"/>
+                                            </p:tgtEl>
+                                          </p:cBhvr>
+                                        </p:animEffect>
+                                      </p:childTnLst>
+                                    </p:cTn>
+                                  </p:par>
+                                </p:childTnLst>
+                              </p:cTn>
+                            </p:par>
+                          </p:childTnLst>
+                        </p:cTn>
+                      </p:par>
+                      <p:par>
+                        <p:cTn id="71" fill="hold">
+                          <p:stCondLst>
+                            <p:cond delay="indefinite"/>
+                          </p:stCondLst>
+                          <p:childTnLst>
+                            <p:par>
+                              <p:cTn id="72" fill="hold">
+                                <p:stCondLst>
+                                  <p:cond delay="0"/>
+                                </p:stCondLst>
+                                <p:childTnLst>
+                                  <p:par>
+                                    <p:cTn id="73" presetID="10" presetClass="entr" presetSubtype="0" fill="hold" grpId="0" nodeType="clickEffect">
+                                      <p:stCondLst>
+                                        <p:cond delay="0"/>
+                                      </p:stCondLst>
+                                      <p:childTnLst>
+                                        <p:set>
+                                          <p:cBhvr>
+                                            <p:cTn id="74" dur="1" fill="hold">
+                                              <p:stCondLst>
+                                                <p:cond delay="0"/>
+                                              </p:stCondLst>
+                                            </p:cTn>
+                                            <p:tgtEl>
+                                              <p:spTgt spid="21"/>
+                                            </p:tgtEl>
+                                            <p:attrNameLst>
+                                              <p:attrName>style.visibility</p:attrName>
+                                            </p:attrNameLst>
+                                          </p:cBhvr>
+                                          <p:to>
+                                            <p:strVal val="visible"/>
+                                          </p:to>
+                                        </p:set>
+                                        <p:animEffect transition="in" filter="fade">
+                                          <p:cBhvr>
+                                            <p:cTn id="75" dur="500"/>
+                                            <p:tgtEl>
+                                              <p:spTgt spid="21"/>
                                             </p:tgtEl>
                                           </p:cBhvr>
                                         </p:animEffect>
@@ -7638,9 +11346,21 @@
           </p:par>
         </p:tnLst>
         <p:bldLst>
-          <p:bldP spid="33" grpId="0"/>
+          <p:bldP spid="46" grpId="0" animBg="1"/>
           <p:bldP spid="8" grpId="0" animBg="1"/>
           <p:bldP spid="9" grpId="0"/>
+          <p:bldP spid="10" grpId="0" animBg="1"/>
+          <p:bldP spid="11" grpId="0" animBg="1"/>
+          <p:bldP spid="12" grpId="0" animBg="1"/>
+          <p:bldP spid="13" grpId="0" animBg="1"/>
+          <p:bldP spid="2" grpId="0"/>
+          <p:bldP spid="3" grpId="0"/>
+          <p:bldP spid="4" grpId="0"/>
+          <p:bldP spid="17" grpId="0"/>
+          <p:bldP spid="18" grpId="0"/>
+          <p:bldP spid="19" grpId="0"/>
+          <p:bldP spid="5" grpId="0"/>
+          <p:bldP spid="21" grpId="0"/>
         </p:bldLst>
       </p:timing>
     </mc:Fallback>
@@ -7679,431 +11399,6 @@
           <a:chExt cx="0" cy="0"/>
         </a:xfrm>
       </p:grpSpPr>
-      <p:sp>
-        <p:nvSpPr>
-          <p:cNvPr id="34" name="CaixaDeTexto 33"/>
-          <p:cNvSpPr txBox="1"/>
-          <p:nvPr/>
-        </p:nvSpPr>
-        <p:spPr>
-          <a:xfrm>
-            <a:off x="814584" y="5572113"/>
-            <a:ext cx="4123175" cy="549143"/>
-          </a:xfrm>
-          <a:prstGeom prst="rect">
-            <a:avLst/>
-          </a:prstGeom>
-          <a:gradFill flip="none" rotWithShape="1">
-            <a:gsLst>
-              <a:gs pos="0">
-                <a:srgbClr val="00B0F0">
-                  <a:shade val="30000"/>
-                  <a:satMod val="115000"/>
-                </a:srgbClr>
-              </a:gs>
-              <a:gs pos="50000">
-                <a:srgbClr val="00B0F0">
-                  <a:shade val="67500"/>
-                  <a:satMod val="115000"/>
-                </a:srgbClr>
-              </a:gs>
-              <a:gs pos="100000">
-                <a:srgbClr val="00B0F0">
-                  <a:shade val="100000"/>
-                  <a:satMod val="115000"/>
-                </a:srgbClr>
-              </a:gs>
-            </a:gsLst>
-            <a:lin ang="2700000" scaled="1"/>
-            <a:tileRect/>
-          </a:gradFill>
-          <a:effectLst>
-            <a:glow rad="101600">
-              <a:schemeClr val="accent1">
-                <a:satMod val="175000"/>
-                <a:alpha val="40000"/>
-              </a:schemeClr>
-            </a:glow>
-          </a:effectLst>
-        </p:spPr>
-        <p:txBody>
-          <a:bodyPr wrap="square" rtlCol="0">
-            <a:spAutoFit/>
-          </a:bodyPr>
-          <a:lstStyle/>
-          <a:p>
-            <a:endParaRPr lang="pt-BR" dirty="0"/>
-          </a:p>
-        </p:txBody>
-      </p:sp>
-      <p:sp>
-        <p:nvSpPr>
-          <p:cNvPr id="39" name="CaixaDeTexto 38"/>
-          <p:cNvSpPr txBox="1"/>
-          <p:nvPr/>
-        </p:nvSpPr>
-        <p:spPr>
-          <a:xfrm>
-            <a:off x="814585" y="4073849"/>
-            <a:ext cx="4123175" cy="549143"/>
-          </a:xfrm>
-          <a:prstGeom prst="rect">
-            <a:avLst/>
-          </a:prstGeom>
-          <a:gradFill flip="none" rotWithShape="1">
-            <a:gsLst>
-              <a:gs pos="0">
-                <a:srgbClr val="00B0F0">
-                  <a:shade val="30000"/>
-                  <a:satMod val="115000"/>
-                </a:srgbClr>
-              </a:gs>
-              <a:gs pos="50000">
-                <a:srgbClr val="00B0F0">
-                  <a:shade val="67500"/>
-                  <a:satMod val="115000"/>
-                </a:srgbClr>
-              </a:gs>
-              <a:gs pos="100000">
-                <a:srgbClr val="00B0F0">
-                  <a:shade val="100000"/>
-                  <a:satMod val="115000"/>
-                </a:srgbClr>
-              </a:gs>
-            </a:gsLst>
-            <a:lin ang="2700000" scaled="1"/>
-            <a:tileRect/>
-          </a:gradFill>
-          <a:effectLst>
-            <a:glow rad="101600">
-              <a:schemeClr val="accent1">
-                <a:satMod val="175000"/>
-                <a:alpha val="40000"/>
-              </a:schemeClr>
-            </a:glow>
-          </a:effectLst>
-        </p:spPr>
-        <p:txBody>
-          <a:bodyPr wrap="square" rtlCol="0">
-            <a:spAutoFit/>
-          </a:bodyPr>
-          <a:lstStyle/>
-          <a:p>
-            <a:endParaRPr lang="pt-BR" dirty="0"/>
-          </a:p>
-        </p:txBody>
-      </p:sp>
-      <p:sp>
-        <p:nvSpPr>
-          <p:cNvPr id="40" name="CaixaDeTexto 39"/>
-          <p:cNvSpPr txBox="1"/>
-          <p:nvPr/>
-        </p:nvSpPr>
-        <p:spPr>
-          <a:xfrm>
-            <a:off x="814584" y="4822981"/>
-            <a:ext cx="4123175" cy="549143"/>
-          </a:xfrm>
-          <a:prstGeom prst="rect">
-            <a:avLst/>
-          </a:prstGeom>
-          <a:gradFill flip="none" rotWithShape="1">
-            <a:gsLst>
-              <a:gs pos="0">
-                <a:srgbClr val="00B0F0">
-                  <a:shade val="30000"/>
-                  <a:satMod val="115000"/>
-                </a:srgbClr>
-              </a:gs>
-              <a:gs pos="50000">
-                <a:srgbClr val="00B0F0">
-                  <a:shade val="67500"/>
-                  <a:satMod val="115000"/>
-                </a:srgbClr>
-              </a:gs>
-              <a:gs pos="100000">
-                <a:srgbClr val="00B0F0">
-                  <a:shade val="100000"/>
-                  <a:satMod val="115000"/>
-                </a:srgbClr>
-              </a:gs>
-            </a:gsLst>
-            <a:lin ang="2700000" scaled="1"/>
-            <a:tileRect/>
-          </a:gradFill>
-          <a:effectLst>
-            <a:glow rad="101600">
-              <a:schemeClr val="accent1">
-                <a:satMod val="175000"/>
-                <a:alpha val="40000"/>
-              </a:schemeClr>
-            </a:glow>
-          </a:effectLst>
-        </p:spPr>
-        <p:txBody>
-          <a:bodyPr wrap="square" rtlCol="0">
-            <a:spAutoFit/>
-          </a:bodyPr>
-          <a:lstStyle/>
-          <a:p>
-            <a:endParaRPr lang="pt-BR" dirty="0"/>
-          </a:p>
-        </p:txBody>
-      </p:sp>
-      <p:sp>
-        <p:nvSpPr>
-          <p:cNvPr id="46" name="CaixaDeTexto 45"/>
-          <p:cNvSpPr txBox="1"/>
-          <p:nvPr/>
-        </p:nvSpPr>
-        <p:spPr>
-          <a:xfrm>
-            <a:off x="814584" y="3349259"/>
-            <a:ext cx="4123176" cy="549143"/>
-          </a:xfrm>
-          <a:prstGeom prst="rect">
-            <a:avLst/>
-          </a:prstGeom>
-          <a:gradFill flip="none" rotWithShape="1">
-            <a:gsLst>
-              <a:gs pos="0">
-                <a:srgbClr val="00B0F0">
-                  <a:shade val="30000"/>
-                  <a:satMod val="115000"/>
-                </a:srgbClr>
-              </a:gs>
-              <a:gs pos="50000">
-                <a:srgbClr val="00B0F0">
-                  <a:shade val="67500"/>
-                  <a:satMod val="115000"/>
-                </a:srgbClr>
-              </a:gs>
-              <a:gs pos="100000">
-                <a:srgbClr val="00B0F0">
-                  <a:shade val="100000"/>
-                  <a:satMod val="115000"/>
-                </a:srgbClr>
-              </a:gs>
-            </a:gsLst>
-            <a:lin ang="2700000" scaled="1"/>
-            <a:tileRect/>
-          </a:gradFill>
-          <a:effectLst>
-            <a:glow rad="101600">
-              <a:schemeClr val="accent1">
-                <a:satMod val="175000"/>
-                <a:alpha val="40000"/>
-              </a:schemeClr>
-            </a:glow>
-          </a:effectLst>
-        </p:spPr>
-        <p:txBody>
-          <a:bodyPr wrap="square" rtlCol="0">
-            <a:spAutoFit/>
-          </a:bodyPr>
-          <a:lstStyle/>
-          <a:p>
-            <a:endParaRPr lang="pt-BR" dirty="0"/>
-          </a:p>
-        </p:txBody>
-      </p:sp>
-      <p:sp>
-        <p:nvSpPr>
-          <p:cNvPr id="33" name="LEAGUE OF LEGENDS"/>
-          <p:cNvSpPr txBox="1"/>
-          <p:nvPr/>
-        </p:nvSpPr>
-        <p:spPr>
-          <a:xfrm>
-            <a:off x="736206" y="3178869"/>
-            <a:ext cx="4488936" cy="3046988"/>
-          </a:xfrm>
-          <a:prstGeom prst="rect">
-            <a:avLst/>
-          </a:prstGeom>
-          <a:noFill/>
-          <a:effectLst>
-            <a:glow rad="101600">
-              <a:schemeClr val="accent1">
-                <a:satMod val="175000"/>
-                <a:alpha val="40000"/>
-              </a:schemeClr>
-            </a:glow>
-          </a:effectLst>
-        </p:spPr>
-        <p:txBody>
-          <a:bodyPr wrap="square" rtlCol="0">
-            <a:spAutoFit/>
-          </a:bodyPr>
-          <a:lstStyle/>
-          <a:p>
-            <a:pPr marL="685800" indent="-685800">
-              <a:buFont typeface="Arial" panose="020B0604020202020204" pitchFamily="34" charset="0"/>
-              <a:buChar char="•"/>
-            </a:pPr>
-            <a:r>
-              <a:rPr lang="pt-BR" sz="4800" dirty="0" smtClean="0">
-                <a:gradFill flip="none" rotWithShape="1">
-                  <a:gsLst>
-                    <a:gs pos="0">
-                      <a:schemeClr val="bg1">
-                        <a:shade val="30000"/>
-                        <a:satMod val="115000"/>
-                      </a:schemeClr>
-                    </a:gs>
-                    <a:gs pos="50000">
-                      <a:schemeClr val="bg1">
-                        <a:shade val="67500"/>
-                        <a:satMod val="115000"/>
-                      </a:schemeClr>
-                    </a:gs>
-                    <a:gs pos="100000">
-                      <a:schemeClr val="bg1">
-                        <a:shade val="100000"/>
-                        <a:satMod val="115000"/>
-                      </a:schemeClr>
-                    </a:gs>
-                  </a:gsLst>
-                  <a:lin ang="2700000" scaled="1"/>
-                  <a:tileRect/>
-                </a:gradFill>
-              </a:rPr>
-              <a:t>Pessoal</a:t>
-            </a:r>
-          </a:p>
-          <a:p>
-            <a:pPr marL="685800" indent="-685800">
-              <a:buFont typeface="Arial" panose="020B0604020202020204" pitchFamily="34" charset="0"/>
-              <a:buChar char="•"/>
-            </a:pPr>
-            <a:r>
-              <a:rPr lang="pt-BR" sz="4800" dirty="0" smtClean="0">
-                <a:gradFill flip="none" rotWithShape="1">
-                  <a:gsLst>
-                    <a:gs pos="0">
-                      <a:schemeClr val="bg1">
-                        <a:shade val="30000"/>
-                        <a:satMod val="115000"/>
-                      </a:schemeClr>
-                    </a:gs>
-                    <a:gs pos="50000">
-                      <a:schemeClr val="bg1">
-                        <a:shade val="67500"/>
-                        <a:satMod val="115000"/>
-                      </a:schemeClr>
-                    </a:gs>
-                    <a:gs pos="100000">
-                      <a:schemeClr val="bg1">
-                        <a:shade val="100000"/>
-                        <a:satMod val="115000"/>
-                      </a:schemeClr>
-                    </a:gs>
-                  </a:gsLst>
-                  <a:lin ang="2700000" scaled="1"/>
-                  <a:tileRect/>
-                </a:gradFill>
-              </a:rPr>
-              <a:t>Diversão</a:t>
-            </a:r>
-          </a:p>
-          <a:p>
-            <a:pPr marL="685800" indent="-685800">
-              <a:buFont typeface="Arial" panose="020B0604020202020204" pitchFamily="34" charset="0"/>
-              <a:buChar char="•"/>
-            </a:pPr>
-            <a:r>
-              <a:rPr lang="pt-BR" sz="4800" dirty="0" smtClean="0">
-                <a:gradFill flip="none" rotWithShape="1">
-                  <a:gsLst>
-                    <a:gs pos="0">
-                      <a:schemeClr val="bg1">
-                        <a:shade val="30000"/>
-                        <a:satMod val="115000"/>
-                      </a:schemeClr>
-                    </a:gs>
-                    <a:gs pos="50000">
-                      <a:schemeClr val="bg1">
-                        <a:shade val="67500"/>
-                        <a:satMod val="115000"/>
-                      </a:schemeClr>
-                    </a:gs>
-                    <a:gs pos="100000">
-                      <a:schemeClr val="bg1">
-                        <a:shade val="100000"/>
-                        <a:satMod val="115000"/>
-                      </a:schemeClr>
-                    </a:gs>
-                  </a:gsLst>
-                  <a:lin ang="2700000" scaled="1"/>
-                  <a:tileRect/>
-                </a:gradFill>
-              </a:rPr>
-              <a:t>Foco (TDAH)</a:t>
-            </a:r>
-          </a:p>
-          <a:p>
-            <a:pPr marL="685800" indent="-685800">
-              <a:buFont typeface="Arial" panose="020B0604020202020204" pitchFamily="34" charset="0"/>
-              <a:buChar char="•"/>
-            </a:pPr>
-            <a:r>
-              <a:rPr lang="pt-BR" sz="4800" dirty="0" smtClean="0">
-                <a:gradFill flip="none" rotWithShape="1">
-                  <a:gsLst>
-                    <a:gs pos="0">
-                      <a:schemeClr val="bg1">
-                        <a:shade val="30000"/>
-                        <a:satMod val="115000"/>
-                      </a:schemeClr>
-                    </a:gs>
-                    <a:gs pos="50000">
-                      <a:schemeClr val="bg1">
-                        <a:shade val="67500"/>
-                        <a:satMod val="115000"/>
-                      </a:schemeClr>
-                    </a:gs>
-                    <a:gs pos="100000">
-                      <a:schemeClr val="bg1">
-                        <a:shade val="100000"/>
-                        <a:satMod val="115000"/>
-                      </a:schemeClr>
-                    </a:gs>
-                  </a:gsLst>
-                  <a:lin ang="2700000" scaled="1"/>
-                  <a:tileRect/>
-                </a:gradFill>
-              </a:rPr>
-              <a:t>Comunicação</a:t>
-            </a:r>
-            <a:endParaRPr lang="pt-BR" sz="4800" dirty="0">
-              <a:gradFill flip="none" rotWithShape="1">
-                <a:gsLst>
-                  <a:gs pos="0">
-                    <a:schemeClr val="bg1">
-                      <a:shade val="30000"/>
-                      <a:satMod val="115000"/>
-                    </a:schemeClr>
-                  </a:gs>
-                  <a:gs pos="50000">
-                    <a:schemeClr val="bg1">
-                      <a:shade val="67500"/>
-                      <a:satMod val="115000"/>
-                    </a:schemeClr>
-                  </a:gs>
-                  <a:gs pos="100000">
-                    <a:schemeClr val="bg1">
-                      <a:shade val="100000"/>
-                      <a:satMod val="115000"/>
-                    </a:schemeClr>
-                  </a:gs>
-                </a:gsLst>
-                <a:lin ang="2700000" scaled="1"/>
-                <a:tileRect/>
-              </a:gradFill>
-            </a:endParaRPr>
-          </a:p>
-        </p:txBody>
-      </p:sp>
       <p:sp>
         <p:nvSpPr>
           <p:cNvPr id="8" name="Retângulo"/>
@@ -8170,8 +11465,8 @@
         </p:nvSpPr>
         <p:spPr>
           <a:xfrm>
-            <a:off x="3052689" y="603501"/>
-            <a:ext cx="8689078" cy="830997"/>
+            <a:off x="2980674" y="880499"/>
+            <a:ext cx="8689078" cy="1015663"/>
           </a:xfrm>
           <a:prstGeom prst="rect">
             <a:avLst/>
@@ -8185,14 +11480,14 @@
           <a:lstStyle/>
           <a:p>
             <a:r>
-              <a:rPr lang="pt-BR" sz="4800" dirty="0" smtClean="0">
+              <a:rPr lang="pt-BR" sz="6000" dirty="0" smtClean="0">
                 <a:solidFill>
                   <a:schemeClr val="bg1"/>
                 </a:solidFill>
               </a:rPr>
               <a:t>VALORES</a:t>
             </a:r>
-            <a:endParaRPr lang="pt-BR" sz="4800" dirty="0">
+            <a:endParaRPr lang="pt-BR" sz="6000" dirty="0">
               <a:solidFill>
                 <a:schemeClr val="bg1"/>
               </a:solidFill>
@@ -8446,41 +11741,6 @@
                                       </p:childTnLst>
                                     </p:cTn>
                                   </p:par>
-                                  <p:par>
-                                    <p:cTn id="16" presetID="22" presetClass="entr" presetSubtype="8" fill="hold" grpId="0" nodeType="withEffect">
-                                      <p:stCondLst>
-                                        <p:cond delay="700"/>
-                                      </p:stCondLst>
-                                      <p:childTnLst>
-                                        <p:set>
-                                          <p:cBhvr>
-                                            <p:cTn id="17" dur="1" fill="hold">
-                                              <p:stCondLst>
-                                                <p:cond delay="0"/>
-                                              </p:stCondLst>
-                                            </p:cTn>
-                                            <p:tgtEl>
-                                              <p:spTgt spid="33"/>
-                                            </p:tgtEl>
-                                            <p:attrNameLst>
-                                              <p:attrName>style.visibility</p:attrName>
-                                            </p:attrNameLst>
-                                          </p:cBhvr>
-                                          <p:to>
-                                            <p:strVal val="visible"/>
-                                          </p:to>
-                                        </p:set>
-                                        <p:animEffect transition="in" filter="wipe(left)">
-                                          <p:cBhvr>
-                                            <p:cTn id="18" dur="500"/>
-                                            <p:tgtEl>
-                                              <p:spTgt spid="33"/>
-                                            </p:tgtEl>
-                                          </p:cBhvr>
-                                        </p:animEffect>
-                                      </p:childTnLst>
-                                    </p:cTn>
-                                  </p:par>
                                 </p:childTnLst>
                               </p:cTn>
                             </p:par>
@@ -8509,7 +11769,6 @@
           </p:par>
         </p:tnLst>
         <p:bldLst>
-          <p:bldP spid="33" grpId="0"/>
           <p:bldP spid="8" grpId="0" animBg="1"/>
           <p:bldP spid="9" grpId="0"/>
         </p:bldLst>
@@ -8720,41 +11979,6 @@
                                       </p:childTnLst>
                                     </p:cTn>
                                   </p:par>
-                                  <p:par>
-                                    <p:cTn id="16" presetID="22" presetClass="entr" presetSubtype="8" fill="hold" grpId="0" nodeType="withEffect">
-                                      <p:stCondLst>
-                                        <p:cond delay="700"/>
-                                      </p:stCondLst>
-                                      <p:childTnLst>
-                                        <p:set>
-                                          <p:cBhvr>
-                                            <p:cTn id="17" dur="1" fill="hold">
-                                              <p:stCondLst>
-                                                <p:cond delay="0"/>
-                                              </p:stCondLst>
-                                            </p:cTn>
-                                            <p:tgtEl>
-                                              <p:spTgt spid="33"/>
-                                            </p:tgtEl>
-                                            <p:attrNameLst>
-                                              <p:attrName>style.visibility</p:attrName>
-                                            </p:attrNameLst>
-                                          </p:cBhvr>
-                                          <p:to>
-                                            <p:strVal val="visible"/>
-                                          </p:to>
-                                        </p:set>
-                                        <p:animEffect transition="in" filter="wipe(left)">
-                                          <p:cBhvr>
-                                            <p:cTn id="18" dur="500"/>
-                                            <p:tgtEl>
-                                              <p:spTgt spid="33"/>
-                                            </p:tgtEl>
-                                          </p:cBhvr>
-                                        </p:animEffect>
-                                      </p:childTnLst>
-                                    </p:cTn>
-                                  </p:par>
                                 </p:childTnLst>
                               </p:cTn>
                             </p:par>
@@ -8783,7 +12007,6 @@
           </p:par>
         </p:tnLst>
         <p:bldLst>
-          <p:bldP spid="33" grpId="0"/>
           <p:bldP spid="8" grpId="0" animBg="1"/>
           <p:bldP spid="9" grpId="0"/>
         </p:bldLst>
@@ -8824,431 +12047,6 @@
           <a:chExt cx="0" cy="0"/>
         </a:xfrm>
       </p:grpSpPr>
-      <p:sp>
-        <p:nvSpPr>
-          <p:cNvPr id="34" name="CaixaDeTexto 33"/>
-          <p:cNvSpPr txBox="1"/>
-          <p:nvPr/>
-        </p:nvSpPr>
-        <p:spPr>
-          <a:xfrm>
-            <a:off x="814584" y="5572113"/>
-            <a:ext cx="4123175" cy="549143"/>
-          </a:xfrm>
-          <a:prstGeom prst="rect">
-            <a:avLst/>
-          </a:prstGeom>
-          <a:gradFill flip="none" rotWithShape="1">
-            <a:gsLst>
-              <a:gs pos="0">
-                <a:srgbClr val="00B0F0">
-                  <a:shade val="30000"/>
-                  <a:satMod val="115000"/>
-                </a:srgbClr>
-              </a:gs>
-              <a:gs pos="50000">
-                <a:srgbClr val="00B0F0">
-                  <a:shade val="67500"/>
-                  <a:satMod val="115000"/>
-                </a:srgbClr>
-              </a:gs>
-              <a:gs pos="100000">
-                <a:srgbClr val="00B0F0">
-                  <a:shade val="100000"/>
-                  <a:satMod val="115000"/>
-                </a:srgbClr>
-              </a:gs>
-            </a:gsLst>
-            <a:lin ang="2700000" scaled="1"/>
-            <a:tileRect/>
-          </a:gradFill>
-          <a:effectLst>
-            <a:glow rad="101600">
-              <a:schemeClr val="accent1">
-                <a:satMod val="175000"/>
-                <a:alpha val="40000"/>
-              </a:schemeClr>
-            </a:glow>
-          </a:effectLst>
-        </p:spPr>
-        <p:txBody>
-          <a:bodyPr wrap="square" rtlCol="0">
-            <a:spAutoFit/>
-          </a:bodyPr>
-          <a:lstStyle/>
-          <a:p>
-            <a:endParaRPr lang="pt-BR" dirty="0"/>
-          </a:p>
-        </p:txBody>
-      </p:sp>
-      <p:sp>
-        <p:nvSpPr>
-          <p:cNvPr id="39" name="CaixaDeTexto 38"/>
-          <p:cNvSpPr txBox="1"/>
-          <p:nvPr/>
-        </p:nvSpPr>
-        <p:spPr>
-          <a:xfrm>
-            <a:off x="814585" y="4073849"/>
-            <a:ext cx="4123175" cy="549143"/>
-          </a:xfrm>
-          <a:prstGeom prst="rect">
-            <a:avLst/>
-          </a:prstGeom>
-          <a:gradFill flip="none" rotWithShape="1">
-            <a:gsLst>
-              <a:gs pos="0">
-                <a:srgbClr val="00B0F0">
-                  <a:shade val="30000"/>
-                  <a:satMod val="115000"/>
-                </a:srgbClr>
-              </a:gs>
-              <a:gs pos="50000">
-                <a:srgbClr val="00B0F0">
-                  <a:shade val="67500"/>
-                  <a:satMod val="115000"/>
-                </a:srgbClr>
-              </a:gs>
-              <a:gs pos="100000">
-                <a:srgbClr val="00B0F0">
-                  <a:shade val="100000"/>
-                  <a:satMod val="115000"/>
-                </a:srgbClr>
-              </a:gs>
-            </a:gsLst>
-            <a:lin ang="2700000" scaled="1"/>
-            <a:tileRect/>
-          </a:gradFill>
-          <a:effectLst>
-            <a:glow rad="101600">
-              <a:schemeClr val="accent1">
-                <a:satMod val="175000"/>
-                <a:alpha val="40000"/>
-              </a:schemeClr>
-            </a:glow>
-          </a:effectLst>
-        </p:spPr>
-        <p:txBody>
-          <a:bodyPr wrap="square" rtlCol="0">
-            <a:spAutoFit/>
-          </a:bodyPr>
-          <a:lstStyle/>
-          <a:p>
-            <a:endParaRPr lang="pt-BR" dirty="0"/>
-          </a:p>
-        </p:txBody>
-      </p:sp>
-      <p:sp>
-        <p:nvSpPr>
-          <p:cNvPr id="40" name="CaixaDeTexto 39"/>
-          <p:cNvSpPr txBox="1"/>
-          <p:nvPr/>
-        </p:nvSpPr>
-        <p:spPr>
-          <a:xfrm>
-            <a:off x="814584" y="4822981"/>
-            <a:ext cx="4123175" cy="549143"/>
-          </a:xfrm>
-          <a:prstGeom prst="rect">
-            <a:avLst/>
-          </a:prstGeom>
-          <a:gradFill flip="none" rotWithShape="1">
-            <a:gsLst>
-              <a:gs pos="0">
-                <a:srgbClr val="00B0F0">
-                  <a:shade val="30000"/>
-                  <a:satMod val="115000"/>
-                </a:srgbClr>
-              </a:gs>
-              <a:gs pos="50000">
-                <a:srgbClr val="00B0F0">
-                  <a:shade val="67500"/>
-                  <a:satMod val="115000"/>
-                </a:srgbClr>
-              </a:gs>
-              <a:gs pos="100000">
-                <a:srgbClr val="00B0F0">
-                  <a:shade val="100000"/>
-                  <a:satMod val="115000"/>
-                </a:srgbClr>
-              </a:gs>
-            </a:gsLst>
-            <a:lin ang="2700000" scaled="1"/>
-            <a:tileRect/>
-          </a:gradFill>
-          <a:effectLst>
-            <a:glow rad="101600">
-              <a:schemeClr val="accent1">
-                <a:satMod val="175000"/>
-                <a:alpha val="40000"/>
-              </a:schemeClr>
-            </a:glow>
-          </a:effectLst>
-        </p:spPr>
-        <p:txBody>
-          <a:bodyPr wrap="square" rtlCol="0">
-            <a:spAutoFit/>
-          </a:bodyPr>
-          <a:lstStyle/>
-          <a:p>
-            <a:endParaRPr lang="pt-BR" dirty="0"/>
-          </a:p>
-        </p:txBody>
-      </p:sp>
-      <p:sp>
-        <p:nvSpPr>
-          <p:cNvPr id="46" name="CaixaDeTexto 45"/>
-          <p:cNvSpPr txBox="1"/>
-          <p:nvPr/>
-        </p:nvSpPr>
-        <p:spPr>
-          <a:xfrm>
-            <a:off x="814584" y="3349259"/>
-            <a:ext cx="4123176" cy="549143"/>
-          </a:xfrm>
-          <a:prstGeom prst="rect">
-            <a:avLst/>
-          </a:prstGeom>
-          <a:gradFill flip="none" rotWithShape="1">
-            <a:gsLst>
-              <a:gs pos="0">
-                <a:srgbClr val="00B0F0">
-                  <a:shade val="30000"/>
-                  <a:satMod val="115000"/>
-                </a:srgbClr>
-              </a:gs>
-              <a:gs pos="50000">
-                <a:srgbClr val="00B0F0">
-                  <a:shade val="67500"/>
-                  <a:satMod val="115000"/>
-                </a:srgbClr>
-              </a:gs>
-              <a:gs pos="100000">
-                <a:srgbClr val="00B0F0">
-                  <a:shade val="100000"/>
-                  <a:satMod val="115000"/>
-                </a:srgbClr>
-              </a:gs>
-            </a:gsLst>
-            <a:lin ang="2700000" scaled="1"/>
-            <a:tileRect/>
-          </a:gradFill>
-          <a:effectLst>
-            <a:glow rad="101600">
-              <a:schemeClr val="accent1">
-                <a:satMod val="175000"/>
-                <a:alpha val="40000"/>
-              </a:schemeClr>
-            </a:glow>
-          </a:effectLst>
-        </p:spPr>
-        <p:txBody>
-          <a:bodyPr wrap="square" rtlCol="0">
-            <a:spAutoFit/>
-          </a:bodyPr>
-          <a:lstStyle/>
-          <a:p>
-            <a:endParaRPr lang="pt-BR" dirty="0"/>
-          </a:p>
-        </p:txBody>
-      </p:sp>
-      <p:sp>
-        <p:nvSpPr>
-          <p:cNvPr id="33" name="LEAGUE OF LEGENDS"/>
-          <p:cNvSpPr txBox="1"/>
-          <p:nvPr/>
-        </p:nvSpPr>
-        <p:spPr>
-          <a:xfrm>
-            <a:off x="736206" y="3178869"/>
-            <a:ext cx="4488936" cy="3046988"/>
-          </a:xfrm>
-          <a:prstGeom prst="rect">
-            <a:avLst/>
-          </a:prstGeom>
-          <a:noFill/>
-          <a:effectLst>
-            <a:glow rad="101600">
-              <a:schemeClr val="accent1">
-                <a:satMod val="175000"/>
-                <a:alpha val="40000"/>
-              </a:schemeClr>
-            </a:glow>
-          </a:effectLst>
-        </p:spPr>
-        <p:txBody>
-          <a:bodyPr wrap="square" rtlCol="0">
-            <a:spAutoFit/>
-          </a:bodyPr>
-          <a:lstStyle/>
-          <a:p>
-            <a:pPr marL="685800" indent="-685800">
-              <a:buFont typeface="Arial" panose="020B0604020202020204" pitchFamily="34" charset="0"/>
-              <a:buChar char="•"/>
-            </a:pPr>
-            <a:r>
-              <a:rPr lang="pt-BR" sz="4800" dirty="0" smtClean="0">
-                <a:gradFill flip="none" rotWithShape="1">
-                  <a:gsLst>
-                    <a:gs pos="0">
-                      <a:schemeClr val="bg1">
-                        <a:shade val="30000"/>
-                        <a:satMod val="115000"/>
-                      </a:schemeClr>
-                    </a:gs>
-                    <a:gs pos="50000">
-                      <a:schemeClr val="bg1">
-                        <a:shade val="67500"/>
-                        <a:satMod val="115000"/>
-                      </a:schemeClr>
-                    </a:gs>
-                    <a:gs pos="100000">
-                      <a:schemeClr val="bg1">
-                        <a:shade val="100000"/>
-                        <a:satMod val="115000"/>
-                      </a:schemeClr>
-                    </a:gs>
-                  </a:gsLst>
-                  <a:lin ang="2700000" scaled="1"/>
-                  <a:tileRect/>
-                </a:gradFill>
-              </a:rPr>
-              <a:t>Pessoal</a:t>
-            </a:r>
-          </a:p>
-          <a:p>
-            <a:pPr marL="685800" indent="-685800">
-              <a:buFont typeface="Arial" panose="020B0604020202020204" pitchFamily="34" charset="0"/>
-              <a:buChar char="•"/>
-            </a:pPr>
-            <a:r>
-              <a:rPr lang="pt-BR" sz="4800" dirty="0" smtClean="0">
-                <a:gradFill flip="none" rotWithShape="1">
-                  <a:gsLst>
-                    <a:gs pos="0">
-                      <a:schemeClr val="bg1">
-                        <a:shade val="30000"/>
-                        <a:satMod val="115000"/>
-                      </a:schemeClr>
-                    </a:gs>
-                    <a:gs pos="50000">
-                      <a:schemeClr val="bg1">
-                        <a:shade val="67500"/>
-                        <a:satMod val="115000"/>
-                      </a:schemeClr>
-                    </a:gs>
-                    <a:gs pos="100000">
-                      <a:schemeClr val="bg1">
-                        <a:shade val="100000"/>
-                        <a:satMod val="115000"/>
-                      </a:schemeClr>
-                    </a:gs>
-                  </a:gsLst>
-                  <a:lin ang="2700000" scaled="1"/>
-                  <a:tileRect/>
-                </a:gradFill>
-              </a:rPr>
-              <a:t>Diversão</a:t>
-            </a:r>
-          </a:p>
-          <a:p>
-            <a:pPr marL="685800" indent="-685800">
-              <a:buFont typeface="Arial" panose="020B0604020202020204" pitchFamily="34" charset="0"/>
-              <a:buChar char="•"/>
-            </a:pPr>
-            <a:r>
-              <a:rPr lang="pt-BR" sz="4800" dirty="0" smtClean="0">
-                <a:gradFill flip="none" rotWithShape="1">
-                  <a:gsLst>
-                    <a:gs pos="0">
-                      <a:schemeClr val="bg1">
-                        <a:shade val="30000"/>
-                        <a:satMod val="115000"/>
-                      </a:schemeClr>
-                    </a:gs>
-                    <a:gs pos="50000">
-                      <a:schemeClr val="bg1">
-                        <a:shade val="67500"/>
-                        <a:satMod val="115000"/>
-                      </a:schemeClr>
-                    </a:gs>
-                    <a:gs pos="100000">
-                      <a:schemeClr val="bg1">
-                        <a:shade val="100000"/>
-                        <a:satMod val="115000"/>
-                      </a:schemeClr>
-                    </a:gs>
-                  </a:gsLst>
-                  <a:lin ang="2700000" scaled="1"/>
-                  <a:tileRect/>
-                </a:gradFill>
-              </a:rPr>
-              <a:t>Foco (TDAH)</a:t>
-            </a:r>
-          </a:p>
-          <a:p>
-            <a:pPr marL="685800" indent="-685800">
-              <a:buFont typeface="Arial" panose="020B0604020202020204" pitchFamily="34" charset="0"/>
-              <a:buChar char="•"/>
-            </a:pPr>
-            <a:r>
-              <a:rPr lang="pt-BR" sz="4800" dirty="0" smtClean="0">
-                <a:gradFill flip="none" rotWithShape="1">
-                  <a:gsLst>
-                    <a:gs pos="0">
-                      <a:schemeClr val="bg1">
-                        <a:shade val="30000"/>
-                        <a:satMod val="115000"/>
-                      </a:schemeClr>
-                    </a:gs>
-                    <a:gs pos="50000">
-                      <a:schemeClr val="bg1">
-                        <a:shade val="67500"/>
-                        <a:satMod val="115000"/>
-                      </a:schemeClr>
-                    </a:gs>
-                    <a:gs pos="100000">
-                      <a:schemeClr val="bg1">
-                        <a:shade val="100000"/>
-                        <a:satMod val="115000"/>
-                      </a:schemeClr>
-                    </a:gs>
-                  </a:gsLst>
-                  <a:lin ang="2700000" scaled="1"/>
-                  <a:tileRect/>
-                </a:gradFill>
-              </a:rPr>
-              <a:t>Comunicação</a:t>
-            </a:r>
-            <a:endParaRPr lang="pt-BR" sz="4800" dirty="0">
-              <a:gradFill flip="none" rotWithShape="1">
-                <a:gsLst>
-                  <a:gs pos="0">
-                    <a:schemeClr val="bg1">
-                      <a:shade val="30000"/>
-                      <a:satMod val="115000"/>
-                    </a:schemeClr>
-                  </a:gs>
-                  <a:gs pos="50000">
-                    <a:schemeClr val="bg1">
-                      <a:shade val="67500"/>
-                      <a:satMod val="115000"/>
-                    </a:schemeClr>
-                  </a:gs>
-                  <a:gs pos="100000">
-                    <a:schemeClr val="bg1">
-                      <a:shade val="100000"/>
-                      <a:satMod val="115000"/>
-                    </a:schemeClr>
-                  </a:gs>
-                </a:gsLst>
-                <a:lin ang="2700000" scaled="1"/>
-                <a:tileRect/>
-              </a:gradFill>
-            </a:endParaRPr>
-          </a:p>
-        </p:txBody>
-      </p:sp>
       <p:sp>
         <p:nvSpPr>
           <p:cNvPr id="8" name="Retângulo"/>
@@ -9315,8 +12113,660 @@
         </p:nvSpPr>
         <p:spPr>
           <a:xfrm>
-            <a:off x="3052689" y="603501"/>
-            <a:ext cx="8689078" cy="830997"/>
+            <a:off x="2833054" y="957219"/>
+            <a:ext cx="9358946" cy="830997"/>
+          </a:xfrm>
+          <a:prstGeom prst="rect">
+            <a:avLst/>
+          </a:prstGeom>
+          <a:noFill/>
+        </p:spPr>
+        <p:txBody>
+          <a:bodyPr wrap="square" rtlCol="0">
+            <a:spAutoFit/>
+          </a:bodyPr>
+          <a:lstStyle/>
+          <a:p>
+            <a:r>
+              <a:rPr lang="pt-BR" sz="4800" dirty="0" smtClean="0">
+                <a:solidFill>
+                  <a:schemeClr val="bg1"/>
+                </a:solidFill>
+                <a:latin typeface="Arial" panose="020B0604020202020204" pitchFamily="34" charset="0"/>
+                <a:cs typeface="Arial" panose="020B0604020202020204" pitchFamily="34" charset="0"/>
+              </a:rPr>
+              <a:t>SUPERAÇÕES</a:t>
+            </a:r>
+            <a:endParaRPr lang="pt-BR" sz="4800" dirty="0">
+              <a:solidFill>
+                <a:schemeClr val="bg1"/>
+              </a:solidFill>
+              <a:latin typeface="Arial" panose="020B0604020202020204" pitchFamily="34" charset="0"/>
+              <a:cs typeface="Arial" panose="020B0604020202020204" pitchFamily="34" charset="0"/>
+            </a:endParaRPr>
+          </a:p>
+        </p:txBody>
+      </p:sp>
+      <p:pic>
+        <p:nvPicPr>
+          <p:cNvPr id="7" name="Thresh"/>
+          <p:cNvPicPr>
+            <a:picLocks noChangeAspect="1"/>
+          </p:cNvPicPr>
+          <p:nvPr/>
+        </p:nvPicPr>
+        <p:blipFill>
+          <a:blip r:embed="rId3">
+            <a:extLst>
+              <a:ext uri="{28A0092B-C50C-407E-A947-70E740481C1C}">
+                <a14:useLocalDpi xmlns:a14="http://schemas.microsoft.com/office/drawing/2010/main" val="0"/>
+              </a:ext>
+            </a:extLst>
+          </a:blip>
+          <a:stretch>
+            <a:fillRect/>
+          </a:stretch>
+        </p:blipFill>
+        <p:spPr>
+          <a:xfrm>
+            <a:off x="5361468" y="1083213"/>
+            <a:ext cx="6380299" cy="6116432"/>
+          </a:xfrm>
+          <a:prstGeom prst="rect">
+            <a:avLst/>
+          </a:prstGeom>
+        </p:spPr>
+      </p:pic>
+    </p:spTree>
+    <p:extLst>
+      <p:ext uri="{BB962C8B-B14F-4D97-AF65-F5344CB8AC3E}">
+        <p14:creationId xmlns:p14="http://schemas.microsoft.com/office/powerpoint/2010/main" val="1101992266"/>
+      </p:ext>
+    </p:extLst>
+  </p:cSld>
+  <p:clrMapOvr>
+    <a:masterClrMapping/>
+  </p:clrMapOvr>
+  <mc:AlternateContent xmlns:mc="http://schemas.openxmlformats.org/markup-compatibility/2006">
+    <mc:Choice xmlns:p14="http://schemas.microsoft.com/office/powerpoint/2010/main" Requires="p14">
+      <p:timing>
+        <p:tnLst>
+          <p:par>
+            <p:cTn id="1" dur="indefinite" restart="never" nodeType="tmRoot">
+              <p:childTnLst>
+                <p:seq concurrent="1" nextAc="seek">
+                  <p:cTn id="2" dur="indefinite" nodeType="mainSeq">
+                    <p:childTnLst>
+                      <p:par>
+                        <p:cTn id="3" fill="hold">
+                          <p:stCondLst>
+                            <p:cond delay="indefinite"/>
+                            <p:cond evt="onBegin" delay="0">
+                              <p:tn val="2"/>
+                            </p:cond>
+                          </p:stCondLst>
+                          <p:childTnLst>
+                            <p:par>
+                              <p:cTn id="4" fill="hold">
+                                <p:stCondLst>
+                                  <p:cond delay="0"/>
+                                </p:stCondLst>
+                                <p:childTnLst>
+                                  <p:par>
+                                    <p:cTn id="5" presetID="2" presetClass="entr" presetSubtype="4" fill="hold" nodeType="afterEffect">
+                                      <p:stCondLst>
+                                        <p:cond delay="0"/>
+                                      </p:stCondLst>
+                                      <p:childTnLst>
+                                        <p:set>
+                                          <p:cBhvr>
+                                            <p:cTn id="6" dur="1" fill="hold">
+                                              <p:stCondLst>
+                                                <p:cond delay="0"/>
+                                              </p:stCondLst>
+                                            </p:cTn>
+                                            <p:tgtEl>
+                                              <p:spTgt spid="7"/>
+                                            </p:tgtEl>
+                                            <p:attrNameLst>
+                                              <p:attrName>style.visibility</p:attrName>
+                                            </p:attrNameLst>
+                                          </p:cBhvr>
+                                          <p:to>
+                                            <p:strVal val="visible"/>
+                                          </p:to>
+                                        </p:set>
+                                        <p:anim calcmode="lin" valueType="num">
+                                          <p:cBhvr additive="base">
+                                            <p:cTn id="7" dur="500" fill="hold"/>
+                                            <p:tgtEl>
+                                              <p:spTgt spid="7"/>
+                                            </p:tgtEl>
+                                            <p:attrNameLst>
+                                              <p:attrName>ppt_x</p:attrName>
+                                            </p:attrNameLst>
+                                          </p:cBhvr>
+                                          <p:tavLst>
+                                            <p:tav tm="0">
+                                              <p:val>
+                                                <p:strVal val="#ppt_x"/>
+                                              </p:val>
+                                            </p:tav>
+                                            <p:tav tm="100000">
+                                              <p:val>
+                                                <p:strVal val="#ppt_x"/>
+                                              </p:val>
+                                            </p:tav>
+                                          </p:tavLst>
+                                        </p:anim>
+                                        <p:anim calcmode="lin" valueType="num">
+                                          <p:cBhvr additive="base">
+                                            <p:cTn id="8" dur="500" fill="hold"/>
+                                            <p:tgtEl>
+                                              <p:spTgt spid="7"/>
+                                            </p:tgtEl>
+                                            <p:attrNameLst>
+                                              <p:attrName>ppt_y</p:attrName>
+                                            </p:attrNameLst>
+                                          </p:cBhvr>
+                                          <p:tavLst>
+                                            <p:tav tm="0">
+                                              <p:val>
+                                                <p:strVal val="1+#ppt_h/2"/>
+                                              </p:val>
+                                            </p:tav>
+                                            <p:tav tm="100000">
+                                              <p:val>
+                                                <p:strVal val="#ppt_y"/>
+                                              </p:val>
+                                            </p:tav>
+                                          </p:tavLst>
+                                        </p:anim>
+                                      </p:childTnLst>
+                                    </p:cTn>
+                                  </p:par>
+                                  <p:par>
+                                    <p:cTn id="9" presetID="2" presetClass="entr" presetSubtype="2" fill="hold" grpId="0" nodeType="withEffect" p14:presetBounceEnd="30000">
+                                      <p:stCondLst>
+                                        <p:cond delay="300"/>
+                                      </p:stCondLst>
+                                      <p:childTnLst>
+                                        <p:set>
+                                          <p:cBhvr>
+                                            <p:cTn id="10" dur="1" fill="hold">
+                                              <p:stCondLst>
+                                                <p:cond delay="0"/>
+                                              </p:stCondLst>
+                                            </p:cTn>
+                                            <p:tgtEl>
+                                              <p:spTgt spid="8"/>
+                                            </p:tgtEl>
+                                            <p:attrNameLst>
+                                              <p:attrName>style.visibility</p:attrName>
+                                            </p:attrNameLst>
+                                          </p:cBhvr>
+                                          <p:to>
+                                            <p:strVal val="visible"/>
+                                          </p:to>
+                                        </p:set>
+                                        <p:anim calcmode="lin" valueType="num" p14:bounceEnd="30000">
+                                          <p:cBhvr additive="base">
+                                            <p:cTn id="11" dur="500" fill="hold"/>
+                                            <p:tgtEl>
+                                              <p:spTgt spid="8"/>
+                                            </p:tgtEl>
+                                            <p:attrNameLst>
+                                              <p:attrName>ppt_x</p:attrName>
+                                            </p:attrNameLst>
+                                          </p:cBhvr>
+                                          <p:tavLst>
+                                            <p:tav tm="0">
+                                              <p:val>
+                                                <p:strVal val="1+#ppt_w/2"/>
+                                              </p:val>
+                                            </p:tav>
+                                            <p:tav tm="100000">
+                                              <p:val>
+                                                <p:strVal val="#ppt_x"/>
+                                              </p:val>
+                                            </p:tav>
+                                          </p:tavLst>
+                                        </p:anim>
+                                        <p:anim calcmode="lin" valueType="num" p14:bounceEnd="30000">
+                                          <p:cBhvr additive="base">
+                                            <p:cTn id="12" dur="500" fill="hold"/>
+                                            <p:tgtEl>
+                                              <p:spTgt spid="8"/>
+                                            </p:tgtEl>
+                                            <p:attrNameLst>
+                                              <p:attrName>ppt_y</p:attrName>
+                                            </p:attrNameLst>
+                                          </p:cBhvr>
+                                          <p:tavLst>
+                                            <p:tav tm="0">
+                                              <p:val>
+                                                <p:strVal val="#ppt_y"/>
+                                              </p:val>
+                                            </p:tav>
+                                            <p:tav tm="100000">
+                                              <p:val>
+                                                <p:strVal val="#ppt_y"/>
+                                              </p:val>
+                                            </p:tav>
+                                          </p:tavLst>
+                                        </p:anim>
+                                      </p:childTnLst>
+                                    </p:cTn>
+                                  </p:par>
+                                  <p:par>
+                                    <p:cTn id="13" presetID="22" presetClass="entr" presetSubtype="8" fill="hold" grpId="0" nodeType="withEffect">
+                                      <p:stCondLst>
+                                        <p:cond delay="700"/>
+                                      </p:stCondLst>
+                                      <p:childTnLst>
+                                        <p:set>
+                                          <p:cBhvr>
+                                            <p:cTn id="14" dur="1" fill="hold">
+                                              <p:stCondLst>
+                                                <p:cond delay="0"/>
+                                              </p:stCondLst>
+                                            </p:cTn>
+                                            <p:tgtEl>
+                                              <p:spTgt spid="9"/>
+                                            </p:tgtEl>
+                                            <p:attrNameLst>
+                                              <p:attrName>style.visibility</p:attrName>
+                                            </p:attrNameLst>
+                                          </p:cBhvr>
+                                          <p:to>
+                                            <p:strVal val="visible"/>
+                                          </p:to>
+                                        </p:set>
+                                        <p:animEffect transition="in" filter="wipe(left)">
+                                          <p:cBhvr>
+                                            <p:cTn id="15" dur="500"/>
+                                            <p:tgtEl>
+                                              <p:spTgt spid="9"/>
+                                            </p:tgtEl>
+                                          </p:cBhvr>
+                                        </p:animEffect>
+                                      </p:childTnLst>
+                                    </p:cTn>
+                                  </p:par>
+                                </p:childTnLst>
+                              </p:cTn>
+                            </p:par>
+                          </p:childTnLst>
+                        </p:cTn>
+                      </p:par>
+                    </p:childTnLst>
+                  </p:cTn>
+                  <p:prevCondLst>
+                    <p:cond evt="onPrev" delay="0">
+                      <p:tgtEl>
+                        <p:sldTgt/>
+                      </p:tgtEl>
+                    </p:cond>
+                  </p:prevCondLst>
+                  <p:nextCondLst>
+                    <p:cond evt="onNext" delay="0">
+                      <p:tgtEl>
+                        <p:sldTgt/>
+                      </p:tgtEl>
+                    </p:cond>
+                  </p:nextCondLst>
+                </p:seq>
+              </p:childTnLst>
+            </p:cTn>
+          </p:par>
+        </p:tnLst>
+        <p:bldLst>
+          <p:bldP spid="8" grpId="0" animBg="1"/>
+          <p:bldP spid="9" grpId="0"/>
+        </p:bldLst>
+      </p:timing>
+    </mc:Choice>
+    <mc:Fallback>
+      <p:timing>
+        <p:tnLst>
+          <p:par>
+            <p:cTn id="1" dur="indefinite" restart="never" nodeType="tmRoot">
+              <p:childTnLst>
+                <p:seq concurrent="1" nextAc="seek">
+                  <p:cTn id="2" dur="indefinite" nodeType="mainSeq">
+                    <p:childTnLst>
+                      <p:par>
+                        <p:cTn id="3" fill="hold">
+                          <p:stCondLst>
+                            <p:cond delay="indefinite"/>
+                            <p:cond evt="onBegin" delay="0">
+                              <p:tn val="2"/>
+                            </p:cond>
+                          </p:stCondLst>
+                          <p:childTnLst>
+                            <p:par>
+                              <p:cTn id="4" fill="hold">
+                                <p:stCondLst>
+                                  <p:cond delay="0"/>
+                                </p:stCondLst>
+                                <p:childTnLst>
+                                  <p:par>
+                                    <p:cTn id="5" presetID="2" presetClass="entr" presetSubtype="4" fill="hold" nodeType="afterEffect">
+                                      <p:stCondLst>
+                                        <p:cond delay="0"/>
+                                      </p:stCondLst>
+                                      <p:childTnLst>
+                                        <p:set>
+                                          <p:cBhvr>
+                                            <p:cTn id="6" dur="1" fill="hold">
+                                              <p:stCondLst>
+                                                <p:cond delay="0"/>
+                                              </p:stCondLst>
+                                            </p:cTn>
+                                            <p:tgtEl>
+                                              <p:spTgt spid="7"/>
+                                            </p:tgtEl>
+                                            <p:attrNameLst>
+                                              <p:attrName>style.visibility</p:attrName>
+                                            </p:attrNameLst>
+                                          </p:cBhvr>
+                                          <p:to>
+                                            <p:strVal val="visible"/>
+                                          </p:to>
+                                        </p:set>
+                                        <p:anim calcmode="lin" valueType="num">
+                                          <p:cBhvr additive="base">
+                                            <p:cTn id="7" dur="500" fill="hold"/>
+                                            <p:tgtEl>
+                                              <p:spTgt spid="7"/>
+                                            </p:tgtEl>
+                                            <p:attrNameLst>
+                                              <p:attrName>ppt_x</p:attrName>
+                                            </p:attrNameLst>
+                                          </p:cBhvr>
+                                          <p:tavLst>
+                                            <p:tav tm="0">
+                                              <p:val>
+                                                <p:strVal val="#ppt_x"/>
+                                              </p:val>
+                                            </p:tav>
+                                            <p:tav tm="100000">
+                                              <p:val>
+                                                <p:strVal val="#ppt_x"/>
+                                              </p:val>
+                                            </p:tav>
+                                          </p:tavLst>
+                                        </p:anim>
+                                        <p:anim calcmode="lin" valueType="num">
+                                          <p:cBhvr additive="base">
+                                            <p:cTn id="8" dur="500" fill="hold"/>
+                                            <p:tgtEl>
+                                              <p:spTgt spid="7"/>
+                                            </p:tgtEl>
+                                            <p:attrNameLst>
+                                              <p:attrName>ppt_y</p:attrName>
+                                            </p:attrNameLst>
+                                          </p:cBhvr>
+                                          <p:tavLst>
+                                            <p:tav tm="0">
+                                              <p:val>
+                                                <p:strVal val="1+#ppt_h/2"/>
+                                              </p:val>
+                                            </p:tav>
+                                            <p:tav tm="100000">
+                                              <p:val>
+                                                <p:strVal val="#ppt_y"/>
+                                              </p:val>
+                                            </p:tav>
+                                          </p:tavLst>
+                                        </p:anim>
+                                      </p:childTnLst>
+                                    </p:cTn>
+                                  </p:par>
+                                  <p:par>
+                                    <p:cTn id="9" presetID="2" presetClass="entr" presetSubtype="2" fill="hold" grpId="0" nodeType="withEffect">
+                                      <p:stCondLst>
+                                        <p:cond delay="300"/>
+                                      </p:stCondLst>
+                                      <p:childTnLst>
+                                        <p:set>
+                                          <p:cBhvr>
+                                            <p:cTn id="10" dur="1" fill="hold">
+                                              <p:stCondLst>
+                                                <p:cond delay="0"/>
+                                              </p:stCondLst>
+                                            </p:cTn>
+                                            <p:tgtEl>
+                                              <p:spTgt spid="8"/>
+                                            </p:tgtEl>
+                                            <p:attrNameLst>
+                                              <p:attrName>style.visibility</p:attrName>
+                                            </p:attrNameLst>
+                                          </p:cBhvr>
+                                          <p:to>
+                                            <p:strVal val="visible"/>
+                                          </p:to>
+                                        </p:set>
+                                        <p:anim calcmode="lin" valueType="num">
+                                          <p:cBhvr additive="base">
+                                            <p:cTn id="11" dur="500" fill="hold"/>
+                                            <p:tgtEl>
+                                              <p:spTgt spid="8"/>
+                                            </p:tgtEl>
+                                            <p:attrNameLst>
+                                              <p:attrName>ppt_x</p:attrName>
+                                            </p:attrNameLst>
+                                          </p:cBhvr>
+                                          <p:tavLst>
+                                            <p:tav tm="0">
+                                              <p:val>
+                                                <p:strVal val="1+#ppt_w/2"/>
+                                              </p:val>
+                                            </p:tav>
+                                            <p:tav tm="100000">
+                                              <p:val>
+                                                <p:strVal val="#ppt_x"/>
+                                              </p:val>
+                                            </p:tav>
+                                          </p:tavLst>
+                                        </p:anim>
+                                        <p:anim calcmode="lin" valueType="num">
+                                          <p:cBhvr additive="base">
+                                            <p:cTn id="12" dur="500" fill="hold"/>
+                                            <p:tgtEl>
+                                              <p:spTgt spid="8"/>
+                                            </p:tgtEl>
+                                            <p:attrNameLst>
+                                              <p:attrName>ppt_y</p:attrName>
+                                            </p:attrNameLst>
+                                          </p:cBhvr>
+                                          <p:tavLst>
+                                            <p:tav tm="0">
+                                              <p:val>
+                                                <p:strVal val="#ppt_y"/>
+                                              </p:val>
+                                            </p:tav>
+                                            <p:tav tm="100000">
+                                              <p:val>
+                                                <p:strVal val="#ppt_y"/>
+                                              </p:val>
+                                            </p:tav>
+                                          </p:tavLst>
+                                        </p:anim>
+                                      </p:childTnLst>
+                                    </p:cTn>
+                                  </p:par>
+                                  <p:par>
+                                    <p:cTn id="13" presetID="22" presetClass="entr" presetSubtype="8" fill="hold" grpId="0" nodeType="withEffect">
+                                      <p:stCondLst>
+                                        <p:cond delay="700"/>
+                                      </p:stCondLst>
+                                      <p:childTnLst>
+                                        <p:set>
+                                          <p:cBhvr>
+                                            <p:cTn id="14" dur="1" fill="hold">
+                                              <p:stCondLst>
+                                                <p:cond delay="0"/>
+                                              </p:stCondLst>
+                                            </p:cTn>
+                                            <p:tgtEl>
+                                              <p:spTgt spid="9"/>
+                                            </p:tgtEl>
+                                            <p:attrNameLst>
+                                              <p:attrName>style.visibility</p:attrName>
+                                            </p:attrNameLst>
+                                          </p:cBhvr>
+                                          <p:to>
+                                            <p:strVal val="visible"/>
+                                          </p:to>
+                                        </p:set>
+                                        <p:animEffect transition="in" filter="wipe(left)">
+                                          <p:cBhvr>
+                                            <p:cTn id="15" dur="500"/>
+                                            <p:tgtEl>
+                                              <p:spTgt spid="9"/>
+                                            </p:tgtEl>
+                                          </p:cBhvr>
+                                        </p:animEffect>
+                                      </p:childTnLst>
+                                    </p:cTn>
+                                  </p:par>
+                                </p:childTnLst>
+                              </p:cTn>
+                            </p:par>
+                          </p:childTnLst>
+                        </p:cTn>
+                      </p:par>
+                    </p:childTnLst>
+                  </p:cTn>
+                  <p:prevCondLst>
+                    <p:cond evt="onPrev" delay="0">
+                      <p:tgtEl>
+                        <p:sldTgt/>
+                      </p:tgtEl>
+                    </p:cond>
+                  </p:prevCondLst>
+                  <p:nextCondLst>
+                    <p:cond evt="onNext" delay="0">
+                      <p:tgtEl>
+                        <p:sldTgt/>
+                      </p:tgtEl>
+                    </p:cond>
+                  </p:nextCondLst>
+                </p:seq>
+              </p:childTnLst>
+            </p:cTn>
+          </p:par>
+        </p:tnLst>
+        <p:bldLst>
+          <p:bldP spid="8" grpId="0" animBg="1"/>
+          <p:bldP spid="9" grpId="0"/>
+        </p:bldLst>
+      </p:timing>
+    </mc:Fallback>
+  </mc:AlternateContent>
+</p:sld>
+</file>
+
+<file path=ppt/slides/slide6.xml><?xml version="1.0" encoding="utf-8"?>
+<p:sld xmlns:a="http://schemas.openxmlformats.org/drawingml/2006/main" xmlns:r="http://schemas.openxmlformats.org/officeDocument/2006/relationships" xmlns:p="http://schemas.openxmlformats.org/presentationml/2006/main">
+  <p:cSld>
+    <p:bg>
+      <p:bgPr>
+        <a:blipFill dpi="0" rotWithShape="1">
+          <a:blip r:embed="rId2">
+            <a:lum/>
+          </a:blip>
+          <a:srcRect/>
+          <a:stretch>
+            <a:fillRect/>
+          </a:stretch>
+        </a:blipFill>
+        <a:effectLst/>
+      </p:bgPr>
+    </p:bg>
+    <p:spTree>
+      <p:nvGrpSpPr>
+        <p:cNvPr id="1" name=""/>
+        <p:cNvGrpSpPr/>
+        <p:nvPr/>
+      </p:nvGrpSpPr>
+      <p:grpSpPr>
+        <a:xfrm>
+          <a:off x="0" y="0"/>
+          <a:ext cx="0" cy="0"/>
+          <a:chOff x="0" y="0"/>
+          <a:chExt cx="0" cy="0"/>
+        </a:xfrm>
+      </p:grpSpPr>
+      <p:sp>
+        <p:nvSpPr>
+          <p:cNvPr id="8" name="Retângulo"/>
+          <p:cNvSpPr/>
+          <p:nvPr/>
+        </p:nvSpPr>
+        <p:spPr>
+          <a:xfrm>
+            <a:off x="2438399" y="497696"/>
+            <a:ext cx="10624458" cy="1781270"/>
+          </a:xfrm>
+          <a:prstGeom prst="rect">
+            <a:avLst/>
+          </a:prstGeom>
+          <a:noFill/>
+          <a:ln w="76200">
+            <a:gradFill flip="none" rotWithShape="1">
+              <a:gsLst>
+                <a:gs pos="0">
+                  <a:srgbClr val="4BCBB9"/>
+                </a:gs>
+                <a:gs pos="100000">
+                  <a:schemeClr val="accent1">
+                    <a:lumMod val="30000"/>
+                    <a:lumOff val="70000"/>
+                  </a:schemeClr>
+                </a:gs>
+              </a:gsLst>
+              <a:lin ang="0" scaled="1"/>
+              <a:tileRect/>
+            </a:gradFill>
+          </a:ln>
+        </p:spPr>
+        <p:style>
+          <a:lnRef idx="2">
+            <a:schemeClr val="accent1">
+              <a:shade val="50000"/>
+            </a:schemeClr>
+          </a:lnRef>
+          <a:fillRef idx="1">
+            <a:schemeClr val="accent1"/>
+          </a:fillRef>
+          <a:effectRef idx="0">
+            <a:schemeClr val="accent1"/>
+          </a:effectRef>
+          <a:fontRef idx="minor">
+            <a:schemeClr val="lt1"/>
+          </a:fontRef>
+        </p:style>
+        <p:txBody>
+          <a:bodyPr rtlCol="0" anchor="ctr"/>
+          <a:lstStyle/>
+          <a:p>
+            <a:pPr algn="ctr"/>
+            <a:endParaRPr lang="pt-BR"/>
+          </a:p>
+        </p:txBody>
+      </p:sp>
+      <p:sp>
+        <p:nvSpPr>
+          <p:cNvPr id="9" name="LEAGUE OF LEGENDS"/>
+          <p:cNvSpPr txBox="1"/>
+          <p:nvPr/>
+        </p:nvSpPr>
+        <p:spPr>
+          <a:xfrm>
+            <a:off x="3008978" y="972832"/>
+            <a:ext cx="3857562" cy="830997"/>
           </a:xfrm>
           <a:prstGeom prst="rect">
             <a:avLst/>
@@ -9591,41 +13041,6 @@
                                       </p:childTnLst>
                                     </p:cTn>
                                   </p:par>
-                                  <p:par>
-                                    <p:cTn id="16" presetID="22" presetClass="entr" presetSubtype="8" fill="hold" grpId="0" nodeType="withEffect">
-                                      <p:stCondLst>
-                                        <p:cond delay="700"/>
-                                      </p:stCondLst>
-                                      <p:childTnLst>
-                                        <p:set>
-                                          <p:cBhvr>
-                                            <p:cTn id="17" dur="1" fill="hold">
-                                              <p:stCondLst>
-                                                <p:cond delay="0"/>
-                                              </p:stCondLst>
-                                            </p:cTn>
-                                            <p:tgtEl>
-                                              <p:spTgt spid="33"/>
-                                            </p:tgtEl>
-                                            <p:attrNameLst>
-                                              <p:attrName>style.visibility</p:attrName>
-                                            </p:attrNameLst>
-                                          </p:cBhvr>
-                                          <p:to>
-                                            <p:strVal val="visible"/>
-                                          </p:to>
-                                        </p:set>
-                                        <p:animEffect transition="in" filter="wipe(left)">
-                                          <p:cBhvr>
-                                            <p:cTn id="18" dur="500"/>
-                                            <p:tgtEl>
-                                              <p:spTgt spid="33"/>
-                                            </p:tgtEl>
-                                          </p:cBhvr>
-                                        </p:animEffect>
-                                      </p:childTnLst>
-                                    </p:cTn>
-                                  </p:par>
                                 </p:childTnLst>
                               </p:cTn>
                             </p:par>
@@ -9654,7 +13069,6 @@
           </p:par>
         </p:tnLst>
         <p:bldLst>
-          <p:bldP spid="33" grpId="0"/>
           <p:bldP spid="8" grpId="0" animBg="1"/>
           <p:bldP spid="9" grpId="0"/>
         </p:bldLst>
@@ -9865,41 +13279,6 @@
                                       </p:childTnLst>
                                     </p:cTn>
                                   </p:par>
-                                  <p:par>
-                                    <p:cTn id="16" presetID="22" presetClass="entr" presetSubtype="8" fill="hold" grpId="0" nodeType="withEffect">
-                                      <p:stCondLst>
-                                        <p:cond delay="700"/>
-                                      </p:stCondLst>
-                                      <p:childTnLst>
-                                        <p:set>
-                                          <p:cBhvr>
-                                            <p:cTn id="17" dur="1" fill="hold">
-                                              <p:stCondLst>
-                                                <p:cond delay="0"/>
-                                              </p:stCondLst>
-                                            </p:cTn>
-                                            <p:tgtEl>
-                                              <p:spTgt spid="33"/>
-                                            </p:tgtEl>
-                                            <p:attrNameLst>
-                                              <p:attrName>style.visibility</p:attrName>
-                                            </p:attrNameLst>
-                                          </p:cBhvr>
-                                          <p:to>
-                                            <p:strVal val="visible"/>
-                                          </p:to>
-                                        </p:set>
-                                        <p:animEffect transition="in" filter="wipe(left)">
-                                          <p:cBhvr>
-                                            <p:cTn id="18" dur="500"/>
-                                            <p:tgtEl>
-                                              <p:spTgt spid="33"/>
-                                            </p:tgtEl>
-                                          </p:cBhvr>
-                                        </p:animEffect>
-                                      </p:childTnLst>
-                                    </p:cTn>
-                                  </p:par>
                                 </p:childTnLst>
                               </p:cTn>
                             </p:par>
@@ -9928,7 +13307,6 @@
           </p:par>
         </p:tnLst>
         <p:bldLst>
-          <p:bldP spid="33" grpId="0"/>
           <p:bldP spid="8" grpId="0" animBg="1"/>
           <p:bldP spid="9" grpId="0"/>
         </p:bldLst>
@@ -9938,7 +13316,7 @@
 </p:sld>
 </file>
 
-<file path=ppt/slides/slide6.xml><?xml version="1.0" encoding="utf-8"?>
+<file path=ppt/slides/slide7.xml><?xml version="1.0" encoding="utf-8"?>
 <p:sld xmlns:a="http://schemas.openxmlformats.org/drawingml/2006/main" xmlns:r="http://schemas.openxmlformats.org/officeDocument/2006/relationships" xmlns:p="http://schemas.openxmlformats.org/presentationml/2006/main">
   <p:cSld>
     <p:bg>
@@ -9969,431 +13347,6 @@
           <a:chExt cx="0" cy="0"/>
         </a:xfrm>
       </p:grpSpPr>
-      <p:sp>
-        <p:nvSpPr>
-          <p:cNvPr id="34" name="CaixaDeTexto 33"/>
-          <p:cNvSpPr txBox="1"/>
-          <p:nvPr/>
-        </p:nvSpPr>
-        <p:spPr>
-          <a:xfrm>
-            <a:off x="814584" y="5572113"/>
-            <a:ext cx="4123175" cy="549143"/>
-          </a:xfrm>
-          <a:prstGeom prst="rect">
-            <a:avLst/>
-          </a:prstGeom>
-          <a:gradFill flip="none" rotWithShape="1">
-            <a:gsLst>
-              <a:gs pos="0">
-                <a:srgbClr val="00B0F0">
-                  <a:shade val="30000"/>
-                  <a:satMod val="115000"/>
-                </a:srgbClr>
-              </a:gs>
-              <a:gs pos="50000">
-                <a:srgbClr val="00B0F0">
-                  <a:shade val="67500"/>
-                  <a:satMod val="115000"/>
-                </a:srgbClr>
-              </a:gs>
-              <a:gs pos="100000">
-                <a:srgbClr val="00B0F0">
-                  <a:shade val="100000"/>
-                  <a:satMod val="115000"/>
-                </a:srgbClr>
-              </a:gs>
-            </a:gsLst>
-            <a:lin ang="2700000" scaled="1"/>
-            <a:tileRect/>
-          </a:gradFill>
-          <a:effectLst>
-            <a:glow rad="101600">
-              <a:schemeClr val="accent1">
-                <a:satMod val="175000"/>
-                <a:alpha val="40000"/>
-              </a:schemeClr>
-            </a:glow>
-          </a:effectLst>
-        </p:spPr>
-        <p:txBody>
-          <a:bodyPr wrap="square" rtlCol="0">
-            <a:spAutoFit/>
-          </a:bodyPr>
-          <a:lstStyle/>
-          <a:p>
-            <a:endParaRPr lang="pt-BR" dirty="0"/>
-          </a:p>
-        </p:txBody>
-      </p:sp>
-      <p:sp>
-        <p:nvSpPr>
-          <p:cNvPr id="39" name="CaixaDeTexto 38"/>
-          <p:cNvSpPr txBox="1"/>
-          <p:nvPr/>
-        </p:nvSpPr>
-        <p:spPr>
-          <a:xfrm>
-            <a:off x="814585" y="4073849"/>
-            <a:ext cx="4123175" cy="549143"/>
-          </a:xfrm>
-          <a:prstGeom prst="rect">
-            <a:avLst/>
-          </a:prstGeom>
-          <a:gradFill flip="none" rotWithShape="1">
-            <a:gsLst>
-              <a:gs pos="0">
-                <a:srgbClr val="00B0F0">
-                  <a:shade val="30000"/>
-                  <a:satMod val="115000"/>
-                </a:srgbClr>
-              </a:gs>
-              <a:gs pos="50000">
-                <a:srgbClr val="00B0F0">
-                  <a:shade val="67500"/>
-                  <a:satMod val="115000"/>
-                </a:srgbClr>
-              </a:gs>
-              <a:gs pos="100000">
-                <a:srgbClr val="00B0F0">
-                  <a:shade val="100000"/>
-                  <a:satMod val="115000"/>
-                </a:srgbClr>
-              </a:gs>
-            </a:gsLst>
-            <a:lin ang="2700000" scaled="1"/>
-            <a:tileRect/>
-          </a:gradFill>
-          <a:effectLst>
-            <a:glow rad="101600">
-              <a:schemeClr val="accent1">
-                <a:satMod val="175000"/>
-                <a:alpha val="40000"/>
-              </a:schemeClr>
-            </a:glow>
-          </a:effectLst>
-        </p:spPr>
-        <p:txBody>
-          <a:bodyPr wrap="square" rtlCol="0">
-            <a:spAutoFit/>
-          </a:bodyPr>
-          <a:lstStyle/>
-          <a:p>
-            <a:endParaRPr lang="pt-BR" dirty="0"/>
-          </a:p>
-        </p:txBody>
-      </p:sp>
-      <p:sp>
-        <p:nvSpPr>
-          <p:cNvPr id="40" name="CaixaDeTexto 39"/>
-          <p:cNvSpPr txBox="1"/>
-          <p:nvPr/>
-        </p:nvSpPr>
-        <p:spPr>
-          <a:xfrm>
-            <a:off x="814584" y="4822981"/>
-            <a:ext cx="4123175" cy="549143"/>
-          </a:xfrm>
-          <a:prstGeom prst="rect">
-            <a:avLst/>
-          </a:prstGeom>
-          <a:gradFill flip="none" rotWithShape="1">
-            <a:gsLst>
-              <a:gs pos="0">
-                <a:srgbClr val="00B0F0">
-                  <a:shade val="30000"/>
-                  <a:satMod val="115000"/>
-                </a:srgbClr>
-              </a:gs>
-              <a:gs pos="50000">
-                <a:srgbClr val="00B0F0">
-                  <a:shade val="67500"/>
-                  <a:satMod val="115000"/>
-                </a:srgbClr>
-              </a:gs>
-              <a:gs pos="100000">
-                <a:srgbClr val="00B0F0">
-                  <a:shade val="100000"/>
-                  <a:satMod val="115000"/>
-                </a:srgbClr>
-              </a:gs>
-            </a:gsLst>
-            <a:lin ang="2700000" scaled="1"/>
-            <a:tileRect/>
-          </a:gradFill>
-          <a:effectLst>
-            <a:glow rad="101600">
-              <a:schemeClr val="accent1">
-                <a:satMod val="175000"/>
-                <a:alpha val="40000"/>
-              </a:schemeClr>
-            </a:glow>
-          </a:effectLst>
-        </p:spPr>
-        <p:txBody>
-          <a:bodyPr wrap="square" rtlCol="0">
-            <a:spAutoFit/>
-          </a:bodyPr>
-          <a:lstStyle/>
-          <a:p>
-            <a:endParaRPr lang="pt-BR" dirty="0"/>
-          </a:p>
-        </p:txBody>
-      </p:sp>
-      <p:sp>
-        <p:nvSpPr>
-          <p:cNvPr id="46" name="CaixaDeTexto 45"/>
-          <p:cNvSpPr txBox="1"/>
-          <p:nvPr/>
-        </p:nvSpPr>
-        <p:spPr>
-          <a:xfrm>
-            <a:off x="814584" y="3349259"/>
-            <a:ext cx="4123176" cy="549143"/>
-          </a:xfrm>
-          <a:prstGeom prst="rect">
-            <a:avLst/>
-          </a:prstGeom>
-          <a:gradFill flip="none" rotWithShape="1">
-            <a:gsLst>
-              <a:gs pos="0">
-                <a:srgbClr val="00B0F0">
-                  <a:shade val="30000"/>
-                  <a:satMod val="115000"/>
-                </a:srgbClr>
-              </a:gs>
-              <a:gs pos="50000">
-                <a:srgbClr val="00B0F0">
-                  <a:shade val="67500"/>
-                  <a:satMod val="115000"/>
-                </a:srgbClr>
-              </a:gs>
-              <a:gs pos="100000">
-                <a:srgbClr val="00B0F0">
-                  <a:shade val="100000"/>
-                  <a:satMod val="115000"/>
-                </a:srgbClr>
-              </a:gs>
-            </a:gsLst>
-            <a:lin ang="2700000" scaled="1"/>
-            <a:tileRect/>
-          </a:gradFill>
-          <a:effectLst>
-            <a:glow rad="101600">
-              <a:schemeClr val="accent1">
-                <a:satMod val="175000"/>
-                <a:alpha val="40000"/>
-              </a:schemeClr>
-            </a:glow>
-          </a:effectLst>
-        </p:spPr>
-        <p:txBody>
-          <a:bodyPr wrap="square" rtlCol="0">
-            <a:spAutoFit/>
-          </a:bodyPr>
-          <a:lstStyle/>
-          <a:p>
-            <a:endParaRPr lang="pt-BR" dirty="0"/>
-          </a:p>
-        </p:txBody>
-      </p:sp>
-      <p:sp>
-        <p:nvSpPr>
-          <p:cNvPr id="33" name="LEAGUE OF LEGENDS"/>
-          <p:cNvSpPr txBox="1"/>
-          <p:nvPr/>
-        </p:nvSpPr>
-        <p:spPr>
-          <a:xfrm>
-            <a:off x="736206" y="3178869"/>
-            <a:ext cx="4488936" cy="3046988"/>
-          </a:xfrm>
-          <a:prstGeom prst="rect">
-            <a:avLst/>
-          </a:prstGeom>
-          <a:noFill/>
-          <a:effectLst>
-            <a:glow rad="101600">
-              <a:schemeClr val="accent1">
-                <a:satMod val="175000"/>
-                <a:alpha val="40000"/>
-              </a:schemeClr>
-            </a:glow>
-          </a:effectLst>
-        </p:spPr>
-        <p:txBody>
-          <a:bodyPr wrap="square" rtlCol="0">
-            <a:spAutoFit/>
-          </a:bodyPr>
-          <a:lstStyle/>
-          <a:p>
-            <a:pPr marL="685800" indent="-685800">
-              <a:buFont typeface="Arial" panose="020B0604020202020204" pitchFamily="34" charset="0"/>
-              <a:buChar char="•"/>
-            </a:pPr>
-            <a:r>
-              <a:rPr lang="pt-BR" sz="4800" dirty="0" smtClean="0">
-                <a:gradFill flip="none" rotWithShape="1">
-                  <a:gsLst>
-                    <a:gs pos="0">
-                      <a:schemeClr val="bg1">
-                        <a:shade val="30000"/>
-                        <a:satMod val="115000"/>
-                      </a:schemeClr>
-                    </a:gs>
-                    <a:gs pos="50000">
-                      <a:schemeClr val="bg1">
-                        <a:shade val="67500"/>
-                        <a:satMod val="115000"/>
-                      </a:schemeClr>
-                    </a:gs>
-                    <a:gs pos="100000">
-                      <a:schemeClr val="bg1">
-                        <a:shade val="100000"/>
-                        <a:satMod val="115000"/>
-                      </a:schemeClr>
-                    </a:gs>
-                  </a:gsLst>
-                  <a:lin ang="2700000" scaled="1"/>
-                  <a:tileRect/>
-                </a:gradFill>
-              </a:rPr>
-              <a:t>Pessoal</a:t>
-            </a:r>
-          </a:p>
-          <a:p>
-            <a:pPr marL="685800" indent="-685800">
-              <a:buFont typeface="Arial" panose="020B0604020202020204" pitchFamily="34" charset="0"/>
-              <a:buChar char="•"/>
-            </a:pPr>
-            <a:r>
-              <a:rPr lang="pt-BR" sz="4800" dirty="0" smtClean="0">
-                <a:gradFill flip="none" rotWithShape="1">
-                  <a:gsLst>
-                    <a:gs pos="0">
-                      <a:schemeClr val="bg1">
-                        <a:shade val="30000"/>
-                        <a:satMod val="115000"/>
-                      </a:schemeClr>
-                    </a:gs>
-                    <a:gs pos="50000">
-                      <a:schemeClr val="bg1">
-                        <a:shade val="67500"/>
-                        <a:satMod val="115000"/>
-                      </a:schemeClr>
-                    </a:gs>
-                    <a:gs pos="100000">
-                      <a:schemeClr val="bg1">
-                        <a:shade val="100000"/>
-                        <a:satMod val="115000"/>
-                      </a:schemeClr>
-                    </a:gs>
-                  </a:gsLst>
-                  <a:lin ang="2700000" scaled="1"/>
-                  <a:tileRect/>
-                </a:gradFill>
-              </a:rPr>
-              <a:t>Diversão</a:t>
-            </a:r>
-          </a:p>
-          <a:p>
-            <a:pPr marL="685800" indent="-685800">
-              <a:buFont typeface="Arial" panose="020B0604020202020204" pitchFamily="34" charset="0"/>
-              <a:buChar char="•"/>
-            </a:pPr>
-            <a:r>
-              <a:rPr lang="pt-BR" sz="4800" dirty="0" smtClean="0">
-                <a:gradFill flip="none" rotWithShape="1">
-                  <a:gsLst>
-                    <a:gs pos="0">
-                      <a:schemeClr val="bg1">
-                        <a:shade val="30000"/>
-                        <a:satMod val="115000"/>
-                      </a:schemeClr>
-                    </a:gs>
-                    <a:gs pos="50000">
-                      <a:schemeClr val="bg1">
-                        <a:shade val="67500"/>
-                        <a:satMod val="115000"/>
-                      </a:schemeClr>
-                    </a:gs>
-                    <a:gs pos="100000">
-                      <a:schemeClr val="bg1">
-                        <a:shade val="100000"/>
-                        <a:satMod val="115000"/>
-                      </a:schemeClr>
-                    </a:gs>
-                  </a:gsLst>
-                  <a:lin ang="2700000" scaled="1"/>
-                  <a:tileRect/>
-                </a:gradFill>
-              </a:rPr>
-              <a:t>Foco (TDAH)</a:t>
-            </a:r>
-          </a:p>
-          <a:p>
-            <a:pPr marL="685800" indent="-685800">
-              <a:buFont typeface="Arial" panose="020B0604020202020204" pitchFamily="34" charset="0"/>
-              <a:buChar char="•"/>
-            </a:pPr>
-            <a:r>
-              <a:rPr lang="pt-BR" sz="4800" dirty="0" smtClean="0">
-                <a:gradFill flip="none" rotWithShape="1">
-                  <a:gsLst>
-                    <a:gs pos="0">
-                      <a:schemeClr val="bg1">
-                        <a:shade val="30000"/>
-                        <a:satMod val="115000"/>
-                      </a:schemeClr>
-                    </a:gs>
-                    <a:gs pos="50000">
-                      <a:schemeClr val="bg1">
-                        <a:shade val="67500"/>
-                        <a:satMod val="115000"/>
-                      </a:schemeClr>
-                    </a:gs>
-                    <a:gs pos="100000">
-                      <a:schemeClr val="bg1">
-                        <a:shade val="100000"/>
-                        <a:satMod val="115000"/>
-                      </a:schemeClr>
-                    </a:gs>
-                  </a:gsLst>
-                  <a:lin ang="2700000" scaled="1"/>
-                  <a:tileRect/>
-                </a:gradFill>
-              </a:rPr>
-              <a:t>Comunicação</a:t>
-            </a:r>
-            <a:endParaRPr lang="pt-BR" sz="4800" dirty="0">
-              <a:gradFill flip="none" rotWithShape="1">
-                <a:gsLst>
-                  <a:gs pos="0">
-                    <a:schemeClr val="bg1">
-                      <a:shade val="30000"/>
-                      <a:satMod val="115000"/>
-                    </a:schemeClr>
-                  </a:gs>
-                  <a:gs pos="50000">
-                    <a:schemeClr val="bg1">
-                      <a:shade val="67500"/>
-                      <a:satMod val="115000"/>
-                    </a:schemeClr>
-                  </a:gs>
-                  <a:gs pos="100000">
-                    <a:schemeClr val="bg1">
-                      <a:shade val="100000"/>
-                      <a:satMod val="115000"/>
-                    </a:schemeClr>
-                  </a:gs>
-                </a:gsLst>
-                <a:lin ang="2700000" scaled="1"/>
-                <a:tileRect/>
-              </a:gradFill>
-            </a:endParaRPr>
-          </a:p>
-        </p:txBody>
-      </p:sp>
       <p:sp>
         <p:nvSpPr>
           <p:cNvPr id="8" name="Retângulo"/>
@@ -10736,41 +13689,6 @@
                                       </p:childTnLst>
                                     </p:cTn>
                                   </p:par>
-                                  <p:par>
-                                    <p:cTn id="16" presetID="22" presetClass="entr" presetSubtype="8" fill="hold" grpId="0" nodeType="withEffect">
-                                      <p:stCondLst>
-                                        <p:cond delay="700"/>
-                                      </p:stCondLst>
-                                      <p:childTnLst>
-                                        <p:set>
-                                          <p:cBhvr>
-                                            <p:cTn id="17" dur="1" fill="hold">
-                                              <p:stCondLst>
-                                                <p:cond delay="0"/>
-                                              </p:stCondLst>
-                                            </p:cTn>
-                                            <p:tgtEl>
-                                              <p:spTgt spid="33"/>
-                                            </p:tgtEl>
-                                            <p:attrNameLst>
-                                              <p:attrName>style.visibility</p:attrName>
-                                            </p:attrNameLst>
-                                          </p:cBhvr>
-                                          <p:to>
-                                            <p:strVal val="visible"/>
-                                          </p:to>
-                                        </p:set>
-                                        <p:animEffect transition="in" filter="wipe(left)">
-                                          <p:cBhvr>
-                                            <p:cTn id="18" dur="500"/>
-                                            <p:tgtEl>
-                                              <p:spTgt spid="33"/>
-                                            </p:tgtEl>
-                                          </p:cBhvr>
-                                        </p:animEffect>
-                                      </p:childTnLst>
-                                    </p:cTn>
-                                  </p:par>
                                 </p:childTnLst>
                               </p:cTn>
                             </p:par>
@@ -10799,7 +13717,6 @@
           </p:par>
         </p:tnLst>
         <p:bldLst>
-          <p:bldP spid="33" grpId="0"/>
           <p:bldP spid="8" grpId="0" animBg="1"/>
           <p:bldP spid="9" grpId="0"/>
         </p:bldLst>
@@ -11010,41 +13927,6 @@
                                       </p:childTnLst>
                                     </p:cTn>
                                   </p:par>
-                                  <p:par>
-                                    <p:cTn id="16" presetID="22" presetClass="entr" presetSubtype="8" fill="hold" grpId="0" nodeType="withEffect">
-                                      <p:stCondLst>
-                                        <p:cond delay="700"/>
-                                      </p:stCondLst>
-                                      <p:childTnLst>
-                                        <p:set>
-                                          <p:cBhvr>
-                                            <p:cTn id="17" dur="1" fill="hold">
-                                              <p:stCondLst>
-                                                <p:cond delay="0"/>
-                                              </p:stCondLst>
-                                            </p:cTn>
-                                            <p:tgtEl>
-                                              <p:spTgt spid="33"/>
-                                            </p:tgtEl>
-                                            <p:attrNameLst>
-                                              <p:attrName>style.visibility</p:attrName>
-                                            </p:attrNameLst>
-                                          </p:cBhvr>
-                                          <p:to>
-                                            <p:strVal val="visible"/>
-                                          </p:to>
-                                        </p:set>
-                                        <p:animEffect transition="in" filter="wipe(left)">
-                                          <p:cBhvr>
-                                            <p:cTn id="18" dur="500"/>
-                                            <p:tgtEl>
-                                              <p:spTgt spid="33"/>
-                                            </p:tgtEl>
-                                          </p:cBhvr>
-                                        </p:animEffect>
-                                      </p:childTnLst>
-                                    </p:cTn>
-                                  </p:par>
                                 </p:childTnLst>
                               </p:cTn>
                             </p:par>
@@ -11073,7 +13955,6 @@
           </p:par>
         </p:tnLst>
         <p:bldLst>
-          <p:bldP spid="33" grpId="0"/>
           <p:bldP spid="8" grpId="0" animBg="1"/>
           <p:bldP spid="9" grpId="0"/>
         </p:bldLst>
@@ -11083,7 +13964,7 @@
 </p:sld>
 </file>
 
-<file path=ppt/slides/slide7.xml><?xml version="1.0" encoding="utf-8"?>
+<file path=ppt/slides/slide8.xml><?xml version="1.0" encoding="utf-8"?>
 <p:sld xmlns:a="http://schemas.openxmlformats.org/drawingml/2006/main" xmlns:r="http://schemas.openxmlformats.org/officeDocument/2006/relationships" xmlns:p="http://schemas.openxmlformats.org/presentationml/2006/main">
   <p:cSld>
     <p:bg>
@@ -11114,431 +13995,6 @@
           <a:chExt cx="0" cy="0"/>
         </a:xfrm>
       </p:grpSpPr>
-      <p:sp>
-        <p:nvSpPr>
-          <p:cNvPr id="34" name="CaixaDeTexto 33"/>
-          <p:cNvSpPr txBox="1"/>
-          <p:nvPr/>
-        </p:nvSpPr>
-        <p:spPr>
-          <a:xfrm>
-            <a:off x="814584" y="5572113"/>
-            <a:ext cx="4123175" cy="549143"/>
-          </a:xfrm>
-          <a:prstGeom prst="rect">
-            <a:avLst/>
-          </a:prstGeom>
-          <a:gradFill flip="none" rotWithShape="1">
-            <a:gsLst>
-              <a:gs pos="0">
-                <a:srgbClr val="00B0F0">
-                  <a:shade val="30000"/>
-                  <a:satMod val="115000"/>
-                </a:srgbClr>
-              </a:gs>
-              <a:gs pos="50000">
-                <a:srgbClr val="00B0F0">
-                  <a:shade val="67500"/>
-                  <a:satMod val="115000"/>
-                </a:srgbClr>
-              </a:gs>
-              <a:gs pos="100000">
-                <a:srgbClr val="00B0F0">
-                  <a:shade val="100000"/>
-                  <a:satMod val="115000"/>
-                </a:srgbClr>
-              </a:gs>
-            </a:gsLst>
-            <a:lin ang="2700000" scaled="1"/>
-            <a:tileRect/>
-          </a:gradFill>
-          <a:effectLst>
-            <a:glow rad="101600">
-              <a:schemeClr val="accent1">
-                <a:satMod val="175000"/>
-                <a:alpha val="40000"/>
-              </a:schemeClr>
-            </a:glow>
-          </a:effectLst>
-        </p:spPr>
-        <p:txBody>
-          <a:bodyPr wrap="square" rtlCol="0">
-            <a:spAutoFit/>
-          </a:bodyPr>
-          <a:lstStyle/>
-          <a:p>
-            <a:endParaRPr lang="pt-BR" dirty="0"/>
-          </a:p>
-        </p:txBody>
-      </p:sp>
-      <p:sp>
-        <p:nvSpPr>
-          <p:cNvPr id="39" name="CaixaDeTexto 38"/>
-          <p:cNvSpPr txBox="1"/>
-          <p:nvPr/>
-        </p:nvSpPr>
-        <p:spPr>
-          <a:xfrm>
-            <a:off x="814585" y="4073849"/>
-            <a:ext cx="4123175" cy="549143"/>
-          </a:xfrm>
-          <a:prstGeom prst="rect">
-            <a:avLst/>
-          </a:prstGeom>
-          <a:gradFill flip="none" rotWithShape="1">
-            <a:gsLst>
-              <a:gs pos="0">
-                <a:srgbClr val="00B0F0">
-                  <a:shade val="30000"/>
-                  <a:satMod val="115000"/>
-                </a:srgbClr>
-              </a:gs>
-              <a:gs pos="50000">
-                <a:srgbClr val="00B0F0">
-                  <a:shade val="67500"/>
-                  <a:satMod val="115000"/>
-                </a:srgbClr>
-              </a:gs>
-              <a:gs pos="100000">
-                <a:srgbClr val="00B0F0">
-                  <a:shade val="100000"/>
-                  <a:satMod val="115000"/>
-                </a:srgbClr>
-              </a:gs>
-            </a:gsLst>
-            <a:lin ang="2700000" scaled="1"/>
-            <a:tileRect/>
-          </a:gradFill>
-          <a:effectLst>
-            <a:glow rad="101600">
-              <a:schemeClr val="accent1">
-                <a:satMod val="175000"/>
-                <a:alpha val="40000"/>
-              </a:schemeClr>
-            </a:glow>
-          </a:effectLst>
-        </p:spPr>
-        <p:txBody>
-          <a:bodyPr wrap="square" rtlCol="0">
-            <a:spAutoFit/>
-          </a:bodyPr>
-          <a:lstStyle/>
-          <a:p>
-            <a:endParaRPr lang="pt-BR" dirty="0"/>
-          </a:p>
-        </p:txBody>
-      </p:sp>
-      <p:sp>
-        <p:nvSpPr>
-          <p:cNvPr id="40" name="CaixaDeTexto 39"/>
-          <p:cNvSpPr txBox="1"/>
-          <p:nvPr/>
-        </p:nvSpPr>
-        <p:spPr>
-          <a:xfrm>
-            <a:off x="814584" y="4822981"/>
-            <a:ext cx="4123175" cy="549143"/>
-          </a:xfrm>
-          <a:prstGeom prst="rect">
-            <a:avLst/>
-          </a:prstGeom>
-          <a:gradFill flip="none" rotWithShape="1">
-            <a:gsLst>
-              <a:gs pos="0">
-                <a:srgbClr val="00B0F0">
-                  <a:shade val="30000"/>
-                  <a:satMod val="115000"/>
-                </a:srgbClr>
-              </a:gs>
-              <a:gs pos="50000">
-                <a:srgbClr val="00B0F0">
-                  <a:shade val="67500"/>
-                  <a:satMod val="115000"/>
-                </a:srgbClr>
-              </a:gs>
-              <a:gs pos="100000">
-                <a:srgbClr val="00B0F0">
-                  <a:shade val="100000"/>
-                  <a:satMod val="115000"/>
-                </a:srgbClr>
-              </a:gs>
-            </a:gsLst>
-            <a:lin ang="2700000" scaled="1"/>
-            <a:tileRect/>
-          </a:gradFill>
-          <a:effectLst>
-            <a:glow rad="101600">
-              <a:schemeClr val="accent1">
-                <a:satMod val="175000"/>
-                <a:alpha val="40000"/>
-              </a:schemeClr>
-            </a:glow>
-          </a:effectLst>
-        </p:spPr>
-        <p:txBody>
-          <a:bodyPr wrap="square" rtlCol="0">
-            <a:spAutoFit/>
-          </a:bodyPr>
-          <a:lstStyle/>
-          <a:p>
-            <a:endParaRPr lang="pt-BR" dirty="0"/>
-          </a:p>
-        </p:txBody>
-      </p:sp>
-      <p:sp>
-        <p:nvSpPr>
-          <p:cNvPr id="46" name="CaixaDeTexto 45"/>
-          <p:cNvSpPr txBox="1"/>
-          <p:nvPr/>
-        </p:nvSpPr>
-        <p:spPr>
-          <a:xfrm>
-            <a:off x="814584" y="3349259"/>
-            <a:ext cx="4123176" cy="549143"/>
-          </a:xfrm>
-          <a:prstGeom prst="rect">
-            <a:avLst/>
-          </a:prstGeom>
-          <a:gradFill flip="none" rotWithShape="1">
-            <a:gsLst>
-              <a:gs pos="0">
-                <a:srgbClr val="00B0F0">
-                  <a:shade val="30000"/>
-                  <a:satMod val="115000"/>
-                </a:srgbClr>
-              </a:gs>
-              <a:gs pos="50000">
-                <a:srgbClr val="00B0F0">
-                  <a:shade val="67500"/>
-                  <a:satMod val="115000"/>
-                </a:srgbClr>
-              </a:gs>
-              <a:gs pos="100000">
-                <a:srgbClr val="00B0F0">
-                  <a:shade val="100000"/>
-                  <a:satMod val="115000"/>
-                </a:srgbClr>
-              </a:gs>
-            </a:gsLst>
-            <a:lin ang="2700000" scaled="1"/>
-            <a:tileRect/>
-          </a:gradFill>
-          <a:effectLst>
-            <a:glow rad="101600">
-              <a:schemeClr val="accent1">
-                <a:satMod val="175000"/>
-                <a:alpha val="40000"/>
-              </a:schemeClr>
-            </a:glow>
-          </a:effectLst>
-        </p:spPr>
-        <p:txBody>
-          <a:bodyPr wrap="square" rtlCol="0">
-            <a:spAutoFit/>
-          </a:bodyPr>
-          <a:lstStyle/>
-          <a:p>
-            <a:endParaRPr lang="pt-BR" dirty="0"/>
-          </a:p>
-        </p:txBody>
-      </p:sp>
-      <p:sp>
-        <p:nvSpPr>
-          <p:cNvPr id="33" name="LEAGUE OF LEGENDS"/>
-          <p:cNvSpPr txBox="1"/>
-          <p:nvPr/>
-        </p:nvSpPr>
-        <p:spPr>
-          <a:xfrm>
-            <a:off x="736206" y="3178869"/>
-            <a:ext cx="4488936" cy="3046988"/>
-          </a:xfrm>
-          <a:prstGeom prst="rect">
-            <a:avLst/>
-          </a:prstGeom>
-          <a:noFill/>
-          <a:effectLst>
-            <a:glow rad="101600">
-              <a:schemeClr val="accent1">
-                <a:satMod val="175000"/>
-                <a:alpha val="40000"/>
-              </a:schemeClr>
-            </a:glow>
-          </a:effectLst>
-        </p:spPr>
-        <p:txBody>
-          <a:bodyPr wrap="square" rtlCol="0">
-            <a:spAutoFit/>
-          </a:bodyPr>
-          <a:lstStyle/>
-          <a:p>
-            <a:pPr marL="685800" indent="-685800">
-              <a:buFont typeface="Arial" panose="020B0604020202020204" pitchFamily="34" charset="0"/>
-              <a:buChar char="•"/>
-            </a:pPr>
-            <a:r>
-              <a:rPr lang="pt-BR" sz="4800" dirty="0" smtClean="0">
-                <a:gradFill flip="none" rotWithShape="1">
-                  <a:gsLst>
-                    <a:gs pos="0">
-                      <a:schemeClr val="bg1">
-                        <a:shade val="30000"/>
-                        <a:satMod val="115000"/>
-                      </a:schemeClr>
-                    </a:gs>
-                    <a:gs pos="50000">
-                      <a:schemeClr val="bg1">
-                        <a:shade val="67500"/>
-                        <a:satMod val="115000"/>
-                      </a:schemeClr>
-                    </a:gs>
-                    <a:gs pos="100000">
-                      <a:schemeClr val="bg1">
-                        <a:shade val="100000"/>
-                        <a:satMod val="115000"/>
-                      </a:schemeClr>
-                    </a:gs>
-                  </a:gsLst>
-                  <a:lin ang="2700000" scaled="1"/>
-                  <a:tileRect/>
-                </a:gradFill>
-              </a:rPr>
-              <a:t>Pessoal</a:t>
-            </a:r>
-          </a:p>
-          <a:p>
-            <a:pPr marL="685800" indent="-685800">
-              <a:buFont typeface="Arial" panose="020B0604020202020204" pitchFamily="34" charset="0"/>
-              <a:buChar char="•"/>
-            </a:pPr>
-            <a:r>
-              <a:rPr lang="pt-BR" sz="4800" dirty="0" smtClean="0">
-                <a:gradFill flip="none" rotWithShape="1">
-                  <a:gsLst>
-                    <a:gs pos="0">
-                      <a:schemeClr val="bg1">
-                        <a:shade val="30000"/>
-                        <a:satMod val="115000"/>
-                      </a:schemeClr>
-                    </a:gs>
-                    <a:gs pos="50000">
-                      <a:schemeClr val="bg1">
-                        <a:shade val="67500"/>
-                        <a:satMod val="115000"/>
-                      </a:schemeClr>
-                    </a:gs>
-                    <a:gs pos="100000">
-                      <a:schemeClr val="bg1">
-                        <a:shade val="100000"/>
-                        <a:satMod val="115000"/>
-                      </a:schemeClr>
-                    </a:gs>
-                  </a:gsLst>
-                  <a:lin ang="2700000" scaled="1"/>
-                  <a:tileRect/>
-                </a:gradFill>
-              </a:rPr>
-              <a:t>Diversão</a:t>
-            </a:r>
-          </a:p>
-          <a:p>
-            <a:pPr marL="685800" indent="-685800">
-              <a:buFont typeface="Arial" panose="020B0604020202020204" pitchFamily="34" charset="0"/>
-              <a:buChar char="•"/>
-            </a:pPr>
-            <a:r>
-              <a:rPr lang="pt-BR" sz="4800" dirty="0" smtClean="0">
-                <a:gradFill flip="none" rotWithShape="1">
-                  <a:gsLst>
-                    <a:gs pos="0">
-                      <a:schemeClr val="bg1">
-                        <a:shade val="30000"/>
-                        <a:satMod val="115000"/>
-                      </a:schemeClr>
-                    </a:gs>
-                    <a:gs pos="50000">
-                      <a:schemeClr val="bg1">
-                        <a:shade val="67500"/>
-                        <a:satMod val="115000"/>
-                      </a:schemeClr>
-                    </a:gs>
-                    <a:gs pos="100000">
-                      <a:schemeClr val="bg1">
-                        <a:shade val="100000"/>
-                        <a:satMod val="115000"/>
-                      </a:schemeClr>
-                    </a:gs>
-                  </a:gsLst>
-                  <a:lin ang="2700000" scaled="1"/>
-                  <a:tileRect/>
-                </a:gradFill>
-              </a:rPr>
-              <a:t>Foco (TDAH)</a:t>
-            </a:r>
-          </a:p>
-          <a:p>
-            <a:pPr marL="685800" indent="-685800">
-              <a:buFont typeface="Arial" panose="020B0604020202020204" pitchFamily="34" charset="0"/>
-              <a:buChar char="•"/>
-            </a:pPr>
-            <a:r>
-              <a:rPr lang="pt-BR" sz="4800" dirty="0" smtClean="0">
-                <a:gradFill flip="none" rotWithShape="1">
-                  <a:gsLst>
-                    <a:gs pos="0">
-                      <a:schemeClr val="bg1">
-                        <a:shade val="30000"/>
-                        <a:satMod val="115000"/>
-                      </a:schemeClr>
-                    </a:gs>
-                    <a:gs pos="50000">
-                      <a:schemeClr val="bg1">
-                        <a:shade val="67500"/>
-                        <a:satMod val="115000"/>
-                      </a:schemeClr>
-                    </a:gs>
-                    <a:gs pos="100000">
-                      <a:schemeClr val="bg1">
-                        <a:shade val="100000"/>
-                        <a:satMod val="115000"/>
-                      </a:schemeClr>
-                    </a:gs>
-                  </a:gsLst>
-                  <a:lin ang="2700000" scaled="1"/>
-                  <a:tileRect/>
-                </a:gradFill>
-              </a:rPr>
-              <a:t>Comunicação</a:t>
-            </a:r>
-            <a:endParaRPr lang="pt-BR" sz="4800" dirty="0">
-              <a:gradFill flip="none" rotWithShape="1">
-                <a:gsLst>
-                  <a:gs pos="0">
-                    <a:schemeClr val="bg1">
-                      <a:shade val="30000"/>
-                      <a:satMod val="115000"/>
-                    </a:schemeClr>
-                  </a:gs>
-                  <a:gs pos="50000">
-                    <a:schemeClr val="bg1">
-                      <a:shade val="67500"/>
-                      <a:satMod val="115000"/>
-                    </a:schemeClr>
-                  </a:gs>
-                  <a:gs pos="100000">
-                    <a:schemeClr val="bg1">
-                      <a:shade val="100000"/>
-                      <a:satMod val="115000"/>
-                    </a:schemeClr>
-                  </a:gs>
-                </a:gsLst>
-                <a:lin ang="2700000" scaled="1"/>
-                <a:tileRect/>
-              </a:gradFill>
-            </a:endParaRPr>
-          </a:p>
-        </p:txBody>
-      </p:sp>
       <p:sp>
         <p:nvSpPr>
           <p:cNvPr id="8" name="Retângulo"/>
@@ -11881,41 +14337,6 @@
                                       </p:childTnLst>
                                     </p:cTn>
                                   </p:par>
-                                  <p:par>
-                                    <p:cTn id="16" presetID="22" presetClass="entr" presetSubtype="8" fill="hold" grpId="0" nodeType="withEffect">
-                                      <p:stCondLst>
-                                        <p:cond delay="700"/>
-                                      </p:stCondLst>
-                                      <p:childTnLst>
-                                        <p:set>
-                                          <p:cBhvr>
-                                            <p:cTn id="17" dur="1" fill="hold">
-                                              <p:stCondLst>
-                                                <p:cond delay="0"/>
-                                              </p:stCondLst>
-                                            </p:cTn>
-                                            <p:tgtEl>
-                                              <p:spTgt spid="33"/>
-                                            </p:tgtEl>
-                                            <p:attrNameLst>
-                                              <p:attrName>style.visibility</p:attrName>
-                                            </p:attrNameLst>
-                                          </p:cBhvr>
-                                          <p:to>
-                                            <p:strVal val="visible"/>
-                                          </p:to>
-                                        </p:set>
-                                        <p:animEffect transition="in" filter="wipe(left)">
-                                          <p:cBhvr>
-                                            <p:cTn id="18" dur="500"/>
-                                            <p:tgtEl>
-                                              <p:spTgt spid="33"/>
-                                            </p:tgtEl>
-                                          </p:cBhvr>
-                                        </p:animEffect>
-                                      </p:childTnLst>
-                                    </p:cTn>
-                                  </p:par>
                                 </p:childTnLst>
                               </p:cTn>
                             </p:par>
@@ -11944,7 +14365,6 @@
           </p:par>
         </p:tnLst>
         <p:bldLst>
-          <p:bldP spid="33" grpId="0"/>
           <p:bldP spid="8" grpId="0" animBg="1"/>
           <p:bldP spid="9" grpId="0"/>
         </p:bldLst>
@@ -12155,41 +14575,6 @@
                                       </p:childTnLst>
                                     </p:cTn>
                                   </p:par>
-                                  <p:par>
-                                    <p:cTn id="16" presetID="22" presetClass="entr" presetSubtype="8" fill="hold" grpId="0" nodeType="withEffect">
-                                      <p:stCondLst>
-                                        <p:cond delay="700"/>
-                                      </p:stCondLst>
-                                      <p:childTnLst>
-                                        <p:set>
-                                          <p:cBhvr>
-                                            <p:cTn id="17" dur="1" fill="hold">
-                                              <p:stCondLst>
-                                                <p:cond delay="0"/>
-                                              </p:stCondLst>
-                                            </p:cTn>
-                                            <p:tgtEl>
-                                              <p:spTgt spid="33"/>
-                                            </p:tgtEl>
-                                            <p:attrNameLst>
-                                              <p:attrName>style.visibility</p:attrName>
-                                            </p:attrNameLst>
-                                          </p:cBhvr>
-                                          <p:to>
-                                            <p:strVal val="visible"/>
-                                          </p:to>
-                                        </p:set>
-                                        <p:animEffect transition="in" filter="wipe(left)">
-                                          <p:cBhvr>
-                                            <p:cTn id="18" dur="500"/>
-                                            <p:tgtEl>
-                                              <p:spTgt spid="33"/>
-                                            </p:tgtEl>
-                                          </p:cBhvr>
-                                        </p:animEffect>
-                                      </p:childTnLst>
-                                    </p:cTn>
-                                  </p:par>
                                 </p:childTnLst>
                               </p:cTn>
                             </p:par>
@@ -12218,7 +14603,6 @@
           </p:par>
         </p:tnLst>
         <p:bldLst>
-          <p:bldP spid="33" grpId="0"/>
           <p:bldP spid="8" grpId="0" animBg="1"/>
           <p:bldP spid="9" grpId="0"/>
         </p:bldLst>
@@ -12228,7 +14612,7 @@
 </p:sld>
 </file>
 
-<file path=ppt/slides/slide8.xml><?xml version="1.0" encoding="utf-8"?>
+<file path=ppt/slides/slide9.xml><?xml version="1.0" encoding="utf-8"?>
 <p:sld xmlns:a="http://schemas.openxmlformats.org/drawingml/2006/main" xmlns:r="http://schemas.openxmlformats.org/officeDocument/2006/relationships" xmlns:p="http://schemas.openxmlformats.org/presentationml/2006/main">
   <p:cSld>
     <p:bg>
@@ -12259,431 +14643,30 @@
           <a:chExt cx="0" cy="0"/>
         </a:xfrm>
       </p:grpSpPr>
-      <p:sp>
-        <p:nvSpPr>
-          <p:cNvPr id="34" name="CaixaDeTexto 33"/>
-          <p:cNvSpPr txBox="1"/>
+      <p:pic>
+        <p:nvPicPr>
+          <p:cNvPr id="2" name="Imagem 1"/>
+          <p:cNvPicPr>
+            <a:picLocks noChangeAspect="1"/>
+          </p:cNvPicPr>
           <p:nvPr/>
-        </p:nvSpPr>
+        </p:nvPicPr>
+        <p:blipFill>
+          <a:blip r:embed="rId3"/>
+          <a:stretch>
+            <a:fillRect/>
+          </a:stretch>
+        </p:blipFill>
         <p:spPr>
           <a:xfrm>
-            <a:off x="814584" y="5572113"/>
-            <a:ext cx="4123175" cy="549143"/>
+            <a:off x="251458" y="2593775"/>
+            <a:ext cx="6832261" cy="3807025"/>
           </a:xfrm>
           <a:prstGeom prst="rect">
             <a:avLst/>
           </a:prstGeom>
-          <a:gradFill flip="none" rotWithShape="1">
-            <a:gsLst>
-              <a:gs pos="0">
-                <a:srgbClr val="00B0F0">
-                  <a:shade val="30000"/>
-                  <a:satMod val="115000"/>
-                </a:srgbClr>
-              </a:gs>
-              <a:gs pos="50000">
-                <a:srgbClr val="00B0F0">
-                  <a:shade val="67500"/>
-                  <a:satMod val="115000"/>
-                </a:srgbClr>
-              </a:gs>
-              <a:gs pos="100000">
-                <a:srgbClr val="00B0F0">
-                  <a:shade val="100000"/>
-                  <a:satMod val="115000"/>
-                </a:srgbClr>
-              </a:gs>
-            </a:gsLst>
-            <a:lin ang="2700000" scaled="1"/>
-            <a:tileRect/>
-          </a:gradFill>
-          <a:effectLst>
-            <a:glow rad="101600">
-              <a:schemeClr val="accent1">
-                <a:satMod val="175000"/>
-                <a:alpha val="40000"/>
-              </a:schemeClr>
-            </a:glow>
-          </a:effectLst>
         </p:spPr>
-        <p:txBody>
-          <a:bodyPr wrap="square" rtlCol="0">
-            <a:spAutoFit/>
-          </a:bodyPr>
-          <a:lstStyle/>
-          <a:p>
-            <a:endParaRPr lang="pt-BR" dirty="0"/>
-          </a:p>
-        </p:txBody>
-      </p:sp>
-      <p:sp>
-        <p:nvSpPr>
-          <p:cNvPr id="39" name="CaixaDeTexto 38"/>
-          <p:cNvSpPr txBox="1"/>
-          <p:nvPr/>
-        </p:nvSpPr>
-        <p:spPr>
-          <a:xfrm>
-            <a:off x="814585" y="4073849"/>
-            <a:ext cx="4123175" cy="549143"/>
-          </a:xfrm>
-          <a:prstGeom prst="rect">
-            <a:avLst/>
-          </a:prstGeom>
-          <a:gradFill flip="none" rotWithShape="1">
-            <a:gsLst>
-              <a:gs pos="0">
-                <a:srgbClr val="00B0F0">
-                  <a:shade val="30000"/>
-                  <a:satMod val="115000"/>
-                </a:srgbClr>
-              </a:gs>
-              <a:gs pos="50000">
-                <a:srgbClr val="00B0F0">
-                  <a:shade val="67500"/>
-                  <a:satMod val="115000"/>
-                </a:srgbClr>
-              </a:gs>
-              <a:gs pos="100000">
-                <a:srgbClr val="00B0F0">
-                  <a:shade val="100000"/>
-                  <a:satMod val="115000"/>
-                </a:srgbClr>
-              </a:gs>
-            </a:gsLst>
-            <a:lin ang="2700000" scaled="1"/>
-            <a:tileRect/>
-          </a:gradFill>
-          <a:effectLst>
-            <a:glow rad="101600">
-              <a:schemeClr val="accent1">
-                <a:satMod val="175000"/>
-                <a:alpha val="40000"/>
-              </a:schemeClr>
-            </a:glow>
-          </a:effectLst>
-        </p:spPr>
-        <p:txBody>
-          <a:bodyPr wrap="square" rtlCol="0">
-            <a:spAutoFit/>
-          </a:bodyPr>
-          <a:lstStyle/>
-          <a:p>
-            <a:endParaRPr lang="pt-BR" dirty="0"/>
-          </a:p>
-        </p:txBody>
-      </p:sp>
-      <p:sp>
-        <p:nvSpPr>
-          <p:cNvPr id="40" name="CaixaDeTexto 39"/>
-          <p:cNvSpPr txBox="1"/>
-          <p:nvPr/>
-        </p:nvSpPr>
-        <p:spPr>
-          <a:xfrm>
-            <a:off x="814584" y="4822981"/>
-            <a:ext cx="4123175" cy="549143"/>
-          </a:xfrm>
-          <a:prstGeom prst="rect">
-            <a:avLst/>
-          </a:prstGeom>
-          <a:gradFill flip="none" rotWithShape="1">
-            <a:gsLst>
-              <a:gs pos="0">
-                <a:srgbClr val="00B0F0">
-                  <a:shade val="30000"/>
-                  <a:satMod val="115000"/>
-                </a:srgbClr>
-              </a:gs>
-              <a:gs pos="50000">
-                <a:srgbClr val="00B0F0">
-                  <a:shade val="67500"/>
-                  <a:satMod val="115000"/>
-                </a:srgbClr>
-              </a:gs>
-              <a:gs pos="100000">
-                <a:srgbClr val="00B0F0">
-                  <a:shade val="100000"/>
-                  <a:satMod val="115000"/>
-                </a:srgbClr>
-              </a:gs>
-            </a:gsLst>
-            <a:lin ang="2700000" scaled="1"/>
-            <a:tileRect/>
-          </a:gradFill>
-          <a:effectLst>
-            <a:glow rad="101600">
-              <a:schemeClr val="accent1">
-                <a:satMod val="175000"/>
-                <a:alpha val="40000"/>
-              </a:schemeClr>
-            </a:glow>
-          </a:effectLst>
-        </p:spPr>
-        <p:txBody>
-          <a:bodyPr wrap="square" rtlCol="0">
-            <a:spAutoFit/>
-          </a:bodyPr>
-          <a:lstStyle/>
-          <a:p>
-            <a:endParaRPr lang="pt-BR" dirty="0"/>
-          </a:p>
-        </p:txBody>
-      </p:sp>
-      <p:sp>
-        <p:nvSpPr>
-          <p:cNvPr id="46" name="CaixaDeTexto 45"/>
-          <p:cNvSpPr txBox="1"/>
-          <p:nvPr/>
-        </p:nvSpPr>
-        <p:spPr>
-          <a:xfrm>
-            <a:off x="814584" y="3349259"/>
-            <a:ext cx="4123176" cy="549143"/>
-          </a:xfrm>
-          <a:prstGeom prst="rect">
-            <a:avLst/>
-          </a:prstGeom>
-          <a:gradFill flip="none" rotWithShape="1">
-            <a:gsLst>
-              <a:gs pos="0">
-                <a:srgbClr val="00B0F0">
-                  <a:shade val="30000"/>
-                  <a:satMod val="115000"/>
-                </a:srgbClr>
-              </a:gs>
-              <a:gs pos="50000">
-                <a:srgbClr val="00B0F0">
-                  <a:shade val="67500"/>
-                  <a:satMod val="115000"/>
-                </a:srgbClr>
-              </a:gs>
-              <a:gs pos="100000">
-                <a:srgbClr val="00B0F0">
-                  <a:shade val="100000"/>
-                  <a:satMod val="115000"/>
-                </a:srgbClr>
-              </a:gs>
-            </a:gsLst>
-            <a:lin ang="2700000" scaled="1"/>
-            <a:tileRect/>
-          </a:gradFill>
-          <a:effectLst>
-            <a:glow rad="101600">
-              <a:schemeClr val="accent1">
-                <a:satMod val="175000"/>
-                <a:alpha val="40000"/>
-              </a:schemeClr>
-            </a:glow>
-          </a:effectLst>
-        </p:spPr>
-        <p:txBody>
-          <a:bodyPr wrap="square" rtlCol="0">
-            <a:spAutoFit/>
-          </a:bodyPr>
-          <a:lstStyle/>
-          <a:p>
-            <a:endParaRPr lang="pt-BR" dirty="0"/>
-          </a:p>
-        </p:txBody>
-      </p:sp>
-      <p:sp>
-        <p:nvSpPr>
-          <p:cNvPr id="33" name="LEAGUE OF LEGENDS"/>
-          <p:cNvSpPr txBox="1"/>
-          <p:nvPr/>
-        </p:nvSpPr>
-        <p:spPr>
-          <a:xfrm>
-            <a:off x="736206" y="3178869"/>
-            <a:ext cx="4488936" cy="3046988"/>
-          </a:xfrm>
-          <a:prstGeom prst="rect">
-            <a:avLst/>
-          </a:prstGeom>
-          <a:noFill/>
-          <a:effectLst>
-            <a:glow rad="101600">
-              <a:schemeClr val="accent1">
-                <a:satMod val="175000"/>
-                <a:alpha val="40000"/>
-              </a:schemeClr>
-            </a:glow>
-          </a:effectLst>
-        </p:spPr>
-        <p:txBody>
-          <a:bodyPr wrap="square" rtlCol="0">
-            <a:spAutoFit/>
-          </a:bodyPr>
-          <a:lstStyle/>
-          <a:p>
-            <a:pPr marL="685800" indent="-685800">
-              <a:buFont typeface="Arial" panose="020B0604020202020204" pitchFamily="34" charset="0"/>
-              <a:buChar char="•"/>
-            </a:pPr>
-            <a:r>
-              <a:rPr lang="pt-BR" sz="4800" dirty="0" smtClean="0">
-                <a:gradFill flip="none" rotWithShape="1">
-                  <a:gsLst>
-                    <a:gs pos="0">
-                      <a:schemeClr val="bg1">
-                        <a:shade val="30000"/>
-                        <a:satMod val="115000"/>
-                      </a:schemeClr>
-                    </a:gs>
-                    <a:gs pos="50000">
-                      <a:schemeClr val="bg1">
-                        <a:shade val="67500"/>
-                        <a:satMod val="115000"/>
-                      </a:schemeClr>
-                    </a:gs>
-                    <a:gs pos="100000">
-                      <a:schemeClr val="bg1">
-                        <a:shade val="100000"/>
-                        <a:satMod val="115000"/>
-                      </a:schemeClr>
-                    </a:gs>
-                  </a:gsLst>
-                  <a:lin ang="2700000" scaled="1"/>
-                  <a:tileRect/>
-                </a:gradFill>
-              </a:rPr>
-              <a:t>Pessoal</a:t>
-            </a:r>
-          </a:p>
-          <a:p>
-            <a:pPr marL="685800" indent="-685800">
-              <a:buFont typeface="Arial" panose="020B0604020202020204" pitchFamily="34" charset="0"/>
-              <a:buChar char="•"/>
-            </a:pPr>
-            <a:r>
-              <a:rPr lang="pt-BR" sz="4800" dirty="0" smtClean="0">
-                <a:gradFill flip="none" rotWithShape="1">
-                  <a:gsLst>
-                    <a:gs pos="0">
-                      <a:schemeClr val="bg1">
-                        <a:shade val="30000"/>
-                        <a:satMod val="115000"/>
-                      </a:schemeClr>
-                    </a:gs>
-                    <a:gs pos="50000">
-                      <a:schemeClr val="bg1">
-                        <a:shade val="67500"/>
-                        <a:satMod val="115000"/>
-                      </a:schemeClr>
-                    </a:gs>
-                    <a:gs pos="100000">
-                      <a:schemeClr val="bg1">
-                        <a:shade val="100000"/>
-                        <a:satMod val="115000"/>
-                      </a:schemeClr>
-                    </a:gs>
-                  </a:gsLst>
-                  <a:lin ang="2700000" scaled="1"/>
-                  <a:tileRect/>
-                </a:gradFill>
-              </a:rPr>
-              <a:t>Diversão</a:t>
-            </a:r>
-          </a:p>
-          <a:p>
-            <a:pPr marL="685800" indent="-685800">
-              <a:buFont typeface="Arial" panose="020B0604020202020204" pitchFamily="34" charset="0"/>
-              <a:buChar char="•"/>
-            </a:pPr>
-            <a:r>
-              <a:rPr lang="pt-BR" sz="4800" dirty="0" smtClean="0">
-                <a:gradFill flip="none" rotWithShape="1">
-                  <a:gsLst>
-                    <a:gs pos="0">
-                      <a:schemeClr val="bg1">
-                        <a:shade val="30000"/>
-                        <a:satMod val="115000"/>
-                      </a:schemeClr>
-                    </a:gs>
-                    <a:gs pos="50000">
-                      <a:schemeClr val="bg1">
-                        <a:shade val="67500"/>
-                        <a:satMod val="115000"/>
-                      </a:schemeClr>
-                    </a:gs>
-                    <a:gs pos="100000">
-                      <a:schemeClr val="bg1">
-                        <a:shade val="100000"/>
-                        <a:satMod val="115000"/>
-                      </a:schemeClr>
-                    </a:gs>
-                  </a:gsLst>
-                  <a:lin ang="2700000" scaled="1"/>
-                  <a:tileRect/>
-                </a:gradFill>
-              </a:rPr>
-              <a:t>Foco (TDAH)</a:t>
-            </a:r>
-          </a:p>
-          <a:p>
-            <a:pPr marL="685800" indent="-685800">
-              <a:buFont typeface="Arial" panose="020B0604020202020204" pitchFamily="34" charset="0"/>
-              <a:buChar char="•"/>
-            </a:pPr>
-            <a:r>
-              <a:rPr lang="pt-BR" sz="4800" dirty="0" smtClean="0">
-                <a:gradFill flip="none" rotWithShape="1">
-                  <a:gsLst>
-                    <a:gs pos="0">
-                      <a:schemeClr val="bg1">
-                        <a:shade val="30000"/>
-                        <a:satMod val="115000"/>
-                      </a:schemeClr>
-                    </a:gs>
-                    <a:gs pos="50000">
-                      <a:schemeClr val="bg1">
-                        <a:shade val="67500"/>
-                        <a:satMod val="115000"/>
-                      </a:schemeClr>
-                    </a:gs>
-                    <a:gs pos="100000">
-                      <a:schemeClr val="bg1">
-                        <a:shade val="100000"/>
-                        <a:satMod val="115000"/>
-                      </a:schemeClr>
-                    </a:gs>
-                  </a:gsLst>
-                  <a:lin ang="2700000" scaled="1"/>
-                  <a:tileRect/>
-                </a:gradFill>
-              </a:rPr>
-              <a:t>Comunicação</a:t>
-            </a:r>
-            <a:endParaRPr lang="pt-BR" sz="4800" dirty="0">
-              <a:gradFill flip="none" rotWithShape="1">
-                <a:gsLst>
-                  <a:gs pos="0">
-                    <a:schemeClr val="bg1">
-                      <a:shade val="30000"/>
-                      <a:satMod val="115000"/>
-                    </a:schemeClr>
-                  </a:gs>
-                  <a:gs pos="50000">
-                    <a:schemeClr val="bg1">
-                      <a:shade val="67500"/>
-                      <a:satMod val="115000"/>
-                    </a:schemeClr>
-                  </a:gs>
-                  <a:gs pos="100000">
-                    <a:schemeClr val="bg1">
-                      <a:shade val="100000"/>
-                      <a:satMod val="115000"/>
-                    </a:schemeClr>
-                  </a:gs>
-                </a:gsLst>
-                <a:lin ang="2700000" scaled="1"/>
-                <a:tileRect/>
-              </a:gradFill>
-            </a:endParaRPr>
-          </a:p>
-        </p:txBody>
-      </p:sp>
+      </p:pic>
       <p:sp>
         <p:nvSpPr>
           <p:cNvPr id="8" name="Retângulo"/>
@@ -12750,8 +14733,8 @@
         </p:nvSpPr>
         <p:spPr>
           <a:xfrm>
-            <a:off x="3052689" y="603501"/>
-            <a:ext cx="8689078" cy="830997"/>
+            <a:off x="3208572" y="603501"/>
+            <a:ext cx="7750294" cy="1569660"/>
           </a:xfrm>
           <a:prstGeom prst="rect">
             <a:avLst/>
@@ -12770,7 +14753,7 @@
                   <a:schemeClr val="bg1"/>
                 </a:solidFill>
               </a:rPr>
-              <a:t>PLANEJAMENTO</a:t>
+              <a:t>PLANEJAMENTOS DO PROJETO</a:t>
             </a:r>
             <a:endParaRPr lang="pt-BR" sz="4800" dirty="0">
               <a:solidFill>
@@ -12782,28 +14765,22 @@
       </p:sp>
       <p:pic>
         <p:nvPicPr>
-          <p:cNvPr id="7" name="Thresh"/>
+          <p:cNvPr id="3" name="Imagem 2"/>
           <p:cNvPicPr>
             <a:picLocks noChangeAspect="1"/>
           </p:cNvPicPr>
           <p:nvPr/>
         </p:nvPicPr>
         <p:blipFill>
-          <a:blip r:embed="rId3">
-            <a:extLst>
-              <a:ext uri="{28A0092B-C50C-407E-A947-70E740481C1C}">
-                <a14:useLocalDpi xmlns:a14="http://schemas.microsoft.com/office/drawing/2010/main" val="0"/>
-              </a:ext>
-            </a:extLst>
-          </a:blip>
+          <a:blip r:embed="rId4"/>
           <a:stretch>
             <a:fillRect/>
           </a:stretch>
         </p:blipFill>
         <p:spPr>
           <a:xfrm>
-            <a:off x="5361468" y="1083213"/>
-            <a:ext cx="6380299" cy="6116432"/>
+            <a:off x="7214348" y="3273317"/>
+            <a:ext cx="4783119" cy="2631096"/>
           </a:xfrm>
           <a:prstGeom prst="rect">
             <a:avLst/>
@@ -12846,9 +14823,9 @@
                                 </p:stCondLst>
                                 <p:childTnLst>
                                   <p:par>
-                                    <p:cTn id="5" presetID="2" presetClass="entr" presetSubtype="4" fill="hold" nodeType="afterEffect">
+                                    <p:cTn id="5" presetID="2" presetClass="entr" presetSubtype="2" fill="hold" grpId="0" nodeType="withEffect" p14:presetBounceEnd="30000">
                                       <p:stCondLst>
-                                        <p:cond delay="0"/>
+                                        <p:cond delay="300"/>
                                       </p:stCondLst>
                                       <p:childTnLst>
                                         <p:set>
@@ -12859,7 +14836,7 @@
                                               </p:stCondLst>
                                             </p:cTn>
                                             <p:tgtEl>
-                                              <p:spTgt spid="7"/>
+                                              <p:spTgt spid="8"/>
                                             </p:tgtEl>
                                             <p:attrNameLst>
                                               <p:attrName>style.visibility</p:attrName>
@@ -12869,11 +14846,11 @@
                                             <p:strVal val="visible"/>
                                           </p:to>
                                         </p:set>
-                                        <p:anim calcmode="lin" valueType="num">
+                                        <p:anim calcmode="lin" valueType="num" p14:bounceEnd="30000">
                                           <p:cBhvr additive="base">
                                             <p:cTn id="7" dur="500" fill="hold"/>
                                             <p:tgtEl>
-                                              <p:spTgt spid="7"/>
+                                              <p:spTgt spid="8"/>
                                             </p:tgtEl>
                                             <p:attrNameLst>
                                               <p:attrName>ppt_x</p:attrName>
@@ -12882,7 +14859,7 @@
                                           <p:tavLst>
                                             <p:tav tm="0">
                                               <p:val>
-                                                <p:strVal val="#ppt_x"/>
+                                                <p:strVal val="1+#ppt_w/2"/>
                                               </p:val>
                                             </p:tav>
                                             <p:tav tm="100000">
@@ -12892,11 +14869,11 @@
                                             </p:tav>
                                           </p:tavLst>
                                         </p:anim>
-                                        <p:anim calcmode="lin" valueType="num">
+                                        <p:anim calcmode="lin" valueType="num" p14:bounceEnd="30000">
                                           <p:cBhvr additive="base">
                                             <p:cTn id="8" dur="500" fill="hold"/>
                                             <p:tgtEl>
-                                              <p:spTgt spid="7"/>
+                                              <p:spTgt spid="8"/>
                                             </p:tgtEl>
                                             <p:attrNameLst>
                                               <p:attrName>ppt_y</p:attrName>
@@ -12905,7 +14882,7 @@
                                           <p:tavLst>
                                             <p:tav tm="0">
                                               <p:val>
-                                                <p:strVal val="1+#ppt_h/2"/>
+                                                <p:strVal val="#ppt_y"/>
                                               </p:val>
                                             </p:tav>
                                             <p:tav tm="100000">
@@ -12919,9 +14896,9 @@
                                     </p:cTn>
                                   </p:par>
                                   <p:par>
-                                    <p:cTn id="9" presetID="2" presetClass="entr" presetSubtype="2" fill="hold" grpId="0" nodeType="withEffect" p14:presetBounceEnd="30000">
+                                    <p:cTn id="9" presetID="22" presetClass="entr" presetSubtype="8" fill="hold" grpId="0" nodeType="withEffect">
                                       <p:stCondLst>
-                                        <p:cond delay="300"/>
+                                        <p:cond delay="700"/>
                                       </p:stCondLst>
                                       <p:childTnLst>
                                         <p:set>
@@ -12932,79 +14909,6 @@
                                               </p:stCondLst>
                                             </p:cTn>
                                             <p:tgtEl>
-                                              <p:spTgt spid="8"/>
-                                            </p:tgtEl>
-                                            <p:attrNameLst>
-                                              <p:attrName>style.visibility</p:attrName>
-                                            </p:attrNameLst>
-                                          </p:cBhvr>
-                                          <p:to>
-                                            <p:strVal val="visible"/>
-                                          </p:to>
-                                        </p:set>
-                                        <p:anim calcmode="lin" valueType="num" p14:bounceEnd="30000">
-                                          <p:cBhvr additive="base">
-                                            <p:cTn id="11" dur="500" fill="hold"/>
-                                            <p:tgtEl>
-                                              <p:spTgt spid="8"/>
-                                            </p:tgtEl>
-                                            <p:attrNameLst>
-                                              <p:attrName>ppt_x</p:attrName>
-                                            </p:attrNameLst>
-                                          </p:cBhvr>
-                                          <p:tavLst>
-                                            <p:tav tm="0">
-                                              <p:val>
-                                                <p:strVal val="1+#ppt_w/2"/>
-                                              </p:val>
-                                            </p:tav>
-                                            <p:tav tm="100000">
-                                              <p:val>
-                                                <p:strVal val="#ppt_x"/>
-                                              </p:val>
-                                            </p:tav>
-                                          </p:tavLst>
-                                        </p:anim>
-                                        <p:anim calcmode="lin" valueType="num" p14:bounceEnd="30000">
-                                          <p:cBhvr additive="base">
-                                            <p:cTn id="12" dur="500" fill="hold"/>
-                                            <p:tgtEl>
-                                              <p:spTgt spid="8"/>
-                                            </p:tgtEl>
-                                            <p:attrNameLst>
-                                              <p:attrName>ppt_y</p:attrName>
-                                            </p:attrNameLst>
-                                          </p:cBhvr>
-                                          <p:tavLst>
-                                            <p:tav tm="0">
-                                              <p:val>
-                                                <p:strVal val="#ppt_y"/>
-                                              </p:val>
-                                            </p:tav>
-                                            <p:tav tm="100000">
-                                              <p:val>
-                                                <p:strVal val="#ppt_y"/>
-                                              </p:val>
-                                            </p:tav>
-                                          </p:tavLst>
-                                        </p:anim>
-                                      </p:childTnLst>
-                                    </p:cTn>
-                                  </p:par>
-                                  <p:par>
-                                    <p:cTn id="13" presetID="22" presetClass="entr" presetSubtype="8" fill="hold" grpId="0" nodeType="withEffect">
-                                      <p:stCondLst>
-                                        <p:cond delay="700"/>
-                                      </p:stCondLst>
-                                      <p:childTnLst>
-                                        <p:set>
-                                          <p:cBhvr>
-                                            <p:cTn id="14" dur="1" fill="hold">
-                                              <p:stCondLst>
-                                                <p:cond delay="0"/>
-                                              </p:stCondLst>
-                                            </p:cTn>
-                                            <p:tgtEl>
                                               <p:spTgt spid="9"/>
                                             </p:tgtEl>
                                             <p:attrNameLst>
@@ -13017,44 +14921,9 @@
                                         </p:set>
                                         <p:animEffect transition="in" filter="wipe(left)">
                                           <p:cBhvr>
-                                            <p:cTn id="15" dur="500"/>
+                                            <p:cTn id="11" dur="500"/>
                                             <p:tgtEl>
                                               <p:spTgt spid="9"/>
-                                            </p:tgtEl>
-                                          </p:cBhvr>
-                                        </p:animEffect>
-                                      </p:childTnLst>
-                                    </p:cTn>
-                                  </p:par>
-                                  <p:par>
-                                    <p:cTn id="16" presetID="22" presetClass="entr" presetSubtype="8" fill="hold" grpId="0" nodeType="withEffect">
-                                      <p:stCondLst>
-                                        <p:cond delay="700"/>
-                                      </p:stCondLst>
-                                      <p:childTnLst>
-                                        <p:set>
-                                          <p:cBhvr>
-                                            <p:cTn id="17" dur="1" fill="hold">
-                                              <p:stCondLst>
-                                                <p:cond delay="0"/>
-                                              </p:stCondLst>
-                                            </p:cTn>
-                                            <p:tgtEl>
-                                              <p:spTgt spid="33"/>
-                                            </p:tgtEl>
-                                            <p:attrNameLst>
-                                              <p:attrName>style.visibility</p:attrName>
-                                            </p:attrNameLst>
-                                          </p:cBhvr>
-                                          <p:to>
-                                            <p:strVal val="visible"/>
-                                          </p:to>
-                                        </p:set>
-                                        <p:animEffect transition="in" filter="wipe(left)">
-                                          <p:cBhvr>
-                                            <p:cTn id="18" dur="500"/>
-                                            <p:tgtEl>
-                                              <p:spTgt spid="33"/>
                                             </p:tgtEl>
                                           </p:cBhvr>
                                         </p:animEffect>
@@ -13089,7 +14958,6 @@
           </p:par>
         </p:tnLst>
         <p:bldLst>
-          <p:bldP spid="33" grpId="0"/>
           <p:bldP spid="8" grpId="0" animBg="1"/>
           <p:bldP spid="9" grpId="0"/>
         </p:bldLst>
@@ -13120,9 +14988,9 @@
                                 </p:stCondLst>
                                 <p:childTnLst>
                                   <p:par>
-                                    <p:cTn id="5" presetID="2" presetClass="entr" presetSubtype="4" fill="hold" nodeType="afterEffect">
+                                    <p:cTn id="5" presetID="2" presetClass="entr" presetSubtype="2" fill="hold" grpId="0" nodeType="withEffect">
                                       <p:stCondLst>
-                                        <p:cond delay="0"/>
+                                        <p:cond delay="300"/>
                                       </p:stCondLst>
                                       <p:childTnLst>
                                         <p:set>
@@ -13133,7 +15001,7 @@
                                               </p:stCondLst>
                                             </p:cTn>
                                             <p:tgtEl>
-                                              <p:spTgt spid="7"/>
+                                              <p:spTgt spid="8"/>
                                             </p:tgtEl>
                                             <p:attrNameLst>
                                               <p:attrName>style.visibility</p:attrName>
@@ -13147,7 +15015,7 @@
                                           <p:cBhvr additive="base">
                                             <p:cTn id="7" dur="500" fill="hold"/>
                                             <p:tgtEl>
-                                              <p:spTgt spid="7"/>
+                                              <p:spTgt spid="8"/>
                                             </p:tgtEl>
                                             <p:attrNameLst>
                                               <p:attrName>ppt_x</p:attrName>
@@ -13156,7 +15024,7 @@
                                           <p:tavLst>
                                             <p:tav tm="0">
                                               <p:val>
-                                                <p:strVal val="#ppt_x"/>
+                                                <p:strVal val="1+#ppt_w/2"/>
                                               </p:val>
                                             </p:tav>
                                             <p:tav tm="100000">
@@ -13170,7 +15038,7 @@
                                           <p:cBhvr additive="base">
                                             <p:cTn id="8" dur="500" fill="hold"/>
                                             <p:tgtEl>
-                                              <p:spTgt spid="7"/>
+                                              <p:spTgt spid="8"/>
                                             </p:tgtEl>
                                             <p:attrNameLst>
                                               <p:attrName>ppt_y</p:attrName>
@@ -13179,7 +15047,7 @@
                                           <p:tavLst>
                                             <p:tav tm="0">
                                               <p:val>
-                                                <p:strVal val="1+#ppt_h/2"/>
+                                                <p:strVal val="#ppt_y"/>
                                               </p:val>
                                             </p:tav>
                                             <p:tav tm="100000">
@@ -13193,9 +15061,9 @@
                                     </p:cTn>
                                   </p:par>
                                   <p:par>
-                                    <p:cTn id="9" presetID="2" presetClass="entr" presetSubtype="2" fill="hold" grpId="0" nodeType="withEffect">
+                                    <p:cTn id="9" presetID="22" presetClass="entr" presetSubtype="8" fill="hold" grpId="0" nodeType="withEffect">
                                       <p:stCondLst>
-                                        <p:cond delay="300"/>
+                                        <p:cond delay="700"/>
                                       </p:stCondLst>
                                       <p:childTnLst>
                                         <p:set>
@@ -13206,79 +15074,6 @@
                                               </p:stCondLst>
                                             </p:cTn>
                                             <p:tgtEl>
-                                              <p:spTgt spid="8"/>
-                                            </p:tgtEl>
-                                            <p:attrNameLst>
-                                              <p:attrName>style.visibility</p:attrName>
-                                            </p:attrNameLst>
-                                          </p:cBhvr>
-                                          <p:to>
-                                            <p:strVal val="visible"/>
-                                          </p:to>
-                                        </p:set>
-                                        <p:anim calcmode="lin" valueType="num">
-                                          <p:cBhvr additive="base">
-                                            <p:cTn id="11" dur="500" fill="hold"/>
-                                            <p:tgtEl>
-                                              <p:spTgt spid="8"/>
-                                            </p:tgtEl>
-                                            <p:attrNameLst>
-                                              <p:attrName>ppt_x</p:attrName>
-                                            </p:attrNameLst>
-                                          </p:cBhvr>
-                                          <p:tavLst>
-                                            <p:tav tm="0">
-                                              <p:val>
-                                                <p:strVal val="1+#ppt_w/2"/>
-                                              </p:val>
-                                            </p:tav>
-                                            <p:tav tm="100000">
-                                              <p:val>
-                                                <p:strVal val="#ppt_x"/>
-                                              </p:val>
-                                            </p:tav>
-                                          </p:tavLst>
-                                        </p:anim>
-                                        <p:anim calcmode="lin" valueType="num">
-                                          <p:cBhvr additive="base">
-                                            <p:cTn id="12" dur="500" fill="hold"/>
-                                            <p:tgtEl>
-                                              <p:spTgt spid="8"/>
-                                            </p:tgtEl>
-                                            <p:attrNameLst>
-                                              <p:attrName>ppt_y</p:attrName>
-                                            </p:attrNameLst>
-                                          </p:cBhvr>
-                                          <p:tavLst>
-                                            <p:tav tm="0">
-                                              <p:val>
-                                                <p:strVal val="#ppt_y"/>
-                                              </p:val>
-                                            </p:tav>
-                                            <p:tav tm="100000">
-                                              <p:val>
-                                                <p:strVal val="#ppt_y"/>
-                                              </p:val>
-                                            </p:tav>
-                                          </p:tavLst>
-                                        </p:anim>
-                                      </p:childTnLst>
-                                    </p:cTn>
-                                  </p:par>
-                                  <p:par>
-                                    <p:cTn id="13" presetID="22" presetClass="entr" presetSubtype="8" fill="hold" grpId="0" nodeType="withEffect">
-                                      <p:stCondLst>
-                                        <p:cond delay="700"/>
-                                      </p:stCondLst>
-                                      <p:childTnLst>
-                                        <p:set>
-                                          <p:cBhvr>
-                                            <p:cTn id="14" dur="1" fill="hold">
-                                              <p:stCondLst>
-                                                <p:cond delay="0"/>
-                                              </p:stCondLst>
-                                            </p:cTn>
-                                            <p:tgtEl>
                                               <p:spTgt spid="9"/>
                                             </p:tgtEl>
                                             <p:attrNameLst>
@@ -13291,44 +15086,9 @@
                                         </p:set>
                                         <p:animEffect transition="in" filter="wipe(left)">
                                           <p:cBhvr>
-                                            <p:cTn id="15" dur="500"/>
+                                            <p:cTn id="11" dur="500"/>
                                             <p:tgtEl>
                                               <p:spTgt spid="9"/>
-                                            </p:tgtEl>
-                                          </p:cBhvr>
-                                        </p:animEffect>
-                                      </p:childTnLst>
-                                    </p:cTn>
-                                  </p:par>
-                                  <p:par>
-                                    <p:cTn id="16" presetID="22" presetClass="entr" presetSubtype="8" fill="hold" grpId="0" nodeType="withEffect">
-                                      <p:stCondLst>
-                                        <p:cond delay="700"/>
-                                      </p:stCondLst>
-                                      <p:childTnLst>
-                                        <p:set>
-                                          <p:cBhvr>
-                                            <p:cTn id="17" dur="1" fill="hold">
-                                              <p:stCondLst>
-                                                <p:cond delay="0"/>
-                                              </p:stCondLst>
-                                            </p:cTn>
-                                            <p:tgtEl>
-                                              <p:spTgt spid="33"/>
-                                            </p:tgtEl>
-                                            <p:attrNameLst>
-                                              <p:attrName>style.visibility</p:attrName>
-                                            </p:attrNameLst>
-                                          </p:cBhvr>
-                                          <p:to>
-                                            <p:strVal val="visible"/>
-                                          </p:to>
-                                        </p:set>
-                                        <p:animEffect transition="in" filter="wipe(left)">
-                                          <p:cBhvr>
-                                            <p:cTn id="18" dur="500"/>
-                                            <p:tgtEl>
-                                              <p:spTgt spid="33"/>
                                             </p:tgtEl>
                                           </p:cBhvr>
                                         </p:animEffect>
@@ -13363,79 +15123,12 @@
           </p:par>
         </p:tnLst>
         <p:bldLst>
-          <p:bldP spid="33" grpId="0"/>
           <p:bldP spid="8" grpId="0" animBg="1"/>
           <p:bldP spid="9" grpId="0"/>
         </p:bldLst>
       </p:timing>
     </mc:Fallback>
   </mc:AlternateContent>
-</p:sld>
-</file>
-
-<file path=ppt/slides/slide9.xml><?xml version="1.0" encoding="utf-8"?>
-<p:sld xmlns:a="http://schemas.openxmlformats.org/drawingml/2006/main" xmlns:r="http://schemas.openxmlformats.org/officeDocument/2006/relationships" xmlns:p="http://schemas.openxmlformats.org/presentationml/2006/main">
-  <p:cSld>
-    <p:spTree>
-      <p:nvGrpSpPr>
-        <p:cNvPr id="1" name=""/>
-        <p:cNvGrpSpPr/>
-        <p:nvPr/>
-      </p:nvGrpSpPr>
-      <p:grpSpPr>
-        <a:xfrm>
-          <a:off x="0" y="0"/>
-          <a:ext cx="0" cy="0"/>
-          <a:chOff x="0" y="0"/>
-          <a:chExt cx="0" cy="0"/>
-        </a:xfrm>
-      </p:grpSpPr>
-      <p:pic>
-        <p:nvPicPr>
-          <p:cNvPr id="4" name="Espaço Reservado para Conteúdo 3"/>
-          <p:cNvPicPr>
-            <a:picLocks noGrp="1" noChangeAspect="1"/>
-          </p:cNvPicPr>
-          <p:nvPr>
-            <p:ph idx="1"/>
-          </p:nvPr>
-        </p:nvPicPr>
-        <p:blipFill>
-          <a:blip r:embed="rId2">
-            <a:extLst>
-              <a:ext uri="{28A0092B-C50C-407E-A947-70E740481C1C}">
-                <a14:useLocalDpi xmlns:a14="http://schemas.microsoft.com/office/drawing/2010/main" val="0"/>
-              </a:ext>
-            </a:extLst>
-          </a:blip>
-          <a:stretch>
-            <a:fillRect/>
-          </a:stretch>
-        </p:blipFill>
-        <p:spPr>
-          <a:xfrm>
-            <a:off x="0" y="-1"/>
-            <a:ext cx="12192000" cy="6858001"/>
-          </a:xfrm>
-        </p:spPr>
-      </p:pic>
-    </p:spTree>
-    <p:extLst>
-      <p:ext uri="{BB962C8B-B14F-4D97-AF65-F5344CB8AC3E}">
-        <p14:creationId xmlns:p14="http://schemas.microsoft.com/office/powerpoint/2010/main" val="2516383217"/>
-      </p:ext>
-    </p:extLst>
-  </p:cSld>
-  <p:clrMapOvr>
-    <a:masterClrMapping/>
-  </p:clrMapOvr>
-  <p:timing>
-    <p:tnLst>
-      <p:par>
-        <p:cTn id="1" dur="indefinite" restart="never" nodeType="tmRoot"/>
-      </p:par>
-    </p:tnLst>
-  </p:timing>
 </p:sld>
 </file>
 

--- a/Documentação/PPT/Apresentação - LOL.pptx
+++ b/Documentação/PPT/Apresentação - LOL.pptx
@@ -10,15 +10,14 @@
     <p:sldId id="260" r:id="rId4"/>
     <p:sldId id="261" r:id="rId5"/>
     <p:sldId id="272" r:id="rId6"/>
-    <p:sldId id="262" r:id="rId7"/>
-    <p:sldId id="263" r:id="rId8"/>
-    <p:sldId id="264" r:id="rId9"/>
-    <p:sldId id="265" r:id="rId10"/>
-    <p:sldId id="258" r:id="rId11"/>
-    <p:sldId id="259" r:id="rId12"/>
-    <p:sldId id="273" r:id="rId13"/>
-    <p:sldId id="274" r:id="rId14"/>
-    <p:sldId id="269" r:id="rId15"/>
+    <p:sldId id="263" r:id="rId7"/>
+    <p:sldId id="264" r:id="rId8"/>
+    <p:sldId id="265" r:id="rId9"/>
+    <p:sldId id="258" r:id="rId10"/>
+    <p:sldId id="259" r:id="rId11"/>
+    <p:sldId id="273" r:id="rId12"/>
+    <p:sldId id="274" r:id="rId13"/>
+    <p:sldId id="269" r:id="rId14"/>
   </p:sldIdLst>
   <p:sldSz cx="12192000" cy="6858000"/>
   <p:notesSz cx="6858000" cy="9144000"/>
@@ -3698,16 +3697,7 @@
                   </a:solidFill>
                   <a:latin typeface="Century Gothic" panose="020B0502020202020204" pitchFamily="34" charset="0"/>
                 </a:rPr>
-                <a:t>+ </a:t>
-              </a:r>
-              <a:r>
-                <a:rPr lang="pt-BR" sz="4800" dirty="0" smtClean="0">
-                  <a:solidFill>
-                    <a:schemeClr val="bg1"/>
-                  </a:solidFill>
-                  <a:latin typeface="Century Gothic" panose="020B0502020202020204" pitchFamily="34" charset="0"/>
-                </a:rPr>
-                <a:t>300</a:t>
+                <a:t>+ 300</a:t>
               </a:r>
               <a:endParaRPr lang="pt-BR" sz="4800" dirty="0">
                 <a:solidFill>
@@ -3910,30 +3900,7 @@
                   </a:gradFill>
                   <a:latin typeface="Century Gothic" panose="020B0502020202020204" pitchFamily="34" charset="0"/>
                 </a:rPr>
-                <a:t>25</a:t>
-              </a:r>
-              <a:r>
-                <a:rPr lang="pt-BR" sz="4800" dirty="0" smtClean="0">
-                  <a:gradFill>
-                    <a:gsLst>
-                      <a:gs pos="0">
-                        <a:schemeClr val="accent1">
-                          <a:shade val="30000"/>
-                          <a:satMod val="115000"/>
-                        </a:schemeClr>
-                      </a:gs>
-                      <a:gs pos="100000">
-                        <a:schemeClr val="accent1">
-                          <a:shade val="100000"/>
-                          <a:satMod val="115000"/>
-                        </a:schemeClr>
-                      </a:gs>
-                    </a:gsLst>
-                    <a:lin ang="0" scaled="0"/>
-                  </a:gradFill>
-                  <a:latin typeface="Century Gothic" panose="020B0502020202020204" pitchFamily="34" charset="0"/>
-                </a:rPr>
-                <a:t>%</a:t>
+                <a:t>25%</a:t>
               </a:r>
               <a:endParaRPr lang="pt-BR" sz="4800" dirty="0">
                 <a:gradFill>
@@ -5709,72 +5676,6 @@
         </p:blipFill>
         <p:spPr>
           <a:xfrm>
-            <a:off x="0" y="-1"/>
-            <a:ext cx="12192000" cy="6858001"/>
-          </a:xfrm>
-        </p:spPr>
-      </p:pic>
-    </p:spTree>
-    <p:extLst>
-      <p:ext uri="{BB962C8B-B14F-4D97-AF65-F5344CB8AC3E}">
-        <p14:creationId xmlns:p14="http://schemas.microsoft.com/office/powerpoint/2010/main" val="2516383217"/>
-      </p:ext>
-    </p:extLst>
-  </p:cSld>
-  <p:clrMapOvr>
-    <a:masterClrMapping/>
-  </p:clrMapOvr>
-  <p:timing>
-    <p:tnLst>
-      <p:par>
-        <p:cTn id="1" dur="indefinite" restart="never" nodeType="tmRoot"/>
-      </p:par>
-    </p:tnLst>
-  </p:timing>
-</p:sld>
-</file>
-
-<file path=ppt/slides/slide11.xml><?xml version="1.0" encoding="utf-8"?>
-<p:sld xmlns:a="http://schemas.openxmlformats.org/drawingml/2006/main" xmlns:r="http://schemas.openxmlformats.org/officeDocument/2006/relationships" xmlns:p="http://schemas.openxmlformats.org/presentationml/2006/main">
-  <p:cSld>
-    <p:spTree>
-      <p:nvGrpSpPr>
-        <p:cNvPr id="1" name=""/>
-        <p:cNvGrpSpPr/>
-        <p:nvPr/>
-      </p:nvGrpSpPr>
-      <p:grpSpPr>
-        <a:xfrm>
-          <a:off x="0" y="0"/>
-          <a:ext cx="0" cy="0"/>
-          <a:chOff x="0" y="0"/>
-          <a:chExt cx="0" cy="0"/>
-        </a:xfrm>
-      </p:grpSpPr>
-      <p:pic>
-        <p:nvPicPr>
-          <p:cNvPr id="4" name="Espaço Reservado para Conteúdo 3"/>
-          <p:cNvPicPr>
-            <a:picLocks noGrp="1" noChangeAspect="1"/>
-          </p:cNvPicPr>
-          <p:nvPr>
-            <p:ph idx="1"/>
-          </p:nvPr>
-        </p:nvPicPr>
-        <p:blipFill>
-          <a:blip r:embed="rId2">
-            <a:extLst>
-              <a:ext uri="{28A0092B-C50C-407E-A947-70E740481C1C}">
-                <a14:useLocalDpi xmlns:a14="http://schemas.microsoft.com/office/drawing/2010/main" val="0"/>
-              </a:ext>
-            </a:extLst>
-          </a:blip>
-          <a:stretch>
-            <a:fillRect/>
-          </a:stretch>
-        </p:blipFill>
-        <p:spPr>
-          <a:xfrm>
             <a:off x="0" y="0"/>
             <a:ext cx="12192000" cy="6858000"/>
           </a:xfrm>
@@ -5800,7 +5701,7 @@
 </p:sld>
 </file>
 
-<file path=ppt/slides/slide12.xml><?xml version="1.0" encoding="utf-8"?>
+<file path=ppt/slides/slide11.xml><?xml version="1.0" encoding="utf-8"?>
 <p:sld xmlns:a="http://schemas.openxmlformats.org/drawingml/2006/main" xmlns:r="http://schemas.openxmlformats.org/officeDocument/2006/relationships" xmlns:p="http://schemas.openxmlformats.org/presentationml/2006/main">
   <p:cSld>
     <p:bg>
@@ -5961,8 +5862,8 @@
   <p:clrMapOvr>
     <a:masterClrMapping/>
   </p:clrMapOvr>
-  <mc:AlternateContent xmlns:mc="http://schemas.openxmlformats.org/markup-compatibility/2006">
-    <mc:Choice xmlns:p14="http://schemas.microsoft.com/office/powerpoint/2010/main" Requires="p14">
+  <mc:AlternateContent xmlns:mc="http://schemas.openxmlformats.org/markup-compatibility/2006" xmlns:p14="http://schemas.microsoft.com/office/powerpoint/2010/main">
+    <mc:Choice Requires="p14">
       <p:timing>
         <p:tnLst>
           <p:par>
@@ -6127,7 +6028,7 @@
         </p:bldLst>
       </p:timing>
     </mc:Choice>
-    <mc:Fallback>
+    <mc:Fallback xmlns="">
       <p:timing>
         <p:tnLst>
           <p:par>
@@ -6296,7 +6197,7 @@
 </p:sld>
 </file>
 
-<file path=ppt/slides/slide13.xml><?xml version="1.0" encoding="utf-8"?>
+<file path=ppt/slides/slide12.xml><?xml version="1.0" encoding="utf-8"?>
 <p:sld xmlns:a="http://schemas.openxmlformats.org/drawingml/2006/main" xmlns:r="http://schemas.openxmlformats.org/officeDocument/2006/relationships" xmlns:p="http://schemas.openxmlformats.org/presentationml/2006/main">
   <p:cSld>
     <p:bg>
@@ -6457,8 +6358,8 @@
   <p:clrMapOvr>
     <a:masterClrMapping/>
   </p:clrMapOvr>
-  <mc:AlternateContent xmlns:mc="http://schemas.openxmlformats.org/markup-compatibility/2006">
-    <mc:Choice xmlns:p14="http://schemas.microsoft.com/office/powerpoint/2010/main" Requires="p14">
+  <mc:AlternateContent xmlns:mc="http://schemas.openxmlformats.org/markup-compatibility/2006" xmlns:p14="http://schemas.microsoft.com/office/powerpoint/2010/main">
+    <mc:Choice Requires="p14">
       <p:timing>
         <p:tnLst>
           <p:par>
@@ -6623,7 +6524,7 @@
         </p:bldLst>
       </p:timing>
     </mc:Choice>
-    <mc:Fallback>
+    <mc:Fallback xmlns="">
       <p:timing>
         <p:tnLst>
           <p:par>
@@ -6792,7 +6693,7 @@
 </p:sld>
 </file>
 
-<file path=ppt/slides/slide14.xml><?xml version="1.0" encoding="utf-8"?>
+<file path=ppt/slides/slide13.xml><?xml version="1.0" encoding="utf-8"?>
 <p:sld xmlns:a="http://schemas.openxmlformats.org/drawingml/2006/main" xmlns:r="http://schemas.openxmlformats.org/officeDocument/2006/relationships" xmlns:p="http://schemas.openxmlformats.org/presentationml/2006/main">
   <p:cSld>
     <p:bg>
@@ -7073,8 +6974,8 @@
   <p:clrMapOvr>
     <a:masterClrMapping/>
   </p:clrMapOvr>
-  <mc:AlternateContent xmlns:mc="http://schemas.openxmlformats.org/markup-compatibility/2006">
-    <mc:Choice xmlns:p14="http://schemas.microsoft.com/office/powerpoint/2010/main" Requires="p14">
+  <mc:AlternateContent xmlns:mc="http://schemas.openxmlformats.org/markup-compatibility/2006" xmlns:p14="http://schemas.microsoft.com/office/powerpoint/2010/main">
+    <mc:Choice Requires="p14">
       <p:timing>
         <p:tnLst>
           <p:par>
@@ -7420,7 +7321,7 @@
         </p:bldLst>
       </p:timing>
     </mc:Choice>
-    <mc:Fallback>
+    <mc:Fallback xmlns="">
       <p:timing>
         <p:tnLst>
           <p:par>
@@ -8189,8 +8090,8 @@
   <p:clrMapOvr>
     <a:masterClrMapping/>
   </p:clrMapOvr>
-  <mc:AlternateContent xmlns:mc="http://schemas.openxmlformats.org/markup-compatibility/2006">
-    <mc:Choice xmlns:p14="http://schemas.microsoft.com/office/powerpoint/2010/main" Requires="p14">
+  <mc:AlternateContent xmlns:mc="http://schemas.openxmlformats.org/markup-compatibility/2006" xmlns:p14="http://schemas.microsoft.com/office/powerpoint/2010/main">
+    <mc:Choice Requires="p14">
       <p:timing>
         <p:tnLst>
           <p:par>
@@ -8391,7 +8292,7 @@
         </p:bldLst>
       </p:timing>
     </mc:Choice>
-    <mc:Fallback>
+    <mc:Fallback xmlns="">
       <p:timing>
         <p:tnLst>
           <p:par>
@@ -8747,27 +8648,7 @@
                 <a:latin typeface="Arial" panose="020B0604020202020204" pitchFamily="34" charset="0"/>
                 <a:cs typeface="Arial" panose="020B0604020202020204" pitchFamily="34" charset="0"/>
               </a:rPr>
-              <a:t>A </a:t>
-            </a:r>
-            <a:r>
-              <a:rPr lang="pt-BR" sz="4800" dirty="0" smtClean="0">
-                <a:solidFill>
-                  <a:schemeClr val="bg1"/>
-                </a:solidFill>
-                <a:latin typeface="Arial" panose="020B0604020202020204" pitchFamily="34" charset="0"/>
-                <a:cs typeface="Arial" panose="020B0604020202020204" pitchFamily="34" charset="0"/>
-              </a:rPr>
-              <a:t>IMPORTÂNCIA DESSE TEMA PRA </a:t>
-            </a:r>
-            <a:r>
-              <a:rPr lang="pt-BR" sz="4800" dirty="0" smtClean="0">
-                <a:solidFill>
-                  <a:schemeClr val="bg1"/>
-                </a:solidFill>
-                <a:latin typeface="Arial" panose="020B0604020202020204" pitchFamily="34" charset="0"/>
-                <a:cs typeface="Arial" panose="020B0604020202020204" pitchFamily="34" charset="0"/>
-              </a:rPr>
-              <a:t>MIM!</a:t>
+              <a:t>A IMPORTÂNCIA DESSE TEMA PRA MIM!</a:t>
             </a:r>
             <a:endParaRPr lang="pt-BR" sz="4800" dirty="0">
               <a:solidFill>
@@ -9283,8 +9164,8 @@
   <p:clrMapOvr>
     <a:masterClrMapping/>
   </p:clrMapOvr>
-  <mc:AlternateContent xmlns:mc="http://schemas.openxmlformats.org/markup-compatibility/2006">
-    <mc:Choice xmlns:p14="http://schemas.microsoft.com/office/powerpoint/2010/main" Requires="p14">
+  <mc:AlternateContent xmlns:mc="http://schemas.openxmlformats.org/markup-compatibility/2006" xmlns:p14="http://schemas.microsoft.com/office/powerpoint/2010/main">
+    <mc:Choice Requires="p14">
       <p:timing>
         <p:tnLst>
           <p:par>
@@ -10324,7 +10205,7 @@
         </p:bldLst>
       </p:timing>
     </mc:Choice>
-    <mc:Fallback>
+    <mc:Fallback xmlns="">
       <p:timing>
         <p:tnLst>
           <p:par>
@@ -11535,8 +11416,8 @@
   <p:clrMapOvr>
     <a:masterClrMapping/>
   </p:clrMapOvr>
-  <mc:AlternateContent xmlns:mc="http://schemas.openxmlformats.org/markup-compatibility/2006">
-    <mc:Choice xmlns:p14="http://schemas.microsoft.com/office/powerpoint/2010/main" Requires="p14">
+  <mc:AlternateContent xmlns:mc="http://schemas.openxmlformats.org/markup-compatibility/2006" xmlns:p14="http://schemas.microsoft.com/office/powerpoint/2010/main">
+    <mc:Choice Requires="p14">
       <p:timing>
         <p:tnLst>
           <p:par>
@@ -11774,7 +11655,7 @@
         </p:bldLst>
       </p:timing>
     </mc:Choice>
-    <mc:Fallback>
+    <mc:Fallback xmlns="">
       <p:timing>
         <p:tnLst>
           <p:par>
@@ -12187,8 +12068,8 @@
   <p:clrMapOvr>
     <a:masterClrMapping/>
   </p:clrMapOvr>
-  <mc:AlternateContent xmlns:mc="http://schemas.openxmlformats.org/markup-compatibility/2006">
-    <mc:Choice xmlns:p14="http://schemas.microsoft.com/office/powerpoint/2010/main" Requires="p14">
+  <mc:AlternateContent xmlns:mc="http://schemas.openxmlformats.org/markup-compatibility/2006" xmlns:p14="http://schemas.microsoft.com/office/powerpoint/2010/main">
+    <mc:Choice Requires="p14">
       <p:timing>
         <p:tnLst>
           <p:par>
@@ -12426,7 +12307,7 @@
         </p:bldLst>
       </p:timing>
     </mc:Choice>
-    <mc:Fallback>
+    <mc:Fallback xmlns="">
       <p:timing>
         <p:tnLst>
           <p:par>
@@ -12765,8 +12646,8 @@
         </p:nvSpPr>
         <p:spPr>
           <a:xfrm>
-            <a:off x="3008978" y="972832"/>
-            <a:ext cx="3857562" cy="830997"/>
+            <a:off x="3052689" y="972832"/>
+            <a:ext cx="8689078" cy="830997"/>
           </a:xfrm>
           <a:prstGeom prst="rect">
             <a:avLst/>
@@ -12785,7 +12666,7 @@
                   <a:schemeClr val="bg1"/>
                 </a:solidFill>
               </a:rPr>
-              <a:t>SUPERAÇÕES	</a:t>
+              <a:t>DIFICULDADES</a:t>
             </a:r>
             <a:endParaRPr lang="pt-BR" sz="4800" dirty="0">
               <a:solidFill>
@@ -12828,15 +12709,15 @@
     </p:spTree>
     <p:extLst>
       <p:ext uri="{BB962C8B-B14F-4D97-AF65-F5344CB8AC3E}">
-        <p14:creationId xmlns:p14="http://schemas.microsoft.com/office/powerpoint/2010/main" val="4287399643"/>
+        <p14:creationId xmlns:p14="http://schemas.microsoft.com/office/powerpoint/2010/main" val="2600499528"/>
       </p:ext>
     </p:extLst>
   </p:cSld>
   <p:clrMapOvr>
     <a:masterClrMapping/>
   </p:clrMapOvr>
-  <mc:AlternateContent xmlns:mc="http://schemas.openxmlformats.org/markup-compatibility/2006">
-    <mc:Choice xmlns:p14="http://schemas.microsoft.com/office/powerpoint/2010/main" Requires="p14">
+  <mc:AlternateContent xmlns:mc="http://schemas.openxmlformats.org/markup-compatibility/2006" xmlns:p14="http://schemas.microsoft.com/office/powerpoint/2010/main">
+    <mc:Choice Requires="p14">
       <p:timing>
         <p:tnLst>
           <p:par>
@@ -13074,7 +12955,7 @@
         </p:bldLst>
       </p:timing>
     </mc:Choice>
-    <mc:Fallback>
+    <mc:Fallback xmlns="">
       <p:timing>
         <p:tnLst>
           <p:par>
@@ -13413,7 +13294,7 @@
         </p:nvSpPr>
         <p:spPr>
           <a:xfrm>
-            <a:off x="3052689" y="603501"/>
+            <a:off x="3052689" y="972832"/>
             <a:ext cx="8689078" cy="830997"/>
           </a:xfrm>
           <a:prstGeom prst="rect">
@@ -13433,7 +13314,7 @@
                   <a:schemeClr val="bg1"/>
                 </a:solidFill>
               </a:rPr>
-              <a:t>DIFICULDADES</a:t>
+              <a:t>AGRADECIMENTOS</a:t>
             </a:r>
             <a:endParaRPr lang="pt-BR" sz="4800" dirty="0">
               <a:solidFill>
@@ -13476,15 +13357,15 @@
     </p:spTree>
     <p:extLst>
       <p:ext uri="{BB962C8B-B14F-4D97-AF65-F5344CB8AC3E}">
-        <p14:creationId xmlns:p14="http://schemas.microsoft.com/office/powerpoint/2010/main" val="2600499528"/>
+        <p14:creationId xmlns:p14="http://schemas.microsoft.com/office/powerpoint/2010/main" val="1122941085"/>
       </p:ext>
     </p:extLst>
   </p:cSld>
   <p:clrMapOvr>
     <a:masterClrMapping/>
   </p:clrMapOvr>
-  <mc:AlternateContent xmlns:mc="http://schemas.openxmlformats.org/markup-compatibility/2006">
-    <mc:Choice xmlns:p14="http://schemas.microsoft.com/office/powerpoint/2010/main" Requires="p14">
+  <mc:AlternateContent xmlns:mc="http://schemas.openxmlformats.org/markup-compatibility/2006" xmlns:p14="http://schemas.microsoft.com/office/powerpoint/2010/main">
+    <mc:Choice Requires="p14">
       <p:timing>
         <p:tnLst>
           <p:par>
@@ -13722,7 +13603,7 @@
         </p:bldLst>
       </p:timing>
     </mc:Choice>
-    <mc:Fallback>
+    <mc:Fallback xmlns="">
       <p:timing>
         <p:tnLst>
           <p:par>
@@ -13995,654 +13876,6 @@
           <a:chExt cx="0" cy="0"/>
         </a:xfrm>
       </p:grpSpPr>
-      <p:sp>
-        <p:nvSpPr>
-          <p:cNvPr id="8" name="Retângulo"/>
-          <p:cNvSpPr/>
-          <p:nvPr/>
-        </p:nvSpPr>
-        <p:spPr>
-          <a:xfrm>
-            <a:off x="2438399" y="497696"/>
-            <a:ext cx="10624458" cy="1781270"/>
-          </a:xfrm>
-          <a:prstGeom prst="rect">
-            <a:avLst/>
-          </a:prstGeom>
-          <a:noFill/>
-          <a:ln w="76200">
-            <a:gradFill flip="none" rotWithShape="1">
-              <a:gsLst>
-                <a:gs pos="0">
-                  <a:srgbClr val="4BCBB9"/>
-                </a:gs>
-                <a:gs pos="100000">
-                  <a:schemeClr val="accent1">
-                    <a:lumMod val="30000"/>
-                    <a:lumOff val="70000"/>
-                  </a:schemeClr>
-                </a:gs>
-              </a:gsLst>
-              <a:lin ang="0" scaled="1"/>
-              <a:tileRect/>
-            </a:gradFill>
-          </a:ln>
-        </p:spPr>
-        <p:style>
-          <a:lnRef idx="2">
-            <a:schemeClr val="accent1">
-              <a:shade val="50000"/>
-            </a:schemeClr>
-          </a:lnRef>
-          <a:fillRef idx="1">
-            <a:schemeClr val="accent1"/>
-          </a:fillRef>
-          <a:effectRef idx="0">
-            <a:schemeClr val="accent1"/>
-          </a:effectRef>
-          <a:fontRef idx="minor">
-            <a:schemeClr val="lt1"/>
-          </a:fontRef>
-        </p:style>
-        <p:txBody>
-          <a:bodyPr rtlCol="0" anchor="ctr"/>
-          <a:lstStyle/>
-          <a:p>
-            <a:pPr algn="ctr"/>
-            <a:endParaRPr lang="pt-BR"/>
-          </a:p>
-        </p:txBody>
-      </p:sp>
-      <p:sp>
-        <p:nvSpPr>
-          <p:cNvPr id="9" name="LEAGUE OF LEGENDS"/>
-          <p:cNvSpPr txBox="1"/>
-          <p:nvPr/>
-        </p:nvSpPr>
-        <p:spPr>
-          <a:xfrm>
-            <a:off x="3052689" y="603501"/>
-            <a:ext cx="8689078" cy="830997"/>
-          </a:xfrm>
-          <a:prstGeom prst="rect">
-            <a:avLst/>
-          </a:prstGeom>
-          <a:noFill/>
-        </p:spPr>
-        <p:txBody>
-          <a:bodyPr wrap="square" rtlCol="0">
-            <a:spAutoFit/>
-          </a:bodyPr>
-          <a:lstStyle/>
-          <a:p>
-            <a:r>
-              <a:rPr lang="pt-BR" sz="4800" dirty="0" smtClean="0">
-                <a:solidFill>
-                  <a:schemeClr val="bg1"/>
-                </a:solidFill>
-              </a:rPr>
-              <a:t>AGRADECIMENTOS</a:t>
-            </a:r>
-            <a:endParaRPr lang="pt-BR" sz="4800" dirty="0">
-              <a:solidFill>
-                <a:schemeClr val="bg1"/>
-              </a:solidFill>
-            </a:endParaRPr>
-          </a:p>
-        </p:txBody>
-      </p:sp>
-      <p:pic>
-        <p:nvPicPr>
-          <p:cNvPr id="7" name="Thresh"/>
-          <p:cNvPicPr>
-            <a:picLocks noChangeAspect="1"/>
-          </p:cNvPicPr>
-          <p:nvPr/>
-        </p:nvPicPr>
-        <p:blipFill>
-          <a:blip r:embed="rId3">
-            <a:extLst>
-              <a:ext uri="{28A0092B-C50C-407E-A947-70E740481C1C}">
-                <a14:useLocalDpi xmlns:a14="http://schemas.microsoft.com/office/drawing/2010/main" val="0"/>
-              </a:ext>
-            </a:extLst>
-          </a:blip>
-          <a:stretch>
-            <a:fillRect/>
-          </a:stretch>
-        </p:blipFill>
-        <p:spPr>
-          <a:xfrm>
-            <a:off x="5361468" y="1083213"/>
-            <a:ext cx="6380299" cy="6116432"/>
-          </a:xfrm>
-          <a:prstGeom prst="rect">
-            <a:avLst/>
-          </a:prstGeom>
-        </p:spPr>
-      </p:pic>
-    </p:spTree>
-    <p:extLst>
-      <p:ext uri="{BB962C8B-B14F-4D97-AF65-F5344CB8AC3E}">
-        <p14:creationId xmlns:p14="http://schemas.microsoft.com/office/powerpoint/2010/main" val="1122941085"/>
-      </p:ext>
-    </p:extLst>
-  </p:cSld>
-  <p:clrMapOvr>
-    <a:masterClrMapping/>
-  </p:clrMapOvr>
-  <mc:AlternateContent xmlns:mc="http://schemas.openxmlformats.org/markup-compatibility/2006">
-    <mc:Choice xmlns:p14="http://schemas.microsoft.com/office/powerpoint/2010/main" Requires="p14">
-      <p:timing>
-        <p:tnLst>
-          <p:par>
-            <p:cTn id="1" dur="indefinite" restart="never" nodeType="tmRoot">
-              <p:childTnLst>
-                <p:seq concurrent="1" nextAc="seek">
-                  <p:cTn id="2" dur="indefinite" nodeType="mainSeq">
-                    <p:childTnLst>
-                      <p:par>
-                        <p:cTn id="3" fill="hold">
-                          <p:stCondLst>
-                            <p:cond delay="indefinite"/>
-                            <p:cond evt="onBegin" delay="0">
-                              <p:tn val="2"/>
-                            </p:cond>
-                          </p:stCondLst>
-                          <p:childTnLst>
-                            <p:par>
-                              <p:cTn id="4" fill="hold">
-                                <p:stCondLst>
-                                  <p:cond delay="0"/>
-                                </p:stCondLst>
-                                <p:childTnLst>
-                                  <p:par>
-                                    <p:cTn id="5" presetID="2" presetClass="entr" presetSubtype="4" fill="hold" nodeType="afterEffect">
-                                      <p:stCondLst>
-                                        <p:cond delay="0"/>
-                                      </p:stCondLst>
-                                      <p:childTnLst>
-                                        <p:set>
-                                          <p:cBhvr>
-                                            <p:cTn id="6" dur="1" fill="hold">
-                                              <p:stCondLst>
-                                                <p:cond delay="0"/>
-                                              </p:stCondLst>
-                                            </p:cTn>
-                                            <p:tgtEl>
-                                              <p:spTgt spid="7"/>
-                                            </p:tgtEl>
-                                            <p:attrNameLst>
-                                              <p:attrName>style.visibility</p:attrName>
-                                            </p:attrNameLst>
-                                          </p:cBhvr>
-                                          <p:to>
-                                            <p:strVal val="visible"/>
-                                          </p:to>
-                                        </p:set>
-                                        <p:anim calcmode="lin" valueType="num">
-                                          <p:cBhvr additive="base">
-                                            <p:cTn id="7" dur="500" fill="hold"/>
-                                            <p:tgtEl>
-                                              <p:spTgt spid="7"/>
-                                            </p:tgtEl>
-                                            <p:attrNameLst>
-                                              <p:attrName>ppt_x</p:attrName>
-                                            </p:attrNameLst>
-                                          </p:cBhvr>
-                                          <p:tavLst>
-                                            <p:tav tm="0">
-                                              <p:val>
-                                                <p:strVal val="#ppt_x"/>
-                                              </p:val>
-                                            </p:tav>
-                                            <p:tav tm="100000">
-                                              <p:val>
-                                                <p:strVal val="#ppt_x"/>
-                                              </p:val>
-                                            </p:tav>
-                                          </p:tavLst>
-                                        </p:anim>
-                                        <p:anim calcmode="lin" valueType="num">
-                                          <p:cBhvr additive="base">
-                                            <p:cTn id="8" dur="500" fill="hold"/>
-                                            <p:tgtEl>
-                                              <p:spTgt spid="7"/>
-                                            </p:tgtEl>
-                                            <p:attrNameLst>
-                                              <p:attrName>ppt_y</p:attrName>
-                                            </p:attrNameLst>
-                                          </p:cBhvr>
-                                          <p:tavLst>
-                                            <p:tav tm="0">
-                                              <p:val>
-                                                <p:strVal val="1+#ppt_h/2"/>
-                                              </p:val>
-                                            </p:tav>
-                                            <p:tav tm="100000">
-                                              <p:val>
-                                                <p:strVal val="#ppt_y"/>
-                                              </p:val>
-                                            </p:tav>
-                                          </p:tavLst>
-                                        </p:anim>
-                                      </p:childTnLst>
-                                    </p:cTn>
-                                  </p:par>
-                                  <p:par>
-                                    <p:cTn id="9" presetID="2" presetClass="entr" presetSubtype="2" fill="hold" grpId="0" nodeType="withEffect" p14:presetBounceEnd="30000">
-                                      <p:stCondLst>
-                                        <p:cond delay="300"/>
-                                      </p:stCondLst>
-                                      <p:childTnLst>
-                                        <p:set>
-                                          <p:cBhvr>
-                                            <p:cTn id="10" dur="1" fill="hold">
-                                              <p:stCondLst>
-                                                <p:cond delay="0"/>
-                                              </p:stCondLst>
-                                            </p:cTn>
-                                            <p:tgtEl>
-                                              <p:spTgt spid="8"/>
-                                            </p:tgtEl>
-                                            <p:attrNameLst>
-                                              <p:attrName>style.visibility</p:attrName>
-                                            </p:attrNameLst>
-                                          </p:cBhvr>
-                                          <p:to>
-                                            <p:strVal val="visible"/>
-                                          </p:to>
-                                        </p:set>
-                                        <p:anim calcmode="lin" valueType="num" p14:bounceEnd="30000">
-                                          <p:cBhvr additive="base">
-                                            <p:cTn id="11" dur="500" fill="hold"/>
-                                            <p:tgtEl>
-                                              <p:spTgt spid="8"/>
-                                            </p:tgtEl>
-                                            <p:attrNameLst>
-                                              <p:attrName>ppt_x</p:attrName>
-                                            </p:attrNameLst>
-                                          </p:cBhvr>
-                                          <p:tavLst>
-                                            <p:tav tm="0">
-                                              <p:val>
-                                                <p:strVal val="1+#ppt_w/2"/>
-                                              </p:val>
-                                            </p:tav>
-                                            <p:tav tm="100000">
-                                              <p:val>
-                                                <p:strVal val="#ppt_x"/>
-                                              </p:val>
-                                            </p:tav>
-                                          </p:tavLst>
-                                        </p:anim>
-                                        <p:anim calcmode="lin" valueType="num" p14:bounceEnd="30000">
-                                          <p:cBhvr additive="base">
-                                            <p:cTn id="12" dur="500" fill="hold"/>
-                                            <p:tgtEl>
-                                              <p:spTgt spid="8"/>
-                                            </p:tgtEl>
-                                            <p:attrNameLst>
-                                              <p:attrName>ppt_y</p:attrName>
-                                            </p:attrNameLst>
-                                          </p:cBhvr>
-                                          <p:tavLst>
-                                            <p:tav tm="0">
-                                              <p:val>
-                                                <p:strVal val="#ppt_y"/>
-                                              </p:val>
-                                            </p:tav>
-                                            <p:tav tm="100000">
-                                              <p:val>
-                                                <p:strVal val="#ppt_y"/>
-                                              </p:val>
-                                            </p:tav>
-                                          </p:tavLst>
-                                        </p:anim>
-                                      </p:childTnLst>
-                                    </p:cTn>
-                                  </p:par>
-                                  <p:par>
-                                    <p:cTn id="13" presetID="22" presetClass="entr" presetSubtype="8" fill="hold" grpId="0" nodeType="withEffect">
-                                      <p:stCondLst>
-                                        <p:cond delay="700"/>
-                                      </p:stCondLst>
-                                      <p:childTnLst>
-                                        <p:set>
-                                          <p:cBhvr>
-                                            <p:cTn id="14" dur="1" fill="hold">
-                                              <p:stCondLst>
-                                                <p:cond delay="0"/>
-                                              </p:stCondLst>
-                                            </p:cTn>
-                                            <p:tgtEl>
-                                              <p:spTgt spid="9"/>
-                                            </p:tgtEl>
-                                            <p:attrNameLst>
-                                              <p:attrName>style.visibility</p:attrName>
-                                            </p:attrNameLst>
-                                          </p:cBhvr>
-                                          <p:to>
-                                            <p:strVal val="visible"/>
-                                          </p:to>
-                                        </p:set>
-                                        <p:animEffect transition="in" filter="wipe(left)">
-                                          <p:cBhvr>
-                                            <p:cTn id="15" dur="500"/>
-                                            <p:tgtEl>
-                                              <p:spTgt spid="9"/>
-                                            </p:tgtEl>
-                                          </p:cBhvr>
-                                        </p:animEffect>
-                                      </p:childTnLst>
-                                    </p:cTn>
-                                  </p:par>
-                                </p:childTnLst>
-                              </p:cTn>
-                            </p:par>
-                          </p:childTnLst>
-                        </p:cTn>
-                      </p:par>
-                    </p:childTnLst>
-                  </p:cTn>
-                  <p:prevCondLst>
-                    <p:cond evt="onPrev" delay="0">
-                      <p:tgtEl>
-                        <p:sldTgt/>
-                      </p:tgtEl>
-                    </p:cond>
-                  </p:prevCondLst>
-                  <p:nextCondLst>
-                    <p:cond evt="onNext" delay="0">
-                      <p:tgtEl>
-                        <p:sldTgt/>
-                      </p:tgtEl>
-                    </p:cond>
-                  </p:nextCondLst>
-                </p:seq>
-              </p:childTnLst>
-            </p:cTn>
-          </p:par>
-        </p:tnLst>
-        <p:bldLst>
-          <p:bldP spid="8" grpId="0" animBg="1"/>
-          <p:bldP spid="9" grpId="0"/>
-        </p:bldLst>
-      </p:timing>
-    </mc:Choice>
-    <mc:Fallback>
-      <p:timing>
-        <p:tnLst>
-          <p:par>
-            <p:cTn id="1" dur="indefinite" restart="never" nodeType="tmRoot">
-              <p:childTnLst>
-                <p:seq concurrent="1" nextAc="seek">
-                  <p:cTn id="2" dur="indefinite" nodeType="mainSeq">
-                    <p:childTnLst>
-                      <p:par>
-                        <p:cTn id="3" fill="hold">
-                          <p:stCondLst>
-                            <p:cond delay="indefinite"/>
-                            <p:cond evt="onBegin" delay="0">
-                              <p:tn val="2"/>
-                            </p:cond>
-                          </p:stCondLst>
-                          <p:childTnLst>
-                            <p:par>
-                              <p:cTn id="4" fill="hold">
-                                <p:stCondLst>
-                                  <p:cond delay="0"/>
-                                </p:stCondLst>
-                                <p:childTnLst>
-                                  <p:par>
-                                    <p:cTn id="5" presetID="2" presetClass="entr" presetSubtype="4" fill="hold" nodeType="afterEffect">
-                                      <p:stCondLst>
-                                        <p:cond delay="0"/>
-                                      </p:stCondLst>
-                                      <p:childTnLst>
-                                        <p:set>
-                                          <p:cBhvr>
-                                            <p:cTn id="6" dur="1" fill="hold">
-                                              <p:stCondLst>
-                                                <p:cond delay="0"/>
-                                              </p:stCondLst>
-                                            </p:cTn>
-                                            <p:tgtEl>
-                                              <p:spTgt spid="7"/>
-                                            </p:tgtEl>
-                                            <p:attrNameLst>
-                                              <p:attrName>style.visibility</p:attrName>
-                                            </p:attrNameLst>
-                                          </p:cBhvr>
-                                          <p:to>
-                                            <p:strVal val="visible"/>
-                                          </p:to>
-                                        </p:set>
-                                        <p:anim calcmode="lin" valueType="num">
-                                          <p:cBhvr additive="base">
-                                            <p:cTn id="7" dur="500" fill="hold"/>
-                                            <p:tgtEl>
-                                              <p:spTgt spid="7"/>
-                                            </p:tgtEl>
-                                            <p:attrNameLst>
-                                              <p:attrName>ppt_x</p:attrName>
-                                            </p:attrNameLst>
-                                          </p:cBhvr>
-                                          <p:tavLst>
-                                            <p:tav tm="0">
-                                              <p:val>
-                                                <p:strVal val="#ppt_x"/>
-                                              </p:val>
-                                            </p:tav>
-                                            <p:tav tm="100000">
-                                              <p:val>
-                                                <p:strVal val="#ppt_x"/>
-                                              </p:val>
-                                            </p:tav>
-                                          </p:tavLst>
-                                        </p:anim>
-                                        <p:anim calcmode="lin" valueType="num">
-                                          <p:cBhvr additive="base">
-                                            <p:cTn id="8" dur="500" fill="hold"/>
-                                            <p:tgtEl>
-                                              <p:spTgt spid="7"/>
-                                            </p:tgtEl>
-                                            <p:attrNameLst>
-                                              <p:attrName>ppt_y</p:attrName>
-                                            </p:attrNameLst>
-                                          </p:cBhvr>
-                                          <p:tavLst>
-                                            <p:tav tm="0">
-                                              <p:val>
-                                                <p:strVal val="1+#ppt_h/2"/>
-                                              </p:val>
-                                            </p:tav>
-                                            <p:tav tm="100000">
-                                              <p:val>
-                                                <p:strVal val="#ppt_y"/>
-                                              </p:val>
-                                            </p:tav>
-                                          </p:tavLst>
-                                        </p:anim>
-                                      </p:childTnLst>
-                                    </p:cTn>
-                                  </p:par>
-                                  <p:par>
-                                    <p:cTn id="9" presetID="2" presetClass="entr" presetSubtype="2" fill="hold" grpId="0" nodeType="withEffect">
-                                      <p:stCondLst>
-                                        <p:cond delay="300"/>
-                                      </p:stCondLst>
-                                      <p:childTnLst>
-                                        <p:set>
-                                          <p:cBhvr>
-                                            <p:cTn id="10" dur="1" fill="hold">
-                                              <p:stCondLst>
-                                                <p:cond delay="0"/>
-                                              </p:stCondLst>
-                                            </p:cTn>
-                                            <p:tgtEl>
-                                              <p:spTgt spid="8"/>
-                                            </p:tgtEl>
-                                            <p:attrNameLst>
-                                              <p:attrName>style.visibility</p:attrName>
-                                            </p:attrNameLst>
-                                          </p:cBhvr>
-                                          <p:to>
-                                            <p:strVal val="visible"/>
-                                          </p:to>
-                                        </p:set>
-                                        <p:anim calcmode="lin" valueType="num">
-                                          <p:cBhvr additive="base">
-                                            <p:cTn id="11" dur="500" fill="hold"/>
-                                            <p:tgtEl>
-                                              <p:spTgt spid="8"/>
-                                            </p:tgtEl>
-                                            <p:attrNameLst>
-                                              <p:attrName>ppt_x</p:attrName>
-                                            </p:attrNameLst>
-                                          </p:cBhvr>
-                                          <p:tavLst>
-                                            <p:tav tm="0">
-                                              <p:val>
-                                                <p:strVal val="1+#ppt_w/2"/>
-                                              </p:val>
-                                            </p:tav>
-                                            <p:tav tm="100000">
-                                              <p:val>
-                                                <p:strVal val="#ppt_x"/>
-                                              </p:val>
-                                            </p:tav>
-                                          </p:tavLst>
-                                        </p:anim>
-                                        <p:anim calcmode="lin" valueType="num">
-                                          <p:cBhvr additive="base">
-                                            <p:cTn id="12" dur="500" fill="hold"/>
-                                            <p:tgtEl>
-                                              <p:spTgt spid="8"/>
-                                            </p:tgtEl>
-                                            <p:attrNameLst>
-                                              <p:attrName>ppt_y</p:attrName>
-                                            </p:attrNameLst>
-                                          </p:cBhvr>
-                                          <p:tavLst>
-                                            <p:tav tm="0">
-                                              <p:val>
-                                                <p:strVal val="#ppt_y"/>
-                                              </p:val>
-                                            </p:tav>
-                                            <p:tav tm="100000">
-                                              <p:val>
-                                                <p:strVal val="#ppt_y"/>
-                                              </p:val>
-                                            </p:tav>
-                                          </p:tavLst>
-                                        </p:anim>
-                                      </p:childTnLst>
-                                    </p:cTn>
-                                  </p:par>
-                                  <p:par>
-                                    <p:cTn id="13" presetID="22" presetClass="entr" presetSubtype="8" fill="hold" grpId="0" nodeType="withEffect">
-                                      <p:stCondLst>
-                                        <p:cond delay="700"/>
-                                      </p:stCondLst>
-                                      <p:childTnLst>
-                                        <p:set>
-                                          <p:cBhvr>
-                                            <p:cTn id="14" dur="1" fill="hold">
-                                              <p:stCondLst>
-                                                <p:cond delay="0"/>
-                                              </p:stCondLst>
-                                            </p:cTn>
-                                            <p:tgtEl>
-                                              <p:spTgt spid="9"/>
-                                            </p:tgtEl>
-                                            <p:attrNameLst>
-                                              <p:attrName>style.visibility</p:attrName>
-                                            </p:attrNameLst>
-                                          </p:cBhvr>
-                                          <p:to>
-                                            <p:strVal val="visible"/>
-                                          </p:to>
-                                        </p:set>
-                                        <p:animEffect transition="in" filter="wipe(left)">
-                                          <p:cBhvr>
-                                            <p:cTn id="15" dur="500"/>
-                                            <p:tgtEl>
-                                              <p:spTgt spid="9"/>
-                                            </p:tgtEl>
-                                          </p:cBhvr>
-                                        </p:animEffect>
-                                      </p:childTnLst>
-                                    </p:cTn>
-                                  </p:par>
-                                </p:childTnLst>
-                              </p:cTn>
-                            </p:par>
-                          </p:childTnLst>
-                        </p:cTn>
-                      </p:par>
-                    </p:childTnLst>
-                  </p:cTn>
-                  <p:prevCondLst>
-                    <p:cond evt="onPrev" delay="0">
-                      <p:tgtEl>
-                        <p:sldTgt/>
-                      </p:tgtEl>
-                    </p:cond>
-                  </p:prevCondLst>
-                  <p:nextCondLst>
-                    <p:cond evt="onNext" delay="0">
-                      <p:tgtEl>
-                        <p:sldTgt/>
-                      </p:tgtEl>
-                    </p:cond>
-                  </p:nextCondLst>
-                </p:seq>
-              </p:childTnLst>
-            </p:cTn>
-          </p:par>
-        </p:tnLst>
-        <p:bldLst>
-          <p:bldP spid="8" grpId="0" animBg="1"/>
-          <p:bldP spid="9" grpId="0"/>
-        </p:bldLst>
-      </p:timing>
-    </mc:Fallback>
-  </mc:AlternateContent>
-</p:sld>
-</file>
-
-<file path=ppt/slides/slide9.xml><?xml version="1.0" encoding="utf-8"?>
-<p:sld xmlns:a="http://schemas.openxmlformats.org/drawingml/2006/main" xmlns:r="http://schemas.openxmlformats.org/officeDocument/2006/relationships" xmlns:p="http://schemas.openxmlformats.org/presentationml/2006/main">
-  <p:cSld>
-    <p:bg>
-      <p:bgPr>
-        <a:blipFill dpi="0" rotWithShape="1">
-          <a:blip r:embed="rId2">
-            <a:lum/>
-          </a:blip>
-          <a:srcRect/>
-          <a:stretch>
-            <a:fillRect/>
-          </a:stretch>
-        </a:blipFill>
-        <a:effectLst/>
-      </p:bgPr>
-    </p:bg>
-    <p:spTree>
-      <p:nvGrpSpPr>
-        <p:cNvPr id="1" name=""/>
-        <p:cNvGrpSpPr/>
-        <p:nvPr/>
-      </p:nvGrpSpPr>
-      <p:grpSpPr>
-        <a:xfrm>
-          <a:off x="0" y="0"/>
-          <a:ext cx="0" cy="0"/>
-          <a:chOff x="0" y="0"/>
-          <a:chExt cx="0" cy="0"/>
-        </a:xfrm>
-      </p:grpSpPr>
       <p:pic>
         <p:nvPicPr>
           <p:cNvPr id="2" name="Imagem 1"/>
@@ -14659,8 +13892,8 @@
         </p:blipFill>
         <p:spPr>
           <a:xfrm>
-            <a:off x="251458" y="2593775"/>
-            <a:ext cx="6832261" cy="3807025"/>
+            <a:off x="406882" y="3045323"/>
+            <a:ext cx="5408863" cy="2903928"/>
           </a:xfrm>
           <a:prstGeom prst="rect">
             <a:avLst/>
@@ -14765,7 +13998,7 @@
       </p:sp>
       <p:pic>
         <p:nvPicPr>
-          <p:cNvPr id="3" name="Imagem 2"/>
+          <p:cNvPr id="5" name="Imagem 4"/>
           <p:cNvPicPr>
             <a:picLocks noChangeAspect="1"/>
           </p:cNvPicPr>
@@ -14779,8 +14012,8 @@
         </p:blipFill>
         <p:spPr>
           <a:xfrm>
-            <a:off x="7214348" y="3273317"/>
-            <a:ext cx="4783119" cy="2631096"/>
+            <a:off x="6272105" y="3045323"/>
+            <a:ext cx="5408863" cy="2903928"/>
           </a:xfrm>
           <a:prstGeom prst="rect">
             <a:avLst/>
@@ -14797,8 +14030,8 @@
   <p:clrMapOvr>
     <a:masterClrMapping/>
   </p:clrMapOvr>
-  <mc:AlternateContent xmlns:mc="http://schemas.openxmlformats.org/markup-compatibility/2006">
-    <mc:Choice xmlns:p14="http://schemas.microsoft.com/office/powerpoint/2010/main" Requires="p14">
+  <mc:AlternateContent xmlns:mc="http://schemas.openxmlformats.org/markup-compatibility/2006" xmlns:p14="http://schemas.microsoft.com/office/powerpoint/2010/main">
+    <mc:Choice Requires="p14">
       <p:timing>
         <p:tnLst>
           <p:par>
@@ -14963,7 +14196,7 @@
         </p:bldLst>
       </p:timing>
     </mc:Choice>
-    <mc:Fallback>
+    <mc:Fallback xmlns="">
       <p:timing>
         <p:tnLst>
           <p:par>
@@ -15129,6 +14362,72 @@
       </p:timing>
     </mc:Fallback>
   </mc:AlternateContent>
+</p:sld>
+</file>
+
+<file path=ppt/slides/slide9.xml><?xml version="1.0" encoding="utf-8"?>
+<p:sld xmlns:a="http://schemas.openxmlformats.org/drawingml/2006/main" xmlns:r="http://schemas.openxmlformats.org/officeDocument/2006/relationships" xmlns:p="http://schemas.openxmlformats.org/presentationml/2006/main">
+  <p:cSld>
+    <p:spTree>
+      <p:nvGrpSpPr>
+        <p:cNvPr id="1" name=""/>
+        <p:cNvGrpSpPr/>
+        <p:nvPr/>
+      </p:nvGrpSpPr>
+      <p:grpSpPr>
+        <a:xfrm>
+          <a:off x="0" y="0"/>
+          <a:ext cx="0" cy="0"/>
+          <a:chOff x="0" y="0"/>
+          <a:chExt cx="0" cy="0"/>
+        </a:xfrm>
+      </p:grpSpPr>
+      <p:pic>
+        <p:nvPicPr>
+          <p:cNvPr id="4" name="Espaço Reservado para Conteúdo 3"/>
+          <p:cNvPicPr>
+            <a:picLocks noGrp="1" noChangeAspect="1"/>
+          </p:cNvPicPr>
+          <p:nvPr>
+            <p:ph idx="1"/>
+          </p:nvPr>
+        </p:nvPicPr>
+        <p:blipFill>
+          <a:blip r:embed="rId2">
+            <a:extLst>
+              <a:ext uri="{28A0092B-C50C-407E-A947-70E740481C1C}">
+                <a14:useLocalDpi xmlns:a14="http://schemas.microsoft.com/office/drawing/2010/main" val="0"/>
+              </a:ext>
+            </a:extLst>
+          </a:blip>
+          <a:stretch>
+            <a:fillRect/>
+          </a:stretch>
+        </p:blipFill>
+        <p:spPr>
+          <a:xfrm>
+            <a:off x="0" y="-1"/>
+            <a:ext cx="12192000" cy="6858001"/>
+          </a:xfrm>
+        </p:spPr>
+      </p:pic>
+    </p:spTree>
+    <p:extLst>
+      <p:ext uri="{BB962C8B-B14F-4D97-AF65-F5344CB8AC3E}">
+        <p14:creationId xmlns:p14="http://schemas.microsoft.com/office/powerpoint/2010/main" val="2516383217"/>
+      </p:ext>
+    </p:extLst>
+  </p:cSld>
+  <p:clrMapOvr>
+    <a:masterClrMapping/>
+  </p:clrMapOvr>
+  <p:timing>
+    <p:tnLst>
+      <p:par>
+        <p:cTn id="1" dur="indefinite" restart="never" nodeType="tmRoot"/>
+      </p:par>
+    </p:tnLst>
+  </p:timing>
 </p:sld>
 </file>
 

--- a/Documentação/PPT/Apresentação - LOL.pptx
+++ b/Documentação/PPT/Apresentação - LOL.pptx
@@ -6534,13 +6534,11 @@
       </p:grpSpPr>
       <p:pic>
         <p:nvPicPr>
-          <p:cNvPr id="4" name="Espaço Reservado para Conteúdo 3"/>
+          <p:cNvPr id="3" name="Imagem 2"/>
           <p:cNvPicPr>
-            <a:picLocks noGrp="1" noChangeAspect="1"/>
+            <a:picLocks noChangeAspect="1"/>
           </p:cNvPicPr>
-          <p:nvPr>
-            <p:ph idx="1"/>
-          </p:nvPr>
+          <p:nvPr/>
         </p:nvPicPr>
         <p:blipFill>
           <a:blip r:embed="rId2">
@@ -6556,9 +6554,12 @@
         </p:blipFill>
         <p:spPr>
           <a:xfrm>
-            <a:off x="0" y="0"/>
-            <a:ext cx="12192000" cy="6858000"/>
+            <a:off x="0" y="1"/>
+            <a:ext cx="12192000" cy="6819870"/>
           </a:xfrm>
+          <a:prstGeom prst="rect">
+            <a:avLst/>
+          </a:prstGeom>
         </p:spPr>
       </p:pic>
     </p:spTree>
@@ -18133,8 +18134,8 @@
   <p:clrMapOvr>
     <a:masterClrMapping/>
   </p:clrMapOvr>
-  <mc:AlternateContent xmlns:mc="http://schemas.openxmlformats.org/markup-compatibility/2006">
-    <mc:Choice xmlns:p14="http://schemas.microsoft.com/office/powerpoint/2010/main" Requires="p14">
+  <mc:AlternateContent xmlns:mc="http://schemas.openxmlformats.org/markup-compatibility/2006" xmlns:p14="http://schemas.microsoft.com/office/powerpoint/2010/main">
+    <mc:Choice Requires="p14">
       <p:timing>
         <p:tnLst>
           <p:par>
@@ -18847,7 +18848,7 @@
         </p:bldLst>
       </p:timing>
     </mc:Choice>
-    <mc:Fallback>
+    <mc:Fallback xmlns="">
       <p:timing>
         <p:tnLst>
           <p:par>
@@ -20059,8 +20060,8 @@
   <p:clrMapOvr>
     <a:masterClrMapping/>
   </p:clrMapOvr>
-  <mc:AlternateContent xmlns:mc="http://schemas.openxmlformats.org/markup-compatibility/2006">
-    <mc:Choice xmlns:p14="http://schemas.microsoft.com/office/powerpoint/2010/main" Requires="p14">
+  <mc:AlternateContent xmlns:mc="http://schemas.openxmlformats.org/markup-compatibility/2006" xmlns:p14="http://schemas.microsoft.com/office/powerpoint/2010/main">
+    <mc:Choice Requires="p14">
       <p:timing>
         <p:tnLst>
           <p:par>
@@ -20811,7 +20812,7 @@
         </p:bldLst>
       </p:timing>
     </mc:Choice>
-    <mc:Fallback>
+    <mc:Fallback xmlns="">
       <p:timing>
         <p:tnLst>
           <p:par>
@@ -22399,8 +22400,8 @@
   <p:clrMapOvr>
     <a:masterClrMapping/>
   </p:clrMapOvr>
-  <mc:AlternateContent xmlns:mc="http://schemas.openxmlformats.org/markup-compatibility/2006">
-    <mc:Choice xmlns:p14="http://schemas.microsoft.com/office/powerpoint/2010/main" Requires="p14">
+  <mc:AlternateContent xmlns:mc="http://schemas.openxmlformats.org/markup-compatibility/2006" xmlns:p14="http://schemas.microsoft.com/office/powerpoint/2010/main">
+    <mc:Choice Requires="p14">
       <p:timing>
         <p:tnLst>
           <p:par>
@@ -24151,7 +24152,7 @@
         </p:bldLst>
       </p:timing>
     </mc:Choice>
-    <mc:Fallback>
+    <mc:Fallback xmlns="">
       <p:timing>
         <p:tnLst>
           <p:par>

--- a/Documentação/PPT/Apresentação - LOL.pptx
+++ b/Documentação/PPT/Apresentação - LOL.pptx
@@ -7970,7 +7970,7 @@
           <a:lstStyle/>
           <a:p>
             <a:r>
-              <a:rPr lang="pt-BR" sz="3600" dirty="0" smtClean="0">
+              <a:rPr lang="pt-BR" sz="3600" b="1" dirty="0" smtClean="0">
                 <a:ln w="0"/>
                 <a:effectLst>
                   <a:outerShdw blurRad="38100" dist="19050" dir="2700000" algn="tl" rotWithShape="0">
@@ -7982,7 +7982,7 @@
               </a:rPr>
               <a:t>LUIZ FELIPE DIAS EKSTEIN</a:t>
             </a:r>
-            <a:endParaRPr lang="pt-BR" sz="3600" dirty="0">
+            <a:endParaRPr lang="pt-BR" sz="3600" b="1" dirty="0">
               <a:ln w="0"/>
               <a:effectLst>
                 <a:outerShdw blurRad="38100" dist="19050" dir="2700000" algn="tl" rotWithShape="0">
@@ -8018,7 +8018,7 @@
           <a:lstStyle/>
           <a:p>
             <a:r>
-              <a:rPr lang="pt-BR" sz="4000" dirty="0" smtClean="0">
+              <a:rPr lang="pt-BR" sz="4000" b="1" dirty="0" smtClean="0">
                 <a:ln w="0"/>
                 <a:effectLst>
                   <a:outerShdw blurRad="38100" dist="19050" dir="2700000" algn="tl" rotWithShape="0">
@@ -8030,7 +8030,7 @@
               </a:rPr>
               <a:t>1 ADS-B</a:t>
             </a:r>
-            <a:endParaRPr lang="pt-BR" sz="4000" dirty="0">
+            <a:endParaRPr lang="pt-BR" sz="4000" b="1" dirty="0">
               <a:ln w="0"/>
               <a:effectLst>
                 <a:outerShdw blurRad="38100" dist="19050" dir="2700000" algn="tl" rotWithShape="0">
@@ -8066,7 +8066,7 @@
           <a:lstStyle/>
           <a:p>
             <a:r>
-              <a:rPr lang="pt-BR" sz="4000" dirty="0" smtClean="0">
+              <a:rPr lang="pt-BR" sz="4000" b="1" dirty="0" smtClean="0">
                 <a:ln w="0"/>
                 <a:effectLst>
                   <a:outerShdw blurRad="38100" dist="19050" dir="2700000" algn="tl" rotWithShape="0">
@@ -8078,7 +8078,7 @@
               </a:rPr>
               <a:t>09/06/2021</a:t>
             </a:r>
-            <a:endParaRPr lang="pt-BR" sz="4000" dirty="0">
+            <a:endParaRPr lang="pt-BR" sz="4000" b="1" dirty="0">
               <a:ln w="0"/>
               <a:effectLst>
                 <a:outerShdw blurRad="38100" dist="19050" dir="2700000" algn="tl" rotWithShape="0">
@@ -8117,7 +8117,7 @@
           <a:lstStyle/>
           <a:p>
             <a:r>
-              <a:rPr lang="pt-BR" sz="3600" dirty="0" smtClean="0">
+              <a:rPr lang="pt-BR" sz="3600" b="1" dirty="0" smtClean="0">
                 <a:ln w="0">
                   <a:solidFill>
                     <a:schemeClr val="tx1"/>
@@ -8136,7 +8136,7 @@
               </a:rPr>
               <a:t>OBRIGADO</a:t>
             </a:r>
-            <a:endParaRPr lang="pt-BR" sz="4000" dirty="0">
+            <a:endParaRPr lang="pt-BR" sz="4000" b="1" dirty="0">
               <a:ln w="0">
                 <a:solidFill>
                   <a:schemeClr val="tx1"/>
@@ -8172,7 +8172,7 @@
           <a:lstStyle/>
           <a:p>
             <a:r>
-              <a:rPr lang="pt-BR" sz="3600" dirty="0" smtClean="0">
+              <a:rPr lang="pt-BR" sz="3600" b="1" dirty="0" smtClean="0">
                 <a:ln w="0"/>
                 <a:effectLst>
                   <a:outerShdw blurRad="38100" dist="19050" dir="2700000" algn="tl" rotWithShape="0">
@@ -8184,7 +8184,7 @@
               </a:rPr>
               <a:t>ANALISE DE DESENVOLVIMENTO E SISTEMAS</a:t>
             </a:r>
-            <a:endParaRPr lang="pt-BR" sz="3600" dirty="0">
+            <a:endParaRPr lang="pt-BR" sz="3600" b="1" dirty="0">
               <a:ln w="0"/>
               <a:effectLst>
                 <a:outerShdw blurRad="38100" dist="19050" dir="2700000" algn="tl" rotWithShape="0">
@@ -17968,7 +17968,7 @@
           <a:p>
             <a:pPr algn="ctr"/>
             <a:r>
-              <a:rPr lang="pt-BR" sz="3200" dirty="0" smtClean="0">
+              <a:rPr lang="pt-BR" sz="3200" b="1" dirty="0" smtClean="0">
                 <a:solidFill>
                   <a:schemeClr val="accent1">
                     <a:lumMod val="75000"/>
@@ -17978,7 +17978,7 @@
               </a:rPr>
               <a:t>CORES</a:t>
             </a:r>
-            <a:endParaRPr lang="pt-BR" sz="3200" dirty="0">
+            <a:endParaRPr lang="pt-BR" sz="3200" b="1" dirty="0">
               <a:solidFill>
                 <a:schemeClr val="accent1">
                   <a:lumMod val="75000"/>
@@ -18013,7 +18013,7 @@
           <a:p>
             <a:pPr lvl="1" algn="ctr"/>
             <a:r>
-              <a:rPr lang="pt-BR" sz="3200" dirty="0" smtClean="0">
+              <a:rPr lang="pt-BR" sz="3200" b="1" dirty="0" smtClean="0">
                 <a:solidFill>
                   <a:schemeClr val="accent1">
                     <a:lumMod val="75000"/>
@@ -18023,7 +18023,7 @@
               </a:rPr>
               <a:t>ORGANIZAÇÃO</a:t>
             </a:r>
-            <a:endParaRPr lang="pt-BR" sz="3200" dirty="0">
+            <a:endParaRPr lang="pt-BR" sz="3200" b="1" dirty="0">
               <a:solidFill>
                 <a:schemeClr val="accent1">
                   <a:lumMod val="75000"/>
@@ -18058,7 +18058,7 @@
           <a:p>
             <a:pPr algn="ctr"/>
             <a:r>
-              <a:rPr lang="pt-BR" sz="3200" dirty="0" smtClean="0">
+              <a:rPr lang="pt-BR" sz="3200" b="1" dirty="0" smtClean="0">
                 <a:solidFill>
                   <a:schemeClr val="accent1">
                     <a:lumMod val="75000"/>
@@ -18068,7 +18068,7 @@
               </a:rPr>
               <a:t>O JOGO</a:t>
             </a:r>
-            <a:endParaRPr lang="pt-BR" sz="3200" dirty="0">
+            <a:endParaRPr lang="pt-BR" sz="3200" b="1" dirty="0">
               <a:solidFill>
                 <a:schemeClr val="accent1">
                   <a:lumMod val="75000"/>
@@ -18103,7 +18103,7 @@
           <a:p>
             <a:pPr algn="ctr"/>
             <a:r>
-              <a:rPr lang="pt-BR" sz="3200" dirty="0" smtClean="0">
+              <a:rPr lang="pt-BR" sz="3200" b="1" dirty="0" smtClean="0">
                 <a:solidFill>
                   <a:schemeClr val="accent1">
                     <a:lumMod val="75000"/>
@@ -18113,7 +18113,7 @@
               </a:rPr>
               <a:t>ESTILO</a:t>
             </a:r>
-            <a:endParaRPr lang="pt-BR" sz="3200" dirty="0">
+            <a:endParaRPr lang="pt-BR" sz="3200" b="1" dirty="0">
               <a:solidFill>
                 <a:schemeClr val="accent1">
                   <a:lumMod val="75000"/>
@@ -19880,7 +19880,7 @@
           <a:p>
             <a:pPr algn="ctr"/>
             <a:r>
-              <a:rPr lang="pt-BR" sz="3200" dirty="0" smtClean="0">
+              <a:rPr lang="pt-BR" sz="3200" b="1" dirty="0" smtClean="0">
                 <a:solidFill>
                   <a:schemeClr val="accent1">
                     <a:lumMod val="75000"/>
@@ -19890,7 +19890,7 @@
               </a:rPr>
               <a:t>HOMEOFFICE</a:t>
             </a:r>
-            <a:endParaRPr lang="pt-BR" sz="3200" dirty="0">
+            <a:endParaRPr lang="pt-BR" sz="3200" b="1" dirty="0">
               <a:solidFill>
                 <a:schemeClr val="accent1">
                   <a:lumMod val="75000"/>
@@ -19925,7 +19925,7 @@
           <a:p>
             <a:pPr algn="ctr"/>
             <a:r>
-              <a:rPr lang="pt-BR" sz="3200" dirty="0" smtClean="0">
+              <a:rPr lang="pt-BR" sz="3200" b="1" dirty="0" smtClean="0">
                 <a:solidFill>
                   <a:schemeClr val="accent1">
                     <a:lumMod val="75000"/>
@@ -19935,7 +19935,7 @@
               </a:rPr>
               <a:t>TÉCNICA</a:t>
             </a:r>
-            <a:endParaRPr lang="pt-BR" sz="3200" dirty="0">
+            <a:endParaRPr lang="pt-BR" sz="3200" b="1" dirty="0">
               <a:solidFill>
                 <a:schemeClr val="accent1">
                   <a:lumMod val="75000"/>
@@ -19970,7 +19970,7 @@
           <a:p>
             <a:pPr algn="ctr"/>
             <a:r>
-              <a:rPr lang="pt-BR" sz="3200" dirty="0" smtClean="0">
+              <a:rPr lang="pt-BR" sz="3200" b="1" dirty="0" smtClean="0">
                 <a:solidFill>
                   <a:schemeClr val="accent1">
                     <a:lumMod val="75000"/>
@@ -19980,7 +19980,7 @@
               </a:rPr>
               <a:t>TEMPO</a:t>
             </a:r>
-            <a:endParaRPr lang="pt-BR" sz="3200" dirty="0">
+            <a:endParaRPr lang="pt-BR" sz="3200" b="1" dirty="0">
               <a:solidFill>
                 <a:schemeClr val="accent1">
                   <a:lumMod val="75000"/>
@@ -20015,7 +20015,7 @@
           <a:p>
             <a:pPr algn="ctr"/>
             <a:r>
-              <a:rPr lang="pt-BR" sz="3200" dirty="0" smtClean="0">
+              <a:rPr lang="pt-BR" sz="3200" b="1" dirty="0" smtClean="0">
                 <a:solidFill>
                   <a:schemeClr val="accent1">
                     <a:lumMod val="75000"/>
@@ -20029,7 +20029,7 @@
           <a:p>
             <a:pPr algn="ctr"/>
             <a:r>
-              <a:rPr lang="pt-BR" sz="3200" dirty="0" smtClean="0">
+              <a:rPr lang="pt-BR" sz="3200" b="1" dirty="0" smtClean="0">
                 <a:solidFill>
                   <a:schemeClr val="accent1">
                     <a:lumMod val="75000"/>
@@ -20039,7 +20039,7 @@
               </a:rPr>
               <a:t>MAIOR</a:t>
             </a:r>
-            <a:endParaRPr lang="pt-BR" sz="3200" dirty="0">
+            <a:endParaRPr lang="pt-BR" sz="3200" b="1" dirty="0">
               <a:solidFill>
                 <a:schemeClr val="accent1">
                   <a:lumMod val="75000"/>
@@ -22234,7 +22234,7 @@
           <a:p>
             <a:pPr algn="ctr"/>
             <a:r>
-              <a:rPr lang="pt-BR" sz="3200" dirty="0" smtClean="0">
+              <a:rPr lang="pt-BR" sz="3200" b="1" dirty="0" smtClean="0">
                 <a:solidFill>
                   <a:schemeClr val="accent1">
                     <a:lumMod val="75000"/>
@@ -22244,7 +22244,7 @@
               </a:rPr>
               <a:t>DESISTÊNCIA</a:t>
             </a:r>
-            <a:endParaRPr lang="pt-BR" sz="3200" dirty="0">
+            <a:endParaRPr lang="pt-BR" sz="3200" b="1" dirty="0">
               <a:solidFill>
                 <a:schemeClr val="accent1">
                   <a:lumMod val="75000"/>
@@ -22279,7 +22279,7 @@
           <a:p>
             <a:pPr algn="ctr"/>
             <a:r>
-              <a:rPr lang="pt-BR" sz="3200" dirty="0" smtClean="0">
+              <a:rPr lang="pt-BR" sz="3200" b="1" dirty="0" smtClean="0">
                 <a:solidFill>
                   <a:schemeClr val="accent1">
                     <a:lumMod val="75000"/>
@@ -22289,7 +22289,7 @@
               </a:rPr>
               <a:t>FOCO</a:t>
             </a:r>
-            <a:endParaRPr lang="pt-BR" sz="3200" dirty="0">
+            <a:endParaRPr lang="pt-BR" sz="3200" b="1" dirty="0">
               <a:solidFill>
                 <a:schemeClr val="accent1">
                   <a:lumMod val="75000"/>
@@ -22324,7 +22324,7 @@
           <a:p>
             <a:pPr algn="ctr"/>
             <a:r>
-              <a:rPr lang="pt-BR" sz="3200" dirty="0" smtClean="0">
+              <a:rPr lang="pt-BR" sz="3200" b="1" dirty="0" smtClean="0">
                 <a:solidFill>
                   <a:schemeClr val="accent1">
                     <a:lumMod val="75000"/>
@@ -22334,7 +22334,7 @@
               </a:rPr>
               <a:t>INOVAR</a:t>
             </a:r>
-            <a:endParaRPr lang="pt-BR" sz="3200" dirty="0">
+            <a:endParaRPr lang="pt-BR" sz="3200" b="1" dirty="0">
               <a:solidFill>
                 <a:schemeClr val="accent1">
                   <a:lumMod val="75000"/>
@@ -22369,7 +22369,7 @@
           <a:p>
             <a:pPr algn="ctr"/>
             <a:r>
-              <a:rPr lang="pt-BR" sz="3200" dirty="0" smtClean="0">
+              <a:rPr lang="pt-BR" sz="3200" b="1" dirty="0" smtClean="0">
                 <a:solidFill>
                   <a:schemeClr val="accent1">
                     <a:lumMod val="75000"/>
@@ -22379,7 +22379,7 @@
               </a:rPr>
               <a:t>MEU EU</a:t>
             </a:r>
-            <a:endParaRPr lang="pt-BR" sz="3200" dirty="0">
+            <a:endParaRPr lang="pt-BR" sz="3200" b="1" dirty="0">
               <a:solidFill>
                 <a:schemeClr val="accent1">
                   <a:lumMod val="75000"/>

--- a/Documentação/PPT/Apresentação - LOL.pptx
+++ b/Documentação/PPT/Apresentação - LOL.pptx
@@ -14,12 +14,13 @@
     <p:sldId id="263" r:id="rId8"/>
     <p:sldId id="264" r:id="rId9"/>
     <p:sldId id="278" r:id="rId10"/>
-    <p:sldId id="265" r:id="rId11"/>
-    <p:sldId id="258" r:id="rId12"/>
-    <p:sldId id="259" r:id="rId13"/>
-    <p:sldId id="273" r:id="rId14"/>
-    <p:sldId id="274" r:id="rId15"/>
-    <p:sldId id="269" r:id="rId16"/>
+    <p:sldId id="279" r:id="rId11"/>
+    <p:sldId id="265" r:id="rId12"/>
+    <p:sldId id="258" r:id="rId13"/>
+    <p:sldId id="259" r:id="rId14"/>
+    <p:sldId id="273" r:id="rId15"/>
+    <p:sldId id="274" r:id="rId16"/>
+    <p:sldId id="269" r:id="rId17"/>
   </p:sldIdLst>
   <p:sldSz cx="12192000" cy="6858000"/>
   <p:notesSz cx="6858000" cy="9144000"/>
@@ -257,7 +258,7 @@
           <a:p>
             <a:fld id="{BA38CAE6-00E2-47BE-AE59-ACD9E0805BDA}" type="datetimeFigureOut">
               <a:rPr lang="pt-BR" smtClean="0"/>
-              <a:t>07/06/2021</a:t>
+              <a:t>09/06/2021</a:t>
             </a:fld>
             <a:endParaRPr lang="pt-BR"/>
           </a:p>
@@ -427,7 +428,7 @@
           <a:p>
             <a:fld id="{BA38CAE6-00E2-47BE-AE59-ACD9E0805BDA}" type="datetimeFigureOut">
               <a:rPr lang="pt-BR" smtClean="0"/>
-              <a:t>07/06/2021</a:t>
+              <a:t>09/06/2021</a:t>
             </a:fld>
             <a:endParaRPr lang="pt-BR"/>
           </a:p>
@@ -607,7 +608,7 @@
           <a:p>
             <a:fld id="{BA38CAE6-00E2-47BE-AE59-ACD9E0805BDA}" type="datetimeFigureOut">
               <a:rPr lang="pt-BR" smtClean="0"/>
-              <a:t>07/06/2021</a:t>
+              <a:t>09/06/2021</a:t>
             </a:fld>
             <a:endParaRPr lang="pt-BR"/>
           </a:p>
@@ -777,7 +778,7 @@
           <a:p>
             <a:fld id="{BA38CAE6-00E2-47BE-AE59-ACD9E0805BDA}" type="datetimeFigureOut">
               <a:rPr lang="pt-BR" smtClean="0"/>
-              <a:t>07/06/2021</a:t>
+              <a:t>09/06/2021</a:t>
             </a:fld>
             <a:endParaRPr lang="pt-BR"/>
           </a:p>
@@ -1023,7 +1024,7 @@
           <a:p>
             <a:fld id="{BA38CAE6-00E2-47BE-AE59-ACD9E0805BDA}" type="datetimeFigureOut">
               <a:rPr lang="pt-BR" smtClean="0"/>
-              <a:t>07/06/2021</a:t>
+              <a:t>09/06/2021</a:t>
             </a:fld>
             <a:endParaRPr lang="pt-BR"/>
           </a:p>
@@ -1255,7 +1256,7 @@
           <a:p>
             <a:fld id="{BA38CAE6-00E2-47BE-AE59-ACD9E0805BDA}" type="datetimeFigureOut">
               <a:rPr lang="pt-BR" smtClean="0"/>
-              <a:t>07/06/2021</a:t>
+              <a:t>09/06/2021</a:t>
             </a:fld>
             <a:endParaRPr lang="pt-BR"/>
           </a:p>
@@ -1622,7 +1623,7 @@
           <a:p>
             <a:fld id="{BA38CAE6-00E2-47BE-AE59-ACD9E0805BDA}" type="datetimeFigureOut">
               <a:rPr lang="pt-BR" smtClean="0"/>
-              <a:t>07/06/2021</a:t>
+              <a:t>09/06/2021</a:t>
             </a:fld>
             <a:endParaRPr lang="pt-BR"/>
           </a:p>
@@ -1740,7 +1741,7 @@
           <a:p>
             <a:fld id="{BA38CAE6-00E2-47BE-AE59-ACD9E0805BDA}" type="datetimeFigureOut">
               <a:rPr lang="pt-BR" smtClean="0"/>
-              <a:t>07/06/2021</a:t>
+              <a:t>09/06/2021</a:t>
             </a:fld>
             <a:endParaRPr lang="pt-BR"/>
           </a:p>
@@ -1835,7 +1836,7 @@
           <a:p>
             <a:fld id="{BA38CAE6-00E2-47BE-AE59-ACD9E0805BDA}" type="datetimeFigureOut">
               <a:rPr lang="pt-BR" smtClean="0"/>
-              <a:t>07/06/2021</a:t>
+              <a:t>09/06/2021</a:t>
             </a:fld>
             <a:endParaRPr lang="pt-BR"/>
           </a:p>
@@ -2112,7 +2113,7 @@
           <a:p>
             <a:fld id="{BA38CAE6-00E2-47BE-AE59-ACD9E0805BDA}" type="datetimeFigureOut">
               <a:rPr lang="pt-BR" smtClean="0"/>
-              <a:t>07/06/2021</a:t>
+              <a:t>09/06/2021</a:t>
             </a:fld>
             <a:endParaRPr lang="pt-BR"/>
           </a:p>
@@ -2365,7 +2366,7 @@
           <a:p>
             <a:fld id="{BA38CAE6-00E2-47BE-AE59-ACD9E0805BDA}" type="datetimeFigureOut">
               <a:rPr lang="pt-BR" smtClean="0"/>
-              <a:t>07/06/2021</a:t>
+              <a:t>09/06/2021</a:t>
             </a:fld>
             <a:endParaRPr lang="pt-BR"/>
           </a:p>
@@ -2578,7 +2579,7 @@
           <a:p>
             <a:fld id="{BA38CAE6-00E2-47BE-AE59-ACD9E0805BDA}" type="datetimeFigureOut">
               <a:rPr lang="pt-BR" smtClean="0"/>
-              <a:t>07/06/2021</a:t>
+              <a:t>09/06/2021</a:t>
             </a:fld>
             <a:endParaRPr lang="pt-BR"/>
           </a:p>
@@ -5668,6 +5669,648 @@
           <a:chExt cx="0" cy="0"/>
         </a:xfrm>
       </p:grpSpPr>
+      <p:sp>
+        <p:nvSpPr>
+          <p:cNvPr id="8" name="Retângulo"/>
+          <p:cNvSpPr/>
+          <p:nvPr/>
+        </p:nvSpPr>
+        <p:spPr>
+          <a:xfrm>
+            <a:off x="2438399" y="497696"/>
+            <a:ext cx="10624458" cy="1781270"/>
+          </a:xfrm>
+          <a:prstGeom prst="rect">
+            <a:avLst/>
+          </a:prstGeom>
+          <a:noFill/>
+          <a:ln w="76200">
+            <a:gradFill flip="none" rotWithShape="1">
+              <a:gsLst>
+                <a:gs pos="0">
+                  <a:srgbClr val="4BCBB9"/>
+                </a:gs>
+                <a:gs pos="100000">
+                  <a:schemeClr val="accent1">
+                    <a:lumMod val="30000"/>
+                    <a:lumOff val="70000"/>
+                  </a:schemeClr>
+                </a:gs>
+              </a:gsLst>
+              <a:lin ang="0" scaled="1"/>
+              <a:tileRect/>
+            </a:gradFill>
+          </a:ln>
+        </p:spPr>
+        <p:style>
+          <a:lnRef idx="2">
+            <a:schemeClr val="accent1">
+              <a:shade val="50000"/>
+            </a:schemeClr>
+          </a:lnRef>
+          <a:fillRef idx="1">
+            <a:schemeClr val="accent1"/>
+          </a:fillRef>
+          <a:effectRef idx="0">
+            <a:schemeClr val="accent1"/>
+          </a:effectRef>
+          <a:fontRef idx="minor">
+            <a:schemeClr val="lt1"/>
+          </a:fontRef>
+        </p:style>
+        <p:txBody>
+          <a:bodyPr rtlCol="0" anchor="ctr"/>
+          <a:lstStyle/>
+          <a:p>
+            <a:pPr algn="ctr"/>
+            <a:endParaRPr lang="pt-BR"/>
+          </a:p>
+        </p:txBody>
+      </p:sp>
+      <p:sp>
+        <p:nvSpPr>
+          <p:cNvPr id="9" name="LEAGUE OF LEGENDS"/>
+          <p:cNvSpPr txBox="1"/>
+          <p:nvPr/>
+        </p:nvSpPr>
+        <p:spPr>
+          <a:xfrm>
+            <a:off x="3169383" y="972832"/>
+            <a:ext cx="7750294" cy="830997"/>
+          </a:xfrm>
+          <a:prstGeom prst="rect">
+            <a:avLst/>
+          </a:prstGeom>
+          <a:noFill/>
+        </p:spPr>
+        <p:txBody>
+          <a:bodyPr wrap="square" rtlCol="0">
+            <a:spAutoFit/>
+          </a:bodyPr>
+          <a:lstStyle/>
+          <a:p>
+            <a:r>
+              <a:rPr lang="pt-BR" sz="4800" dirty="0" smtClean="0">
+                <a:solidFill>
+                  <a:schemeClr val="bg1"/>
+                </a:solidFill>
+              </a:rPr>
+              <a:t>Métrica de dados por idade</a:t>
+            </a:r>
+            <a:endParaRPr lang="pt-BR" sz="4800" dirty="0">
+              <a:solidFill>
+                <a:schemeClr val="bg1"/>
+              </a:solidFill>
+            </a:endParaRPr>
+          </a:p>
+        </p:txBody>
+      </p:sp>
+      <p:pic>
+        <p:nvPicPr>
+          <p:cNvPr id="4" name="Imagem 3"/>
+          <p:cNvPicPr>
+            <a:picLocks noChangeAspect="1"/>
+          </p:cNvPicPr>
+          <p:nvPr/>
+        </p:nvPicPr>
+        <p:blipFill>
+          <a:blip r:embed="rId3"/>
+          <a:stretch>
+            <a:fillRect/>
+          </a:stretch>
+        </p:blipFill>
+        <p:spPr>
+          <a:xfrm>
+            <a:off x="2958904" y="2537628"/>
+            <a:ext cx="6548847" cy="4129160"/>
+          </a:xfrm>
+          <a:prstGeom prst="rect">
+            <a:avLst/>
+          </a:prstGeom>
+        </p:spPr>
+      </p:pic>
+    </p:spTree>
+    <p:extLst>
+      <p:ext uri="{BB962C8B-B14F-4D97-AF65-F5344CB8AC3E}">
+        <p14:creationId xmlns:p14="http://schemas.microsoft.com/office/powerpoint/2010/main" val="1931561185"/>
+      </p:ext>
+    </p:extLst>
+  </p:cSld>
+  <p:clrMapOvr>
+    <a:masterClrMapping/>
+  </p:clrMapOvr>
+  <mc:AlternateContent xmlns:mc="http://schemas.openxmlformats.org/markup-compatibility/2006">
+    <mc:Choice xmlns:p14="http://schemas.microsoft.com/office/powerpoint/2010/main" Requires="p14">
+      <p:timing>
+        <p:tnLst>
+          <p:par>
+            <p:cTn id="1" dur="indefinite" restart="never" nodeType="tmRoot">
+              <p:childTnLst>
+                <p:seq concurrent="1" nextAc="seek">
+                  <p:cTn id="2" dur="indefinite" nodeType="mainSeq">
+                    <p:childTnLst>
+                      <p:par>
+                        <p:cTn id="3" fill="hold">
+                          <p:stCondLst>
+                            <p:cond delay="indefinite"/>
+                            <p:cond evt="onBegin" delay="0">
+                              <p:tn val="2"/>
+                            </p:cond>
+                          </p:stCondLst>
+                          <p:childTnLst>
+                            <p:par>
+                              <p:cTn id="4" fill="hold">
+                                <p:stCondLst>
+                                  <p:cond delay="0"/>
+                                </p:stCondLst>
+                                <p:childTnLst>
+                                  <p:par>
+                                    <p:cTn id="5" presetID="2" presetClass="entr" presetSubtype="2" fill="hold" grpId="0" nodeType="withEffect" p14:presetBounceEnd="30000">
+                                      <p:stCondLst>
+                                        <p:cond delay="300"/>
+                                      </p:stCondLst>
+                                      <p:childTnLst>
+                                        <p:set>
+                                          <p:cBhvr>
+                                            <p:cTn id="6" dur="1" fill="hold">
+                                              <p:stCondLst>
+                                                <p:cond delay="0"/>
+                                              </p:stCondLst>
+                                            </p:cTn>
+                                            <p:tgtEl>
+                                              <p:spTgt spid="8"/>
+                                            </p:tgtEl>
+                                            <p:attrNameLst>
+                                              <p:attrName>style.visibility</p:attrName>
+                                            </p:attrNameLst>
+                                          </p:cBhvr>
+                                          <p:to>
+                                            <p:strVal val="visible"/>
+                                          </p:to>
+                                        </p:set>
+                                        <p:anim calcmode="lin" valueType="num" p14:bounceEnd="30000">
+                                          <p:cBhvr additive="base">
+                                            <p:cTn id="7" dur="500" fill="hold"/>
+                                            <p:tgtEl>
+                                              <p:spTgt spid="8"/>
+                                            </p:tgtEl>
+                                            <p:attrNameLst>
+                                              <p:attrName>ppt_x</p:attrName>
+                                            </p:attrNameLst>
+                                          </p:cBhvr>
+                                          <p:tavLst>
+                                            <p:tav tm="0">
+                                              <p:val>
+                                                <p:strVal val="1+#ppt_w/2"/>
+                                              </p:val>
+                                            </p:tav>
+                                            <p:tav tm="100000">
+                                              <p:val>
+                                                <p:strVal val="#ppt_x"/>
+                                              </p:val>
+                                            </p:tav>
+                                          </p:tavLst>
+                                        </p:anim>
+                                        <p:anim calcmode="lin" valueType="num" p14:bounceEnd="30000">
+                                          <p:cBhvr additive="base">
+                                            <p:cTn id="8" dur="500" fill="hold"/>
+                                            <p:tgtEl>
+                                              <p:spTgt spid="8"/>
+                                            </p:tgtEl>
+                                            <p:attrNameLst>
+                                              <p:attrName>ppt_y</p:attrName>
+                                            </p:attrNameLst>
+                                          </p:cBhvr>
+                                          <p:tavLst>
+                                            <p:tav tm="0">
+                                              <p:val>
+                                                <p:strVal val="#ppt_y"/>
+                                              </p:val>
+                                            </p:tav>
+                                            <p:tav tm="100000">
+                                              <p:val>
+                                                <p:strVal val="#ppt_y"/>
+                                              </p:val>
+                                            </p:tav>
+                                          </p:tavLst>
+                                        </p:anim>
+                                      </p:childTnLst>
+                                    </p:cTn>
+                                  </p:par>
+                                  <p:par>
+                                    <p:cTn id="9" presetID="22" presetClass="entr" presetSubtype="8" fill="hold" grpId="0" nodeType="withEffect">
+                                      <p:stCondLst>
+                                        <p:cond delay="700"/>
+                                      </p:stCondLst>
+                                      <p:childTnLst>
+                                        <p:set>
+                                          <p:cBhvr>
+                                            <p:cTn id="10" dur="1" fill="hold">
+                                              <p:stCondLst>
+                                                <p:cond delay="0"/>
+                                              </p:stCondLst>
+                                            </p:cTn>
+                                            <p:tgtEl>
+                                              <p:spTgt spid="9"/>
+                                            </p:tgtEl>
+                                            <p:attrNameLst>
+                                              <p:attrName>style.visibility</p:attrName>
+                                            </p:attrNameLst>
+                                          </p:cBhvr>
+                                          <p:to>
+                                            <p:strVal val="visible"/>
+                                          </p:to>
+                                        </p:set>
+                                        <p:animEffect transition="in" filter="wipe(left)">
+                                          <p:cBhvr>
+                                            <p:cTn id="11" dur="500"/>
+                                            <p:tgtEl>
+                                              <p:spTgt spid="9"/>
+                                            </p:tgtEl>
+                                          </p:cBhvr>
+                                        </p:animEffect>
+                                      </p:childTnLst>
+                                    </p:cTn>
+                                  </p:par>
+                                  <p:par>
+                                    <p:cTn id="12" presetID="2" presetClass="entr" presetSubtype="4" fill="hold" nodeType="withEffect">
+                                      <p:stCondLst>
+                                        <p:cond delay="1200"/>
+                                      </p:stCondLst>
+                                      <p:childTnLst>
+                                        <p:set>
+                                          <p:cBhvr>
+                                            <p:cTn id="13" dur="1" fill="hold">
+                                              <p:stCondLst>
+                                                <p:cond delay="0"/>
+                                              </p:stCondLst>
+                                            </p:cTn>
+                                            <p:tgtEl>
+                                              <p:spTgt spid="4"/>
+                                            </p:tgtEl>
+                                            <p:attrNameLst>
+                                              <p:attrName>style.visibility</p:attrName>
+                                            </p:attrNameLst>
+                                          </p:cBhvr>
+                                          <p:to>
+                                            <p:strVal val="visible"/>
+                                          </p:to>
+                                        </p:set>
+                                        <p:anim calcmode="lin" valueType="num">
+                                          <p:cBhvr additive="base">
+                                            <p:cTn id="14" dur="500" fill="hold"/>
+                                            <p:tgtEl>
+                                              <p:spTgt spid="4"/>
+                                            </p:tgtEl>
+                                            <p:attrNameLst>
+                                              <p:attrName>ppt_x</p:attrName>
+                                            </p:attrNameLst>
+                                          </p:cBhvr>
+                                          <p:tavLst>
+                                            <p:tav tm="0">
+                                              <p:val>
+                                                <p:strVal val="#ppt_x"/>
+                                              </p:val>
+                                            </p:tav>
+                                            <p:tav tm="100000">
+                                              <p:val>
+                                                <p:strVal val="#ppt_x"/>
+                                              </p:val>
+                                            </p:tav>
+                                          </p:tavLst>
+                                        </p:anim>
+                                        <p:anim calcmode="lin" valueType="num">
+                                          <p:cBhvr additive="base">
+                                            <p:cTn id="15" dur="500" fill="hold"/>
+                                            <p:tgtEl>
+                                              <p:spTgt spid="4"/>
+                                            </p:tgtEl>
+                                            <p:attrNameLst>
+                                              <p:attrName>ppt_y</p:attrName>
+                                            </p:attrNameLst>
+                                          </p:cBhvr>
+                                          <p:tavLst>
+                                            <p:tav tm="0">
+                                              <p:val>
+                                                <p:strVal val="1+#ppt_h/2"/>
+                                              </p:val>
+                                            </p:tav>
+                                            <p:tav tm="100000">
+                                              <p:val>
+                                                <p:strVal val="#ppt_y"/>
+                                              </p:val>
+                                            </p:tav>
+                                          </p:tavLst>
+                                        </p:anim>
+                                      </p:childTnLst>
+                                    </p:cTn>
+                                  </p:par>
+                                </p:childTnLst>
+                              </p:cTn>
+                            </p:par>
+                          </p:childTnLst>
+                        </p:cTn>
+                      </p:par>
+                    </p:childTnLst>
+                  </p:cTn>
+                  <p:prevCondLst>
+                    <p:cond evt="onPrev" delay="0">
+                      <p:tgtEl>
+                        <p:sldTgt/>
+                      </p:tgtEl>
+                    </p:cond>
+                  </p:prevCondLst>
+                  <p:nextCondLst>
+                    <p:cond evt="onNext" delay="0">
+                      <p:tgtEl>
+                        <p:sldTgt/>
+                      </p:tgtEl>
+                    </p:cond>
+                  </p:nextCondLst>
+                </p:seq>
+              </p:childTnLst>
+            </p:cTn>
+          </p:par>
+        </p:tnLst>
+        <p:bldLst>
+          <p:bldP spid="8" grpId="0" animBg="1"/>
+          <p:bldP spid="9" grpId="0"/>
+        </p:bldLst>
+      </p:timing>
+    </mc:Choice>
+    <mc:Fallback>
+      <p:timing>
+        <p:tnLst>
+          <p:par>
+            <p:cTn id="1" dur="indefinite" restart="never" nodeType="tmRoot">
+              <p:childTnLst>
+                <p:seq concurrent="1" nextAc="seek">
+                  <p:cTn id="2" dur="indefinite" nodeType="mainSeq">
+                    <p:childTnLst>
+                      <p:par>
+                        <p:cTn id="3" fill="hold">
+                          <p:stCondLst>
+                            <p:cond delay="indefinite"/>
+                            <p:cond evt="onBegin" delay="0">
+                              <p:tn val="2"/>
+                            </p:cond>
+                          </p:stCondLst>
+                          <p:childTnLst>
+                            <p:par>
+                              <p:cTn id="4" fill="hold">
+                                <p:stCondLst>
+                                  <p:cond delay="0"/>
+                                </p:stCondLst>
+                                <p:childTnLst>
+                                  <p:par>
+                                    <p:cTn id="5" presetID="2" presetClass="entr" presetSubtype="2" fill="hold" grpId="0" nodeType="withEffect">
+                                      <p:stCondLst>
+                                        <p:cond delay="300"/>
+                                      </p:stCondLst>
+                                      <p:childTnLst>
+                                        <p:set>
+                                          <p:cBhvr>
+                                            <p:cTn id="6" dur="1" fill="hold">
+                                              <p:stCondLst>
+                                                <p:cond delay="0"/>
+                                              </p:stCondLst>
+                                            </p:cTn>
+                                            <p:tgtEl>
+                                              <p:spTgt spid="8"/>
+                                            </p:tgtEl>
+                                            <p:attrNameLst>
+                                              <p:attrName>style.visibility</p:attrName>
+                                            </p:attrNameLst>
+                                          </p:cBhvr>
+                                          <p:to>
+                                            <p:strVal val="visible"/>
+                                          </p:to>
+                                        </p:set>
+                                        <p:anim calcmode="lin" valueType="num">
+                                          <p:cBhvr additive="base">
+                                            <p:cTn id="7" dur="500" fill="hold"/>
+                                            <p:tgtEl>
+                                              <p:spTgt spid="8"/>
+                                            </p:tgtEl>
+                                            <p:attrNameLst>
+                                              <p:attrName>ppt_x</p:attrName>
+                                            </p:attrNameLst>
+                                          </p:cBhvr>
+                                          <p:tavLst>
+                                            <p:tav tm="0">
+                                              <p:val>
+                                                <p:strVal val="1+#ppt_w/2"/>
+                                              </p:val>
+                                            </p:tav>
+                                            <p:tav tm="100000">
+                                              <p:val>
+                                                <p:strVal val="#ppt_x"/>
+                                              </p:val>
+                                            </p:tav>
+                                          </p:tavLst>
+                                        </p:anim>
+                                        <p:anim calcmode="lin" valueType="num">
+                                          <p:cBhvr additive="base">
+                                            <p:cTn id="8" dur="500" fill="hold"/>
+                                            <p:tgtEl>
+                                              <p:spTgt spid="8"/>
+                                            </p:tgtEl>
+                                            <p:attrNameLst>
+                                              <p:attrName>ppt_y</p:attrName>
+                                            </p:attrNameLst>
+                                          </p:cBhvr>
+                                          <p:tavLst>
+                                            <p:tav tm="0">
+                                              <p:val>
+                                                <p:strVal val="#ppt_y"/>
+                                              </p:val>
+                                            </p:tav>
+                                            <p:tav tm="100000">
+                                              <p:val>
+                                                <p:strVal val="#ppt_y"/>
+                                              </p:val>
+                                            </p:tav>
+                                          </p:tavLst>
+                                        </p:anim>
+                                      </p:childTnLst>
+                                    </p:cTn>
+                                  </p:par>
+                                  <p:par>
+                                    <p:cTn id="9" presetID="22" presetClass="entr" presetSubtype="8" fill="hold" grpId="0" nodeType="withEffect">
+                                      <p:stCondLst>
+                                        <p:cond delay="700"/>
+                                      </p:stCondLst>
+                                      <p:childTnLst>
+                                        <p:set>
+                                          <p:cBhvr>
+                                            <p:cTn id="10" dur="1" fill="hold">
+                                              <p:stCondLst>
+                                                <p:cond delay="0"/>
+                                              </p:stCondLst>
+                                            </p:cTn>
+                                            <p:tgtEl>
+                                              <p:spTgt spid="9"/>
+                                            </p:tgtEl>
+                                            <p:attrNameLst>
+                                              <p:attrName>style.visibility</p:attrName>
+                                            </p:attrNameLst>
+                                          </p:cBhvr>
+                                          <p:to>
+                                            <p:strVal val="visible"/>
+                                          </p:to>
+                                        </p:set>
+                                        <p:animEffect transition="in" filter="wipe(left)">
+                                          <p:cBhvr>
+                                            <p:cTn id="11" dur="500"/>
+                                            <p:tgtEl>
+                                              <p:spTgt spid="9"/>
+                                            </p:tgtEl>
+                                          </p:cBhvr>
+                                        </p:animEffect>
+                                      </p:childTnLst>
+                                    </p:cTn>
+                                  </p:par>
+                                  <p:par>
+                                    <p:cTn id="12" presetID="2" presetClass="entr" presetSubtype="4" fill="hold" nodeType="withEffect">
+                                      <p:stCondLst>
+                                        <p:cond delay="1200"/>
+                                      </p:stCondLst>
+                                      <p:childTnLst>
+                                        <p:set>
+                                          <p:cBhvr>
+                                            <p:cTn id="13" dur="1" fill="hold">
+                                              <p:stCondLst>
+                                                <p:cond delay="0"/>
+                                              </p:stCondLst>
+                                            </p:cTn>
+                                            <p:tgtEl>
+                                              <p:spTgt spid="4"/>
+                                            </p:tgtEl>
+                                            <p:attrNameLst>
+                                              <p:attrName>style.visibility</p:attrName>
+                                            </p:attrNameLst>
+                                          </p:cBhvr>
+                                          <p:to>
+                                            <p:strVal val="visible"/>
+                                          </p:to>
+                                        </p:set>
+                                        <p:anim calcmode="lin" valueType="num">
+                                          <p:cBhvr additive="base">
+                                            <p:cTn id="14" dur="500" fill="hold"/>
+                                            <p:tgtEl>
+                                              <p:spTgt spid="4"/>
+                                            </p:tgtEl>
+                                            <p:attrNameLst>
+                                              <p:attrName>ppt_x</p:attrName>
+                                            </p:attrNameLst>
+                                          </p:cBhvr>
+                                          <p:tavLst>
+                                            <p:tav tm="0">
+                                              <p:val>
+                                                <p:strVal val="#ppt_x"/>
+                                              </p:val>
+                                            </p:tav>
+                                            <p:tav tm="100000">
+                                              <p:val>
+                                                <p:strVal val="#ppt_x"/>
+                                              </p:val>
+                                            </p:tav>
+                                          </p:tavLst>
+                                        </p:anim>
+                                        <p:anim calcmode="lin" valueType="num">
+                                          <p:cBhvr additive="base">
+                                            <p:cTn id="15" dur="500" fill="hold"/>
+                                            <p:tgtEl>
+                                              <p:spTgt spid="4"/>
+                                            </p:tgtEl>
+                                            <p:attrNameLst>
+                                              <p:attrName>ppt_y</p:attrName>
+                                            </p:attrNameLst>
+                                          </p:cBhvr>
+                                          <p:tavLst>
+                                            <p:tav tm="0">
+                                              <p:val>
+                                                <p:strVal val="1+#ppt_h/2"/>
+                                              </p:val>
+                                            </p:tav>
+                                            <p:tav tm="100000">
+                                              <p:val>
+                                                <p:strVal val="#ppt_y"/>
+                                              </p:val>
+                                            </p:tav>
+                                          </p:tavLst>
+                                        </p:anim>
+                                      </p:childTnLst>
+                                    </p:cTn>
+                                  </p:par>
+                                </p:childTnLst>
+                              </p:cTn>
+                            </p:par>
+                          </p:childTnLst>
+                        </p:cTn>
+                      </p:par>
+                    </p:childTnLst>
+                  </p:cTn>
+                  <p:prevCondLst>
+                    <p:cond evt="onPrev" delay="0">
+                      <p:tgtEl>
+                        <p:sldTgt/>
+                      </p:tgtEl>
+                    </p:cond>
+                  </p:prevCondLst>
+                  <p:nextCondLst>
+                    <p:cond evt="onNext" delay="0">
+                      <p:tgtEl>
+                        <p:sldTgt/>
+                      </p:tgtEl>
+                    </p:cond>
+                  </p:nextCondLst>
+                </p:seq>
+              </p:childTnLst>
+            </p:cTn>
+          </p:par>
+        </p:tnLst>
+        <p:bldLst>
+          <p:bldP spid="8" grpId="0" animBg="1"/>
+          <p:bldP spid="9" grpId="0"/>
+        </p:bldLst>
+      </p:timing>
+    </mc:Fallback>
+  </mc:AlternateContent>
+</p:sld>
+</file>
+
+<file path=ppt/slides/slide11.xml><?xml version="1.0" encoding="utf-8"?>
+<p:sld xmlns:a="http://schemas.openxmlformats.org/drawingml/2006/main" xmlns:r="http://schemas.openxmlformats.org/officeDocument/2006/relationships" xmlns:p="http://schemas.openxmlformats.org/presentationml/2006/main">
+  <p:cSld>
+    <p:bg>
+      <p:bgPr>
+        <a:blipFill dpi="0" rotWithShape="1">
+          <a:blip r:embed="rId2">
+            <a:lum/>
+          </a:blip>
+          <a:srcRect/>
+          <a:stretch>
+            <a:fillRect/>
+          </a:stretch>
+        </a:blipFill>
+        <a:effectLst/>
+      </p:bgPr>
+    </p:bg>
+    <p:spTree>
+      <p:nvGrpSpPr>
+        <p:cNvPr id="1" name=""/>
+        <p:cNvGrpSpPr/>
+        <p:nvPr/>
+      </p:nvGrpSpPr>
+      <p:grpSpPr>
+        <a:xfrm>
+          <a:off x="0" y="0"/>
+          <a:ext cx="0" cy="0"/>
+          <a:chOff x="0" y="0"/>
+          <a:chExt cx="0" cy="0"/>
+        </a:xfrm>
+      </p:grpSpPr>
       <p:pic>
         <p:nvPicPr>
           <p:cNvPr id="2" name="Imagem 1"/>
@@ -6449,7 +7092,7 @@
 </p:sld>
 </file>
 
-<file path=ppt/slides/slide11.xml><?xml version="1.0" encoding="utf-8"?>
+<file path=ppt/slides/slide12.xml><?xml version="1.0" encoding="utf-8"?>
 <p:sld xmlns:a="http://schemas.openxmlformats.org/drawingml/2006/main" xmlns:r="http://schemas.openxmlformats.org/officeDocument/2006/relationships" xmlns:p="http://schemas.openxmlformats.org/presentationml/2006/main">
   <p:cSld>
     <p:spTree>
@@ -6515,7 +7158,7 @@
 </p:sld>
 </file>
 
-<file path=ppt/slides/slide12.xml><?xml version="1.0" encoding="utf-8"?>
+<file path=ppt/slides/slide13.xml><?xml version="1.0" encoding="utf-8"?>
 <p:sld xmlns:a="http://schemas.openxmlformats.org/drawingml/2006/main" xmlns:r="http://schemas.openxmlformats.org/officeDocument/2006/relationships" xmlns:p="http://schemas.openxmlformats.org/presentationml/2006/main">
   <p:cSld>
     <p:spTree>
@@ -6582,7 +7225,7 @@
 </p:sld>
 </file>
 
-<file path=ppt/slides/slide13.xml><?xml version="1.0" encoding="utf-8"?>
+<file path=ppt/slides/slide14.xml><?xml version="1.0" encoding="utf-8"?>
 <p:sld xmlns:a="http://schemas.openxmlformats.org/drawingml/2006/main" xmlns:r="http://schemas.openxmlformats.org/officeDocument/2006/relationships" xmlns:p="http://schemas.openxmlformats.org/presentationml/2006/main">
   <p:cSld>
     <p:bg>
@@ -7114,7 +7757,7 @@
 </p:sld>
 </file>
 
-<file path=ppt/slides/slide14.xml><?xml version="1.0" encoding="utf-8"?>
+<file path=ppt/slides/slide15.xml><?xml version="1.0" encoding="utf-8"?>
 <p:sld xmlns:a="http://schemas.openxmlformats.org/drawingml/2006/main" xmlns:r="http://schemas.openxmlformats.org/officeDocument/2006/relationships" xmlns:p="http://schemas.openxmlformats.org/presentationml/2006/main">
   <p:cSld>
     <p:bg>
@@ -7756,7 +8399,7 @@
 </p:sld>
 </file>
 
-<file path=ppt/slides/slide15.xml><?xml version="1.0" encoding="utf-8"?>
+<file path=ppt/slides/slide16.xml><?xml version="1.0" encoding="utf-8"?>
 <p:sld xmlns:a="http://schemas.openxmlformats.org/drawingml/2006/main" xmlns:r="http://schemas.openxmlformats.org/officeDocument/2006/relationships" xmlns:p="http://schemas.openxmlformats.org/presentationml/2006/main">
   <p:cSld>
     <p:bg>
